--- a/design_patterns/ppt/Design Patterns.pptx
+++ b/design_patterns/ppt/Design Patterns.pptx
@@ -6,19 +6,39 @@
   </p:sldMasterIdLst>
   <p:sldIdLst>
     <p:sldId id="256" r:id="rId2"/>
-    <p:sldId id="265" r:id="rId3"/>
-    <p:sldId id="266" r:id="rId4"/>
-    <p:sldId id="267" r:id="rId5"/>
-    <p:sldId id="268" r:id="rId6"/>
-    <p:sldId id="269" r:id="rId7"/>
-    <p:sldId id="257" r:id="rId8"/>
-    <p:sldId id="258" r:id="rId9"/>
-    <p:sldId id="259" r:id="rId10"/>
-    <p:sldId id="260" r:id="rId11"/>
-    <p:sldId id="261" r:id="rId12"/>
-    <p:sldId id="262" r:id="rId13"/>
-    <p:sldId id="263" r:id="rId14"/>
-    <p:sldId id="264" r:id="rId15"/>
+    <p:sldId id="291" r:id="rId3"/>
+    <p:sldId id="265" r:id="rId4"/>
+    <p:sldId id="266" r:id="rId5"/>
+    <p:sldId id="292" r:id="rId6"/>
+    <p:sldId id="267" r:id="rId7"/>
+    <p:sldId id="268" r:id="rId8"/>
+    <p:sldId id="269" r:id="rId9"/>
+    <p:sldId id="257" r:id="rId10"/>
+    <p:sldId id="258" r:id="rId11"/>
+    <p:sldId id="259" r:id="rId12"/>
+    <p:sldId id="260" r:id="rId13"/>
+    <p:sldId id="261" r:id="rId14"/>
+    <p:sldId id="263" r:id="rId15"/>
+    <p:sldId id="264" r:id="rId16"/>
+    <p:sldId id="271" r:id="rId17"/>
+    <p:sldId id="272" r:id="rId18"/>
+    <p:sldId id="273" r:id="rId19"/>
+    <p:sldId id="275" r:id="rId20"/>
+    <p:sldId id="276" r:id="rId21"/>
+    <p:sldId id="277" r:id="rId22"/>
+    <p:sldId id="278" r:id="rId23"/>
+    <p:sldId id="279" r:id="rId24"/>
+    <p:sldId id="280" r:id="rId25"/>
+    <p:sldId id="281" r:id="rId26"/>
+    <p:sldId id="282" r:id="rId27"/>
+    <p:sldId id="283" r:id="rId28"/>
+    <p:sldId id="284" r:id="rId29"/>
+    <p:sldId id="285" r:id="rId30"/>
+    <p:sldId id="286" r:id="rId31"/>
+    <p:sldId id="287" r:id="rId32"/>
+    <p:sldId id="288" r:id="rId33"/>
+    <p:sldId id="289" r:id="rId34"/>
+    <p:sldId id="290" r:id="rId35"/>
   </p:sldIdLst>
   <p:sldSz cx="12192000" cy="6858000"/>
   <p:notesSz cx="6858000" cy="9144000"/>
@@ -256,7 +276,7 @@
           <a:p>
             <a:fld id="{2A966E6D-07E7-46E1-9AF3-AADF16949429}" type="datetimeFigureOut">
               <a:rPr lang="en-US" smtClean="0"/>
-              <a:t>9/22/2023</a:t>
+              <a:t>11/30/2023</a:t>
             </a:fld>
             <a:endParaRPr lang="en-US"/>
           </a:p>
@@ -426,7 +446,7 @@
           <a:p>
             <a:fld id="{2A966E6D-07E7-46E1-9AF3-AADF16949429}" type="datetimeFigureOut">
               <a:rPr lang="en-US" smtClean="0"/>
-              <a:t>9/22/2023</a:t>
+              <a:t>11/30/2023</a:t>
             </a:fld>
             <a:endParaRPr lang="en-US"/>
           </a:p>
@@ -606,7 +626,7 @@
           <a:p>
             <a:fld id="{2A966E6D-07E7-46E1-9AF3-AADF16949429}" type="datetimeFigureOut">
               <a:rPr lang="en-US" smtClean="0"/>
-              <a:t>9/22/2023</a:t>
+              <a:t>11/30/2023</a:t>
             </a:fld>
             <a:endParaRPr lang="en-US"/>
           </a:p>
@@ -776,7 +796,7 @@
           <a:p>
             <a:fld id="{2A966E6D-07E7-46E1-9AF3-AADF16949429}" type="datetimeFigureOut">
               <a:rPr lang="en-US" smtClean="0"/>
-              <a:t>9/22/2023</a:t>
+              <a:t>11/30/2023</a:t>
             </a:fld>
             <a:endParaRPr lang="en-US"/>
           </a:p>
@@ -1022,7 +1042,7 @@
           <a:p>
             <a:fld id="{2A966E6D-07E7-46E1-9AF3-AADF16949429}" type="datetimeFigureOut">
               <a:rPr lang="en-US" smtClean="0"/>
-              <a:t>9/22/2023</a:t>
+              <a:t>11/30/2023</a:t>
             </a:fld>
             <a:endParaRPr lang="en-US"/>
           </a:p>
@@ -1254,7 +1274,7 @@
           <a:p>
             <a:fld id="{2A966E6D-07E7-46E1-9AF3-AADF16949429}" type="datetimeFigureOut">
               <a:rPr lang="en-US" smtClean="0"/>
-              <a:t>9/22/2023</a:t>
+              <a:t>11/30/2023</a:t>
             </a:fld>
             <a:endParaRPr lang="en-US"/>
           </a:p>
@@ -1621,7 +1641,7 @@
           <a:p>
             <a:fld id="{2A966E6D-07E7-46E1-9AF3-AADF16949429}" type="datetimeFigureOut">
               <a:rPr lang="en-US" smtClean="0"/>
-              <a:t>9/22/2023</a:t>
+              <a:t>11/30/2023</a:t>
             </a:fld>
             <a:endParaRPr lang="en-US"/>
           </a:p>
@@ -1739,7 +1759,7 @@
           <a:p>
             <a:fld id="{2A966E6D-07E7-46E1-9AF3-AADF16949429}" type="datetimeFigureOut">
               <a:rPr lang="en-US" smtClean="0"/>
-              <a:t>9/22/2023</a:t>
+              <a:t>11/30/2023</a:t>
             </a:fld>
             <a:endParaRPr lang="en-US"/>
           </a:p>
@@ -1834,7 +1854,7 @@
           <a:p>
             <a:fld id="{2A966E6D-07E7-46E1-9AF3-AADF16949429}" type="datetimeFigureOut">
               <a:rPr lang="en-US" smtClean="0"/>
-              <a:t>9/22/2023</a:t>
+              <a:t>11/30/2023</a:t>
             </a:fld>
             <a:endParaRPr lang="en-US"/>
           </a:p>
@@ -2111,7 +2131,7 @@
           <a:p>
             <a:fld id="{2A966E6D-07E7-46E1-9AF3-AADF16949429}" type="datetimeFigureOut">
               <a:rPr lang="en-US" smtClean="0"/>
-              <a:t>9/22/2023</a:t>
+              <a:t>11/30/2023</a:t>
             </a:fld>
             <a:endParaRPr lang="en-US"/>
           </a:p>
@@ -2364,7 +2384,7 @@
           <a:p>
             <a:fld id="{2A966E6D-07E7-46E1-9AF3-AADF16949429}" type="datetimeFigureOut">
               <a:rPr lang="en-US" smtClean="0"/>
-              <a:t>9/22/2023</a:t>
+              <a:t>11/30/2023</a:t>
             </a:fld>
             <a:endParaRPr lang="en-US"/>
           </a:p>
@@ -2577,7 +2597,7 @@
           <a:p>
             <a:fld id="{2A966E6D-07E7-46E1-9AF3-AADF16949429}" type="datetimeFigureOut">
               <a:rPr lang="en-US" smtClean="0"/>
-              <a:t>9/22/2023</a:t>
+              <a:t>11/30/2023</a:t>
             </a:fld>
             <a:endParaRPr lang="en-US"/>
           </a:p>
@@ -3039,61 +3059,26 @@
           <a:chExt cx="0" cy="0"/>
         </a:xfrm>
       </p:grpSpPr>
-      <p:sp>
-        <p:nvSpPr>
-          <p:cNvPr id="2" name="Title 1"/>
-          <p:cNvSpPr>
-            <a:spLocks noGrp="1"/>
-          </p:cNvSpPr>
-          <p:nvPr>
-            <p:ph type="title"/>
-          </p:nvPr>
-        </p:nvSpPr>
-        <p:spPr>
-          <a:xfrm>
-            <a:off x="851262" y="1045029"/>
-            <a:ext cx="10515600" cy="1059724"/>
-          </a:xfrm>
-        </p:spPr>
-        <p:txBody>
-          <a:bodyPr>
-            <a:normAutofit/>
-          </a:bodyPr>
-          <a:lstStyle/>
-          <a:p>
-            <a:pPr algn="ctr"/>
-            <a:r>
-              <a:rPr lang="fa-IR" sz="2400" dirty="0" smtClean="0"/>
-              <a:t>چه نیازی داریم؟</a:t>
-            </a:r>
-            <a:endParaRPr lang="en-US" sz="2400" dirty="0"/>
-          </a:p>
-        </p:txBody>
-      </p:sp>
       <p:pic>
         <p:nvPicPr>
-          <p:cNvPr id="5" name="Picture 4"/>
+          <p:cNvPr id="6" name="Content Placeholder 5"/>
           <p:cNvPicPr>
-            <a:picLocks noChangeAspect="1"/>
+            <a:picLocks noGrp="1" noChangeAspect="1"/>
           </p:cNvPicPr>
-          <p:nvPr/>
+          <p:nvPr>
+            <p:ph idx="1"/>
+          </p:nvPr>
         </p:nvPicPr>
         <p:blipFill>
-          <a:blip r:embed="rId2">
-            <a:extLst>
-              <a:ext uri="{28A0092B-C50C-407E-A947-70E740481C1C}">
-                <a14:useLocalDpi xmlns:a14="http://schemas.microsoft.com/office/drawing/2010/main" val="0"/>
-              </a:ext>
-            </a:extLst>
-          </a:blip>
+          <a:blip r:embed="rId2"/>
           <a:stretch>
             <a:fillRect/>
           </a:stretch>
         </p:blipFill>
         <p:spPr>
           <a:xfrm>
-            <a:off x="2193471" y="2104753"/>
-            <a:ext cx="7364186" cy="3682093"/>
+            <a:off x="1250753" y="2312124"/>
+            <a:ext cx="9645682" cy="2340635"/>
           </a:xfrm>
           <a:prstGeom prst="rect">
             <a:avLst/>
@@ -3103,7 +3088,7 @@
     </p:spTree>
     <p:extLst>
       <p:ext uri="{BB962C8B-B14F-4D97-AF65-F5344CB8AC3E}">
-        <p14:creationId xmlns:p14="http://schemas.microsoft.com/office/powerpoint/2010/main" val="1249369418"/>
+        <p14:creationId xmlns:p14="http://schemas.microsoft.com/office/powerpoint/2010/main" val="314260955"/>
       </p:ext>
     </p:extLst>
   </p:cSld>
@@ -3142,8 +3127,8 @@
         </p:nvSpPr>
         <p:spPr>
           <a:xfrm>
-            <a:off x="851262" y="1045029"/>
-            <a:ext cx="10515600" cy="1059724"/>
+            <a:off x="877388" y="809897"/>
+            <a:ext cx="10515600" cy="3631475"/>
           </a:xfrm>
         </p:spPr>
         <p:txBody>
@@ -3152,25 +3137,35 @@
           </a:bodyPr>
           <a:lstStyle/>
           <a:p>
-            <a:pPr algn="ctr"/>
-            <a:r>
-              <a:rPr lang="en-US" sz="2400" dirty="0" smtClean="0"/>
-              <a:t>SHARED RESOURCES</a:t>
+            <a:r>
+              <a:rPr lang="en-US" sz="2400" dirty="0"/>
+              <a:t>Singleton is a </a:t>
+            </a:r>
+            <a:r>
+              <a:rPr lang="en-US" sz="2400" b="1" dirty="0"/>
+              <a:t>creational</a:t>
+            </a:r>
+            <a:r>
+              <a:rPr lang="en-US" sz="2400" dirty="0"/>
+              <a:t> design pattern that lets you ensure that a class has only one instance, while providing a global access point to this instance.</a:t>
             </a:r>
             <a:br>
-              <a:rPr lang="en-US" sz="2400" dirty="0" smtClean="0"/>
+              <a:rPr lang="en-US" sz="2400" dirty="0"/>
             </a:br>
             <a:r>
-              <a:rPr lang="en-US" sz="2400" dirty="0" smtClean="0"/>
-              <a:t>DATABASE</a:t>
-            </a:r>
+              <a:rPr lang="en-US" sz="2400" dirty="0"/>
+              <a:t/>
+            </a:r>
+            <a:br>
+              <a:rPr lang="en-US" sz="2400" dirty="0"/>
+            </a:br>
             <a:endParaRPr lang="en-US" sz="2400" dirty="0"/>
           </a:p>
         </p:txBody>
       </p:sp>
       <p:pic>
         <p:nvPicPr>
-          <p:cNvPr id="5" name="Picture 4"/>
+          <p:cNvPr id="4" name="Picture 3"/>
           <p:cNvPicPr>
             <a:picLocks noChangeAspect="1"/>
           </p:cNvPicPr>
@@ -3190,8 +3185,8 @@
         </p:blipFill>
         <p:spPr>
           <a:xfrm>
-            <a:off x="2193471" y="2104753"/>
-            <a:ext cx="7364186" cy="3682093"/>
+            <a:off x="2695303" y="2895600"/>
+            <a:ext cx="6096000" cy="3810000"/>
           </a:xfrm>
           <a:prstGeom prst="rect">
             <a:avLst/>
@@ -3201,7 +3196,7 @@
     </p:spTree>
     <p:extLst>
       <p:ext uri="{BB962C8B-B14F-4D97-AF65-F5344CB8AC3E}">
-        <p14:creationId xmlns:p14="http://schemas.microsoft.com/office/powerpoint/2010/main" val="3349202541"/>
+        <p14:creationId xmlns:p14="http://schemas.microsoft.com/office/powerpoint/2010/main" val="744396473"/>
       </p:ext>
     </p:extLst>
   </p:cSld>
@@ -3252,15 +3247,8 @@
           <a:p>
             <a:pPr algn="ctr"/>
             <a:r>
-              <a:rPr lang="en-US" sz="2400" dirty="0" smtClean="0"/>
-              <a:t>SHARED RESOURCES</a:t>
-            </a:r>
-            <a:br>
-              <a:rPr lang="en-US" sz="2400" dirty="0" smtClean="0"/>
-            </a:br>
-            <a:r>
-              <a:rPr lang="en-US" sz="2400" dirty="0" smtClean="0"/>
-              <a:t>DATABASE</a:t>
+              <a:rPr lang="fa-IR" sz="2400" dirty="0" smtClean="0"/>
+              <a:t>چه نیازی داریم؟</a:t>
             </a:r>
             <a:endParaRPr lang="en-US" sz="2400" dirty="0"/>
           </a:p>
@@ -3299,7 +3287,7 @@
     </p:spTree>
     <p:extLst>
       <p:ext uri="{BB962C8B-B14F-4D97-AF65-F5344CB8AC3E}">
-        <p14:creationId xmlns:p14="http://schemas.microsoft.com/office/powerpoint/2010/main" val="2840546824"/>
+        <p14:creationId xmlns:p14="http://schemas.microsoft.com/office/powerpoint/2010/main" val="1249369418"/>
       </p:ext>
     </p:extLst>
   </p:cSld>
@@ -3328,172 +3316,76 @@
       </p:grpSpPr>
       <p:sp>
         <p:nvSpPr>
-          <p:cNvPr id="4" name="Rectangle 3"/>
-          <p:cNvSpPr/>
+          <p:cNvPr id="2" name="Title 1"/>
+          <p:cNvSpPr>
+            <a:spLocks noGrp="1"/>
+          </p:cNvSpPr>
+          <p:nvPr>
+            <p:ph type="title"/>
+          </p:nvPr>
+        </p:nvSpPr>
+        <p:spPr>
+          <a:xfrm>
+            <a:off x="851262" y="1045029"/>
+            <a:ext cx="10515600" cy="1059724"/>
+          </a:xfrm>
+        </p:spPr>
+        <p:txBody>
+          <a:bodyPr>
+            <a:normAutofit/>
+          </a:bodyPr>
+          <a:lstStyle/>
+          <a:p>
+            <a:pPr algn="ctr"/>
+            <a:r>
+              <a:rPr lang="en-US" sz="2400" dirty="0" smtClean="0"/>
+              <a:t>SHARED RESOURCES</a:t>
+            </a:r>
+            <a:br>
+              <a:rPr lang="en-US" sz="2400" dirty="0" smtClean="0"/>
+            </a:br>
+            <a:r>
+              <a:rPr lang="en-US" sz="2400" dirty="0" smtClean="0"/>
+              <a:t>DATABASE</a:t>
+            </a:r>
+            <a:endParaRPr lang="en-US" sz="2400" dirty="0"/>
+          </a:p>
+        </p:txBody>
+      </p:sp>
+      <p:pic>
+        <p:nvPicPr>
+          <p:cNvPr id="5" name="Picture 4"/>
+          <p:cNvPicPr>
+            <a:picLocks noChangeAspect="1"/>
+          </p:cNvPicPr>
           <p:nvPr/>
-        </p:nvSpPr>
+        </p:nvPicPr>
+        <p:blipFill>
+          <a:blip r:embed="rId2">
+            <a:extLst>
+              <a:ext uri="{28A0092B-C50C-407E-A947-70E740481C1C}">
+                <a14:useLocalDpi xmlns:a14="http://schemas.microsoft.com/office/drawing/2010/main" val="0"/>
+              </a:ext>
+            </a:extLst>
+          </a:blip>
+          <a:stretch>
+            <a:fillRect/>
+          </a:stretch>
+        </p:blipFill>
         <p:spPr>
           <a:xfrm>
-            <a:off x="7682848" y="1791959"/>
-            <a:ext cx="3360215" cy="369332"/>
+            <a:off x="2193471" y="2104753"/>
+            <a:ext cx="7364186" cy="3682093"/>
           </a:xfrm>
           <a:prstGeom prst="rect">
             <a:avLst/>
           </a:prstGeom>
         </p:spPr>
-        <p:txBody>
-          <a:bodyPr wrap="none">
-            <a:spAutoFit/>
-          </a:bodyPr>
-          <a:lstStyle/>
-          <a:p>
-            <a:r>
-              <a:rPr lang="fa-IR" dirty="0" smtClean="0">
-                <a:solidFill>
-                  <a:srgbClr val="FF0000"/>
-                </a:solidFill>
-                <a:latin typeface="+mj-lt"/>
-              </a:rPr>
-              <a:t>یک کلاس فقط یک نمونه خواهد داشت</a:t>
-            </a:r>
-            <a:endParaRPr lang="en-US" dirty="0">
-              <a:solidFill>
-                <a:srgbClr val="FF0000"/>
-              </a:solidFill>
-              <a:latin typeface="+mj-lt"/>
-            </a:endParaRPr>
-          </a:p>
-        </p:txBody>
-      </p:sp>
-      <p:sp>
-        <p:nvSpPr>
-          <p:cNvPr id="5" name="Rectangle 4"/>
-          <p:cNvSpPr/>
-          <p:nvPr/>
-        </p:nvSpPr>
-        <p:spPr>
-          <a:xfrm>
-            <a:off x="7599492" y="3957434"/>
-            <a:ext cx="3443571" cy="369332"/>
-          </a:xfrm>
-          <a:prstGeom prst="rect">
-            <a:avLst/>
-          </a:prstGeom>
-        </p:spPr>
-        <p:txBody>
-          <a:bodyPr wrap="none">
-            <a:spAutoFit/>
-          </a:bodyPr>
-          <a:lstStyle/>
-          <a:p>
-            <a:pPr algn="r" rtl="1"/>
-            <a:r>
-              <a:rPr lang="fa-IR" dirty="0" smtClean="0">
-                <a:solidFill>
-                  <a:srgbClr val="FF0000"/>
-                </a:solidFill>
-                <a:latin typeface="+mj-lt"/>
-              </a:rPr>
-              <a:t>نقطه اتصال </a:t>
-            </a:r>
-            <a:r>
-              <a:rPr lang="en-US" dirty="0" smtClean="0">
-                <a:solidFill>
-                  <a:srgbClr val="FF0000"/>
-                </a:solidFill>
-                <a:latin typeface="+mj-lt"/>
-              </a:rPr>
-              <a:t>global</a:t>
-            </a:r>
-            <a:r>
-              <a:rPr lang="fa-IR" dirty="0" smtClean="0">
-                <a:solidFill>
-                  <a:srgbClr val="FF0000"/>
-                </a:solidFill>
-                <a:latin typeface="+mj-lt"/>
-              </a:rPr>
-              <a:t> ایجاد خواهد شد</a:t>
-            </a:r>
-            <a:endParaRPr lang="en-US" dirty="0">
-              <a:solidFill>
-                <a:srgbClr val="FF0000"/>
-              </a:solidFill>
-              <a:latin typeface="+mj-lt"/>
-            </a:endParaRPr>
-          </a:p>
-        </p:txBody>
-      </p:sp>
-      <p:sp>
-        <p:nvSpPr>
-          <p:cNvPr id="6" name="Rectangle 5"/>
-          <p:cNvSpPr/>
-          <p:nvPr/>
-        </p:nvSpPr>
-        <p:spPr>
-          <a:xfrm>
-            <a:off x="1256410" y="2161291"/>
-            <a:ext cx="9786653" cy="369332"/>
-          </a:xfrm>
-          <a:prstGeom prst="rect">
-            <a:avLst/>
-          </a:prstGeom>
-        </p:spPr>
-        <p:txBody>
-          <a:bodyPr wrap="none">
-            <a:spAutoFit/>
-          </a:bodyPr>
-          <a:lstStyle/>
-          <a:p>
-            <a:r>
-              <a:rPr lang="fa-IR" dirty="0" smtClean="0">
-                <a:latin typeface="+mj-lt"/>
-              </a:rPr>
-              <a:t>فرض کنید که یک شی درست کرده‌اید و میخواهید مجدد همان شی را ایجاد کند، در حالت عادی این کار ممکن نیست.</a:t>
-            </a:r>
-            <a:endParaRPr lang="en-US" dirty="0">
-              <a:latin typeface="+mj-lt"/>
-            </a:endParaRPr>
-          </a:p>
-        </p:txBody>
-      </p:sp>
-      <p:sp>
-        <p:nvSpPr>
-          <p:cNvPr id="8" name="Rectangle 7"/>
-          <p:cNvSpPr/>
-          <p:nvPr/>
-        </p:nvSpPr>
-        <p:spPr>
-          <a:xfrm>
-            <a:off x="1466402" y="4326766"/>
-            <a:ext cx="9576661" cy="369332"/>
-          </a:xfrm>
-          <a:prstGeom prst="rect">
-            <a:avLst/>
-          </a:prstGeom>
-        </p:spPr>
-        <p:txBody>
-          <a:bodyPr wrap="none">
-            <a:spAutoFit/>
-          </a:bodyPr>
-          <a:lstStyle/>
-          <a:p>
-            <a:pPr algn="r" rtl="1"/>
-            <a:r>
-              <a:rPr lang="fa-IR" dirty="0" smtClean="0">
-                <a:latin typeface="+mj-lt"/>
-              </a:rPr>
-              <a:t>همه یک شی خواهند دید و استفاده خواهند کرد و البته از تغییر آن جلوگیری و بطور کلی از نمونه محافظت می‌شود.</a:t>
-            </a:r>
-            <a:endParaRPr lang="en-US" dirty="0">
-              <a:latin typeface="+mj-lt"/>
-            </a:endParaRPr>
-          </a:p>
-        </p:txBody>
-      </p:sp>
+      </p:pic>
     </p:spTree>
     <p:extLst>
       <p:ext uri="{BB962C8B-B14F-4D97-AF65-F5344CB8AC3E}">
-        <p14:creationId xmlns:p14="http://schemas.microsoft.com/office/powerpoint/2010/main" val="4105521730"/>
+        <p14:creationId xmlns:p14="http://schemas.microsoft.com/office/powerpoint/2010/main" val="3349202541"/>
       </p:ext>
     </p:extLst>
   </p:cSld>
@@ -3528,6 +3420,200 @@
         </p:nvSpPr>
         <p:spPr>
           <a:xfrm>
+            <a:off x="7682848" y="1791959"/>
+            <a:ext cx="3360215" cy="369332"/>
+          </a:xfrm>
+          <a:prstGeom prst="rect">
+            <a:avLst/>
+          </a:prstGeom>
+        </p:spPr>
+        <p:txBody>
+          <a:bodyPr wrap="none">
+            <a:spAutoFit/>
+          </a:bodyPr>
+          <a:lstStyle/>
+          <a:p>
+            <a:r>
+              <a:rPr lang="fa-IR" dirty="0" smtClean="0">
+                <a:solidFill>
+                  <a:srgbClr val="FF0000"/>
+                </a:solidFill>
+                <a:latin typeface="+mj-lt"/>
+              </a:rPr>
+              <a:t>یک کلاس فقط یک نمونه خواهد داشت</a:t>
+            </a:r>
+            <a:endParaRPr lang="en-US" dirty="0">
+              <a:solidFill>
+                <a:srgbClr val="FF0000"/>
+              </a:solidFill>
+              <a:latin typeface="+mj-lt"/>
+            </a:endParaRPr>
+          </a:p>
+        </p:txBody>
+      </p:sp>
+      <p:sp>
+        <p:nvSpPr>
+          <p:cNvPr id="5" name="Rectangle 4"/>
+          <p:cNvSpPr/>
+          <p:nvPr/>
+        </p:nvSpPr>
+        <p:spPr>
+          <a:xfrm>
+            <a:off x="7599492" y="3957434"/>
+            <a:ext cx="3443571" cy="369332"/>
+          </a:xfrm>
+          <a:prstGeom prst="rect">
+            <a:avLst/>
+          </a:prstGeom>
+        </p:spPr>
+        <p:txBody>
+          <a:bodyPr wrap="none">
+            <a:spAutoFit/>
+          </a:bodyPr>
+          <a:lstStyle/>
+          <a:p>
+            <a:pPr algn="r" rtl="1"/>
+            <a:r>
+              <a:rPr lang="fa-IR" dirty="0" smtClean="0">
+                <a:solidFill>
+                  <a:srgbClr val="FF0000"/>
+                </a:solidFill>
+                <a:latin typeface="+mj-lt"/>
+              </a:rPr>
+              <a:t>نقطه اتصال </a:t>
+            </a:r>
+            <a:r>
+              <a:rPr lang="en-US" dirty="0" smtClean="0">
+                <a:solidFill>
+                  <a:srgbClr val="FF0000"/>
+                </a:solidFill>
+                <a:latin typeface="+mj-lt"/>
+              </a:rPr>
+              <a:t>global</a:t>
+            </a:r>
+            <a:r>
+              <a:rPr lang="fa-IR" dirty="0" smtClean="0">
+                <a:solidFill>
+                  <a:srgbClr val="FF0000"/>
+                </a:solidFill>
+                <a:latin typeface="+mj-lt"/>
+              </a:rPr>
+              <a:t> ایجاد خواهد شد</a:t>
+            </a:r>
+            <a:endParaRPr lang="en-US" dirty="0">
+              <a:solidFill>
+                <a:srgbClr val="FF0000"/>
+              </a:solidFill>
+              <a:latin typeface="+mj-lt"/>
+            </a:endParaRPr>
+          </a:p>
+        </p:txBody>
+      </p:sp>
+      <p:sp>
+        <p:nvSpPr>
+          <p:cNvPr id="6" name="Rectangle 5"/>
+          <p:cNvSpPr/>
+          <p:nvPr/>
+        </p:nvSpPr>
+        <p:spPr>
+          <a:xfrm>
+            <a:off x="1256410" y="2161291"/>
+            <a:ext cx="9786653" cy="369332"/>
+          </a:xfrm>
+          <a:prstGeom prst="rect">
+            <a:avLst/>
+          </a:prstGeom>
+        </p:spPr>
+        <p:txBody>
+          <a:bodyPr wrap="none">
+            <a:spAutoFit/>
+          </a:bodyPr>
+          <a:lstStyle/>
+          <a:p>
+            <a:r>
+              <a:rPr lang="fa-IR" dirty="0" smtClean="0">
+                <a:latin typeface="+mj-lt"/>
+              </a:rPr>
+              <a:t>فرض کنید که یک شی درست کرده‌اید و میخواهید مجدد همان شی را ایجاد کند، در حالت عادی این کار ممکن نیست.</a:t>
+            </a:r>
+            <a:endParaRPr lang="en-US" dirty="0">
+              <a:latin typeface="+mj-lt"/>
+            </a:endParaRPr>
+          </a:p>
+        </p:txBody>
+      </p:sp>
+      <p:sp>
+        <p:nvSpPr>
+          <p:cNvPr id="8" name="Rectangle 7"/>
+          <p:cNvSpPr/>
+          <p:nvPr/>
+        </p:nvSpPr>
+        <p:spPr>
+          <a:xfrm>
+            <a:off x="1466402" y="4326766"/>
+            <a:ext cx="9576661" cy="369332"/>
+          </a:xfrm>
+          <a:prstGeom prst="rect">
+            <a:avLst/>
+          </a:prstGeom>
+        </p:spPr>
+        <p:txBody>
+          <a:bodyPr wrap="none">
+            <a:spAutoFit/>
+          </a:bodyPr>
+          <a:lstStyle/>
+          <a:p>
+            <a:pPr algn="r" rtl="1"/>
+            <a:r>
+              <a:rPr lang="fa-IR" dirty="0" smtClean="0">
+                <a:latin typeface="+mj-lt"/>
+              </a:rPr>
+              <a:t>همه یک شی خواهند دید و استفاده خواهند کرد و البته از تغییر آن جلوگیری و بطور کلی از نمونه محافظت می‌شود.</a:t>
+            </a:r>
+            <a:endParaRPr lang="en-US" dirty="0">
+              <a:latin typeface="+mj-lt"/>
+            </a:endParaRPr>
+          </a:p>
+        </p:txBody>
+      </p:sp>
+    </p:spTree>
+    <p:extLst>
+      <p:ext uri="{BB962C8B-B14F-4D97-AF65-F5344CB8AC3E}">
+        <p14:creationId xmlns:p14="http://schemas.microsoft.com/office/powerpoint/2010/main" val="4105521730"/>
+      </p:ext>
+    </p:extLst>
+  </p:cSld>
+  <p:clrMapOvr>
+    <a:masterClrMapping/>
+  </p:clrMapOvr>
+</p:sld>
+</file>
+
+<file path=ppt/slides/slide15.xml><?xml version="1.0" encoding="utf-8"?>
+<p:sld xmlns:a="http://schemas.openxmlformats.org/drawingml/2006/main" xmlns:r="http://schemas.openxmlformats.org/officeDocument/2006/relationships" xmlns:p="http://schemas.openxmlformats.org/presentationml/2006/main">
+  <p:cSld>
+    <p:spTree>
+      <p:nvGrpSpPr>
+        <p:cNvPr id="1" name=""/>
+        <p:cNvGrpSpPr/>
+        <p:nvPr/>
+      </p:nvGrpSpPr>
+      <p:grpSpPr>
+        <a:xfrm>
+          <a:off x="0" y="0"/>
+          <a:ext cx="0" cy="0"/>
+          <a:chOff x="0" y="0"/>
+          <a:chExt cx="0" cy="0"/>
+        </a:xfrm>
+      </p:grpSpPr>
+      <p:sp>
+        <p:nvSpPr>
+          <p:cNvPr id="4" name="Rectangle 3"/>
+          <p:cNvSpPr/>
+          <p:nvPr/>
+        </p:nvSpPr>
+        <p:spPr>
+          <a:xfrm>
             <a:off x="5090792" y="1154566"/>
             <a:ext cx="2117887" cy="523220"/>
           </a:xfrm>
@@ -3638,6 +3724,693 @@
     <p:extLst>
       <p:ext uri="{BB962C8B-B14F-4D97-AF65-F5344CB8AC3E}">
         <p14:creationId xmlns:p14="http://schemas.microsoft.com/office/powerpoint/2010/main" val="687341139"/>
+      </p:ext>
+    </p:extLst>
+  </p:cSld>
+  <p:clrMapOvr>
+    <a:masterClrMapping/>
+  </p:clrMapOvr>
+</p:sld>
+</file>
+
+<file path=ppt/slides/slide16.xml><?xml version="1.0" encoding="utf-8"?>
+<p:sld xmlns:a="http://schemas.openxmlformats.org/drawingml/2006/main" xmlns:r="http://schemas.openxmlformats.org/officeDocument/2006/relationships" xmlns:p="http://schemas.openxmlformats.org/presentationml/2006/main">
+  <p:cSld>
+    <p:spTree>
+      <p:nvGrpSpPr>
+        <p:cNvPr id="1" name=""/>
+        <p:cNvGrpSpPr/>
+        <p:nvPr/>
+      </p:nvGrpSpPr>
+      <p:grpSpPr>
+        <a:xfrm>
+          <a:off x="0" y="0"/>
+          <a:ext cx="0" cy="0"/>
+          <a:chOff x="0" y="0"/>
+          <a:chExt cx="0" cy="0"/>
+        </a:xfrm>
+      </p:grpSpPr>
+      <p:sp>
+        <p:nvSpPr>
+          <p:cNvPr id="5" name="Rectangle 2"/>
+          <p:cNvSpPr>
+            <a:spLocks noChangeArrowheads="1"/>
+          </p:cNvSpPr>
+          <p:nvPr/>
+        </p:nvSpPr>
+        <p:spPr bwMode="auto">
+          <a:xfrm>
+            <a:off x="1645307" y="721413"/>
+            <a:ext cx="8617744" cy="738664"/>
+          </a:xfrm>
+          <a:prstGeom prst="rect">
+            <a:avLst/>
+          </a:prstGeom>
+          <a:noFill/>
+          <a:ln>
+            <a:noFill/>
+          </a:ln>
+          <a:effectLst/>
+          <a:extLst>
+            <a:ext uri="{909E8E84-426E-40DD-AFC4-6F175D3DCCD1}">
+              <a14:hiddenFill xmlns:a14="http://schemas.microsoft.com/office/drawing/2010/main">
+                <a:solidFill>
+                  <a:schemeClr val="accent1"/>
+                </a:solidFill>
+              </a14:hiddenFill>
+            </a:ext>
+            <a:ext uri="{91240B29-F687-4F45-9708-019B960494DF}">
+              <a14:hiddenLine xmlns:a14="http://schemas.microsoft.com/office/drawing/2010/main" w="9525">
+                <a:solidFill>
+                  <a:schemeClr val="tx1"/>
+                </a:solidFill>
+                <a:miter lim="800000"/>
+                <a:headEnd/>
+                <a:tailEnd/>
+              </a14:hiddenLine>
+            </a:ext>
+            <a:ext uri="{AF507438-7753-43E0-B8FC-AC1667EBCBE1}">
+              <a14:hiddenEffects xmlns:a14="http://schemas.microsoft.com/office/drawing/2010/main">
+                <a:effectLst>
+                  <a:outerShdw dist="35921" dir="2700000" algn="ctr" rotWithShape="0">
+                    <a:schemeClr val="bg2"/>
+                  </a:outerShdw>
+                </a:effectLst>
+              </a14:hiddenEffects>
+            </a:ext>
+          </a:extLst>
+        </p:spPr>
+        <p:txBody>
+          <a:bodyPr vert="horz" wrap="none" lIns="0" tIns="0" rIns="0" bIns="0" numCol="1" anchor="ctr" anchorCtr="0" compatLnSpc="1">
+            <a:prstTxWarp prst="textNoShape">
+              <a:avLst/>
+            </a:prstTxWarp>
+            <a:spAutoFit/>
+          </a:bodyPr>
+          <a:lstStyle/>
+          <a:p>
+            <a:r>
+              <a:rPr lang="en-US" sz="4000" dirty="0">
+                <a:latin typeface="Source Code Pro" panose="020B0509030403020204" pitchFamily="49" charset="0"/>
+              </a:rPr>
+              <a:t>Why should I learn patterns</a:t>
+            </a:r>
+            <a:r>
+              <a:rPr lang="en-US" sz="4000" dirty="0" smtClean="0">
+                <a:latin typeface="Source Code Pro" panose="020B0509030403020204" pitchFamily="49" charset="0"/>
+              </a:rPr>
+              <a:t>?</a:t>
+            </a:r>
+            <a:r>
+              <a:rPr lang="en-US" sz="6000" dirty="0">
+                <a:latin typeface="Source Code Pro" panose="020B0509030403020204" pitchFamily="49" charset="0"/>
+              </a:rPr>
+              <a:t/>
+            </a:r>
+            <a:br>
+              <a:rPr lang="en-US" sz="6000" dirty="0">
+                <a:latin typeface="Source Code Pro" panose="020B0509030403020204" pitchFamily="49" charset="0"/>
+              </a:rPr>
+            </a:br>
+            <a:endParaRPr kumimoji="0" lang="en-US" altLang="en-US" sz="800" i="0" u="none" strike="noStrike" cap="none" normalizeH="0" baseline="0" dirty="0" smtClean="0">
+              <a:ln>
+                <a:noFill/>
+              </a:ln>
+              <a:solidFill>
+                <a:schemeClr val="tx1"/>
+              </a:solidFill>
+              <a:effectLst/>
+              <a:latin typeface="Source Code Pro" panose="020B0509030403020204" pitchFamily="49" charset="0"/>
+            </a:endParaRPr>
+          </a:p>
+        </p:txBody>
+      </p:sp>
+      <p:sp>
+        <p:nvSpPr>
+          <p:cNvPr id="4" name="Rectangle 3"/>
+          <p:cNvSpPr/>
+          <p:nvPr/>
+        </p:nvSpPr>
+        <p:spPr>
+          <a:xfrm>
+            <a:off x="1787128" y="2233748"/>
+            <a:ext cx="8334103" cy="3139321"/>
+          </a:xfrm>
+          <a:prstGeom prst="rect">
+            <a:avLst/>
+          </a:prstGeom>
+        </p:spPr>
+        <p:txBody>
+          <a:bodyPr wrap="square">
+            <a:spAutoFit/>
+          </a:bodyPr>
+          <a:lstStyle/>
+          <a:p>
+            <a:pPr>
+              <a:buFont typeface="Arial" panose="020B0604020202020204" pitchFamily="34" charset="0"/>
+              <a:buChar char="•"/>
+            </a:pPr>
+            <a:r>
+              <a:rPr lang="en-US" dirty="0" smtClean="0">
+                <a:solidFill>
+                  <a:srgbClr val="444444"/>
+                </a:solidFill>
+                <a:latin typeface="Open Sans" pitchFamily="2" charset="0"/>
+                <a:ea typeface="Open Sans" pitchFamily="2" charset="0"/>
+                <a:cs typeface="Open Sans" pitchFamily="2" charset="0"/>
+              </a:rPr>
+              <a:t> Design patterns are a toolkit of tried and tested solutions to common problems in software design. Even if you never encounter these problems, knowing patterns is still useful because it teaches you how to solve all sorts of problems using principles of object-oriented design.</a:t>
+            </a:r>
+          </a:p>
+          <a:p>
+            <a:pPr>
+              <a:buFont typeface="Arial" panose="020B0604020202020204" pitchFamily="34" charset="0"/>
+              <a:buChar char="•"/>
+            </a:pPr>
+            <a:endParaRPr lang="en-US" dirty="0" smtClean="0">
+              <a:solidFill>
+                <a:srgbClr val="444444"/>
+              </a:solidFill>
+              <a:latin typeface="Open Sans" pitchFamily="2" charset="0"/>
+              <a:ea typeface="Open Sans" pitchFamily="2" charset="0"/>
+              <a:cs typeface="Open Sans" pitchFamily="2" charset="0"/>
+            </a:endParaRPr>
+          </a:p>
+          <a:p>
+            <a:pPr>
+              <a:buFont typeface="Arial" panose="020B0604020202020204" pitchFamily="34" charset="0"/>
+              <a:buChar char="•"/>
+            </a:pPr>
+            <a:r>
+              <a:rPr lang="en-US" dirty="0" smtClean="0">
+                <a:latin typeface="Open Sans" pitchFamily="2" charset="0"/>
+                <a:ea typeface="Open Sans" pitchFamily="2" charset="0"/>
+                <a:cs typeface="Open Sans" pitchFamily="2" charset="0"/>
+              </a:rPr>
+              <a:t> Design patterns define a common language that you and your teammates can use to communicate more efficiently. You can say, “Oh, just use a Singleton for that,” and everyone will understand the idea behind your suggestion. No need to explain what a singleton is if you know the pattern and its name.</a:t>
+            </a:r>
+          </a:p>
+          <a:p>
+            <a:endParaRPr lang="en-US" dirty="0">
+              <a:latin typeface="Open Sans" pitchFamily="2" charset="0"/>
+              <a:ea typeface="Open Sans" pitchFamily="2" charset="0"/>
+              <a:cs typeface="Open Sans" pitchFamily="2" charset="0"/>
+            </a:endParaRPr>
+          </a:p>
+        </p:txBody>
+      </p:sp>
+    </p:spTree>
+    <p:extLst>
+      <p:ext uri="{BB962C8B-B14F-4D97-AF65-F5344CB8AC3E}">
+        <p14:creationId xmlns:p14="http://schemas.microsoft.com/office/powerpoint/2010/main" val="2067233184"/>
+      </p:ext>
+    </p:extLst>
+  </p:cSld>
+  <p:clrMapOvr>
+    <a:masterClrMapping/>
+  </p:clrMapOvr>
+</p:sld>
+</file>
+
+<file path=ppt/slides/slide17.xml><?xml version="1.0" encoding="utf-8"?>
+<p:sld xmlns:a="http://schemas.openxmlformats.org/drawingml/2006/main" xmlns:r="http://schemas.openxmlformats.org/officeDocument/2006/relationships" xmlns:p="http://schemas.openxmlformats.org/presentationml/2006/main">
+  <p:cSld>
+    <p:spTree>
+      <p:nvGrpSpPr>
+        <p:cNvPr id="1" name=""/>
+        <p:cNvGrpSpPr/>
+        <p:nvPr/>
+      </p:nvGrpSpPr>
+      <p:grpSpPr>
+        <a:xfrm>
+          <a:off x="0" y="0"/>
+          <a:ext cx="0" cy="0"/>
+          <a:chOff x="0" y="0"/>
+          <a:chExt cx="0" cy="0"/>
+        </a:xfrm>
+      </p:grpSpPr>
+      <p:sp>
+        <p:nvSpPr>
+          <p:cNvPr id="4" name="Rectangle 1"/>
+          <p:cNvSpPr>
+            <a:spLocks noChangeArrowheads="1"/>
+          </p:cNvSpPr>
+          <p:nvPr/>
+        </p:nvSpPr>
+        <p:spPr bwMode="auto">
+          <a:xfrm>
+            <a:off x="1423853" y="3095639"/>
+            <a:ext cx="9183188" cy="954107"/>
+          </a:xfrm>
+          <a:prstGeom prst="rect">
+            <a:avLst/>
+          </a:prstGeom>
+          <a:ln>
+            <a:prstDash val="sysDash"/>
+          </a:ln>
+        </p:spPr>
+        <p:style>
+          <a:lnRef idx="2">
+            <a:schemeClr val="accent2"/>
+          </a:lnRef>
+          <a:fillRef idx="1">
+            <a:schemeClr val="lt1"/>
+          </a:fillRef>
+          <a:effectRef idx="0">
+            <a:schemeClr val="accent2"/>
+          </a:effectRef>
+          <a:fontRef idx="minor">
+            <a:schemeClr val="dk1"/>
+          </a:fontRef>
+        </p:style>
+        <p:txBody>
+          <a:bodyPr vert="horz" wrap="square" lIns="91440" tIns="45720" rIns="91440" bIns="45720" numCol="1" anchor="ctr" anchorCtr="0" compatLnSpc="1">
+            <a:prstTxWarp prst="textNoShape">
+              <a:avLst/>
+            </a:prstTxWarp>
+            <a:spAutoFit/>
+          </a:bodyPr>
+          <a:lstStyle/>
+          <a:p>
+            <a:pPr marL="0" marR="0" lvl="0" indent="0" algn="l" defTabSz="914400" rtl="0" eaLnBrk="0" fontAlgn="base" latinLnBrk="0" hangingPunct="0">
+              <a:lnSpc>
+                <a:spcPct val="100000"/>
+              </a:lnSpc>
+              <a:spcBef>
+                <a:spcPct val="0"/>
+              </a:spcBef>
+              <a:spcAft>
+                <a:spcPct val="0"/>
+              </a:spcAft>
+              <a:buClrTx/>
+              <a:buSzTx/>
+              <a:buFontTx/>
+              <a:buNone/>
+              <a:tabLst/>
+            </a:pPr>
+            <a:r>
+              <a:rPr kumimoji="0" lang="en-US" altLang="en-US" sz="2800" b="0" i="0" u="none" strike="noStrike" cap="none" normalizeH="0" baseline="0" dirty="0" smtClean="0">
+                <a:ln>
+                  <a:noFill/>
+                </a:ln>
+                <a:solidFill>
+                  <a:schemeClr val="tx1"/>
+                </a:solidFill>
+                <a:effectLst/>
+                <a:latin typeface="+mj-lt"/>
+              </a:rPr>
+              <a:t>If all you have is a hammer, everything looks like a nail.</a:t>
+            </a:r>
+          </a:p>
+        </p:txBody>
+      </p:sp>
+    </p:spTree>
+    <p:extLst>
+      <p:ext uri="{BB962C8B-B14F-4D97-AF65-F5344CB8AC3E}">
+        <p14:creationId xmlns:p14="http://schemas.microsoft.com/office/powerpoint/2010/main" val="3275733083"/>
+      </p:ext>
+    </p:extLst>
+  </p:cSld>
+  <p:clrMapOvr>
+    <a:masterClrMapping/>
+  </p:clrMapOvr>
+</p:sld>
+</file>
+
+<file path=ppt/slides/slide18.xml><?xml version="1.0" encoding="utf-8"?>
+<p:sld xmlns:a="http://schemas.openxmlformats.org/drawingml/2006/main" xmlns:r="http://schemas.openxmlformats.org/officeDocument/2006/relationships" xmlns:p="http://schemas.openxmlformats.org/presentationml/2006/main">
+  <p:cSld>
+    <p:spTree>
+      <p:nvGrpSpPr>
+        <p:cNvPr id="1" name=""/>
+        <p:cNvGrpSpPr/>
+        <p:nvPr/>
+      </p:nvGrpSpPr>
+      <p:grpSpPr>
+        <a:xfrm>
+          <a:off x="0" y="0"/>
+          <a:ext cx="0" cy="0"/>
+          <a:chOff x="0" y="0"/>
+          <a:chExt cx="0" cy="0"/>
+        </a:xfrm>
+      </p:grpSpPr>
+      <p:sp>
+        <p:nvSpPr>
+          <p:cNvPr id="10" name="Rectangle 9"/>
+          <p:cNvSpPr/>
+          <p:nvPr/>
+        </p:nvSpPr>
+        <p:spPr>
+          <a:xfrm>
+            <a:off x="1280160" y="2276294"/>
+            <a:ext cx="9888583" cy="2968443"/>
+          </a:xfrm>
+          <a:prstGeom prst="rect">
+            <a:avLst/>
+          </a:prstGeom>
+        </p:spPr>
+        <p:style>
+          <a:lnRef idx="2">
+            <a:schemeClr val="dk1"/>
+          </a:lnRef>
+          <a:fillRef idx="1">
+            <a:schemeClr val="lt1"/>
+          </a:fillRef>
+          <a:effectRef idx="0">
+            <a:schemeClr val="dk1"/>
+          </a:effectRef>
+          <a:fontRef idx="minor">
+            <a:schemeClr val="dk1"/>
+          </a:fontRef>
+        </p:style>
+        <p:txBody>
+          <a:bodyPr rtlCol="0" anchor="ctr"/>
+          <a:lstStyle/>
+          <a:p>
+            <a:pPr algn="ctr"/>
+            <a:endParaRPr lang="en-US"/>
+          </a:p>
+        </p:txBody>
+      </p:sp>
+      <p:sp>
+        <p:nvSpPr>
+          <p:cNvPr id="2" name="Title 1"/>
+          <p:cNvSpPr>
+            <a:spLocks noGrp="1"/>
+          </p:cNvSpPr>
+          <p:nvPr>
+            <p:ph type="title"/>
+          </p:nvPr>
+        </p:nvSpPr>
+        <p:spPr>
+          <a:xfrm>
+            <a:off x="966651" y="524857"/>
+            <a:ext cx="10515600" cy="1325563"/>
+          </a:xfrm>
+        </p:spPr>
+        <p:txBody>
+          <a:bodyPr>
+            <a:normAutofit/>
+          </a:bodyPr>
+          <a:lstStyle/>
+          <a:p>
+            <a:pPr algn="ctr"/>
+            <a:r>
+              <a:rPr lang="en-US" b="1" dirty="0"/>
+              <a:t>Classification of </a:t>
+            </a:r>
+            <a:r>
+              <a:rPr lang="en-US" b="1" dirty="0" smtClean="0"/>
+              <a:t>patterns</a:t>
+            </a:r>
+            <a:endParaRPr lang="en-US" dirty="0"/>
+          </a:p>
+        </p:txBody>
+      </p:sp>
+      <p:sp>
+        <p:nvSpPr>
+          <p:cNvPr id="3" name="Content Placeholder 2"/>
+          <p:cNvSpPr>
+            <a:spLocks noGrp="1"/>
+          </p:cNvSpPr>
+          <p:nvPr>
+            <p:ph idx="1"/>
+          </p:nvPr>
+        </p:nvSpPr>
+        <p:spPr>
+          <a:xfrm>
+            <a:off x="3698966" y="2544083"/>
+            <a:ext cx="7469777" cy="2511244"/>
+          </a:xfrm>
+        </p:spPr>
+        <p:txBody>
+          <a:bodyPr>
+            <a:normAutofit/>
+          </a:bodyPr>
+          <a:lstStyle/>
+          <a:p>
+            <a:r>
+              <a:rPr lang="en-US" sz="2000" b="1" dirty="0">
+                <a:solidFill>
+                  <a:srgbClr val="FF0000"/>
+                </a:solidFill>
+                <a:latin typeface="Open Sans" pitchFamily="2" charset="0"/>
+                <a:ea typeface="Open Sans" pitchFamily="2" charset="0"/>
+                <a:cs typeface="Open Sans" pitchFamily="2" charset="0"/>
+              </a:rPr>
+              <a:t>Creational patterns</a:t>
+            </a:r>
+            <a:r>
+              <a:rPr lang="en-US" sz="2000" dirty="0">
+                <a:latin typeface="Open Sans" pitchFamily="2" charset="0"/>
+                <a:ea typeface="Open Sans" pitchFamily="2" charset="0"/>
+                <a:cs typeface="Open Sans" pitchFamily="2" charset="0"/>
+              </a:rPr>
+              <a:t> provide object creation mechanisms that increase flexibility and reuse of existing code.</a:t>
+            </a:r>
+          </a:p>
+          <a:p>
+            <a:r>
+              <a:rPr lang="en-US" sz="2000" b="1" dirty="0">
+                <a:solidFill>
+                  <a:srgbClr val="FF0000"/>
+                </a:solidFill>
+                <a:latin typeface="Open Sans" pitchFamily="2" charset="0"/>
+                <a:ea typeface="Open Sans" pitchFamily="2" charset="0"/>
+                <a:cs typeface="Open Sans" pitchFamily="2" charset="0"/>
+              </a:rPr>
+              <a:t>Structural patterns</a:t>
+            </a:r>
+            <a:r>
+              <a:rPr lang="en-US" sz="2000" dirty="0">
+                <a:latin typeface="Open Sans" pitchFamily="2" charset="0"/>
+                <a:ea typeface="Open Sans" pitchFamily="2" charset="0"/>
+                <a:cs typeface="Open Sans" pitchFamily="2" charset="0"/>
+              </a:rPr>
+              <a:t> explain how to assemble objects and classes into larger structures, while keeping these structures flexible and efficient.</a:t>
+            </a:r>
+          </a:p>
+          <a:p>
+            <a:r>
+              <a:rPr lang="en-US" sz="2000" b="1" dirty="0">
+                <a:solidFill>
+                  <a:srgbClr val="FF0000"/>
+                </a:solidFill>
+                <a:latin typeface="Open Sans" pitchFamily="2" charset="0"/>
+                <a:ea typeface="Open Sans" pitchFamily="2" charset="0"/>
+                <a:cs typeface="Open Sans" pitchFamily="2" charset="0"/>
+              </a:rPr>
+              <a:t>Behavioral patterns</a:t>
+            </a:r>
+            <a:r>
+              <a:rPr lang="en-US" sz="2000" dirty="0">
+                <a:solidFill>
+                  <a:srgbClr val="FF0000"/>
+                </a:solidFill>
+                <a:latin typeface="Open Sans" pitchFamily="2" charset="0"/>
+                <a:ea typeface="Open Sans" pitchFamily="2" charset="0"/>
+                <a:cs typeface="Open Sans" pitchFamily="2" charset="0"/>
+              </a:rPr>
+              <a:t> </a:t>
+            </a:r>
+            <a:r>
+              <a:rPr lang="en-US" sz="2000" dirty="0">
+                <a:latin typeface="Open Sans" pitchFamily="2" charset="0"/>
+                <a:ea typeface="Open Sans" pitchFamily="2" charset="0"/>
+                <a:cs typeface="Open Sans" pitchFamily="2" charset="0"/>
+              </a:rPr>
+              <a:t>take care of effective communication and the assignment of responsibilities between objects</a:t>
+            </a:r>
+            <a:r>
+              <a:rPr lang="en-US" sz="2000" dirty="0" smtClean="0">
+                <a:latin typeface="Open Sans" pitchFamily="2" charset="0"/>
+                <a:ea typeface="Open Sans" pitchFamily="2" charset="0"/>
+                <a:cs typeface="Open Sans" pitchFamily="2" charset="0"/>
+              </a:rPr>
+              <a:t>.</a:t>
+            </a:r>
+            <a:endParaRPr lang="en-US" sz="2000" dirty="0">
+              <a:latin typeface="Open Sans" pitchFamily="2" charset="0"/>
+              <a:ea typeface="Open Sans" pitchFamily="2" charset="0"/>
+              <a:cs typeface="Open Sans" pitchFamily="2" charset="0"/>
+            </a:endParaRPr>
+          </a:p>
+        </p:txBody>
+      </p:sp>
+      <p:sp>
+        <p:nvSpPr>
+          <p:cNvPr id="6" name="Rectangle 5"/>
+          <p:cNvSpPr/>
+          <p:nvPr/>
+        </p:nvSpPr>
+        <p:spPr>
+          <a:xfrm>
+            <a:off x="2306095" y="2611006"/>
+            <a:ext cx="1242648" cy="400110"/>
+          </a:xfrm>
+          <a:prstGeom prst="rect">
+            <a:avLst/>
+          </a:prstGeom>
+        </p:spPr>
+        <p:txBody>
+          <a:bodyPr wrap="none">
+            <a:spAutoFit/>
+          </a:bodyPr>
+          <a:lstStyle/>
+          <a:p>
+            <a:pPr algn="r" rtl="1"/>
+            <a:r>
+              <a:rPr lang="fa-IR" sz="2000" dirty="0">
+                <a:latin typeface="Open Sans" pitchFamily="2" charset="0"/>
+                <a:ea typeface="Open Sans" pitchFamily="2" charset="0"/>
+                <a:cs typeface="+mj-cs"/>
+              </a:rPr>
+              <a:t>ایجاد کننده</a:t>
+            </a:r>
+          </a:p>
+        </p:txBody>
+      </p:sp>
+      <p:sp>
+        <p:nvSpPr>
+          <p:cNvPr id="7" name="Rectangle 6"/>
+          <p:cNvSpPr/>
+          <p:nvPr/>
+        </p:nvSpPr>
+        <p:spPr>
+          <a:xfrm>
+            <a:off x="2568988" y="3399595"/>
+            <a:ext cx="979755" cy="400110"/>
+          </a:xfrm>
+          <a:prstGeom prst="rect">
+            <a:avLst/>
+          </a:prstGeom>
+        </p:spPr>
+        <p:txBody>
+          <a:bodyPr wrap="none">
+            <a:spAutoFit/>
+          </a:bodyPr>
+          <a:lstStyle/>
+          <a:p>
+            <a:pPr algn="r" rtl="1"/>
+            <a:r>
+              <a:rPr lang="fa-IR" sz="2000" dirty="0">
+                <a:latin typeface="Open Sans" pitchFamily="2" charset="0"/>
+                <a:ea typeface="Open Sans" pitchFamily="2" charset="0"/>
+                <a:cs typeface="+mj-cs"/>
+              </a:rPr>
+              <a:t>ساختاری</a:t>
+            </a:r>
+          </a:p>
+        </p:txBody>
+      </p:sp>
+      <p:sp>
+        <p:nvSpPr>
+          <p:cNvPr id="9" name="Rectangle 8"/>
+          <p:cNvSpPr/>
+          <p:nvPr/>
+        </p:nvSpPr>
+        <p:spPr>
+          <a:xfrm>
+            <a:off x="2718066" y="4190153"/>
+            <a:ext cx="830677" cy="400110"/>
+          </a:xfrm>
+          <a:prstGeom prst="rect">
+            <a:avLst/>
+          </a:prstGeom>
+        </p:spPr>
+        <p:txBody>
+          <a:bodyPr wrap="none">
+            <a:spAutoFit/>
+          </a:bodyPr>
+          <a:lstStyle/>
+          <a:p>
+            <a:pPr algn="r" rtl="1"/>
+            <a:r>
+              <a:rPr lang="fa-IR" sz="2000" dirty="0">
+                <a:latin typeface="Open Sans" pitchFamily="2" charset="0"/>
+                <a:ea typeface="Open Sans" pitchFamily="2" charset="0"/>
+                <a:cs typeface="+mj-cs"/>
+              </a:rPr>
+              <a:t>رفتاری</a:t>
+            </a:r>
+          </a:p>
+        </p:txBody>
+      </p:sp>
+    </p:spTree>
+    <p:extLst>
+      <p:ext uri="{BB962C8B-B14F-4D97-AF65-F5344CB8AC3E}">
+        <p14:creationId xmlns:p14="http://schemas.microsoft.com/office/powerpoint/2010/main" val="4243051613"/>
+      </p:ext>
+    </p:extLst>
+  </p:cSld>
+  <p:clrMapOvr>
+    <a:masterClrMapping/>
+  </p:clrMapOvr>
+</p:sld>
+</file>
+
+<file path=ppt/slides/slide19.xml><?xml version="1.0" encoding="utf-8"?>
+<p:sld xmlns:a="http://schemas.openxmlformats.org/drawingml/2006/main" xmlns:r="http://schemas.openxmlformats.org/officeDocument/2006/relationships" xmlns:p="http://schemas.openxmlformats.org/presentationml/2006/main">
+  <p:cSld>
+    <p:spTree>
+      <p:nvGrpSpPr>
+        <p:cNvPr id="1" name=""/>
+        <p:cNvGrpSpPr/>
+        <p:nvPr/>
+      </p:nvGrpSpPr>
+      <p:grpSpPr>
+        <a:xfrm>
+          <a:off x="0" y="0"/>
+          <a:ext cx="0" cy="0"/>
+          <a:chOff x="0" y="0"/>
+          <a:chExt cx="0" cy="0"/>
+        </a:xfrm>
+      </p:grpSpPr>
+      <p:sp>
+        <p:nvSpPr>
+          <p:cNvPr id="2" name="Title 1"/>
+          <p:cNvSpPr>
+            <a:spLocks noGrp="1"/>
+          </p:cNvSpPr>
+          <p:nvPr>
+            <p:ph type="title"/>
+          </p:nvPr>
+        </p:nvSpPr>
+        <p:spPr>
+          <a:xfrm>
+            <a:off x="707571" y="1227274"/>
+            <a:ext cx="10839994" cy="1542052"/>
+          </a:xfrm>
+        </p:spPr>
+        <p:txBody>
+          <a:bodyPr>
+            <a:normAutofit/>
+          </a:bodyPr>
+          <a:lstStyle/>
+          <a:p>
+            <a:r>
+              <a:rPr lang="en-US" b="1" dirty="0"/>
+              <a:t>Factory Method</a:t>
+            </a:r>
+            <a:br>
+              <a:rPr lang="en-US" b="1" dirty="0"/>
+            </a:br>
+            <a:r>
+              <a:rPr lang="en-US" sz="2000" b="1" dirty="0"/>
+              <a:t>Also known as: </a:t>
+            </a:r>
+            <a:r>
+              <a:rPr lang="en-US" sz="2000" dirty="0"/>
+              <a:t>Virtual Constructor</a:t>
+            </a:r>
+            <a:endParaRPr lang="en-US" sz="2000" b="1" dirty="0"/>
+          </a:p>
+        </p:txBody>
+      </p:sp>
+    </p:spTree>
+    <p:extLst>
+      <p:ext uri="{BB962C8B-B14F-4D97-AF65-F5344CB8AC3E}">
+        <p14:creationId xmlns:p14="http://schemas.microsoft.com/office/powerpoint/2010/main" val="3634442687"/>
       </p:ext>
     </p:extLst>
   </p:cSld>
@@ -3664,49 +4437,219 @@
           <a:chExt cx="0" cy="0"/>
         </a:xfrm>
       </p:grpSpPr>
-      <p:sp>
-        <p:nvSpPr>
-          <p:cNvPr id="2" name="Title 1"/>
-          <p:cNvSpPr>
-            <a:spLocks noGrp="1"/>
-          </p:cNvSpPr>
-          <p:nvPr>
-            <p:ph type="title"/>
-          </p:nvPr>
-        </p:nvSpPr>
-        <p:spPr>
-          <a:xfrm>
-            <a:off x="1290917" y="1035424"/>
-            <a:ext cx="4805083" cy="1325563"/>
-          </a:xfrm>
-        </p:spPr>
-        <p:style>
-          <a:lnRef idx="2">
-            <a:schemeClr val="dk1"/>
-          </a:lnRef>
-          <a:fillRef idx="1">
-            <a:schemeClr val="lt1"/>
-          </a:fillRef>
-          <a:effectRef idx="0">
-            <a:schemeClr val="dk1"/>
-          </a:effectRef>
-          <a:fontRef idx="minor">
-            <a:schemeClr val="dk1"/>
-          </a:fontRef>
-        </p:style>
-        <p:txBody>
-          <a:bodyPr/>
-          <a:lstStyle/>
-          <a:p>
-            <a:pPr algn="ctr"/>
-            <a:r>
-              <a:rPr lang="en-US" dirty="0" smtClean="0"/>
-              <a:t>Gang of Four</a:t>
-            </a:r>
-            <a:endParaRPr lang="en-US" dirty="0"/>
-          </a:p>
-        </p:txBody>
-      </p:sp>
+      <p:grpSp>
+        <p:nvGrpSpPr>
+          <p:cNvPr id="9" name="Group 8"/>
+          <p:cNvGrpSpPr/>
+          <p:nvPr/>
+        </p:nvGrpSpPr>
+        <p:grpSpPr>
+          <a:xfrm>
+            <a:off x="1841863" y="261257"/>
+            <a:ext cx="8543109" cy="5891349"/>
+            <a:chOff x="1828800" y="0"/>
+            <a:chExt cx="8543109" cy="5891349"/>
+          </a:xfrm>
+        </p:grpSpPr>
+        <p:sp>
+          <p:nvSpPr>
+            <p:cNvPr id="5" name="Rectangle 2"/>
+            <p:cNvSpPr>
+              <a:spLocks noChangeArrowheads="1"/>
+            </p:cNvSpPr>
+            <p:nvPr/>
+          </p:nvSpPr>
+          <p:spPr bwMode="auto">
+            <a:xfrm>
+              <a:off x="3367734" y="2347293"/>
+              <a:ext cx="6227667" cy="830997"/>
+            </a:xfrm>
+            <a:prstGeom prst="rect">
+              <a:avLst/>
+            </a:prstGeom>
+            <a:noFill/>
+            <a:ln>
+              <a:noFill/>
+            </a:ln>
+            <a:effectLst/>
+            <a:extLst>
+              <a:ext uri="{909E8E84-426E-40DD-AFC4-6F175D3DCCD1}">
+                <a14:hiddenFill xmlns:a14="http://schemas.microsoft.com/office/drawing/2010/main">
+                  <a:solidFill>
+                    <a:schemeClr val="accent1"/>
+                  </a:solidFill>
+                </a14:hiddenFill>
+              </a:ext>
+              <a:ext uri="{91240B29-F687-4F45-9708-019B960494DF}">
+                <a14:hiddenLine xmlns:a14="http://schemas.microsoft.com/office/drawing/2010/main" w="9525">
+                  <a:solidFill>
+                    <a:schemeClr val="tx1"/>
+                  </a:solidFill>
+                  <a:miter lim="800000"/>
+                  <a:headEnd/>
+                  <a:tailEnd/>
+                </a14:hiddenLine>
+              </a:ext>
+              <a:ext uri="{AF507438-7753-43E0-B8FC-AC1667EBCBE1}">
+                <a14:hiddenEffects xmlns:a14="http://schemas.microsoft.com/office/drawing/2010/main">
+                  <a:effectLst>
+                    <a:outerShdw dist="35921" dir="2700000" algn="ctr" rotWithShape="0">
+                      <a:schemeClr val="bg2"/>
+                    </a:outerShdw>
+                  </a:effectLst>
+                </a14:hiddenEffects>
+              </a:ext>
+            </a:extLst>
+          </p:spPr>
+          <p:txBody>
+            <a:bodyPr vert="horz" wrap="none" lIns="0" tIns="0" rIns="0" bIns="0" numCol="1" anchor="ctr" anchorCtr="0" compatLnSpc="1">
+              <a:prstTxWarp prst="textNoShape">
+                <a:avLst/>
+              </a:prstTxWarp>
+              <a:spAutoFit/>
+            </a:bodyPr>
+            <a:lstStyle/>
+            <a:p>
+              <a:r>
+                <a:rPr lang="en-US" sz="5400" dirty="0" smtClean="0">
+                  <a:latin typeface="Source Code Pro" panose="020B0509030403020204" pitchFamily="49" charset="0"/>
+                </a:rPr>
+                <a:t>Design Patterns</a:t>
+              </a:r>
+              <a:endParaRPr kumimoji="0" lang="en-US" altLang="en-US" sz="1050" i="0" u="none" strike="noStrike" cap="none" normalizeH="0" baseline="0" dirty="0" smtClean="0">
+                <a:ln>
+                  <a:noFill/>
+                </a:ln>
+                <a:solidFill>
+                  <a:schemeClr val="tx1"/>
+                </a:solidFill>
+                <a:effectLst/>
+                <a:latin typeface="Source Code Pro" panose="020B0509030403020204" pitchFamily="49" charset="0"/>
+              </a:endParaRPr>
+            </a:p>
+          </p:txBody>
+        </p:sp>
+        <p:pic>
+          <p:nvPicPr>
+            <p:cNvPr id="3" name="Picture 2"/>
+            <p:cNvPicPr>
+              <a:picLocks noChangeAspect="1"/>
+            </p:cNvPicPr>
+            <p:nvPr/>
+          </p:nvPicPr>
+          <p:blipFill>
+            <a:blip r:embed="rId2">
+              <a:extLst>
+                <a:ext uri="{28A0092B-C50C-407E-A947-70E740481C1C}">
+                  <a14:useLocalDpi xmlns:a14="http://schemas.microsoft.com/office/drawing/2010/main" val="0"/>
+                </a:ext>
+              </a:extLst>
+            </a:blip>
+            <a:stretch>
+              <a:fillRect/>
+            </a:stretch>
+          </p:blipFill>
+          <p:spPr>
+            <a:xfrm>
+              <a:off x="2387495" y="0"/>
+              <a:ext cx="7417007" cy="1803177"/>
+            </a:xfrm>
+            <a:prstGeom prst="rect">
+              <a:avLst/>
+            </a:prstGeom>
+          </p:spPr>
+        </p:pic>
+        <p:pic>
+          <p:nvPicPr>
+            <p:cNvPr id="6" name="Picture 5"/>
+            <p:cNvPicPr>
+              <a:picLocks noChangeAspect="1"/>
+            </p:cNvPicPr>
+            <p:nvPr/>
+          </p:nvPicPr>
+          <p:blipFill>
+            <a:blip r:embed="rId3">
+              <a:extLst>
+                <a:ext uri="{28A0092B-C50C-407E-A947-70E740481C1C}">
+                  <a14:useLocalDpi xmlns:a14="http://schemas.microsoft.com/office/drawing/2010/main" val="0"/>
+                </a:ext>
+              </a:extLst>
+            </a:blip>
+            <a:stretch>
+              <a:fillRect/>
+            </a:stretch>
+          </p:blipFill>
+          <p:spPr>
+            <a:xfrm>
+              <a:off x="2374432" y="1803177"/>
+              <a:ext cx="7447787" cy="1801740"/>
+            </a:xfrm>
+            <a:prstGeom prst="rect">
+              <a:avLst/>
+            </a:prstGeom>
+          </p:spPr>
+        </p:pic>
+        <p:pic>
+          <p:nvPicPr>
+            <p:cNvPr id="8" name="Picture 7"/>
+            <p:cNvPicPr>
+              <a:picLocks noChangeAspect="1"/>
+            </p:cNvPicPr>
+            <p:nvPr/>
+          </p:nvPicPr>
+          <p:blipFill>
+            <a:blip r:embed="rId4">
+              <a:extLst>
+                <a:ext uri="{28A0092B-C50C-407E-A947-70E740481C1C}">
+                  <a14:useLocalDpi xmlns:a14="http://schemas.microsoft.com/office/drawing/2010/main" val="0"/>
+                </a:ext>
+              </a:extLst>
+            </a:blip>
+            <a:stretch>
+              <a:fillRect/>
+            </a:stretch>
+          </p:blipFill>
+          <p:spPr>
+            <a:xfrm>
+              <a:off x="1828800" y="3604917"/>
+              <a:ext cx="8543109" cy="2286432"/>
+            </a:xfrm>
+            <a:prstGeom prst="rect">
+              <a:avLst/>
+            </a:prstGeom>
+          </p:spPr>
+        </p:pic>
+      </p:grpSp>
+    </p:spTree>
+    <p:extLst>
+      <p:ext uri="{BB962C8B-B14F-4D97-AF65-F5344CB8AC3E}">
+        <p14:creationId xmlns:p14="http://schemas.microsoft.com/office/powerpoint/2010/main" val="1086488714"/>
+      </p:ext>
+    </p:extLst>
+  </p:cSld>
+  <p:clrMapOvr>
+    <a:masterClrMapping/>
+  </p:clrMapOvr>
+</p:sld>
+</file>
+
+<file path=ppt/slides/slide20.xml><?xml version="1.0" encoding="utf-8"?>
+<p:sld xmlns:a="http://schemas.openxmlformats.org/drawingml/2006/main" xmlns:r="http://schemas.openxmlformats.org/officeDocument/2006/relationships" xmlns:p="http://schemas.openxmlformats.org/presentationml/2006/main">
+  <p:cSld>
+    <p:spTree>
+      <p:nvGrpSpPr>
+        <p:cNvPr id="1" name=""/>
+        <p:cNvGrpSpPr/>
+        <p:nvPr/>
+      </p:nvGrpSpPr>
+      <p:grpSpPr>
+        <a:xfrm>
+          <a:off x="0" y="0"/>
+          <a:ext cx="0" cy="0"/>
+          <a:chOff x="0" y="0"/>
+          <a:chExt cx="0" cy="0"/>
+        </a:xfrm>
+      </p:grpSpPr>
       <p:pic>
         <p:nvPicPr>
           <p:cNvPr id="4" name="Picture 3"/>
@@ -3723,42 +4666,1945 @@
         </p:blipFill>
         <p:spPr>
           <a:xfrm>
-            <a:off x="9103659" y="-1"/>
-            <a:ext cx="3088341" cy="3836487"/>
+            <a:off x="11011823" y="1149531"/>
+            <a:ext cx="864490" cy="864490"/>
           </a:xfrm>
           <a:prstGeom prst="rect">
             <a:avLst/>
           </a:prstGeom>
         </p:spPr>
       </p:pic>
+      <p:sp>
+        <p:nvSpPr>
+          <p:cNvPr id="5" name="Title 1"/>
+          <p:cNvSpPr>
+            <a:spLocks noGrp="1"/>
+          </p:cNvSpPr>
+          <p:nvPr>
+            <p:ph type="title"/>
+          </p:nvPr>
+        </p:nvSpPr>
+        <p:spPr>
+          <a:xfrm>
+            <a:off x="9472583" y="810750"/>
+            <a:ext cx="1539240" cy="1542052"/>
+          </a:xfrm>
+        </p:spPr>
+        <p:txBody>
+          <a:bodyPr>
+            <a:normAutofit/>
+          </a:bodyPr>
+          <a:lstStyle/>
+          <a:p>
+            <a:pPr algn="r"/>
+            <a:r>
+              <a:rPr lang="fa-IR" sz="4000" b="1" dirty="0" smtClean="0">
+                <a:solidFill>
+                  <a:schemeClr val="bg2">
+                    <a:lumMod val="25000"/>
+                  </a:schemeClr>
+                </a:solidFill>
+              </a:rPr>
+              <a:t>هدف</a:t>
+            </a:r>
+            <a:endParaRPr lang="en-US" sz="1800" b="1" dirty="0">
+              <a:solidFill>
+                <a:schemeClr val="bg2">
+                  <a:lumMod val="25000"/>
+                </a:schemeClr>
+              </a:solidFill>
+            </a:endParaRPr>
+          </a:p>
+        </p:txBody>
+      </p:sp>
+      <p:sp>
+        <p:nvSpPr>
+          <p:cNvPr id="6" name="Rectangle 5"/>
+          <p:cNvSpPr/>
+          <p:nvPr/>
+        </p:nvSpPr>
+        <p:spPr>
+          <a:xfrm>
+            <a:off x="671566" y="2946589"/>
+            <a:ext cx="10850879" cy="646331"/>
+          </a:xfrm>
+          <a:prstGeom prst="rect">
+            <a:avLst/>
+          </a:prstGeom>
+        </p:spPr>
+        <p:txBody>
+          <a:bodyPr wrap="square">
+            <a:spAutoFit/>
+          </a:bodyPr>
+          <a:lstStyle/>
+          <a:p>
+            <a:pPr algn="r" rtl="1"/>
+            <a:r>
+              <a:rPr lang="en-US" dirty="0" smtClean="0">
+                <a:solidFill>
+                  <a:srgbClr val="444444"/>
+                </a:solidFill>
+                <a:latin typeface="PT Sans"/>
+                <a:cs typeface="+mj-cs"/>
+              </a:rPr>
+              <a:t> </a:t>
+            </a:r>
+            <a:r>
+              <a:rPr lang="en-US" dirty="0" smtClean="0">
+                <a:solidFill>
+                  <a:srgbClr val="FF0000"/>
+                </a:solidFill>
+                <a:latin typeface="PT Sans"/>
+                <a:cs typeface="+mj-cs"/>
+              </a:rPr>
+              <a:t>Factory </a:t>
+            </a:r>
+            <a:r>
+              <a:rPr lang="en-US" dirty="0">
+                <a:solidFill>
+                  <a:srgbClr val="FF0000"/>
+                </a:solidFill>
+                <a:latin typeface="PT Sans"/>
+                <a:cs typeface="+mj-cs"/>
+              </a:rPr>
+              <a:t>Method </a:t>
+            </a:r>
+            <a:r>
+              <a:rPr lang="fa-IR" dirty="0">
+                <a:solidFill>
+                  <a:srgbClr val="444444"/>
+                </a:solidFill>
+                <a:latin typeface="PT Sans"/>
+                <a:cs typeface="+mj-cs"/>
+              </a:rPr>
+              <a:t>یک الگوی طراحی ایجادی است که یک رابط برای ایجاد اشیاء در یک سوپرکلاس فراهم می‌کند، اما به کلاس‌های فرعی اجازه می‌دهد تا نوع اشیایی را که ایجاد می‌شوند </a:t>
+            </a:r>
+            <a:r>
+              <a:rPr lang="fa-IR" dirty="0" smtClean="0">
+                <a:solidFill>
+                  <a:srgbClr val="444444"/>
+                </a:solidFill>
+                <a:latin typeface="PT Sans"/>
+                <a:cs typeface="+mj-cs"/>
+              </a:rPr>
+              <a:t>را تغییر </a:t>
+            </a:r>
+            <a:r>
+              <a:rPr lang="fa-IR" dirty="0">
+                <a:solidFill>
+                  <a:srgbClr val="444444"/>
+                </a:solidFill>
+                <a:latin typeface="PT Sans"/>
+                <a:cs typeface="+mj-cs"/>
+              </a:rPr>
+              <a:t>دهند.</a:t>
+            </a:r>
+            <a:endParaRPr lang="en-US" dirty="0">
+              <a:cs typeface="+mj-cs"/>
+            </a:endParaRPr>
+          </a:p>
+        </p:txBody>
+      </p:sp>
+    </p:spTree>
+    <p:extLst>
+      <p:ext uri="{BB962C8B-B14F-4D97-AF65-F5344CB8AC3E}">
+        <p14:creationId xmlns:p14="http://schemas.microsoft.com/office/powerpoint/2010/main" val="3796176523"/>
+      </p:ext>
+    </p:extLst>
+  </p:cSld>
+  <p:clrMapOvr>
+    <a:masterClrMapping/>
+  </p:clrMapOvr>
+</p:sld>
+</file>
+
+<file path=ppt/slides/slide21.xml><?xml version="1.0" encoding="utf-8"?>
+<p:sld xmlns:a="http://schemas.openxmlformats.org/drawingml/2006/main" xmlns:r="http://schemas.openxmlformats.org/officeDocument/2006/relationships" xmlns:p="http://schemas.openxmlformats.org/presentationml/2006/main">
+  <p:cSld>
+    <p:spTree>
+      <p:nvGrpSpPr>
+        <p:cNvPr id="1" name=""/>
+        <p:cNvGrpSpPr/>
+        <p:nvPr/>
+      </p:nvGrpSpPr>
+      <p:grpSpPr>
+        <a:xfrm>
+          <a:off x="0" y="0"/>
+          <a:ext cx="0" cy="0"/>
+          <a:chOff x="0" y="0"/>
+          <a:chExt cx="0" cy="0"/>
+        </a:xfrm>
+      </p:grpSpPr>
       <p:pic>
         <p:nvPicPr>
-          <p:cNvPr id="6" name="Picture 5"/>
+          <p:cNvPr id="4" name="Picture 3"/>
           <p:cNvPicPr>
             <a:picLocks noChangeAspect="1"/>
           </p:cNvPicPr>
           <p:nvPr/>
         </p:nvPicPr>
         <p:blipFill>
-          <a:blip r:embed="rId3"/>
+          <a:blip r:embed="rId2"/>
           <a:stretch>
             <a:fillRect/>
           </a:stretch>
         </p:blipFill>
         <p:spPr>
           <a:xfrm>
-            <a:off x="5390201" y="3838154"/>
-            <a:ext cx="6801799" cy="3019846"/>
+            <a:off x="11161217" y="254156"/>
+            <a:ext cx="781357" cy="883831"/>
           </a:xfrm>
           <a:prstGeom prst="rect">
             <a:avLst/>
           </a:prstGeom>
+        </p:spPr>
+      </p:pic>
+      <p:sp>
+        <p:nvSpPr>
+          <p:cNvPr id="5" name="Title 1"/>
+          <p:cNvSpPr>
+            <a:spLocks noGrp="1"/>
+          </p:cNvSpPr>
+          <p:nvPr>
+            <p:ph type="title"/>
+          </p:nvPr>
+        </p:nvSpPr>
+        <p:spPr>
+          <a:xfrm>
+            <a:off x="9621977" y="125871"/>
+            <a:ext cx="1539240" cy="1212941"/>
+          </a:xfrm>
+        </p:spPr>
+        <p:txBody>
+          <a:bodyPr>
+            <a:normAutofit/>
+          </a:bodyPr>
+          <a:lstStyle/>
+          <a:p>
+            <a:pPr algn="r"/>
+            <a:r>
+              <a:rPr lang="fa-IR" sz="3600" b="1" dirty="0" smtClean="0">
+                <a:solidFill>
+                  <a:schemeClr val="bg2">
+                    <a:lumMod val="25000"/>
+                  </a:schemeClr>
+                </a:solidFill>
+              </a:rPr>
+              <a:t>مشکل</a:t>
+            </a:r>
+            <a:endParaRPr lang="en-US" sz="1600" b="1" dirty="0">
+              <a:solidFill>
+                <a:schemeClr val="bg2">
+                  <a:lumMod val="25000"/>
+                </a:schemeClr>
+              </a:solidFill>
+            </a:endParaRPr>
+          </a:p>
+        </p:txBody>
+      </p:sp>
+      <p:sp>
+        <p:nvSpPr>
+          <p:cNvPr id="8" name="Title 1"/>
+          <p:cNvSpPr txBox="1">
+            <a:spLocks/>
+          </p:cNvSpPr>
+          <p:nvPr/>
+        </p:nvSpPr>
+        <p:spPr>
+          <a:xfrm>
+            <a:off x="477812" y="1338812"/>
+            <a:ext cx="10951003" cy="1212941"/>
+          </a:xfrm>
+          <a:prstGeom prst="rect">
+            <a:avLst/>
+          </a:prstGeom>
+        </p:spPr>
+        <p:txBody>
+          <a:bodyPr vert="horz" lIns="91440" tIns="45720" rIns="91440" bIns="45720" rtlCol="0" anchor="ctr">
+            <a:normAutofit/>
+          </a:bodyPr>
+          <a:lstStyle>
+            <a:lvl1pPr algn="l" defTabSz="914400" rtl="0" eaLnBrk="1" latinLnBrk="0" hangingPunct="1">
+              <a:lnSpc>
+                <a:spcPct val="90000"/>
+              </a:lnSpc>
+              <a:spcBef>
+                <a:spcPct val="0"/>
+              </a:spcBef>
+              <a:buNone/>
+              <a:defRPr sz="4400" kern="1200">
+                <a:solidFill>
+                  <a:schemeClr val="tx1"/>
+                </a:solidFill>
+                <a:latin typeface="+mj-lt"/>
+                <a:ea typeface="+mj-ea"/>
+                <a:cs typeface="+mj-cs"/>
+              </a:defRPr>
+            </a:lvl1pPr>
+          </a:lstStyle>
+          <a:p>
+            <a:pPr algn="r"/>
+            <a:r>
+              <a:rPr lang="fa-IR" sz="2000" dirty="0" smtClean="0">
+                <a:solidFill>
+                  <a:schemeClr val="bg2">
+                    <a:lumMod val="25000"/>
+                  </a:schemeClr>
+                </a:solidFill>
+              </a:rPr>
+              <a:t>فرض کنید یک </a:t>
+            </a:r>
+            <a:r>
+              <a:rPr lang="fa-IR" sz="2000" dirty="0">
+                <a:solidFill>
+                  <a:schemeClr val="bg2">
+                    <a:lumMod val="25000"/>
+                  </a:schemeClr>
+                </a:solidFill>
+              </a:rPr>
+              <a:t>برنامه مدیریت </a:t>
+            </a:r>
+            <a:r>
+              <a:rPr lang="fa-IR" sz="2000" dirty="0" smtClean="0">
+                <a:solidFill>
+                  <a:schemeClr val="bg2">
+                    <a:lumMod val="25000"/>
+                  </a:schemeClr>
+                </a:solidFill>
+              </a:rPr>
+              <a:t>لجستیک طراحی کرده‌اید و کل برنامه را برای </a:t>
+            </a:r>
+            <a:r>
+              <a:rPr lang="fa-IR" sz="2000" dirty="0" smtClean="0">
+                <a:solidFill>
+                  <a:schemeClr val="accent2"/>
+                </a:solidFill>
+              </a:rPr>
+              <a:t>کامیون</a:t>
+            </a:r>
+            <a:r>
+              <a:rPr lang="fa-IR" sz="2000" dirty="0" smtClean="0">
+                <a:solidFill>
+                  <a:schemeClr val="bg2">
+                    <a:lumMod val="25000"/>
+                  </a:schemeClr>
+                </a:solidFill>
+              </a:rPr>
+              <a:t> نوشته‌اید.</a:t>
+            </a:r>
+          </a:p>
+          <a:p>
+            <a:pPr algn="r"/>
+            <a:r>
+              <a:rPr lang="fa-IR" sz="2000" dirty="0" smtClean="0">
+                <a:solidFill>
+                  <a:schemeClr val="bg2">
+                    <a:lumMod val="25000"/>
+                  </a:schemeClr>
+                </a:solidFill>
+              </a:rPr>
+              <a:t>حال که برنامه‌ی شما معروف شده است شرکت‌های </a:t>
+            </a:r>
+            <a:r>
+              <a:rPr lang="fa-IR" sz="2000" dirty="0" smtClean="0">
+                <a:solidFill>
+                  <a:schemeClr val="accent2"/>
+                </a:solidFill>
+              </a:rPr>
+              <a:t>حمل و نقل دریایی </a:t>
+            </a:r>
+            <a:r>
+              <a:rPr lang="fa-IR" sz="2000" dirty="0" smtClean="0">
+                <a:solidFill>
+                  <a:schemeClr val="bg2">
+                    <a:lumMod val="25000"/>
+                  </a:schemeClr>
+                </a:solidFill>
+              </a:rPr>
+              <a:t>خواهان اضافه شده به برنامه‌ی شما را دارند.</a:t>
+            </a:r>
+            <a:endParaRPr lang="en-US" sz="1050" dirty="0">
+              <a:solidFill>
+                <a:schemeClr val="bg2">
+                  <a:lumMod val="25000"/>
+                </a:schemeClr>
+              </a:solidFill>
+            </a:endParaRPr>
+          </a:p>
+        </p:txBody>
+      </p:sp>
+      <p:sp>
+        <p:nvSpPr>
+          <p:cNvPr id="7" name="Rectangle 6"/>
+          <p:cNvSpPr/>
+          <p:nvPr/>
+        </p:nvSpPr>
+        <p:spPr>
+          <a:xfrm>
+            <a:off x="338455" y="3629069"/>
+            <a:ext cx="1701107" cy="369332"/>
+          </a:xfrm>
+          <a:prstGeom prst="rect">
+            <a:avLst/>
+          </a:prstGeom>
+        </p:spPr>
+        <p:txBody>
+          <a:bodyPr wrap="none">
+            <a:spAutoFit/>
+          </a:bodyPr>
+          <a:lstStyle/>
+          <a:p>
+            <a:r>
+              <a:rPr lang="en-US" b="1" dirty="0" smtClean="0">
+                <a:solidFill>
+                  <a:schemeClr val="bg2">
+                    <a:lumMod val="75000"/>
+                  </a:schemeClr>
+                </a:solidFill>
+                <a:latin typeface="+mj-lt"/>
+              </a:rPr>
+              <a:t>class Truck</a:t>
+            </a:r>
+            <a:endParaRPr lang="en-US" b="1" dirty="0">
+              <a:solidFill>
+                <a:schemeClr val="bg2">
+                  <a:lumMod val="75000"/>
+                </a:schemeClr>
+              </a:solidFill>
+              <a:latin typeface="+mj-lt"/>
+            </a:endParaRPr>
+          </a:p>
+        </p:txBody>
+      </p:sp>
+      <p:pic>
+        <p:nvPicPr>
+          <p:cNvPr id="10" name="Picture 2" descr="Factory Method pattern"/>
+          <p:cNvPicPr>
+            <a:picLocks noChangeAspect="1" noChangeArrowheads="1"/>
+          </p:cNvPicPr>
+          <p:nvPr/>
+        </p:nvPicPr>
+        <p:blipFill>
+          <a:blip r:embed="rId3">
+            <a:extLst>
+              <a:ext uri="{28A0092B-C50C-407E-A947-70E740481C1C}">
+                <a14:useLocalDpi xmlns:a14="http://schemas.microsoft.com/office/drawing/2010/main" val="0"/>
+              </a:ext>
+            </a:extLst>
+          </a:blip>
+          <a:srcRect/>
+          <a:stretch>
+            <a:fillRect/>
+          </a:stretch>
+        </p:blipFill>
+        <p:spPr bwMode="auto">
+          <a:xfrm>
+            <a:off x="2905314" y="2808422"/>
+            <a:ext cx="6096000" cy="3810000"/>
+          </a:xfrm>
+          <a:prstGeom prst="rect">
+            <a:avLst/>
+          </a:prstGeom>
+          <a:noFill/>
+          <a:extLst>
+            <a:ext uri="{909E8E84-426E-40DD-AFC4-6F175D3DCCD1}">
+              <a14:hiddenFill xmlns:a14="http://schemas.microsoft.com/office/drawing/2010/main">
+                <a:solidFill>
+                  <a:srgbClr val="FFFFFF"/>
+                </a:solidFill>
+              </a14:hiddenFill>
+            </a:ext>
+          </a:extLst>
         </p:spPr>
       </p:pic>
     </p:spTree>
     <p:extLst>
       <p:ext uri="{BB962C8B-B14F-4D97-AF65-F5344CB8AC3E}">
-        <p14:creationId xmlns:p14="http://schemas.microsoft.com/office/powerpoint/2010/main" val="4043031706"/>
+        <p14:creationId xmlns:p14="http://schemas.microsoft.com/office/powerpoint/2010/main" val="1435702568"/>
+      </p:ext>
+    </p:extLst>
+  </p:cSld>
+  <p:clrMapOvr>
+    <a:masterClrMapping/>
+  </p:clrMapOvr>
+</p:sld>
+</file>
+
+<file path=ppt/slides/slide22.xml><?xml version="1.0" encoding="utf-8"?>
+<p:sld xmlns:a="http://schemas.openxmlformats.org/drawingml/2006/main" xmlns:r="http://schemas.openxmlformats.org/officeDocument/2006/relationships" xmlns:p="http://schemas.openxmlformats.org/presentationml/2006/main">
+  <p:cSld>
+    <p:spTree>
+      <p:nvGrpSpPr>
+        <p:cNvPr id="1" name=""/>
+        <p:cNvGrpSpPr/>
+        <p:nvPr/>
+      </p:nvGrpSpPr>
+      <p:grpSpPr>
+        <a:xfrm>
+          <a:off x="0" y="0"/>
+          <a:ext cx="0" cy="0"/>
+          <a:chOff x="0" y="0"/>
+          <a:chExt cx="0" cy="0"/>
+        </a:xfrm>
+      </p:grpSpPr>
+      <p:pic>
+        <p:nvPicPr>
+          <p:cNvPr id="4" name="Picture 3"/>
+          <p:cNvPicPr>
+            <a:picLocks noChangeAspect="1"/>
+          </p:cNvPicPr>
+          <p:nvPr/>
+        </p:nvPicPr>
+        <p:blipFill>
+          <a:blip r:embed="rId2"/>
+          <a:stretch>
+            <a:fillRect/>
+          </a:stretch>
+        </p:blipFill>
+        <p:spPr>
+          <a:xfrm>
+            <a:off x="11161217" y="254156"/>
+            <a:ext cx="781357" cy="883831"/>
+          </a:xfrm>
+          <a:prstGeom prst="rect">
+            <a:avLst/>
+          </a:prstGeom>
+        </p:spPr>
+      </p:pic>
+      <p:sp>
+        <p:nvSpPr>
+          <p:cNvPr id="5" name="Title 1"/>
+          <p:cNvSpPr>
+            <a:spLocks noGrp="1"/>
+          </p:cNvSpPr>
+          <p:nvPr>
+            <p:ph type="title"/>
+          </p:nvPr>
+        </p:nvSpPr>
+        <p:spPr>
+          <a:xfrm>
+            <a:off x="9621977" y="125871"/>
+            <a:ext cx="1539240" cy="1212941"/>
+          </a:xfrm>
+        </p:spPr>
+        <p:txBody>
+          <a:bodyPr>
+            <a:normAutofit/>
+          </a:bodyPr>
+          <a:lstStyle/>
+          <a:p>
+            <a:pPr algn="r"/>
+            <a:r>
+              <a:rPr lang="fa-IR" sz="3600" b="1" dirty="0" smtClean="0">
+                <a:solidFill>
+                  <a:schemeClr val="bg2">
+                    <a:lumMod val="25000"/>
+                  </a:schemeClr>
+                </a:solidFill>
+              </a:rPr>
+              <a:t>مشکل</a:t>
+            </a:r>
+            <a:endParaRPr lang="en-US" sz="1600" b="1" dirty="0">
+              <a:solidFill>
+                <a:schemeClr val="bg2">
+                  <a:lumMod val="25000"/>
+                </a:schemeClr>
+              </a:solidFill>
+            </a:endParaRPr>
+          </a:p>
+        </p:txBody>
+      </p:sp>
+      <p:sp>
+        <p:nvSpPr>
+          <p:cNvPr id="8" name="Title 1"/>
+          <p:cNvSpPr txBox="1">
+            <a:spLocks/>
+          </p:cNvSpPr>
+          <p:nvPr/>
+        </p:nvSpPr>
+        <p:spPr>
+          <a:xfrm>
+            <a:off x="477812" y="1137987"/>
+            <a:ext cx="10951003" cy="1212941"/>
+          </a:xfrm>
+          <a:prstGeom prst="rect">
+            <a:avLst/>
+          </a:prstGeom>
+        </p:spPr>
+        <p:txBody>
+          <a:bodyPr vert="horz" lIns="91440" tIns="45720" rIns="91440" bIns="45720" rtlCol="0" anchor="ctr">
+            <a:normAutofit/>
+          </a:bodyPr>
+          <a:lstStyle>
+            <a:lvl1pPr algn="l" defTabSz="914400" rtl="0" eaLnBrk="1" latinLnBrk="0" hangingPunct="1">
+              <a:lnSpc>
+                <a:spcPct val="90000"/>
+              </a:lnSpc>
+              <a:spcBef>
+                <a:spcPct val="0"/>
+              </a:spcBef>
+              <a:buNone/>
+              <a:defRPr sz="4400" kern="1200">
+                <a:solidFill>
+                  <a:schemeClr val="tx1"/>
+                </a:solidFill>
+                <a:latin typeface="+mj-lt"/>
+                <a:ea typeface="+mj-ea"/>
+                <a:cs typeface="+mj-cs"/>
+              </a:defRPr>
+            </a:lvl1pPr>
+          </a:lstStyle>
+          <a:p>
+            <a:pPr algn="r" rtl="1"/>
+            <a:r>
+              <a:rPr lang="fa-IR" sz="2000" dirty="0" smtClean="0">
+                <a:solidFill>
+                  <a:schemeClr val="bg2">
+                    <a:lumMod val="25000"/>
+                  </a:schemeClr>
+                </a:solidFill>
+              </a:rPr>
+              <a:t>خبر خوبی است، اما برنامه‌ی کنونی شما فقط شامل کلاس</a:t>
+            </a:r>
+            <a:r>
+              <a:rPr lang="en-US" sz="2000" dirty="0" smtClean="0">
+                <a:solidFill>
+                  <a:schemeClr val="bg2">
+                    <a:lumMod val="25000"/>
+                  </a:schemeClr>
+                </a:solidFill>
+              </a:rPr>
+              <a:t> </a:t>
+            </a:r>
+            <a:r>
+              <a:rPr lang="fa-IR" sz="2000" dirty="0" smtClean="0">
+                <a:solidFill>
+                  <a:schemeClr val="bg2">
+                    <a:lumMod val="25000"/>
+                  </a:schemeClr>
+                </a:solidFill>
+              </a:rPr>
+              <a:t> </a:t>
+            </a:r>
+            <a:r>
+              <a:rPr lang="en-US" sz="2000" dirty="0" smtClean="0">
+                <a:solidFill>
+                  <a:schemeClr val="bg2">
+                    <a:lumMod val="25000"/>
+                  </a:schemeClr>
+                </a:solidFill>
+              </a:rPr>
+              <a:t>Truck</a:t>
+            </a:r>
+            <a:r>
+              <a:rPr lang="fa-IR" sz="2000" dirty="0" smtClean="0">
+                <a:solidFill>
+                  <a:schemeClr val="bg2">
+                    <a:lumMod val="25000"/>
+                  </a:schemeClr>
+                </a:solidFill>
+              </a:rPr>
+              <a:t> است و افزودن بخش‌های دیگر کار راحتی نیست. </a:t>
+            </a:r>
+            <a:endParaRPr lang="en-US" sz="1050" dirty="0">
+              <a:solidFill>
+                <a:schemeClr val="bg2">
+                  <a:lumMod val="25000"/>
+                </a:schemeClr>
+              </a:solidFill>
+            </a:endParaRPr>
+          </a:p>
+        </p:txBody>
+      </p:sp>
+      <p:sp>
+        <p:nvSpPr>
+          <p:cNvPr id="7" name="Rectangle 6"/>
+          <p:cNvSpPr/>
+          <p:nvPr/>
+        </p:nvSpPr>
+        <p:spPr>
+          <a:xfrm>
+            <a:off x="477811" y="3050093"/>
+            <a:ext cx="1701107" cy="369332"/>
+          </a:xfrm>
+          <a:prstGeom prst="rect">
+            <a:avLst/>
+          </a:prstGeom>
+        </p:spPr>
+        <p:txBody>
+          <a:bodyPr wrap="none">
+            <a:spAutoFit/>
+          </a:bodyPr>
+          <a:lstStyle/>
+          <a:p>
+            <a:r>
+              <a:rPr lang="en-US" b="1" dirty="0" smtClean="0">
+                <a:solidFill>
+                  <a:schemeClr val="bg2">
+                    <a:lumMod val="75000"/>
+                  </a:schemeClr>
+                </a:solidFill>
+                <a:latin typeface="+mj-lt"/>
+              </a:rPr>
+              <a:t>class Truck</a:t>
+            </a:r>
+            <a:endParaRPr lang="en-US" b="1" dirty="0">
+              <a:solidFill>
+                <a:schemeClr val="bg2">
+                  <a:lumMod val="75000"/>
+                </a:schemeClr>
+              </a:solidFill>
+              <a:latin typeface="+mj-lt"/>
+            </a:endParaRPr>
+          </a:p>
+        </p:txBody>
+      </p:sp>
+      <p:sp>
+        <p:nvSpPr>
+          <p:cNvPr id="11" name="Rectangle 10"/>
+          <p:cNvSpPr/>
+          <p:nvPr/>
+        </p:nvSpPr>
+        <p:spPr>
+          <a:xfrm>
+            <a:off x="477810" y="4713422"/>
+            <a:ext cx="1701107" cy="369332"/>
+          </a:xfrm>
+          <a:prstGeom prst="rect">
+            <a:avLst/>
+          </a:prstGeom>
+        </p:spPr>
+        <p:txBody>
+          <a:bodyPr wrap="none">
+            <a:spAutoFit/>
+          </a:bodyPr>
+          <a:lstStyle/>
+          <a:p>
+            <a:r>
+              <a:rPr lang="en-US" b="1" dirty="0">
+                <a:solidFill>
+                  <a:schemeClr val="bg2">
+                    <a:lumMod val="75000"/>
+                  </a:schemeClr>
+                </a:solidFill>
+                <a:latin typeface="+mj-lt"/>
+              </a:rPr>
+              <a:t>class Ships</a:t>
+            </a:r>
+          </a:p>
+        </p:txBody>
+      </p:sp>
+      <p:cxnSp>
+        <p:nvCxnSpPr>
+          <p:cNvPr id="3" name="Straight Arrow Connector 2"/>
+          <p:cNvCxnSpPr/>
+          <p:nvPr/>
+        </p:nvCxnSpPr>
+        <p:spPr>
+          <a:xfrm>
+            <a:off x="1328362" y="3610358"/>
+            <a:ext cx="1" cy="912131"/>
+          </a:xfrm>
+          <a:prstGeom prst="straightConnector1">
+            <a:avLst/>
+          </a:prstGeom>
+          <a:ln>
+            <a:tailEnd type="triangle"/>
+          </a:ln>
+        </p:spPr>
+        <p:style>
+          <a:lnRef idx="3">
+            <a:schemeClr val="accent3"/>
+          </a:lnRef>
+          <a:fillRef idx="0">
+            <a:schemeClr val="accent3"/>
+          </a:fillRef>
+          <a:effectRef idx="2">
+            <a:schemeClr val="accent3"/>
+          </a:effectRef>
+          <a:fontRef idx="minor">
+            <a:schemeClr val="tx1"/>
+          </a:fontRef>
+        </p:style>
+      </p:cxnSp>
+      <p:pic>
+        <p:nvPicPr>
+          <p:cNvPr id="12" name="Picture 2" descr="Adding a new transportation class to the program causes an issue"/>
+          <p:cNvPicPr>
+            <a:picLocks noChangeAspect="1" noChangeArrowheads="1"/>
+          </p:cNvPicPr>
+          <p:nvPr/>
+        </p:nvPicPr>
+        <p:blipFill>
+          <a:blip r:embed="rId3">
+            <a:extLst>
+              <a:ext uri="{28A0092B-C50C-407E-A947-70E740481C1C}">
+                <a14:useLocalDpi xmlns:a14="http://schemas.microsoft.com/office/drawing/2010/main" val="0"/>
+              </a:ext>
+            </a:extLst>
+          </a:blip>
+          <a:srcRect/>
+          <a:stretch>
+            <a:fillRect/>
+          </a:stretch>
+        </p:blipFill>
+        <p:spPr bwMode="auto">
+          <a:xfrm>
+            <a:off x="2689769" y="2636444"/>
+            <a:ext cx="8589013" cy="3578756"/>
+          </a:xfrm>
+          <a:prstGeom prst="rect">
+            <a:avLst/>
+          </a:prstGeom>
+          <a:noFill/>
+          <a:extLst>
+            <a:ext uri="{909E8E84-426E-40DD-AFC4-6F175D3DCCD1}">
+              <a14:hiddenFill xmlns:a14="http://schemas.microsoft.com/office/drawing/2010/main">
+                <a:solidFill>
+                  <a:srgbClr val="FFFFFF"/>
+                </a:solidFill>
+              </a14:hiddenFill>
+            </a:ext>
+          </a:extLst>
+        </p:spPr>
+      </p:pic>
+    </p:spTree>
+    <p:extLst>
+      <p:ext uri="{BB962C8B-B14F-4D97-AF65-F5344CB8AC3E}">
+        <p14:creationId xmlns:p14="http://schemas.microsoft.com/office/powerpoint/2010/main" val="235380869"/>
+      </p:ext>
+    </p:extLst>
+  </p:cSld>
+  <p:clrMapOvr>
+    <a:masterClrMapping/>
+  </p:clrMapOvr>
+</p:sld>
+</file>
+
+<file path=ppt/slides/slide23.xml><?xml version="1.0" encoding="utf-8"?>
+<p:sld xmlns:a="http://schemas.openxmlformats.org/drawingml/2006/main" xmlns:r="http://schemas.openxmlformats.org/officeDocument/2006/relationships" xmlns:p="http://schemas.openxmlformats.org/presentationml/2006/main">
+  <p:cSld>
+    <p:spTree>
+      <p:nvGrpSpPr>
+        <p:cNvPr id="1" name=""/>
+        <p:cNvGrpSpPr/>
+        <p:nvPr/>
+      </p:nvGrpSpPr>
+      <p:grpSpPr>
+        <a:xfrm>
+          <a:off x="0" y="0"/>
+          <a:ext cx="0" cy="0"/>
+          <a:chOff x="0" y="0"/>
+          <a:chExt cx="0" cy="0"/>
+        </a:xfrm>
+      </p:grpSpPr>
+      <p:pic>
+        <p:nvPicPr>
+          <p:cNvPr id="4" name="Picture 3"/>
+          <p:cNvPicPr>
+            <a:picLocks noChangeAspect="1"/>
+          </p:cNvPicPr>
+          <p:nvPr/>
+        </p:nvPicPr>
+        <p:blipFill>
+          <a:blip r:embed="rId2"/>
+          <a:stretch>
+            <a:fillRect/>
+          </a:stretch>
+        </p:blipFill>
+        <p:spPr>
+          <a:xfrm>
+            <a:off x="11043651" y="604283"/>
+            <a:ext cx="781357" cy="883831"/>
+          </a:xfrm>
+          <a:prstGeom prst="rect">
+            <a:avLst/>
+          </a:prstGeom>
+        </p:spPr>
+      </p:pic>
+      <p:sp>
+        <p:nvSpPr>
+          <p:cNvPr id="5" name="Title 1"/>
+          <p:cNvSpPr>
+            <a:spLocks noGrp="1"/>
+          </p:cNvSpPr>
+          <p:nvPr>
+            <p:ph type="title"/>
+          </p:nvPr>
+        </p:nvSpPr>
+        <p:spPr>
+          <a:xfrm>
+            <a:off x="9504411" y="590168"/>
+            <a:ext cx="1539240" cy="1212941"/>
+          </a:xfrm>
+        </p:spPr>
+        <p:txBody>
+          <a:bodyPr>
+            <a:normAutofit/>
+          </a:bodyPr>
+          <a:lstStyle/>
+          <a:p>
+            <a:pPr algn="r"/>
+            <a:r>
+              <a:rPr lang="fa-IR" sz="3600" b="1" dirty="0" smtClean="0">
+                <a:solidFill>
+                  <a:schemeClr val="bg2">
+                    <a:lumMod val="25000"/>
+                  </a:schemeClr>
+                </a:solidFill>
+              </a:rPr>
+              <a:t>مشکل</a:t>
+            </a:r>
+            <a:endParaRPr lang="en-US" sz="1600" b="1" dirty="0">
+              <a:solidFill>
+                <a:schemeClr val="bg2">
+                  <a:lumMod val="25000"/>
+                </a:schemeClr>
+              </a:solidFill>
+            </a:endParaRPr>
+          </a:p>
+        </p:txBody>
+      </p:sp>
+      <p:sp>
+        <p:nvSpPr>
+          <p:cNvPr id="8" name="Title 1"/>
+          <p:cNvSpPr txBox="1">
+            <a:spLocks/>
+          </p:cNvSpPr>
+          <p:nvPr/>
+        </p:nvSpPr>
+        <p:spPr>
+          <a:xfrm>
+            <a:off x="4453256" y="2101402"/>
+            <a:ext cx="6094007" cy="1212941"/>
+          </a:xfrm>
+          <a:prstGeom prst="rect">
+            <a:avLst/>
+          </a:prstGeom>
+        </p:spPr>
+        <p:txBody>
+          <a:bodyPr vert="horz" lIns="91440" tIns="45720" rIns="91440" bIns="45720" rtlCol="0" anchor="ctr">
+            <a:normAutofit/>
+          </a:bodyPr>
+          <a:lstStyle>
+            <a:lvl1pPr algn="l" defTabSz="914400" rtl="0" eaLnBrk="1" latinLnBrk="0" hangingPunct="1">
+              <a:lnSpc>
+                <a:spcPct val="90000"/>
+              </a:lnSpc>
+              <a:spcBef>
+                <a:spcPct val="0"/>
+              </a:spcBef>
+              <a:buNone/>
+              <a:defRPr sz="4400" kern="1200">
+                <a:solidFill>
+                  <a:schemeClr val="tx1"/>
+                </a:solidFill>
+                <a:latin typeface="+mj-lt"/>
+                <a:ea typeface="+mj-ea"/>
+                <a:cs typeface="+mj-cs"/>
+              </a:defRPr>
+            </a:lvl1pPr>
+          </a:lstStyle>
+          <a:p>
+            <a:pPr algn="r"/>
+            <a:r>
+              <a:rPr lang="fa-IR" sz="2000" dirty="0" smtClean="0">
+                <a:solidFill>
+                  <a:schemeClr val="bg2">
+                    <a:lumMod val="25000"/>
+                  </a:schemeClr>
+                </a:solidFill>
+              </a:rPr>
+              <a:t>اگر دیگر شرکت‌ها بخواهند اضافه بشوند چی؟</a:t>
+            </a:r>
+            <a:endParaRPr lang="en-US" sz="1050" dirty="0">
+              <a:solidFill>
+                <a:schemeClr val="bg2">
+                  <a:lumMod val="25000"/>
+                </a:schemeClr>
+              </a:solidFill>
+            </a:endParaRPr>
+          </a:p>
+        </p:txBody>
+      </p:sp>
+    </p:spTree>
+    <p:extLst>
+      <p:ext uri="{BB962C8B-B14F-4D97-AF65-F5344CB8AC3E}">
+        <p14:creationId xmlns:p14="http://schemas.microsoft.com/office/powerpoint/2010/main" val="1516003410"/>
+      </p:ext>
+    </p:extLst>
+  </p:cSld>
+  <p:clrMapOvr>
+    <a:masterClrMapping/>
+  </p:clrMapOvr>
+</p:sld>
+</file>
+
+<file path=ppt/slides/slide24.xml><?xml version="1.0" encoding="utf-8"?>
+<p:sld xmlns:a="http://schemas.openxmlformats.org/drawingml/2006/main" xmlns:r="http://schemas.openxmlformats.org/officeDocument/2006/relationships" xmlns:p="http://schemas.openxmlformats.org/presentationml/2006/main">
+  <p:cSld>
+    <p:spTree>
+      <p:nvGrpSpPr>
+        <p:cNvPr id="1" name=""/>
+        <p:cNvGrpSpPr/>
+        <p:nvPr/>
+      </p:nvGrpSpPr>
+      <p:grpSpPr>
+        <a:xfrm>
+          <a:off x="0" y="0"/>
+          <a:ext cx="0" cy="0"/>
+          <a:chOff x="0" y="0"/>
+          <a:chExt cx="0" cy="0"/>
+        </a:xfrm>
+      </p:grpSpPr>
+      <p:sp>
+        <p:nvSpPr>
+          <p:cNvPr id="5" name="Title 1"/>
+          <p:cNvSpPr>
+            <a:spLocks noGrp="1"/>
+          </p:cNvSpPr>
+          <p:nvPr>
+            <p:ph type="title"/>
+          </p:nvPr>
+        </p:nvSpPr>
+        <p:spPr>
+          <a:xfrm>
+            <a:off x="9418508" y="590166"/>
+            <a:ext cx="1539240" cy="1212941"/>
+          </a:xfrm>
+        </p:spPr>
+        <p:txBody>
+          <a:bodyPr>
+            <a:normAutofit/>
+          </a:bodyPr>
+          <a:lstStyle/>
+          <a:p>
+            <a:pPr algn="r"/>
+            <a:r>
+              <a:rPr lang="fa-IR" sz="3600" b="1" dirty="0" smtClean="0">
+                <a:solidFill>
+                  <a:schemeClr val="bg2">
+                    <a:lumMod val="25000"/>
+                  </a:schemeClr>
+                </a:solidFill>
+              </a:rPr>
+              <a:t>راهکار</a:t>
+            </a:r>
+            <a:endParaRPr lang="en-US" sz="1600" b="1" dirty="0">
+              <a:solidFill>
+                <a:schemeClr val="bg2">
+                  <a:lumMod val="25000"/>
+                </a:schemeClr>
+              </a:solidFill>
+            </a:endParaRPr>
+          </a:p>
+        </p:txBody>
+      </p:sp>
+      <p:sp>
+        <p:nvSpPr>
+          <p:cNvPr id="8" name="Title 1"/>
+          <p:cNvSpPr txBox="1">
+            <a:spLocks/>
+          </p:cNvSpPr>
+          <p:nvPr/>
+        </p:nvSpPr>
+        <p:spPr>
+          <a:xfrm>
+            <a:off x="1428751" y="1633552"/>
+            <a:ext cx="9863096" cy="1212941"/>
+          </a:xfrm>
+          <a:prstGeom prst="rect">
+            <a:avLst/>
+          </a:prstGeom>
+        </p:spPr>
+        <p:txBody>
+          <a:bodyPr vert="horz" lIns="91440" tIns="45720" rIns="91440" bIns="45720" rtlCol="0" anchor="ctr">
+            <a:normAutofit/>
+          </a:bodyPr>
+          <a:lstStyle>
+            <a:lvl1pPr algn="l" defTabSz="914400" rtl="0" eaLnBrk="1" latinLnBrk="0" hangingPunct="1">
+              <a:lnSpc>
+                <a:spcPct val="90000"/>
+              </a:lnSpc>
+              <a:spcBef>
+                <a:spcPct val="0"/>
+              </a:spcBef>
+              <a:buNone/>
+              <a:defRPr sz="4400" kern="1200">
+                <a:solidFill>
+                  <a:schemeClr val="tx1"/>
+                </a:solidFill>
+                <a:latin typeface="+mj-lt"/>
+                <a:ea typeface="+mj-ea"/>
+                <a:cs typeface="+mj-cs"/>
+              </a:defRPr>
+            </a:lvl1pPr>
+          </a:lstStyle>
+          <a:p>
+            <a:pPr algn="r" rtl="1"/>
+            <a:r>
+              <a:rPr lang="fa-IR" sz="1800" dirty="0" smtClean="0">
+                <a:solidFill>
+                  <a:schemeClr val="bg2">
+                    <a:lumMod val="25000"/>
+                  </a:schemeClr>
+                </a:solidFill>
+              </a:rPr>
+              <a:t>متد </a:t>
+            </a:r>
+            <a:r>
+              <a:rPr lang="en-US" sz="1800" dirty="0" smtClean="0">
+                <a:solidFill>
+                  <a:schemeClr val="bg2">
+                    <a:lumMod val="25000"/>
+                  </a:schemeClr>
+                </a:solidFill>
+              </a:rPr>
+              <a:t>Factory</a:t>
+            </a:r>
+            <a:r>
+              <a:rPr lang="fa-IR" sz="1800" dirty="0" smtClean="0">
+                <a:solidFill>
+                  <a:schemeClr val="bg2">
+                    <a:lumMod val="25000"/>
+                  </a:schemeClr>
+                </a:solidFill>
+              </a:rPr>
+              <a:t> پیشنهاد می دهد که ساخت اشیا (توسط عمگر</a:t>
+            </a:r>
+            <a:r>
+              <a:rPr lang="en-US" sz="1800" dirty="0" smtClean="0">
+                <a:solidFill>
+                  <a:schemeClr val="bg2">
+                    <a:lumMod val="25000"/>
+                  </a:schemeClr>
+                </a:solidFill>
+              </a:rPr>
+              <a:t> new</a:t>
+            </a:r>
+            <a:r>
+              <a:rPr lang="fa-IR" sz="1800" dirty="0" smtClean="0">
+                <a:solidFill>
+                  <a:schemeClr val="bg2">
+                    <a:lumMod val="25000"/>
+                  </a:schemeClr>
+                </a:solidFill>
+              </a:rPr>
+              <a:t>) را به متد </a:t>
+            </a:r>
+            <a:r>
+              <a:rPr lang="en-US" sz="1800" dirty="0" smtClean="0">
+                <a:solidFill>
+                  <a:schemeClr val="bg2">
+                    <a:lumMod val="25000"/>
+                  </a:schemeClr>
+                </a:solidFill>
+              </a:rPr>
+              <a:t>factory</a:t>
+            </a:r>
+            <a:r>
+              <a:rPr lang="fa-IR" sz="1800" dirty="0" smtClean="0">
+                <a:solidFill>
+                  <a:schemeClr val="bg2">
+                    <a:lumMod val="25000"/>
+                  </a:schemeClr>
+                </a:solidFill>
+              </a:rPr>
+              <a:t> بسپاریم. اشیا کماکان توسط </a:t>
+            </a:r>
+            <a:r>
+              <a:rPr lang="en-US" sz="1800" dirty="0" smtClean="0">
+                <a:solidFill>
+                  <a:schemeClr val="bg2">
+                    <a:lumMod val="25000"/>
+                  </a:schemeClr>
+                </a:solidFill>
+              </a:rPr>
+              <a:t>new</a:t>
+            </a:r>
+            <a:r>
+              <a:rPr lang="fa-IR" sz="1800" dirty="0" smtClean="0">
+                <a:solidFill>
+                  <a:schemeClr val="bg2">
+                    <a:lumMod val="25000"/>
+                  </a:schemeClr>
+                </a:solidFill>
+              </a:rPr>
+              <a:t> ایجاد می شوند ولی این دفعه متد </a:t>
+            </a:r>
+            <a:r>
+              <a:rPr lang="en-US" sz="1800" dirty="0" smtClean="0">
+                <a:solidFill>
+                  <a:schemeClr val="bg2">
+                    <a:lumMod val="25000"/>
+                  </a:schemeClr>
+                </a:solidFill>
+              </a:rPr>
+              <a:t>factory</a:t>
+            </a:r>
+            <a:r>
+              <a:rPr lang="fa-IR" sz="1800" dirty="0" smtClean="0">
+                <a:solidFill>
+                  <a:schemeClr val="bg2">
+                    <a:lumMod val="25000"/>
+                  </a:schemeClr>
+                </a:solidFill>
+              </a:rPr>
+              <a:t> این کار را انجام می دهد.</a:t>
+            </a:r>
+          </a:p>
+          <a:p>
+            <a:pPr algn="r" rtl="1"/>
+            <a:r>
+              <a:rPr lang="fa-IR" sz="1800" dirty="0" smtClean="0">
+                <a:solidFill>
+                  <a:schemeClr val="bg2">
+                    <a:lumMod val="25000"/>
+                  </a:schemeClr>
+                </a:solidFill>
+              </a:rPr>
+              <a:t>اشیا ایجاد شده توسط متد </a:t>
+            </a:r>
+            <a:r>
+              <a:rPr lang="en-US" sz="1800" dirty="0" smtClean="0">
+                <a:solidFill>
+                  <a:schemeClr val="bg2">
+                    <a:lumMod val="25000"/>
+                  </a:schemeClr>
+                </a:solidFill>
+              </a:rPr>
+              <a:t>factory</a:t>
+            </a:r>
+            <a:r>
+              <a:rPr lang="fa-IR" sz="1800" dirty="0">
+                <a:solidFill>
+                  <a:schemeClr val="bg2">
+                    <a:lumMod val="25000"/>
+                  </a:schemeClr>
+                </a:solidFill>
+              </a:rPr>
+              <a:t> </a:t>
+            </a:r>
+            <a:r>
+              <a:rPr lang="fa-IR" sz="1800" dirty="0" smtClean="0">
+                <a:solidFill>
+                  <a:schemeClr val="bg2">
+                    <a:lumMod val="25000"/>
+                  </a:schemeClr>
+                </a:solidFill>
+              </a:rPr>
+              <a:t>را عمومت </a:t>
+            </a:r>
+            <a:r>
+              <a:rPr lang="en-US" sz="1800" dirty="0" smtClean="0">
+                <a:solidFill>
+                  <a:schemeClr val="bg2">
+                    <a:lumMod val="25000"/>
+                  </a:schemeClr>
+                </a:solidFill>
+              </a:rPr>
+              <a:t>products</a:t>
+            </a:r>
+            <a:r>
+              <a:rPr lang="fa-IR" sz="1800" dirty="0" smtClean="0">
+                <a:solidFill>
+                  <a:schemeClr val="bg2">
+                    <a:lumMod val="25000"/>
+                  </a:schemeClr>
+                </a:solidFill>
+              </a:rPr>
+              <a:t> می‌نامند.</a:t>
+            </a:r>
+            <a:endParaRPr lang="en-US" sz="1800" dirty="0">
+              <a:solidFill>
+                <a:schemeClr val="bg2">
+                  <a:lumMod val="25000"/>
+                </a:schemeClr>
+              </a:solidFill>
+            </a:endParaRPr>
+          </a:p>
+        </p:txBody>
+      </p:sp>
+      <p:pic>
+        <p:nvPicPr>
+          <p:cNvPr id="2" name="Picture 1"/>
+          <p:cNvPicPr>
+            <a:picLocks noChangeAspect="1"/>
+          </p:cNvPicPr>
+          <p:nvPr/>
+        </p:nvPicPr>
+        <p:blipFill>
+          <a:blip r:embed="rId2"/>
+          <a:stretch>
+            <a:fillRect/>
+          </a:stretch>
+        </p:blipFill>
+        <p:spPr>
+          <a:xfrm>
+            <a:off x="11043651" y="759723"/>
+            <a:ext cx="753891" cy="873829"/>
+          </a:xfrm>
+          <a:prstGeom prst="rect">
+            <a:avLst/>
+          </a:prstGeom>
+        </p:spPr>
+      </p:pic>
+      <p:pic>
+        <p:nvPicPr>
+          <p:cNvPr id="5122" name="Picture 2" descr="The structure of creator classes"/>
+          <p:cNvPicPr>
+            <a:picLocks noChangeAspect="1" noChangeArrowheads="1"/>
+          </p:cNvPicPr>
+          <p:nvPr/>
+        </p:nvPicPr>
+        <p:blipFill>
+          <a:blip r:embed="rId3">
+            <a:extLst>
+              <a:ext uri="{28A0092B-C50C-407E-A947-70E740481C1C}">
+                <a14:useLocalDpi xmlns:a14="http://schemas.microsoft.com/office/drawing/2010/main" val="0"/>
+              </a:ext>
+            </a:extLst>
+          </a:blip>
+          <a:srcRect/>
+          <a:stretch>
+            <a:fillRect/>
+          </a:stretch>
+        </p:blipFill>
+        <p:spPr bwMode="auto">
+          <a:xfrm>
+            <a:off x="114300" y="2684429"/>
+            <a:ext cx="7956459" cy="3464911"/>
+          </a:xfrm>
+          <a:prstGeom prst="rect">
+            <a:avLst/>
+          </a:prstGeom>
+          <a:noFill/>
+          <a:extLst>
+            <a:ext uri="{909E8E84-426E-40DD-AFC4-6F175D3DCCD1}">
+              <a14:hiddenFill xmlns:a14="http://schemas.microsoft.com/office/drawing/2010/main">
+                <a:solidFill>
+                  <a:srgbClr val="FFFFFF"/>
+                </a:solidFill>
+              </a14:hiddenFill>
+            </a:ext>
+          </a:extLst>
+        </p:spPr>
+      </p:pic>
+      <p:sp>
+        <p:nvSpPr>
+          <p:cNvPr id="3" name="Rectangle 2"/>
+          <p:cNvSpPr/>
+          <p:nvPr/>
+        </p:nvSpPr>
+        <p:spPr>
+          <a:xfrm>
+            <a:off x="-904542" y="6276887"/>
+            <a:ext cx="9994142" cy="923330"/>
+          </a:xfrm>
+          <a:prstGeom prst="rect">
+            <a:avLst/>
+          </a:prstGeom>
+        </p:spPr>
+        <p:txBody>
+          <a:bodyPr wrap="square">
+            <a:spAutoFit/>
+          </a:bodyPr>
+          <a:lstStyle/>
+          <a:p>
+            <a:pPr algn="ctr"/>
+            <a:r>
+              <a:rPr lang="en-US" dirty="0"/>
+              <a:t>Subclasses can alter the class of objects being returned by the factory method.</a:t>
+            </a:r>
+          </a:p>
+          <a:p>
+            <a:r>
+              <a:rPr lang="en-US" dirty="0"/>
+              <a:t/>
+            </a:r>
+            <a:br>
+              <a:rPr lang="en-US" dirty="0"/>
+            </a:br>
+            <a:endParaRPr lang="en-US" dirty="0"/>
+          </a:p>
+        </p:txBody>
+      </p:sp>
+    </p:spTree>
+    <p:extLst>
+      <p:ext uri="{BB962C8B-B14F-4D97-AF65-F5344CB8AC3E}">
+        <p14:creationId xmlns:p14="http://schemas.microsoft.com/office/powerpoint/2010/main" val="2467564204"/>
+      </p:ext>
+    </p:extLst>
+  </p:cSld>
+  <p:clrMapOvr>
+    <a:masterClrMapping/>
+  </p:clrMapOvr>
+</p:sld>
+</file>
+
+<file path=ppt/slides/slide25.xml><?xml version="1.0" encoding="utf-8"?>
+<p:sld xmlns:a="http://schemas.openxmlformats.org/drawingml/2006/main" xmlns:r="http://schemas.openxmlformats.org/officeDocument/2006/relationships" xmlns:p="http://schemas.openxmlformats.org/presentationml/2006/main">
+  <p:cSld>
+    <p:spTree>
+      <p:nvGrpSpPr>
+        <p:cNvPr id="1" name=""/>
+        <p:cNvGrpSpPr/>
+        <p:nvPr/>
+      </p:nvGrpSpPr>
+      <p:grpSpPr>
+        <a:xfrm>
+          <a:off x="0" y="0"/>
+          <a:ext cx="0" cy="0"/>
+          <a:chOff x="0" y="0"/>
+          <a:chExt cx="0" cy="0"/>
+        </a:xfrm>
+      </p:grpSpPr>
+      <p:pic>
+        <p:nvPicPr>
+          <p:cNvPr id="4" name="Picture 3"/>
+          <p:cNvPicPr>
+            <a:picLocks noChangeAspect="1"/>
+          </p:cNvPicPr>
+          <p:nvPr/>
+        </p:nvPicPr>
+        <p:blipFill>
+          <a:blip r:embed="rId2"/>
+          <a:stretch>
+            <a:fillRect/>
+          </a:stretch>
+        </p:blipFill>
+        <p:spPr>
+          <a:xfrm>
+            <a:off x="11043651" y="604283"/>
+            <a:ext cx="781357" cy="883831"/>
+          </a:xfrm>
+          <a:prstGeom prst="rect">
+            <a:avLst/>
+          </a:prstGeom>
+        </p:spPr>
+      </p:pic>
+      <p:sp>
+        <p:nvSpPr>
+          <p:cNvPr id="5" name="Title 1"/>
+          <p:cNvSpPr>
+            <a:spLocks noGrp="1"/>
+          </p:cNvSpPr>
+          <p:nvPr>
+            <p:ph type="title"/>
+          </p:nvPr>
+        </p:nvSpPr>
+        <p:spPr>
+          <a:xfrm>
+            <a:off x="9504411" y="590168"/>
+            <a:ext cx="1539240" cy="1212941"/>
+          </a:xfrm>
+        </p:spPr>
+        <p:txBody>
+          <a:bodyPr>
+            <a:normAutofit/>
+          </a:bodyPr>
+          <a:lstStyle/>
+          <a:p>
+            <a:pPr algn="r"/>
+            <a:r>
+              <a:rPr lang="fa-IR" sz="3600" b="1" dirty="0" smtClean="0">
+                <a:solidFill>
+                  <a:schemeClr val="bg2">
+                    <a:lumMod val="25000"/>
+                  </a:schemeClr>
+                </a:solidFill>
+              </a:rPr>
+              <a:t>مشکل</a:t>
+            </a:r>
+            <a:endParaRPr lang="en-US" sz="1600" b="1" dirty="0">
+              <a:solidFill>
+                <a:schemeClr val="bg2">
+                  <a:lumMod val="25000"/>
+                </a:schemeClr>
+              </a:solidFill>
+            </a:endParaRPr>
+          </a:p>
+        </p:txBody>
+      </p:sp>
+      <p:sp>
+        <p:nvSpPr>
+          <p:cNvPr id="8" name="Title 1"/>
+          <p:cNvSpPr txBox="1">
+            <a:spLocks/>
+          </p:cNvSpPr>
+          <p:nvPr/>
+        </p:nvSpPr>
+        <p:spPr>
+          <a:xfrm>
+            <a:off x="4453256" y="2101402"/>
+            <a:ext cx="6094007" cy="1212941"/>
+          </a:xfrm>
+          <a:prstGeom prst="rect">
+            <a:avLst/>
+          </a:prstGeom>
+        </p:spPr>
+        <p:txBody>
+          <a:bodyPr vert="horz" lIns="91440" tIns="45720" rIns="91440" bIns="45720" rtlCol="0" anchor="ctr">
+            <a:normAutofit/>
+          </a:bodyPr>
+          <a:lstStyle>
+            <a:lvl1pPr algn="l" defTabSz="914400" rtl="0" eaLnBrk="1" latinLnBrk="0" hangingPunct="1">
+              <a:lnSpc>
+                <a:spcPct val="90000"/>
+              </a:lnSpc>
+              <a:spcBef>
+                <a:spcPct val="0"/>
+              </a:spcBef>
+              <a:buNone/>
+              <a:defRPr sz="4400" kern="1200">
+                <a:solidFill>
+                  <a:schemeClr val="tx1"/>
+                </a:solidFill>
+                <a:latin typeface="+mj-lt"/>
+                <a:ea typeface="+mj-ea"/>
+                <a:cs typeface="+mj-cs"/>
+              </a:defRPr>
+            </a:lvl1pPr>
+          </a:lstStyle>
+          <a:p>
+            <a:pPr algn="r"/>
+            <a:r>
+              <a:rPr lang="fa-IR" sz="2000" dirty="0" smtClean="0">
+                <a:solidFill>
+                  <a:schemeClr val="bg2">
+                    <a:lumMod val="25000"/>
+                  </a:schemeClr>
+                </a:solidFill>
+              </a:rPr>
+              <a:t>اگر دیگر شرکت‌ها بخواهند اضافه بشوند چی؟</a:t>
+            </a:r>
+            <a:endParaRPr lang="en-US" sz="1050" dirty="0">
+              <a:solidFill>
+                <a:schemeClr val="bg2">
+                  <a:lumMod val="25000"/>
+                </a:schemeClr>
+              </a:solidFill>
+            </a:endParaRPr>
+          </a:p>
+        </p:txBody>
+      </p:sp>
+    </p:spTree>
+    <p:extLst>
+      <p:ext uri="{BB962C8B-B14F-4D97-AF65-F5344CB8AC3E}">
+        <p14:creationId xmlns:p14="http://schemas.microsoft.com/office/powerpoint/2010/main" val="3919618985"/>
+      </p:ext>
+    </p:extLst>
+  </p:cSld>
+  <p:clrMapOvr>
+    <a:masterClrMapping/>
+  </p:clrMapOvr>
+</p:sld>
+</file>
+
+<file path=ppt/slides/slide26.xml><?xml version="1.0" encoding="utf-8"?>
+<p:sld xmlns:a="http://schemas.openxmlformats.org/drawingml/2006/main" xmlns:r="http://schemas.openxmlformats.org/officeDocument/2006/relationships" xmlns:p="http://schemas.openxmlformats.org/presentationml/2006/main">
+  <p:cSld>
+    <p:spTree>
+      <p:nvGrpSpPr>
+        <p:cNvPr id="1" name=""/>
+        <p:cNvGrpSpPr/>
+        <p:nvPr/>
+      </p:nvGrpSpPr>
+      <p:grpSpPr>
+        <a:xfrm>
+          <a:off x="0" y="0"/>
+          <a:ext cx="0" cy="0"/>
+          <a:chOff x="0" y="0"/>
+          <a:chExt cx="0" cy="0"/>
+        </a:xfrm>
+      </p:grpSpPr>
+      <p:pic>
+        <p:nvPicPr>
+          <p:cNvPr id="4" name="Picture 3"/>
+          <p:cNvPicPr>
+            <a:picLocks noChangeAspect="1"/>
+          </p:cNvPicPr>
+          <p:nvPr/>
+        </p:nvPicPr>
+        <p:blipFill>
+          <a:blip r:embed="rId2"/>
+          <a:stretch>
+            <a:fillRect/>
+          </a:stretch>
+        </p:blipFill>
+        <p:spPr>
+          <a:xfrm>
+            <a:off x="11043651" y="604283"/>
+            <a:ext cx="781357" cy="883831"/>
+          </a:xfrm>
+          <a:prstGeom prst="rect">
+            <a:avLst/>
+          </a:prstGeom>
+        </p:spPr>
+      </p:pic>
+      <p:sp>
+        <p:nvSpPr>
+          <p:cNvPr id="5" name="Title 1"/>
+          <p:cNvSpPr>
+            <a:spLocks noGrp="1"/>
+          </p:cNvSpPr>
+          <p:nvPr>
+            <p:ph type="title"/>
+          </p:nvPr>
+        </p:nvSpPr>
+        <p:spPr>
+          <a:xfrm>
+            <a:off x="9504411" y="590168"/>
+            <a:ext cx="1539240" cy="1212941"/>
+          </a:xfrm>
+        </p:spPr>
+        <p:txBody>
+          <a:bodyPr>
+            <a:normAutofit/>
+          </a:bodyPr>
+          <a:lstStyle/>
+          <a:p>
+            <a:pPr algn="r"/>
+            <a:r>
+              <a:rPr lang="fa-IR" sz="3600" b="1" dirty="0" smtClean="0">
+                <a:solidFill>
+                  <a:schemeClr val="bg2">
+                    <a:lumMod val="25000"/>
+                  </a:schemeClr>
+                </a:solidFill>
+              </a:rPr>
+              <a:t>مشکل</a:t>
+            </a:r>
+            <a:endParaRPr lang="en-US" sz="1600" b="1" dirty="0">
+              <a:solidFill>
+                <a:schemeClr val="bg2">
+                  <a:lumMod val="25000"/>
+                </a:schemeClr>
+              </a:solidFill>
+            </a:endParaRPr>
+          </a:p>
+        </p:txBody>
+      </p:sp>
+      <p:sp>
+        <p:nvSpPr>
+          <p:cNvPr id="8" name="Title 1"/>
+          <p:cNvSpPr txBox="1">
+            <a:spLocks/>
+          </p:cNvSpPr>
+          <p:nvPr/>
+        </p:nvSpPr>
+        <p:spPr>
+          <a:xfrm>
+            <a:off x="4453256" y="2101402"/>
+            <a:ext cx="6094007" cy="1212941"/>
+          </a:xfrm>
+          <a:prstGeom prst="rect">
+            <a:avLst/>
+          </a:prstGeom>
+        </p:spPr>
+        <p:txBody>
+          <a:bodyPr vert="horz" lIns="91440" tIns="45720" rIns="91440" bIns="45720" rtlCol="0" anchor="ctr">
+            <a:normAutofit/>
+          </a:bodyPr>
+          <a:lstStyle>
+            <a:lvl1pPr algn="l" defTabSz="914400" rtl="0" eaLnBrk="1" latinLnBrk="0" hangingPunct="1">
+              <a:lnSpc>
+                <a:spcPct val="90000"/>
+              </a:lnSpc>
+              <a:spcBef>
+                <a:spcPct val="0"/>
+              </a:spcBef>
+              <a:buNone/>
+              <a:defRPr sz="4400" kern="1200">
+                <a:solidFill>
+                  <a:schemeClr val="tx1"/>
+                </a:solidFill>
+                <a:latin typeface="+mj-lt"/>
+                <a:ea typeface="+mj-ea"/>
+                <a:cs typeface="+mj-cs"/>
+              </a:defRPr>
+            </a:lvl1pPr>
+          </a:lstStyle>
+          <a:p>
+            <a:pPr algn="r"/>
+            <a:r>
+              <a:rPr lang="fa-IR" sz="2000" dirty="0" smtClean="0">
+                <a:solidFill>
+                  <a:schemeClr val="bg2">
+                    <a:lumMod val="25000"/>
+                  </a:schemeClr>
+                </a:solidFill>
+              </a:rPr>
+              <a:t>اگر دیگر شرکت‌ها بخواهند اضافه بشوند چی؟</a:t>
+            </a:r>
+            <a:endParaRPr lang="en-US" sz="1050" dirty="0">
+              <a:solidFill>
+                <a:schemeClr val="bg2">
+                  <a:lumMod val="25000"/>
+                </a:schemeClr>
+              </a:solidFill>
+            </a:endParaRPr>
+          </a:p>
+        </p:txBody>
+      </p:sp>
+      <p:pic>
+        <p:nvPicPr>
+          <p:cNvPr id="8194" name="Picture 2" descr="The structure of the products hierarchy"/>
+          <p:cNvPicPr>
+            <a:picLocks noChangeAspect="1" noChangeArrowheads="1"/>
+          </p:cNvPicPr>
+          <p:nvPr/>
+        </p:nvPicPr>
+        <p:blipFill>
+          <a:blip r:embed="rId3">
+            <a:extLst>
+              <a:ext uri="{28A0092B-C50C-407E-A947-70E740481C1C}">
+                <a14:useLocalDpi xmlns:a14="http://schemas.microsoft.com/office/drawing/2010/main" val="0"/>
+              </a:ext>
+            </a:extLst>
+          </a:blip>
+          <a:srcRect/>
+          <a:stretch>
+            <a:fillRect/>
+          </a:stretch>
+        </p:blipFill>
+        <p:spPr bwMode="auto">
+          <a:xfrm>
+            <a:off x="1165245" y="2362200"/>
+            <a:ext cx="6335014" cy="3232150"/>
+          </a:xfrm>
+          <a:prstGeom prst="rect">
+            <a:avLst/>
+          </a:prstGeom>
+          <a:noFill/>
+          <a:extLst>
+            <a:ext uri="{909E8E84-426E-40DD-AFC4-6F175D3DCCD1}">
+              <a14:hiddenFill xmlns:a14="http://schemas.microsoft.com/office/drawing/2010/main">
+                <a:solidFill>
+                  <a:srgbClr val="FFFFFF"/>
+                </a:solidFill>
+              </a14:hiddenFill>
+            </a:ext>
+          </a:extLst>
+        </p:spPr>
+      </p:pic>
+    </p:spTree>
+    <p:extLst>
+      <p:ext uri="{BB962C8B-B14F-4D97-AF65-F5344CB8AC3E}">
+        <p14:creationId xmlns:p14="http://schemas.microsoft.com/office/powerpoint/2010/main" val="2874252485"/>
+      </p:ext>
+    </p:extLst>
+  </p:cSld>
+  <p:clrMapOvr>
+    <a:masterClrMapping/>
+  </p:clrMapOvr>
+</p:sld>
+</file>
+
+<file path=ppt/slides/slide27.xml><?xml version="1.0" encoding="utf-8"?>
+<p:sld xmlns:a="http://schemas.openxmlformats.org/drawingml/2006/main" xmlns:r="http://schemas.openxmlformats.org/officeDocument/2006/relationships" xmlns:p="http://schemas.openxmlformats.org/presentationml/2006/main">
+  <p:cSld>
+    <p:spTree>
+      <p:nvGrpSpPr>
+        <p:cNvPr id="1" name=""/>
+        <p:cNvGrpSpPr/>
+        <p:nvPr/>
+      </p:nvGrpSpPr>
+      <p:grpSpPr>
+        <a:xfrm>
+          <a:off x="0" y="0"/>
+          <a:ext cx="0" cy="0"/>
+          <a:chOff x="0" y="0"/>
+          <a:chExt cx="0" cy="0"/>
+        </a:xfrm>
+      </p:grpSpPr>
+      <p:pic>
+        <p:nvPicPr>
+          <p:cNvPr id="10242" name="Picture 2" descr="The structure of the code after applying the factory method pattern"/>
+          <p:cNvPicPr>
+            <a:picLocks noChangeAspect="1" noChangeArrowheads="1"/>
+          </p:cNvPicPr>
+          <p:nvPr/>
+        </p:nvPicPr>
+        <p:blipFill>
+          <a:blip r:embed="rId2">
+            <a:extLst>
+              <a:ext uri="{28A0092B-C50C-407E-A947-70E740481C1C}">
+                <a14:useLocalDpi xmlns:a14="http://schemas.microsoft.com/office/drawing/2010/main" val="0"/>
+              </a:ext>
+            </a:extLst>
+          </a:blip>
+          <a:srcRect/>
+          <a:stretch>
+            <a:fillRect/>
+          </a:stretch>
+        </p:blipFill>
+        <p:spPr bwMode="auto">
+          <a:xfrm>
+            <a:off x="1273174" y="1168400"/>
+            <a:ext cx="9335589" cy="5105400"/>
+          </a:xfrm>
+          <a:prstGeom prst="rect">
+            <a:avLst/>
+          </a:prstGeom>
+          <a:noFill/>
+          <a:extLst>
+            <a:ext uri="{909E8E84-426E-40DD-AFC4-6F175D3DCCD1}">
+              <a14:hiddenFill xmlns:a14="http://schemas.microsoft.com/office/drawing/2010/main">
+                <a:solidFill>
+                  <a:srgbClr val="FFFFFF"/>
+                </a:solidFill>
+              </a14:hiddenFill>
+            </a:ext>
+          </a:extLst>
+        </p:spPr>
+      </p:pic>
+    </p:spTree>
+    <p:extLst>
+      <p:ext uri="{BB962C8B-B14F-4D97-AF65-F5344CB8AC3E}">
+        <p14:creationId xmlns:p14="http://schemas.microsoft.com/office/powerpoint/2010/main" val="2995396726"/>
+      </p:ext>
+    </p:extLst>
+  </p:cSld>
+  <p:clrMapOvr>
+    <a:masterClrMapping/>
+  </p:clrMapOvr>
+</p:sld>
+</file>
+
+<file path=ppt/slides/slide28.xml><?xml version="1.0" encoding="utf-8"?>
+<p:sld xmlns:a="http://schemas.openxmlformats.org/drawingml/2006/main" xmlns:r="http://schemas.openxmlformats.org/officeDocument/2006/relationships" xmlns:p="http://schemas.openxmlformats.org/presentationml/2006/main">
+  <p:cSld>
+    <p:spTree>
+      <p:nvGrpSpPr>
+        <p:cNvPr id="1" name=""/>
+        <p:cNvGrpSpPr/>
+        <p:nvPr/>
+      </p:nvGrpSpPr>
+      <p:grpSpPr>
+        <a:xfrm>
+          <a:off x="0" y="0"/>
+          <a:ext cx="0" cy="0"/>
+          <a:chOff x="0" y="0"/>
+          <a:chExt cx="0" cy="0"/>
+        </a:xfrm>
+      </p:grpSpPr>
+      <p:pic>
+        <p:nvPicPr>
+          <p:cNvPr id="11266" name="Picture 2" descr="The structure of the Factory Method pattern"/>
+          <p:cNvPicPr>
+            <a:picLocks noChangeAspect="1" noChangeArrowheads="1"/>
+          </p:cNvPicPr>
+          <p:nvPr/>
+        </p:nvPicPr>
+        <p:blipFill>
+          <a:blip r:embed="rId2">
+            <a:extLst>
+              <a:ext uri="{28A0092B-C50C-407E-A947-70E740481C1C}">
+                <a14:useLocalDpi xmlns:a14="http://schemas.microsoft.com/office/drawing/2010/main" val="0"/>
+              </a:ext>
+            </a:extLst>
+          </a:blip>
+          <a:srcRect/>
+          <a:stretch>
+            <a:fillRect/>
+          </a:stretch>
+        </p:blipFill>
+        <p:spPr bwMode="auto">
+          <a:xfrm>
+            <a:off x="1908174" y="892174"/>
+            <a:ext cx="8575007" cy="4937125"/>
+          </a:xfrm>
+          <a:prstGeom prst="rect">
+            <a:avLst/>
+          </a:prstGeom>
+          <a:noFill/>
+          <a:extLst>
+            <a:ext uri="{909E8E84-426E-40DD-AFC4-6F175D3DCCD1}">
+              <a14:hiddenFill xmlns:a14="http://schemas.microsoft.com/office/drawing/2010/main">
+                <a:solidFill>
+                  <a:srgbClr val="FFFFFF"/>
+                </a:solidFill>
+              </a14:hiddenFill>
+            </a:ext>
+          </a:extLst>
+        </p:spPr>
+      </p:pic>
+    </p:spTree>
+    <p:extLst>
+      <p:ext uri="{BB962C8B-B14F-4D97-AF65-F5344CB8AC3E}">
+        <p14:creationId xmlns:p14="http://schemas.microsoft.com/office/powerpoint/2010/main" val="2943477456"/>
+      </p:ext>
+    </p:extLst>
+  </p:cSld>
+  <p:clrMapOvr>
+    <a:masterClrMapping/>
+  </p:clrMapOvr>
+</p:sld>
+</file>
+
+<file path=ppt/slides/slide29.xml><?xml version="1.0" encoding="utf-8"?>
+<p:sld xmlns:a="http://schemas.openxmlformats.org/drawingml/2006/main" xmlns:r="http://schemas.openxmlformats.org/officeDocument/2006/relationships" xmlns:p="http://schemas.openxmlformats.org/presentationml/2006/main">
+  <p:cSld>
+    <p:spTree>
+      <p:nvGrpSpPr>
+        <p:cNvPr id="1" name=""/>
+        <p:cNvGrpSpPr/>
+        <p:nvPr/>
+      </p:nvGrpSpPr>
+      <p:grpSpPr>
+        <a:xfrm>
+          <a:off x="0" y="0"/>
+          <a:ext cx="0" cy="0"/>
+          <a:chOff x="0" y="0"/>
+          <a:chExt cx="0" cy="0"/>
+        </a:xfrm>
+      </p:grpSpPr>
+      <p:pic>
+        <p:nvPicPr>
+          <p:cNvPr id="12290" name="Picture 2" descr="The structure of the Factory Method pattern example"/>
+          <p:cNvPicPr>
+            <a:picLocks noChangeAspect="1" noChangeArrowheads="1"/>
+          </p:cNvPicPr>
+          <p:nvPr/>
+        </p:nvPicPr>
+        <p:blipFill>
+          <a:blip r:embed="rId2">
+            <a:extLst>
+              <a:ext uri="{28A0092B-C50C-407E-A947-70E740481C1C}">
+                <a14:useLocalDpi xmlns:a14="http://schemas.microsoft.com/office/drawing/2010/main" val="0"/>
+              </a:ext>
+            </a:extLst>
+          </a:blip>
+          <a:srcRect/>
+          <a:stretch>
+            <a:fillRect/>
+          </a:stretch>
+        </p:blipFill>
+        <p:spPr bwMode="auto">
+          <a:xfrm>
+            <a:off x="2035175" y="850900"/>
+            <a:ext cx="8453120" cy="5283200"/>
+          </a:xfrm>
+          <a:prstGeom prst="rect">
+            <a:avLst/>
+          </a:prstGeom>
+          <a:noFill/>
+          <a:extLst>
+            <a:ext uri="{909E8E84-426E-40DD-AFC4-6F175D3DCCD1}">
+              <a14:hiddenFill xmlns:a14="http://schemas.microsoft.com/office/drawing/2010/main">
+                <a:solidFill>
+                  <a:srgbClr val="FFFFFF"/>
+                </a:solidFill>
+              </a14:hiddenFill>
+            </a:ext>
+          </a:extLst>
+        </p:spPr>
+      </p:pic>
+    </p:spTree>
+    <p:extLst>
+      <p:ext uri="{BB962C8B-B14F-4D97-AF65-F5344CB8AC3E}">
+        <p14:creationId xmlns:p14="http://schemas.microsoft.com/office/powerpoint/2010/main" val="1212195110"/>
       </p:ext>
     </p:extLst>
   </p:cSld>
@@ -3792,164 +6638,680 @@
             <a:spLocks noGrp="1"/>
           </p:cNvSpPr>
           <p:nvPr>
-            <p:ph type="ctrTitle"/>
+            <p:ph type="title"/>
           </p:nvPr>
         </p:nvSpPr>
         <p:spPr>
           <a:xfrm>
-            <a:off x="542362" y="1761565"/>
-            <a:ext cx="4177556" cy="3214128"/>
-          </a:xfrm>
-        </p:spPr>
-        <p:txBody>
-          <a:bodyPr>
-            <a:noAutofit/>
-          </a:bodyPr>
-          <a:lstStyle/>
-          <a:p>
-            <a:r>
-              <a:rPr lang="en-US" sz="3200" dirty="0" smtClean="0"/>
-              <a:t>Creational</a:t>
-            </a:r>
-            <a:br>
-              <a:rPr lang="en-US" sz="3200" dirty="0" smtClean="0"/>
-            </a:br>
-            <a:r>
-              <a:rPr lang="en-US" sz="3200" dirty="0"/>
-              <a:t/>
-            </a:r>
-            <a:br>
-              <a:rPr lang="en-US" sz="3200" dirty="0"/>
-            </a:br>
-            <a:r>
-              <a:rPr lang="en-US" sz="3200" dirty="0" smtClean="0"/>
-              <a:t>Structural</a:t>
-            </a:r>
-            <a:br>
-              <a:rPr lang="en-US" sz="3200" dirty="0" smtClean="0"/>
-            </a:br>
-            <a:r>
-              <a:rPr lang="en-US" sz="3200" dirty="0"/>
-              <a:t/>
-            </a:r>
-            <a:br>
-              <a:rPr lang="en-US" sz="3200" dirty="0"/>
-            </a:br>
-            <a:r>
-              <a:rPr lang="en-US" sz="3200" dirty="0" smtClean="0"/>
-              <a:t>Behavioral</a:t>
-            </a:r>
-            <a:r>
-              <a:rPr lang="en-US" sz="3200" dirty="0"/>
-              <a:t/>
-            </a:r>
-            <a:br>
-              <a:rPr lang="en-US" sz="3200" dirty="0"/>
-            </a:br>
-            <a:endParaRPr lang="en-US" sz="3200" dirty="0">
-              <a:latin typeface="Consolas" panose="020B0609020204030204" pitchFamily="49" charset="0"/>
-            </a:endParaRPr>
-          </a:p>
-        </p:txBody>
-      </p:sp>
-      <p:sp>
-        <p:nvSpPr>
-          <p:cNvPr id="3" name="Title 1"/>
-          <p:cNvSpPr txBox="1">
-            <a:spLocks/>
-          </p:cNvSpPr>
+            <a:off x="1290917" y="1035424"/>
+            <a:ext cx="4805083" cy="1325563"/>
+          </a:xfrm>
+        </p:spPr>
+        <p:style>
+          <a:lnRef idx="2">
+            <a:schemeClr val="dk1"/>
+          </a:lnRef>
+          <a:fillRef idx="1">
+            <a:schemeClr val="lt1"/>
+          </a:fillRef>
+          <a:effectRef idx="0">
+            <a:schemeClr val="dk1"/>
+          </a:effectRef>
+          <a:fontRef idx="minor">
+            <a:schemeClr val="dk1"/>
+          </a:fontRef>
+        </p:style>
+        <p:txBody>
+          <a:bodyPr/>
+          <a:lstStyle/>
+          <a:p>
+            <a:pPr algn="ctr"/>
+            <a:r>
+              <a:rPr lang="en-US" dirty="0" smtClean="0"/>
+              <a:t>Gang of Four</a:t>
+            </a:r>
+            <a:endParaRPr lang="en-US" dirty="0"/>
+          </a:p>
+        </p:txBody>
+      </p:sp>
+      <p:pic>
+        <p:nvPicPr>
+          <p:cNvPr id="4" name="Picture 3"/>
+          <p:cNvPicPr>
+            <a:picLocks noChangeAspect="1"/>
+          </p:cNvPicPr>
           <p:nvPr/>
-        </p:nvSpPr>
+        </p:nvPicPr>
+        <p:blipFill>
+          <a:blip r:embed="rId2"/>
+          <a:stretch>
+            <a:fillRect/>
+          </a:stretch>
+        </p:blipFill>
         <p:spPr>
           <a:xfrm>
-            <a:off x="6835586" y="1761565"/>
-            <a:ext cx="4177556" cy="3214128"/>
+            <a:off x="9103659" y="-1"/>
+            <a:ext cx="3088341" cy="3836487"/>
           </a:xfrm>
           <a:prstGeom prst="rect">
             <a:avLst/>
           </a:prstGeom>
         </p:spPr>
-        <p:txBody>
-          <a:bodyPr vert="horz" lIns="91440" tIns="45720" rIns="91440" bIns="45720" rtlCol="0" anchor="b">
-            <a:noAutofit/>
-          </a:bodyPr>
-          <a:lstStyle>
-            <a:lvl1pPr algn="ctr" defTabSz="914400" rtl="0" eaLnBrk="1" latinLnBrk="0" hangingPunct="1">
-              <a:lnSpc>
-                <a:spcPct val="90000"/>
-              </a:lnSpc>
-              <a:spcBef>
-                <a:spcPct val="0"/>
-              </a:spcBef>
-              <a:buNone/>
-              <a:defRPr sz="6000" kern="1200">
-                <a:solidFill>
-                  <a:schemeClr val="tx1"/>
-                </a:solidFill>
-                <a:latin typeface="+mj-lt"/>
-                <a:ea typeface="+mj-ea"/>
-                <a:cs typeface="+mj-cs"/>
-              </a:defRPr>
-            </a:lvl1pPr>
-          </a:lstStyle>
-          <a:p>
-            <a:r>
-              <a:rPr lang="fa-IR" sz="3200" dirty="0" smtClean="0"/>
-              <a:t>ایجاد کننده</a:t>
-            </a:r>
-            <a:r>
-              <a:rPr lang="en-US" sz="3200" dirty="0" smtClean="0"/>
-              <a:t/>
-            </a:r>
-            <a:br>
-              <a:rPr lang="en-US" sz="3200" dirty="0" smtClean="0"/>
-            </a:br>
-            <a:r>
-              <a:rPr lang="en-US" sz="3200" dirty="0" smtClean="0"/>
-              <a:t/>
-            </a:r>
-            <a:br>
-              <a:rPr lang="en-US" sz="3200" dirty="0" smtClean="0"/>
-            </a:br>
-            <a:r>
-              <a:rPr lang="fa-IR" sz="3200" dirty="0" smtClean="0"/>
-              <a:t>ساختاری</a:t>
-            </a:r>
-            <a:r>
-              <a:rPr lang="en-US" sz="3200" dirty="0" smtClean="0"/>
-              <a:t/>
-            </a:r>
-            <a:br>
-              <a:rPr lang="en-US" sz="3200" dirty="0" smtClean="0"/>
-            </a:br>
-            <a:r>
-              <a:rPr lang="en-US" sz="3200" dirty="0" smtClean="0"/>
-              <a:t/>
-            </a:r>
-            <a:br>
-              <a:rPr lang="en-US" sz="3200" dirty="0" smtClean="0"/>
-            </a:br>
-            <a:r>
-              <a:rPr lang="fa-IR" sz="3200" dirty="0" smtClean="0"/>
-              <a:t>رفتاری</a:t>
-            </a:r>
-            <a:r>
-              <a:rPr lang="en-US" sz="3200" dirty="0" smtClean="0"/>
-              <a:t/>
-            </a:r>
-            <a:br>
-              <a:rPr lang="en-US" sz="3200" dirty="0" smtClean="0"/>
-            </a:br>
-            <a:endParaRPr lang="en-US" sz="3200" dirty="0">
-              <a:latin typeface="Consolas" panose="020B0609020204030204" pitchFamily="49" charset="0"/>
-            </a:endParaRPr>
-          </a:p>
-        </p:txBody>
-      </p:sp>
+      </p:pic>
+      <p:pic>
+        <p:nvPicPr>
+          <p:cNvPr id="6" name="Picture 5"/>
+          <p:cNvPicPr>
+            <a:picLocks noChangeAspect="1"/>
+          </p:cNvPicPr>
+          <p:nvPr/>
+        </p:nvPicPr>
+        <p:blipFill>
+          <a:blip r:embed="rId3"/>
+          <a:stretch>
+            <a:fillRect/>
+          </a:stretch>
+        </p:blipFill>
+        <p:spPr>
+          <a:xfrm>
+            <a:off x="5390201" y="3838154"/>
+            <a:ext cx="6801799" cy="3019846"/>
+          </a:xfrm>
+          <a:prstGeom prst="rect">
+            <a:avLst/>
+          </a:prstGeom>
+        </p:spPr>
+      </p:pic>
     </p:spTree>
     <p:extLst>
       <p:ext uri="{BB962C8B-B14F-4D97-AF65-F5344CB8AC3E}">
-        <p14:creationId xmlns:p14="http://schemas.microsoft.com/office/powerpoint/2010/main" val="292308427"/>
+        <p14:creationId xmlns:p14="http://schemas.microsoft.com/office/powerpoint/2010/main" val="4043031706"/>
+      </p:ext>
+    </p:extLst>
+  </p:cSld>
+  <p:clrMapOvr>
+    <a:masterClrMapping/>
+  </p:clrMapOvr>
+</p:sld>
+</file>
+
+<file path=ppt/slides/slide30.xml><?xml version="1.0" encoding="utf-8"?>
+<p:sld xmlns:a="http://schemas.openxmlformats.org/drawingml/2006/main" xmlns:r="http://schemas.openxmlformats.org/officeDocument/2006/relationships" xmlns:p="http://schemas.openxmlformats.org/presentationml/2006/main">
+  <p:cSld>
+    <p:spTree>
+      <p:nvGrpSpPr>
+        <p:cNvPr id="1" name=""/>
+        <p:cNvGrpSpPr/>
+        <p:nvPr/>
+      </p:nvGrpSpPr>
+      <p:grpSpPr>
+        <a:xfrm>
+          <a:off x="0" y="0"/>
+          <a:ext cx="0" cy="0"/>
+          <a:chOff x="0" y="0"/>
+          <a:chExt cx="0" cy="0"/>
+        </a:xfrm>
+      </p:grpSpPr>
+      <p:sp>
+        <p:nvSpPr>
+          <p:cNvPr id="2" name="Title 1"/>
+          <p:cNvSpPr>
+            <a:spLocks noGrp="1"/>
+          </p:cNvSpPr>
+          <p:nvPr>
+            <p:ph type="title"/>
+          </p:nvPr>
+        </p:nvSpPr>
+        <p:spPr/>
+        <p:txBody>
+          <a:bodyPr>
+            <a:normAutofit/>
+          </a:bodyPr>
+          <a:lstStyle/>
+          <a:p>
+            <a:r>
+              <a:rPr lang="en-US" b="1" dirty="0">
+                <a:solidFill>
+                  <a:schemeClr val="bg2">
+                    <a:lumMod val="50000"/>
+                  </a:schemeClr>
+                </a:solidFill>
+              </a:rPr>
+              <a:t>Abstract </a:t>
+            </a:r>
+            <a:r>
+              <a:rPr lang="en-US" b="1" dirty="0" smtClean="0">
+                <a:solidFill>
+                  <a:schemeClr val="bg2">
+                    <a:lumMod val="50000"/>
+                  </a:schemeClr>
+                </a:solidFill>
+              </a:rPr>
+              <a:t>Factory</a:t>
+            </a:r>
+            <a:endParaRPr lang="en-US" dirty="0">
+              <a:solidFill>
+                <a:schemeClr val="bg2">
+                  <a:lumMod val="50000"/>
+                </a:schemeClr>
+              </a:solidFill>
+            </a:endParaRPr>
+          </a:p>
+        </p:txBody>
+      </p:sp>
+      <p:sp>
+        <p:nvSpPr>
+          <p:cNvPr id="4" name="Rectangle 3"/>
+          <p:cNvSpPr/>
+          <p:nvPr/>
+        </p:nvSpPr>
+        <p:spPr>
+          <a:xfrm>
+            <a:off x="1181100" y="1993900"/>
+            <a:ext cx="9779000" cy="1200329"/>
+          </a:xfrm>
+          <a:prstGeom prst="rect">
+            <a:avLst/>
+          </a:prstGeom>
+        </p:spPr>
+        <p:txBody>
+          <a:bodyPr wrap="square">
+            <a:spAutoFit/>
+          </a:bodyPr>
+          <a:lstStyle/>
+          <a:p>
+            <a:r>
+              <a:rPr lang="en-US" b="1" dirty="0">
+                <a:solidFill>
+                  <a:srgbClr val="444444"/>
+                </a:solidFill>
+                <a:latin typeface="Open Sans" pitchFamily="2" charset="0"/>
+                <a:ea typeface="Open Sans" pitchFamily="2" charset="0"/>
+                <a:cs typeface="Open Sans" pitchFamily="2" charset="0"/>
+              </a:rPr>
+              <a:t>Abstract Factory</a:t>
+            </a:r>
+            <a:r>
+              <a:rPr lang="en-US" dirty="0">
+                <a:solidFill>
+                  <a:srgbClr val="444444"/>
+                </a:solidFill>
+                <a:latin typeface="Open Sans" pitchFamily="2" charset="0"/>
+                <a:ea typeface="Open Sans" pitchFamily="2" charset="0"/>
+                <a:cs typeface="Open Sans" pitchFamily="2" charset="0"/>
+              </a:rPr>
+              <a:t> is a creational design pattern that lets you produce families of related objects without specifying their concrete classes.</a:t>
+            </a:r>
+          </a:p>
+          <a:p>
+            <a:r>
+              <a:rPr lang="en-US" dirty="0">
+                <a:latin typeface="Open Sans" pitchFamily="2" charset="0"/>
+                <a:ea typeface="Open Sans" pitchFamily="2" charset="0"/>
+                <a:cs typeface="Open Sans" pitchFamily="2" charset="0"/>
+              </a:rPr>
+              <a:t/>
+            </a:r>
+            <a:br>
+              <a:rPr lang="en-US" dirty="0">
+                <a:latin typeface="Open Sans" pitchFamily="2" charset="0"/>
+                <a:ea typeface="Open Sans" pitchFamily="2" charset="0"/>
+                <a:cs typeface="Open Sans" pitchFamily="2" charset="0"/>
+              </a:rPr>
+            </a:br>
+            <a:endParaRPr lang="en-US" dirty="0">
+              <a:latin typeface="Open Sans" pitchFamily="2" charset="0"/>
+              <a:ea typeface="Open Sans" pitchFamily="2" charset="0"/>
+              <a:cs typeface="Open Sans" pitchFamily="2" charset="0"/>
+            </a:endParaRPr>
+          </a:p>
+        </p:txBody>
+      </p:sp>
+      <p:pic>
+        <p:nvPicPr>
+          <p:cNvPr id="13314" name="Picture 2" descr="Abstract Factory pattern"/>
+          <p:cNvPicPr>
+            <a:picLocks noChangeAspect="1" noChangeArrowheads="1"/>
+          </p:cNvPicPr>
+          <p:nvPr/>
+        </p:nvPicPr>
+        <p:blipFill>
+          <a:blip r:embed="rId2">
+            <a:extLst>
+              <a:ext uri="{28A0092B-C50C-407E-A947-70E740481C1C}">
+                <a14:useLocalDpi xmlns:a14="http://schemas.microsoft.com/office/drawing/2010/main" val="0"/>
+              </a:ext>
+            </a:extLst>
+          </a:blip>
+          <a:srcRect/>
+          <a:stretch>
+            <a:fillRect/>
+          </a:stretch>
+        </p:blipFill>
+        <p:spPr bwMode="auto">
+          <a:xfrm>
+            <a:off x="2886075" y="2908300"/>
+            <a:ext cx="6096000" cy="3810000"/>
+          </a:xfrm>
+          <a:prstGeom prst="rect">
+            <a:avLst/>
+          </a:prstGeom>
+          <a:noFill/>
+          <a:extLst>
+            <a:ext uri="{909E8E84-426E-40DD-AFC4-6F175D3DCCD1}">
+              <a14:hiddenFill xmlns:a14="http://schemas.microsoft.com/office/drawing/2010/main">
+                <a:solidFill>
+                  <a:srgbClr val="FFFFFF"/>
+                </a:solidFill>
+              </a14:hiddenFill>
+            </a:ext>
+          </a:extLst>
+        </p:spPr>
+      </p:pic>
+    </p:spTree>
+    <p:extLst>
+      <p:ext uri="{BB962C8B-B14F-4D97-AF65-F5344CB8AC3E}">
+        <p14:creationId xmlns:p14="http://schemas.microsoft.com/office/powerpoint/2010/main" val="1703619897"/>
+      </p:ext>
+    </p:extLst>
+  </p:cSld>
+  <p:clrMapOvr>
+    <a:masterClrMapping/>
+  </p:clrMapOvr>
+</p:sld>
+</file>
+
+<file path=ppt/slides/slide31.xml><?xml version="1.0" encoding="utf-8"?>
+<p:sld xmlns:a="http://schemas.openxmlformats.org/drawingml/2006/main" xmlns:r="http://schemas.openxmlformats.org/officeDocument/2006/relationships" xmlns:p="http://schemas.openxmlformats.org/presentationml/2006/main">
+  <p:cSld>
+    <p:spTree>
+      <p:nvGrpSpPr>
+        <p:cNvPr id="1" name=""/>
+        <p:cNvGrpSpPr/>
+        <p:nvPr/>
+      </p:nvGrpSpPr>
+      <p:grpSpPr>
+        <a:xfrm>
+          <a:off x="0" y="0"/>
+          <a:ext cx="0" cy="0"/>
+          <a:chOff x="0" y="0"/>
+          <a:chExt cx="0" cy="0"/>
+        </a:xfrm>
+      </p:grpSpPr>
+      <p:pic>
+        <p:nvPicPr>
+          <p:cNvPr id="14338" name="Picture 2" descr="Product families and their variants."/>
+          <p:cNvPicPr>
+            <a:picLocks noChangeAspect="1" noChangeArrowheads="1"/>
+          </p:cNvPicPr>
+          <p:nvPr/>
+        </p:nvPicPr>
+        <p:blipFill>
+          <a:blip r:embed="rId2">
+            <a:extLst>
+              <a:ext uri="{28A0092B-C50C-407E-A947-70E740481C1C}">
+                <a14:useLocalDpi xmlns:a14="http://schemas.microsoft.com/office/drawing/2010/main" val="0"/>
+              </a:ext>
+            </a:extLst>
+          </a:blip>
+          <a:srcRect/>
+          <a:stretch>
+            <a:fillRect/>
+          </a:stretch>
+        </p:blipFill>
+        <p:spPr bwMode="auto">
+          <a:xfrm>
+            <a:off x="2746375" y="1358900"/>
+            <a:ext cx="5991860" cy="4279900"/>
+          </a:xfrm>
+          <a:prstGeom prst="rect">
+            <a:avLst/>
+          </a:prstGeom>
+          <a:noFill/>
+          <a:extLst>
+            <a:ext uri="{909E8E84-426E-40DD-AFC4-6F175D3DCCD1}">
+              <a14:hiddenFill xmlns:a14="http://schemas.microsoft.com/office/drawing/2010/main">
+                <a:solidFill>
+                  <a:srgbClr val="FFFFFF"/>
+                </a:solidFill>
+              </a14:hiddenFill>
+            </a:ext>
+          </a:extLst>
+        </p:spPr>
+      </p:pic>
+      <p:sp>
+        <p:nvSpPr>
+          <p:cNvPr id="4" name="Rectangle 3"/>
+          <p:cNvSpPr/>
+          <p:nvPr/>
+        </p:nvSpPr>
+        <p:spPr>
+          <a:xfrm>
+            <a:off x="3149600" y="5638800"/>
+            <a:ext cx="6096000" cy="923330"/>
+          </a:xfrm>
+          <a:prstGeom prst="rect">
+            <a:avLst/>
+          </a:prstGeom>
+        </p:spPr>
+        <p:txBody>
+          <a:bodyPr>
+            <a:spAutoFit/>
+          </a:bodyPr>
+          <a:lstStyle/>
+          <a:p>
+            <a:pPr algn="ctr"/>
+            <a:r>
+              <a:rPr lang="en-US" dirty="0">
+                <a:latin typeface="Open Sans" pitchFamily="2" charset="0"/>
+                <a:ea typeface="Open Sans" pitchFamily="2" charset="0"/>
+                <a:cs typeface="Open Sans" pitchFamily="2" charset="0"/>
+              </a:rPr>
+              <a:t>Product families and their variants.</a:t>
+            </a:r>
+          </a:p>
+          <a:p>
+            <a:r>
+              <a:rPr lang="en-US" dirty="0">
+                <a:latin typeface="Open Sans" pitchFamily="2" charset="0"/>
+                <a:ea typeface="Open Sans" pitchFamily="2" charset="0"/>
+                <a:cs typeface="Open Sans" pitchFamily="2" charset="0"/>
+              </a:rPr>
+              <a:t/>
+            </a:r>
+            <a:br>
+              <a:rPr lang="en-US" dirty="0">
+                <a:latin typeface="Open Sans" pitchFamily="2" charset="0"/>
+                <a:ea typeface="Open Sans" pitchFamily="2" charset="0"/>
+                <a:cs typeface="Open Sans" pitchFamily="2" charset="0"/>
+              </a:rPr>
+            </a:br>
+            <a:endParaRPr lang="en-US" dirty="0">
+              <a:latin typeface="Open Sans" pitchFamily="2" charset="0"/>
+              <a:ea typeface="Open Sans" pitchFamily="2" charset="0"/>
+              <a:cs typeface="Open Sans" pitchFamily="2" charset="0"/>
+            </a:endParaRPr>
+          </a:p>
+        </p:txBody>
+      </p:sp>
+    </p:spTree>
+    <p:extLst>
+      <p:ext uri="{BB962C8B-B14F-4D97-AF65-F5344CB8AC3E}">
+        <p14:creationId xmlns:p14="http://schemas.microsoft.com/office/powerpoint/2010/main" val="2718742515"/>
+      </p:ext>
+    </p:extLst>
+  </p:cSld>
+  <p:clrMapOvr>
+    <a:masterClrMapping/>
+  </p:clrMapOvr>
+</p:sld>
+</file>
+
+<file path=ppt/slides/slide32.xml><?xml version="1.0" encoding="utf-8"?>
+<p:sld xmlns:a="http://schemas.openxmlformats.org/drawingml/2006/main" xmlns:r="http://schemas.openxmlformats.org/officeDocument/2006/relationships" xmlns:p="http://schemas.openxmlformats.org/presentationml/2006/main">
+  <p:cSld>
+    <p:spTree>
+      <p:nvGrpSpPr>
+        <p:cNvPr id="1" name=""/>
+        <p:cNvGrpSpPr/>
+        <p:nvPr/>
+      </p:nvGrpSpPr>
+      <p:grpSpPr>
+        <a:xfrm>
+          <a:off x="0" y="0"/>
+          <a:ext cx="0" cy="0"/>
+          <a:chOff x="0" y="0"/>
+          <a:chExt cx="0" cy="0"/>
+        </a:xfrm>
+      </p:grpSpPr>
+      <p:pic>
+        <p:nvPicPr>
+          <p:cNvPr id="15362" name="Picture 2" descr="https://refactoring.guru/images/patterns/content/abstract-factory/abstract-factory-comic-1-en.png"/>
+          <p:cNvPicPr>
+            <a:picLocks noChangeAspect="1" noChangeArrowheads="1"/>
+          </p:cNvPicPr>
+          <p:nvPr/>
+        </p:nvPicPr>
+        <p:blipFill>
+          <a:blip r:embed="rId2">
+            <a:extLst>
+              <a:ext uri="{28A0092B-C50C-407E-A947-70E740481C1C}">
+                <a14:useLocalDpi xmlns:a14="http://schemas.microsoft.com/office/drawing/2010/main" val="0"/>
+              </a:ext>
+            </a:extLst>
+          </a:blip>
+          <a:srcRect/>
+          <a:stretch>
+            <a:fillRect/>
+          </a:stretch>
+        </p:blipFill>
+        <p:spPr bwMode="auto">
+          <a:xfrm>
+            <a:off x="2263775" y="1435100"/>
+            <a:ext cx="7416800" cy="3708400"/>
+          </a:xfrm>
+          <a:prstGeom prst="rect">
+            <a:avLst/>
+          </a:prstGeom>
+          <a:noFill/>
+          <a:extLst>
+            <a:ext uri="{909E8E84-426E-40DD-AFC4-6F175D3DCCD1}">
+              <a14:hiddenFill xmlns:a14="http://schemas.microsoft.com/office/drawing/2010/main">
+                <a:solidFill>
+                  <a:srgbClr val="FFFFFF"/>
+                </a:solidFill>
+              </a14:hiddenFill>
+            </a:ext>
+          </a:extLst>
+        </p:spPr>
+      </p:pic>
+      <p:sp>
+        <p:nvSpPr>
+          <p:cNvPr id="2" name="Rectangle 1"/>
+          <p:cNvSpPr/>
+          <p:nvPr/>
+        </p:nvSpPr>
+        <p:spPr>
+          <a:xfrm>
+            <a:off x="2500312" y="5240635"/>
+            <a:ext cx="6943725" cy="646331"/>
+          </a:xfrm>
+          <a:prstGeom prst="rect">
+            <a:avLst/>
+          </a:prstGeom>
+        </p:spPr>
+        <p:txBody>
+          <a:bodyPr wrap="square">
+            <a:spAutoFit/>
+          </a:bodyPr>
+          <a:lstStyle/>
+          <a:p>
+            <a:pPr algn="ctr"/>
+            <a:r>
+              <a:rPr lang="en-US" dirty="0">
+                <a:latin typeface="Open Sans" pitchFamily="2" charset="0"/>
+                <a:ea typeface="Open Sans" pitchFamily="2" charset="0"/>
+                <a:cs typeface="Open Sans" pitchFamily="2" charset="0"/>
+              </a:rPr>
+              <a:t>A Modern-style sofa doesn’t match Victorian-style chairs</a:t>
+            </a:r>
+            <a:r>
+              <a:rPr lang="en-US" dirty="0" smtClean="0">
+                <a:latin typeface="Open Sans" pitchFamily="2" charset="0"/>
+                <a:ea typeface="Open Sans" pitchFamily="2" charset="0"/>
+                <a:cs typeface="Open Sans" pitchFamily="2" charset="0"/>
+              </a:rPr>
+              <a:t>.</a:t>
+            </a:r>
+            <a:r>
+              <a:rPr lang="en-US" dirty="0">
+                <a:latin typeface="Open Sans" pitchFamily="2" charset="0"/>
+                <a:ea typeface="Open Sans" pitchFamily="2" charset="0"/>
+                <a:cs typeface="Open Sans" pitchFamily="2" charset="0"/>
+              </a:rPr>
+              <a:t/>
+            </a:r>
+            <a:br>
+              <a:rPr lang="en-US" dirty="0">
+                <a:latin typeface="Open Sans" pitchFamily="2" charset="0"/>
+                <a:ea typeface="Open Sans" pitchFamily="2" charset="0"/>
+                <a:cs typeface="Open Sans" pitchFamily="2" charset="0"/>
+              </a:rPr>
+            </a:br>
+            <a:endParaRPr lang="en-US" dirty="0">
+              <a:latin typeface="Open Sans" pitchFamily="2" charset="0"/>
+              <a:ea typeface="Open Sans" pitchFamily="2" charset="0"/>
+              <a:cs typeface="Open Sans" pitchFamily="2" charset="0"/>
+            </a:endParaRPr>
+          </a:p>
+        </p:txBody>
+      </p:sp>
+    </p:spTree>
+    <p:extLst>
+      <p:ext uri="{BB962C8B-B14F-4D97-AF65-F5344CB8AC3E}">
+        <p14:creationId xmlns:p14="http://schemas.microsoft.com/office/powerpoint/2010/main" val="2370912933"/>
+      </p:ext>
+    </p:extLst>
+  </p:cSld>
+  <p:clrMapOvr>
+    <a:masterClrMapping/>
+  </p:clrMapOvr>
+</p:sld>
+</file>
+
+<file path=ppt/slides/slide33.xml><?xml version="1.0" encoding="utf-8"?>
+<p:sld xmlns:a="http://schemas.openxmlformats.org/drawingml/2006/main" xmlns:r="http://schemas.openxmlformats.org/officeDocument/2006/relationships" xmlns:p="http://schemas.openxmlformats.org/presentationml/2006/main">
+  <p:cSld>
+    <p:spTree>
+      <p:nvGrpSpPr>
+        <p:cNvPr id="1" name=""/>
+        <p:cNvGrpSpPr/>
+        <p:nvPr/>
+      </p:nvGrpSpPr>
+      <p:grpSpPr>
+        <a:xfrm>
+          <a:off x="0" y="0"/>
+          <a:ext cx="0" cy="0"/>
+          <a:chOff x="0" y="0"/>
+          <a:chExt cx="0" cy="0"/>
+        </a:xfrm>
+      </p:grpSpPr>
+      <p:pic>
+        <p:nvPicPr>
+          <p:cNvPr id="16386" name="Picture 2" descr="The Chairs class hierarchy"/>
+          <p:cNvPicPr>
+            <a:picLocks noChangeAspect="1" noChangeArrowheads="1"/>
+          </p:cNvPicPr>
+          <p:nvPr/>
+        </p:nvPicPr>
+        <p:blipFill>
+          <a:blip r:embed="rId2">
+            <a:extLst>
+              <a:ext uri="{28A0092B-C50C-407E-A947-70E740481C1C}">
+                <a14:useLocalDpi xmlns:a14="http://schemas.microsoft.com/office/drawing/2010/main" val="0"/>
+              </a:ext>
+            </a:extLst>
+          </a:blip>
+          <a:srcRect/>
+          <a:stretch>
+            <a:fillRect/>
+          </a:stretch>
+        </p:blipFill>
+        <p:spPr bwMode="auto">
+          <a:xfrm>
+            <a:off x="3127375" y="1514474"/>
+            <a:ext cx="5824538" cy="3883025"/>
+          </a:xfrm>
+          <a:prstGeom prst="rect">
+            <a:avLst/>
+          </a:prstGeom>
+          <a:noFill/>
+          <a:extLst>
+            <a:ext uri="{909E8E84-426E-40DD-AFC4-6F175D3DCCD1}">
+              <a14:hiddenFill xmlns:a14="http://schemas.microsoft.com/office/drawing/2010/main">
+                <a:solidFill>
+                  <a:srgbClr val="FFFFFF"/>
+                </a:solidFill>
+              </a14:hiddenFill>
+            </a:ext>
+          </a:extLst>
+        </p:spPr>
+      </p:pic>
+    </p:spTree>
+    <p:extLst>
+      <p:ext uri="{BB962C8B-B14F-4D97-AF65-F5344CB8AC3E}">
+        <p14:creationId xmlns:p14="http://schemas.microsoft.com/office/powerpoint/2010/main" val="4196776536"/>
+      </p:ext>
+    </p:extLst>
+  </p:cSld>
+  <p:clrMapOvr>
+    <a:masterClrMapping/>
+  </p:clrMapOvr>
+</p:sld>
+</file>
+
+<file path=ppt/slides/slide34.xml><?xml version="1.0" encoding="utf-8"?>
+<p:sld xmlns:a="http://schemas.openxmlformats.org/drawingml/2006/main" xmlns:r="http://schemas.openxmlformats.org/officeDocument/2006/relationships" xmlns:p="http://schemas.openxmlformats.org/presentationml/2006/main">
+  <p:cSld>
+    <p:spTree>
+      <p:nvGrpSpPr>
+        <p:cNvPr id="1" name=""/>
+        <p:cNvGrpSpPr/>
+        <p:nvPr/>
+      </p:nvGrpSpPr>
+      <p:grpSpPr>
+        <a:xfrm>
+          <a:off x="0" y="0"/>
+          <a:ext cx="0" cy="0"/>
+          <a:chOff x="0" y="0"/>
+          <a:chExt cx="0" cy="0"/>
+        </a:xfrm>
+      </p:grpSpPr>
+      <p:pic>
+        <p:nvPicPr>
+          <p:cNvPr id="17410" name="Picture 2" descr="The _Factories_ class hierarchy"/>
+          <p:cNvPicPr>
+            <a:picLocks noChangeAspect="1" noChangeArrowheads="1"/>
+          </p:cNvPicPr>
+          <p:nvPr/>
+        </p:nvPicPr>
+        <p:blipFill>
+          <a:blip r:embed="rId2">
+            <a:extLst>
+              <a:ext uri="{28A0092B-C50C-407E-A947-70E740481C1C}">
+                <a14:useLocalDpi xmlns:a14="http://schemas.microsoft.com/office/drawing/2010/main" val="0"/>
+              </a:ext>
+            </a:extLst>
+          </a:blip>
+          <a:srcRect/>
+          <a:stretch>
+            <a:fillRect/>
+          </a:stretch>
+        </p:blipFill>
+        <p:spPr bwMode="auto">
+          <a:xfrm>
+            <a:off x="1577974" y="1255712"/>
+            <a:ext cx="9147173" cy="4573588"/>
+          </a:xfrm>
+          <a:prstGeom prst="rect">
+            <a:avLst/>
+          </a:prstGeom>
+          <a:noFill/>
+          <a:extLst>
+            <a:ext uri="{909E8E84-426E-40DD-AFC4-6F175D3DCCD1}">
+              <a14:hiddenFill xmlns:a14="http://schemas.microsoft.com/office/drawing/2010/main">
+                <a:solidFill>
+                  <a:srgbClr val="FFFFFF"/>
+                </a:solidFill>
+              </a14:hiddenFill>
+            </a:ext>
+          </a:extLst>
+        </p:spPr>
+      </p:pic>
+    </p:spTree>
+    <p:extLst>
+      <p:ext uri="{BB962C8B-B14F-4D97-AF65-F5344CB8AC3E}">
+        <p14:creationId xmlns:p14="http://schemas.microsoft.com/office/powerpoint/2010/main" val="1759367429"/>
       </p:ext>
     </p:extLst>
   </p:cSld>
@@ -3983,40 +7345,13 @@
             <a:spLocks noGrp="1"/>
           </p:cNvSpPr>
           <p:nvPr>
-            <p:ph type="title"/>
+            <p:ph type="ctrTitle"/>
           </p:nvPr>
         </p:nvSpPr>
-        <p:spPr/>
-        <p:txBody>
-          <a:bodyPr/>
-          <a:lstStyle/>
-          <a:p>
-            <a:r>
-              <a:rPr lang="en-US" b="1" dirty="0"/>
-              <a:t>Creational Design Patterns</a:t>
-            </a:r>
-            <a:r>
-              <a:rPr lang="en-US" b="1" dirty="0" smtClean="0"/>
-              <a:t>:</a:t>
-            </a:r>
-            <a:endParaRPr lang="en-US" dirty="0"/>
-          </a:p>
-        </p:txBody>
-      </p:sp>
-      <p:sp>
-        <p:nvSpPr>
-          <p:cNvPr id="3" name="Content Placeholder 2"/>
-          <p:cNvSpPr>
-            <a:spLocks noGrp="1"/>
-          </p:cNvSpPr>
-          <p:nvPr>
-            <p:ph idx="1"/>
-          </p:nvPr>
-        </p:nvSpPr>
         <p:spPr>
           <a:xfrm>
-            <a:off x="141194" y="1435659"/>
-            <a:ext cx="11909612" cy="5287870"/>
+            <a:off x="542362" y="1761565"/>
+            <a:ext cx="4177556" cy="3214128"/>
           </a:xfrm>
         </p:spPr>
         <p:txBody>
@@ -4026,124 +7361,148 @@
           <a:lstStyle/>
           <a:p>
             <a:r>
-              <a:rPr lang="en-US" sz="1800" b="1" dirty="0" smtClean="0"/>
-              <a:t>Singleton </a:t>
-            </a:r>
-            <a:r>
-              <a:rPr lang="en-US" sz="1800" b="1" dirty="0"/>
-              <a:t>Pattern</a:t>
-            </a:r>
-            <a:endParaRPr lang="en-US" sz="1800" dirty="0"/>
-          </a:p>
-          <a:p>
-            <a:pPr lvl="1"/>
-            <a:r>
-              <a:rPr lang="en-US" sz="1400" dirty="0"/>
-              <a:t>Category: Creational</a:t>
-            </a:r>
-          </a:p>
-          <a:p>
-            <a:pPr lvl="1"/>
-            <a:r>
-              <a:rPr lang="en-US" sz="1400" dirty="0"/>
-              <a:t>Description: Ensures that a class has only one instance and provides a global point of access to that instance.</a:t>
-            </a:r>
-          </a:p>
-          <a:p>
-            <a:r>
-              <a:rPr lang="en-US" sz="1800" b="1" dirty="0"/>
-              <a:t>Factory Method Pattern</a:t>
-            </a:r>
-            <a:endParaRPr lang="en-US" sz="1800" dirty="0"/>
-          </a:p>
-          <a:p>
-            <a:pPr lvl="1"/>
-            <a:r>
-              <a:rPr lang="en-US" sz="1400" dirty="0"/>
-              <a:t>Category: Creational</a:t>
-            </a:r>
-          </a:p>
-          <a:p>
-            <a:pPr lvl="1"/>
-            <a:r>
-              <a:rPr lang="en-US" sz="1400" dirty="0"/>
-              <a:t>Description: Defines an interface for creating an object but allows subclasses to alter the type of objects that will be created.</a:t>
-            </a:r>
-          </a:p>
-          <a:p>
-            <a:r>
-              <a:rPr lang="en-US" sz="1800" b="1" dirty="0"/>
-              <a:t>Abstract Factory Pattern</a:t>
-            </a:r>
-            <a:endParaRPr lang="en-US" sz="1800" dirty="0"/>
-          </a:p>
-          <a:p>
-            <a:pPr lvl="1"/>
-            <a:r>
-              <a:rPr lang="en-US" sz="1400" dirty="0"/>
-              <a:t>Category: Creational</a:t>
-            </a:r>
-          </a:p>
-          <a:p>
-            <a:pPr lvl="1"/>
-            <a:r>
-              <a:rPr lang="en-US" sz="1400" dirty="0"/>
-              <a:t>Description: Provides an interface for creating families of related or dependent objects without specifying their concrete classes</a:t>
-            </a:r>
-            <a:r>
-              <a:rPr lang="en-US" sz="1400" dirty="0" smtClean="0"/>
-              <a:t>.</a:t>
-            </a:r>
-          </a:p>
-          <a:p>
-            <a:r>
-              <a:rPr lang="en-US" sz="1800" b="1" dirty="0" smtClean="0"/>
-              <a:t>Builder Pattern</a:t>
-            </a:r>
-            <a:endParaRPr lang="en-US" sz="1800" dirty="0" smtClean="0"/>
-          </a:p>
-          <a:p>
-            <a:pPr lvl="1"/>
-            <a:r>
-              <a:rPr lang="en-US" sz="1400" dirty="0" smtClean="0"/>
-              <a:t>Category: Creational</a:t>
-            </a:r>
-          </a:p>
-          <a:p>
-            <a:pPr lvl="1"/>
-            <a:r>
-              <a:rPr lang="en-US" sz="1400" dirty="0" smtClean="0"/>
-              <a:t>Description: Separates the construction of a complex object from its representation, allowing the same construction process to create various representations.</a:t>
-            </a:r>
-          </a:p>
-          <a:p>
-            <a:r>
-              <a:rPr lang="en-US" sz="1800" b="1" dirty="0" smtClean="0"/>
-              <a:t>Prototype Pattern</a:t>
-            </a:r>
-            <a:endParaRPr lang="en-US" sz="1800" dirty="0" smtClean="0"/>
-          </a:p>
-          <a:p>
-            <a:pPr lvl="1"/>
-            <a:r>
-              <a:rPr lang="en-US" sz="1400" dirty="0" smtClean="0"/>
-              <a:t>Category: Creational</a:t>
-            </a:r>
-          </a:p>
-          <a:p>
-            <a:pPr lvl="1"/>
-            <a:r>
-              <a:rPr lang="en-US" sz="1400" dirty="0" smtClean="0"/>
-              <a:t>Description: Creates new objects by copying an existing object, known as the prototype.</a:t>
-            </a:r>
-            <a:endParaRPr lang="en-US" sz="1400" dirty="0"/>
+              <a:rPr lang="en-US" sz="3200" dirty="0" smtClean="0"/>
+              <a:t>Creational</a:t>
+            </a:r>
+            <a:br>
+              <a:rPr lang="en-US" sz="3200" dirty="0" smtClean="0"/>
+            </a:br>
+            <a:r>
+              <a:rPr lang="en-US" sz="3200" dirty="0"/>
+              <a:t/>
+            </a:r>
+            <a:br>
+              <a:rPr lang="en-US" sz="3200" dirty="0"/>
+            </a:br>
+            <a:r>
+              <a:rPr lang="en-US" sz="3200" dirty="0" smtClean="0"/>
+              <a:t>Structural</a:t>
+            </a:r>
+            <a:br>
+              <a:rPr lang="en-US" sz="3200" dirty="0" smtClean="0"/>
+            </a:br>
+            <a:r>
+              <a:rPr lang="en-US" sz="3200" dirty="0"/>
+              <a:t/>
+            </a:r>
+            <a:br>
+              <a:rPr lang="en-US" sz="3200" dirty="0"/>
+            </a:br>
+            <a:r>
+              <a:rPr lang="en-US" sz="3200" dirty="0" smtClean="0"/>
+              <a:t>Behavioral</a:t>
+            </a:r>
+            <a:r>
+              <a:rPr lang="en-US" sz="3200" dirty="0"/>
+              <a:t/>
+            </a:r>
+            <a:br>
+              <a:rPr lang="en-US" sz="3200" dirty="0"/>
+            </a:br>
+            <a:endParaRPr lang="en-US" sz="3200" dirty="0">
+              <a:latin typeface="Consolas" panose="020B0609020204030204" pitchFamily="49" charset="0"/>
+            </a:endParaRPr>
+          </a:p>
+        </p:txBody>
+      </p:sp>
+      <p:sp>
+        <p:nvSpPr>
+          <p:cNvPr id="3" name="Title 1"/>
+          <p:cNvSpPr txBox="1">
+            <a:spLocks/>
+          </p:cNvSpPr>
+          <p:nvPr/>
+        </p:nvSpPr>
+        <p:spPr>
+          <a:xfrm>
+            <a:off x="6835586" y="1761565"/>
+            <a:ext cx="4177556" cy="3214128"/>
+          </a:xfrm>
+          <a:prstGeom prst="rect">
+            <a:avLst/>
+          </a:prstGeom>
+        </p:spPr>
+        <p:txBody>
+          <a:bodyPr vert="horz" lIns="91440" tIns="45720" rIns="91440" bIns="45720" rtlCol="0" anchor="b">
+            <a:noAutofit/>
+          </a:bodyPr>
+          <a:lstStyle>
+            <a:lvl1pPr algn="ctr" defTabSz="914400" rtl="0" eaLnBrk="1" latinLnBrk="0" hangingPunct="1">
+              <a:lnSpc>
+                <a:spcPct val="90000"/>
+              </a:lnSpc>
+              <a:spcBef>
+                <a:spcPct val="0"/>
+              </a:spcBef>
+              <a:buNone/>
+              <a:defRPr sz="6000" kern="1200">
+                <a:solidFill>
+                  <a:schemeClr val="tx1"/>
+                </a:solidFill>
+                <a:latin typeface="+mj-lt"/>
+                <a:ea typeface="+mj-ea"/>
+                <a:cs typeface="+mj-cs"/>
+              </a:defRPr>
+            </a:lvl1pPr>
+          </a:lstStyle>
+          <a:p>
+            <a:r>
+              <a:rPr lang="fa-IR" sz="3200" dirty="0" smtClean="0"/>
+              <a:t>ایجاد کننده</a:t>
+            </a:r>
+            <a:r>
+              <a:rPr lang="en-US" sz="3200" dirty="0" smtClean="0"/>
+              <a:t/>
+            </a:r>
+            <a:br>
+              <a:rPr lang="en-US" sz="3200" dirty="0" smtClean="0"/>
+            </a:br>
+            <a:r>
+              <a:rPr lang="en-US" sz="3200" dirty="0" smtClean="0"/>
+              <a:t/>
+            </a:r>
+            <a:br>
+              <a:rPr lang="en-US" sz="3200" dirty="0" smtClean="0"/>
+            </a:br>
+            <a:r>
+              <a:rPr lang="fa-IR" sz="3200" dirty="0" smtClean="0"/>
+              <a:t>ساختاری</a:t>
+            </a:r>
+            <a:r>
+              <a:rPr lang="en-US" sz="3200" dirty="0" smtClean="0"/>
+              <a:t/>
+            </a:r>
+            <a:br>
+              <a:rPr lang="en-US" sz="3200" dirty="0" smtClean="0"/>
+            </a:br>
+            <a:r>
+              <a:rPr lang="en-US" sz="3200" dirty="0" smtClean="0"/>
+              <a:t/>
+            </a:r>
+            <a:br>
+              <a:rPr lang="en-US" sz="3200" dirty="0" smtClean="0"/>
+            </a:br>
+            <a:r>
+              <a:rPr lang="fa-IR" sz="3200" dirty="0" smtClean="0"/>
+              <a:t>رفتاری</a:t>
+            </a:r>
+            <a:r>
+              <a:rPr lang="en-US" sz="3200" dirty="0" smtClean="0"/>
+              <a:t/>
+            </a:r>
+            <a:br>
+              <a:rPr lang="en-US" sz="3200" dirty="0" smtClean="0"/>
+            </a:br>
+            <a:endParaRPr lang="en-US" sz="3200" dirty="0">
+              <a:latin typeface="Consolas" panose="020B0609020204030204" pitchFamily="49" charset="0"/>
+            </a:endParaRPr>
           </a:p>
         </p:txBody>
       </p:sp>
     </p:spTree>
     <p:extLst>
       <p:ext uri="{BB962C8B-B14F-4D97-AF65-F5344CB8AC3E}">
-        <p14:creationId xmlns:p14="http://schemas.microsoft.com/office/powerpoint/2010/main" val="1386963"/>
+        <p14:creationId xmlns:p14="http://schemas.microsoft.com/office/powerpoint/2010/main" val="292308427"/>
       </p:ext>
     </p:extLst>
   </p:cSld>
@@ -4180,144 +7539,981 @@
             <p:ph type="title"/>
           </p:nvPr>
         </p:nvSpPr>
-        <p:spPr/>
-        <p:txBody>
-          <a:bodyPr/>
-          <a:lstStyle/>
-          <a:p>
+        <p:spPr>
+          <a:xfrm>
+            <a:off x="955675" y="-104465"/>
+            <a:ext cx="10515600" cy="1325563"/>
+          </a:xfrm>
+        </p:spPr>
+        <p:txBody>
+          <a:bodyPr>
+            <a:normAutofit/>
+          </a:bodyPr>
+          <a:lstStyle/>
+          <a:p>
+            <a:pPr algn="ctr"/>
             <a:r>
               <a:rPr lang="en-US" b="1" dirty="0"/>
-              <a:t>Structural Design Patterns</a:t>
+              <a:t>The Catalog of Design </a:t>
             </a:r>
             <a:r>
               <a:rPr lang="en-US" b="1" dirty="0" smtClean="0"/>
-              <a:t>:</a:t>
+              <a:t>Patterns</a:t>
             </a:r>
             <a:endParaRPr lang="en-US" dirty="0"/>
           </a:p>
         </p:txBody>
       </p:sp>
-      <p:sp>
-        <p:nvSpPr>
-          <p:cNvPr id="3" name="Content Placeholder 2"/>
-          <p:cNvSpPr>
-            <a:spLocks noGrp="1"/>
-          </p:cNvSpPr>
-          <p:nvPr>
-            <p:ph idx="1"/>
-          </p:nvPr>
-        </p:nvSpPr>
-        <p:spPr/>
-        <p:txBody>
-          <a:bodyPr>
-            <a:normAutofit fontScale="62500" lnSpcReduction="20000"/>
-          </a:bodyPr>
-          <a:lstStyle/>
-          <a:p>
-            <a:r>
-              <a:rPr lang="en-US" b="1" dirty="0" smtClean="0"/>
-              <a:t>Adapter </a:t>
-            </a:r>
-            <a:r>
-              <a:rPr lang="en-US" b="1" dirty="0"/>
-              <a:t>Pattern</a:t>
-            </a:r>
-            <a:endParaRPr lang="en-US" dirty="0"/>
-          </a:p>
-          <a:p>
-            <a:pPr lvl="1"/>
-            <a:r>
-              <a:rPr lang="en-US" dirty="0"/>
-              <a:t>Category: Structural</a:t>
-            </a:r>
-          </a:p>
-          <a:p>
-            <a:pPr lvl="1"/>
-            <a:r>
-              <a:rPr lang="en-US" dirty="0"/>
-              <a:t>Description: Allows the interface of an existing class to be used as another interface, making it compatible with the client's requirements.</a:t>
-            </a:r>
-          </a:p>
-          <a:p>
-            <a:r>
-              <a:rPr lang="en-US" b="1" dirty="0"/>
-              <a:t>Decorator Pattern</a:t>
-            </a:r>
-            <a:endParaRPr lang="en-US" dirty="0"/>
-          </a:p>
-          <a:p>
-            <a:pPr lvl="1"/>
-            <a:r>
-              <a:rPr lang="en-US" dirty="0"/>
-              <a:t>Category: Structural</a:t>
-            </a:r>
-          </a:p>
-          <a:p>
-            <a:pPr lvl="1"/>
-            <a:r>
-              <a:rPr lang="en-US" dirty="0"/>
-              <a:t>Description: Attaches additional responsibilities to an object dynamically, providing a flexible alternative to </a:t>
-            </a:r>
-            <a:r>
-              <a:rPr lang="en-US" dirty="0" err="1"/>
-              <a:t>subclassing</a:t>
-            </a:r>
-            <a:r>
-              <a:rPr lang="en-US" dirty="0"/>
-              <a:t> for extending functionality.</a:t>
-            </a:r>
-          </a:p>
-          <a:p>
-            <a:r>
-              <a:rPr lang="en-US" b="1" dirty="0"/>
-              <a:t>Composite Pattern</a:t>
-            </a:r>
-            <a:endParaRPr lang="en-US" dirty="0"/>
-          </a:p>
-          <a:p>
-            <a:pPr lvl="1"/>
-            <a:r>
-              <a:rPr lang="en-US" dirty="0"/>
-              <a:t>Category: Structural</a:t>
-            </a:r>
-          </a:p>
-          <a:p>
-            <a:pPr lvl="1"/>
-            <a:r>
-              <a:rPr lang="en-US" dirty="0"/>
-              <a:t>Description: Composes objects into tree structures to represent part-whole hierarchies, allowing clients to treat individual objects and compositions of objects uniformly.</a:t>
-            </a:r>
-          </a:p>
-          <a:p>
-            <a:r>
-              <a:rPr lang="en-US" b="1" dirty="0"/>
-              <a:t>Proxy Pattern</a:t>
-            </a:r>
-            <a:endParaRPr lang="en-US" dirty="0"/>
-          </a:p>
-          <a:p>
-            <a:pPr lvl="1"/>
-            <a:r>
-              <a:rPr lang="en-US" dirty="0"/>
-              <a:t>Category: Structural</a:t>
-            </a:r>
-          </a:p>
-          <a:p>
-            <a:pPr lvl="1"/>
-            <a:r>
-              <a:rPr lang="en-US" dirty="0"/>
-              <a:t>Description: Provides a surrogate or placeholder for another object to control access to it.</a:t>
-            </a:r>
-          </a:p>
-          <a:p>
-            <a:endParaRPr lang="en-US" dirty="0"/>
-          </a:p>
-        </p:txBody>
-      </p:sp>
+      <p:pic>
+        <p:nvPicPr>
+          <p:cNvPr id="2050" name="Picture 2" descr="Factory Method">
+            <a:hlinkClick r:id="rId2"/>
+          </p:cNvPr>
+          <p:cNvPicPr>
+            <a:picLocks noChangeAspect="1" noChangeArrowheads="1"/>
+          </p:cNvPicPr>
+          <p:nvPr/>
+        </p:nvPicPr>
+        <p:blipFill>
+          <a:blip r:embed="rId3">
+            <a:extLst>
+              <a:ext uri="{28A0092B-C50C-407E-A947-70E740481C1C}">
+                <a14:useLocalDpi xmlns:a14="http://schemas.microsoft.com/office/drawing/2010/main" val="0"/>
+              </a:ext>
+            </a:extLst>
+          </a:blip>
+          <a:srcRect/>
+          <a:stretch>
+            <a:fillRect/>
+          </a:stretch>
+        </p:blipFill>
+        <p:spPr bwMode="auto">
+          <a:xfrm>
+            <a:off x="2421733" y="1028699"/>
+            <a:ext cx="1333500" cy="952500"/>
+          </a:xfrm>
+          <a:prstGeom prst="rect">
+            <a:avLst/>
+          </a:prstGeom>
+          <a:noFill/>
+          <a:extLst>
+            <a:ext uri="{909E8E84-426E-40DD-AFC4-6F175D3DCCD1}">
+              <a14:hiddenFill xmlns:a14="http://schemas.microsoft.com/office/drawing/2010/main">
+                <a:solidFill>
+                  <a:srgbClr val="FFFFFF"/>
+                </a:solidFill>
+              </a14:hiddenFill>
+            </a:ext>
+          </a:extLst>
+        </p:spPr>
+      </p:pic>
+      <p:pic>
+        <p:nvPicPr>
+          <p:cNvPr id="2051" name="Picture 3" descr="Abstract Factory">
+            <a:hlinkClick r:id="rId4"/>
+          </p:cNvPr>
+          <p:cNvPicPr>
+            <a:picLocks noChangeAspect="1" noChangeArrowheads="1"/>
+          </p:cNvPicPr>
+          <p:nvPr/>
+        </p:nvPicPr>
+        <p:blipFill>
+          <a:blip r:embed="rId5">
+            <a:extLst>
+              <a:ext uri="{28A0092B-C50C-407E-A947-70E740481C1C}">
+                <a14:useLocalDpi xmlns:a14="http://schemas.microsoft.com/office/drawing/2010/main" val="0"/>
+              </a:ext>
+            </a:extLst>
+          </a:blip>
+          <a:srcRect/>
+          <a:stretch>
+            <a:fillRect/>
+          </a:stretch>
+        </p:blipFill>
+        <p:spPr bwMode="auto">
+          <a:xfrm>
+            <a:off x="3507386" y="2132244"/>
+            <a:ext cx="1333500" cy="952500"/>
+          </a:xfrm>
+          <a:prstGeom prst="rect">
+            <a:avLst/>
+          </a:prstGeom>
+          <a:noFill/>
+          <a:extLst>
+            <a:ext uri="{909E8E84-426E-40DD-AFC4-6F175D3DCCD1}">
+              <a14:hiddenFill xmlns:a14="http://schemas.microsoft.com/office/drawing/2010/main">
+                <a:solidFill>
+                  <a:srgbClr val="FFFFFF"/>
+                </a:solidFill>
+              </a14:hiddenFill>
+            </a:ext>
+          </a:extLst>
+        </p:spPr>
+      </p:pic>
+      <p:pic>
+        <p:nvPicPr>
+          <p:cNvPr id="2052" name="Picture 4" descr="Builder">
+            <a:hlinkClick r:id="rId6"/>
+          </p:cNvPr>
+          <p:cNvPicPr>
+            <a:picLocks noChangeAspect="1" noChangeArrowheads="1"/>
+          </p:cNvPicPr>
+          <p:nvPr/>
+        </p:nvPicPr>
+        <p:blipFill>
+          <a:blip r:embed="rId7">
+            <a:extLst>
+              <a:ext uri="{28A0092B-C50C-407E-A947-70E740481C1C}">
+                <a14:useLocalDpi xmlns:a14="http://schemas.microsoft.com/office/drawing/2010/main" val="0"/>
+              </a:ext>
+            </a:extLst>
+          </a:blip>
+          <a:srcRect/>
+          <a:stretch>
+            <a:fillRect/>
+          </a:stretch>
+        </p:blipFill>
+        <p:spPr bwMode="auto">
+          <a:xfrm>
+            <a:off x="5774121" y="2110814"/>
+            <a:ext cx="1333500" cy="952500"/>
+          </a:xfrm>
+          <a:prstGeom prst="rect">
+            <a:avLst/>
+          </a:prstGeom>
+          <a:noFill/>
+          <a:extLst>
+            <a:ext uri="{909E8E84-426E-40DD-AFC4-6F175D3DCCD1}">
+              <a14:hiddenFill xmlns:a14="http://schemas.microsoft.com/office/drawing/2010/main">
+                <a:solidFill>
+                  <a:srgbClr val="FFFFFF"/>
+                </a:solidFill>
+              </a14:hiddenFill>
+            </a:ext>
+          </a:extLst>
+        </p:spPr>
+      </p:pic>
+      <p:pic>
+        <p:nvPicPr>
+          <p:cNvPr id="2053" name="Picture 5" descr="Prototype">
+            <a:hlinkClick r:id="rId8"/>
+          </p:cNvPr>
+          <p:cNvPicPr>
+            <a:picLocks noChangeAspect="1" noChangeArrowheads="1"/>
+          </p:cNvPicPr>
+          <p:nvPr/>
+        </p:nvPicPr>
+        <p:blipFill>
+          <a:blip r:embed="rId9">
+            <a:extLst>
+              <a:ext uri="{28A0092B-C50C-407E-A947-70E740481C1C}">
+                <a14:useLocalDpi xmlns:a14="http://schemas.microsoft.com/office/drawing/2010/main" val="0"/>
+              </a:ext>
+            </a:extLst>
+          </a:blip>
+          <a:srcRect/>
+          <a:stretch>
+            <a:fillRect/>
+          </a:stretch>
+        </p:blipFill>
+        <p:spPr bwMode="auto">
+          <a:xfrm>
+            <a:off x="7683500" y="2216429"/>
+            <a:ext cx="1333500" cy="952500"/>
+          </a:xfrm>
+          <a:prstGeom prst="rect">
+            <a:avLst/>
+          </a:prstGeom>
+          <a:noFill/>
+          <a:extLst>
+            <a:ext uri="{909E8E84-426E-40DD-AFC4-6F175D3DCCD1}">
+              <a14:hiddenFill xmlns:a14="http://schemas.microsoft.com/office/drawing/2010/main">
+                <a:solidFill>
+                  <a:srgbClr val="FFFFFF"/>
+                </a:solidFill>
+              </a14:hiddenFill>
+            </a:ext>
+          </a:extLst>
+        </p:spPr>
+      </p:pic>
+      <p:pic>
+        <p:nvPicPr>
+          <p:cNvPr id="2054" name="Picture 6" descr="Singleton">
+            <a:hlinkClick r:id="rId10"/>
+          </p:cNvPr>
+          <p:cNvPicPr>
+            <a:picLocks noChangeAspect="1" noChangeArrowheads="1"/>
+          </p:cNvPicPr>
+          <p:nvPr/>
+        </p:nvPicPr>
+        <p:blipFill>
+          <a:blip r:embed="rId11">
+            <a:extLst>
+              <a:ext uri="{28A0092B-C50C-407E-A947-70E740481C1C}">
+                <a14:useLocalDpi xmlns:a14="http://schemas.microsoft.com/office/drawing/2010/main" val="0"/>
+              </a:ext>
+            </a:extLst>
+          </a:blip>
+          <a:srcRect/>
+          <a:stretch>
+            <a:fillRect/>
+          </a:stretch>
+        </p:blipFill>
+        <p:spPr bwMode="auto">
+          <a:xfrm>
+            <a:off x="9728200" y="2085361"/>
+            <a:ext cx="1333500" cy="952500"/>
+          </a:xfrm>
+          <a:prstGeom prst="rect">
+            <a:avLst/>
+          </a:prstGeom>
+          <a:noFill/>
+          <a:extLst>
+            <a:ext uri="{909E8E84-426E-40DD-AFC4-6F175D3DCCD1}">
+              <a14:hiddenFill xmlns:a14="http://schemas.microsoft.com/office/drawing/2010/main">
+                <a:solidFill>
+                  <a:srgbClr val="FFFFFF"/>
+                </a:solidFill>
+              </a14:hiddenFill>
+            </a:ext>
+          </a:extLst>
+        </p:spPr>
+      </p:pic>
+      <p:pic>
+        <p:nvPicPr>
+          <p:cNvPr id="2055" name="Picture 7" descr="Adapter">
+            <a:hlinkClick r:id="rId12"/>
+          </p:cNvPr>
+          <p:cNvPicPr>
+            <a:picLocks noChangeAspect="1" noChangeArrowheads="1"/>
+          </p:cNvPicPr>
+          <p:nvPr/>
+        </p:nvPicPr>
+        <p:blipFill>
+          <a:blip r:embed="rId13">
+            <a:extLst>
+              <a:ext uri="{28A0092B-C50C-407E-A947-70E740481C1C}">
+                <a14:useLocalDpi xmlns:a14="http://schemas.microsoft.com/office/drawing/2010/main" val="0"/>
+              </a:ext>
+            </a:extLst>
+          </a:blip>
+          <a:srcRect/>
+          <a:stretch>
+            <a:fillRect/>
+          </a:stretch>
+        </p:blipFill>
+        <p:spPr bwMode="auto">
+          <a:xfrm>
+            <a:off x="1101583" y="2200929"/>
+            <a:ext cx="1333500" cy="952500"/>
+          </a:xfrm>
+          <a:prstGeom prst="rect">
+            <a:avLst/>
+          </a:prstGeom>
+          <a:noFill/>
+          <a:extLst>
+            <a:ext uri="{909E8E84-426E-40DD-AFC4-6F175D3DCCD1}">
+              <a14:hiddenFill xmlns:a14="http://schemas.microsoft.com/office/drawing/2010/main">
+                <a:solidFill>
+                  <a:srgbClr val="FFFFFF"/>
+                </a:solidFill>
+              </a14:hiddenFill>
+            </a:ext>
+          </a:extLst>
+        </p:spPr>
+      </p:pic>
+      <p:pic>
+        <p:nvPicPr>
+          <p:cNvPr id="2056" name="Picture 8" descr="Bridge">
+            <a:hlinkClick r:id="rId14"/>
+          </p:cNvPr>
+          <p:cNvPicPr>
+            <a:picLocks noChangeAspect="1" noChangeArrowheads="1"/>
+          </p:cNvPicPr>
+          <p:nvPr/>
+        </p:nvPicPr>
+        <p:blipFill>
+          <a:blip r:embed="rId15">
+            <a:extLst>
+              <a:ext uri="{28A0092B-C50C-407E-A947-70E740481C1C}">
+                <a14:useLocalDpi xmlns:a14="http://schemas.microsoft.com/office/drawing/2010/main" val="0"/>
+              </a:ext>
+            </a:extLst>
+          </a:blip>
+          <a:srcRect/>
+          <a:stretch>
+            <a:fillRect/>
+          </a:stretch>
+        </p:blipFill>
+        <p:spPr bwMode="auto">
+          <a:xfrm>
+            <a:off x="1088233" y="3333295"/>
+            <a:ext cx="1333500" cy="952500"/>
+          </a:xfrm>
+          <a:prstGeom prst="rect">
+            <a:avLst/>
+          </a:prstGeom>
+          <a:noFill/>
+          <a:extLst>
+            <a:ext uri="{909E8E84-426E-40DD-AFC4-6F175D3DCCD1}">
+              <a14:hiddenFill xmlns:a14="http://schemas.microsoft.com/office/drawing/2010/main">
+                <a:solidFill>
+                  <a:srgbClr val="FFFFFF"/>
+                </a:solidFill>
+              </a14:hiddenFill>
+            </a:ext>
+          </a:extLst>
+        </p:spPr>
+      </p:pic>
+      <p:pic>
+        <p:nvPicPr>
+          <p:cNvPr id="2057" name="Picture 9" descr="Composite">
+            <a:hlinkClick r:id="rId16"/>
+          </p:cNvPr>
+          <p:cNvPicPr>
+            <a:picLocks noChangeAspect="1" noChangeArrowheads="1"/>
+          </p:cNvPicPr>
+          <p:nvPr/>
+        </p:nvPicPr>
+        <p:blipFill>
+          <a:blip r:embed="rId17">
+            <a:extLst>
+              <a:ext uri="{28A0092B-C50C-407E-A947-70E740481C1C}">
+                <a14:useLocalDpi xmlns:a14="http://schemas.microsoft.com/office/drawing/2010/main" val="0"/>
+              </a:ext>
+            </a:extLst>
+          </a:blip>
+          <a:srcRect/>
+          <a:stretch>
+            <a:fillRect/>
+          </a:stretch>
+        </p:blipFill>
+        <p:spPr bwMode="auto">
+          <a:xfrm>
+            <a:off x="3427413" y="3211389"/>
+            <a:ext cx="1333500" cy="952500"/>
+          </a:xfrm>
+          <a:prstGeom prst="rect">
+            <a:avLst/>
+          </a:prstGeom>
+          <a:noFill/>
+          <a:extLst>
+            <a:ext uri="{909E8E84-426E-40DD-AFC4-6F175D3DCCD1}">
+              <a14:hiddenFill xmlns:a14="http://schemas.microsoft.com/office/drawing/2010/main">
+                <a:solidFill>
+                  <a:srgbClr val="FFFFFF"/>
+                </a:solidFill>
+              </a14:hiddenFill>
+            </a:ext>
+          </a:extLst>
+        </p:spPr>
+      </p:pic>
+      <p:pic>
+        <p:nvPicPr>
+          <p:cNvPr id="2058" name="Picture 10" descr="Decorator">
+            <a:hlinkClick r:id="rId18"/>
+          </p:cNvPr>
+          <p:cNvPicPr>
+            <a:picLocks noChangeAspect="1" noChangeArrowheads="1"/>
+          </p:cNvPicPr>
+          <p:nvPr/>
+        </p:nvPicPr>
+        <p:blipFill>
+          <a:blip r:embed="rId19">
+            <a:extLst>
+              <a:ext uri="{28A0092B-C50C-407E-A947-70E740481C1C}">
+                <a14:useLocalDpi xmlns:a14="http://schemas.microsoft.com/office/drawing/2010/main" val="0"/>
+              </a:ext>
+            </a:extLst>
+          </a:blip>
+          <a:srcRect/>
+          <a:stretch>
+            <a:fillRect/>
+          </a:stretch>
+        </p:blipFill>
+        <p:spPr bwMode="auto">
+          <a:xfrm>
+            <a:off x="5716542" y="3328600"/>
+            <a:ext cx="1333500" cy="952500"/>
+          </a:xfrm>
+          <a:prstGeom prst="rect">
+            <a:avLst/>
+          </a:prstGeom>
+          <a:noFill/>
+          <a:extLst>
+            <a:ext uri="{909E8E84-426E-40DD-AFC4-6F175D3DCCD1}">
+              <a14:hiddenFill xmlns:a14="http://schemas.microsoft.com/office/drawing/2010/main">
+                <a:solidFill>
+                  <a:srgbClr val="FFFFFF"/>
+                </a:solidFill>
+              </a14:hiddenFill>
+            </a:ext>
+          </a:extLst>
+        </p:spPr>
+      </p:pic>
+      <p:pic>
+        <p:nvPicPr>
+          <p:cNvPr id="2059" name="Picture 11" descr="Facade">
+            <a:hlinkClick r:id="rId20"/>
+          </p:cNvPr>
+          <p:cNvPicPr>
+            <a:picLocks noChangeAspect="1" noChangeArrowheads="1"/>
+          </p:cNvPicPr>
+          <p:nvPr/>
+        </p:nvPicPr>
+        <p:blipFill>
+          <a:blip r:embed="rId21">
+            <a:extLst>
+              <a:ext uri="{28A0092B-C50C-407E-A947-70E740481C1C}">
+                <a14:useLocalDpi xmlns:a14="http://schemas.microsoft.com/office/drawing/2010/main" val="0"/>
+              </a:ext>
+            </a:extLst>
+          </a:blip>
+          <a:srcRect/>
+          <a:stretch>
+            <a:fillRect/>
+          </a:stretch>
+        </p:blipFill>
+        <p:spPr bwMode="auto">
+          <a:xfrm>
+            <a:off x="9678101" y="3328600"/>
+            <a:ext cx="1333500" cy="952500"/>
+          </a:xfrm>
+          <a:prstGeom prst="rect">
+            <a:avLst/>
+          </a:prstGeom>
+          <a:noFill/>
+          <a:extLst>
+            <a:ext uri="{909E8E84-426E-40DD-AFC4-6F175D3DCCD1}">
+              <a14:hiddenFill xmlns:a14="http://schemas.microsoft.com/office/drawing/2010/main">
+                <a:solidFill>
+                  <a:srgbClr val="FFFFFF"/>
+                </a:solidFill>
+              </a14:hiddenFill>
+            </a:ext>
+          </a:extLst>
+        </p:spPr>
+      </p:pic>
+      <p:pic>
+        <p:nvPicPr>
+          <p:cNvPr id="2060" name="Picture 12" descr="Flyweight">
+            <a:hlinkClick r:id="rId22"/>
+          </p:cNvPr>
+          <p:cNvPicPr>
+            <a:picLocks noChangeAspect="1" noChangeArrowheads="1"/>
+          </p:cNvPicPr>
+          <p:nvPr/>
+        </p:nvPicPr>
+        <p:blipFill>
+          <a:blip r:embed="rId23">
+            <a:extLst>
+              <a:ext uri="{28A0092B-C50C-407E-A947-70E740481C1C}">
+                <a14:useLocalDpi xmlns:a14="http://schemas.microsoft.com/office/drawing/2010/main" val="0"/>
+              </a:ext>
+            </a:extLst>
+          </a:blip>
+          <a:srcRect/>
+          <a:stretch>
+            <a:fillRect/>
+          </a:stretch>
+        </p:blipFill>
+        <p:spPr bwMode="auto">
+          <a:xfrm>
+            <a:off x="6849990" y="1137519"/>
+            <a:ext cx="1333500" cy="952500"/>
+          </a:xfrm>
+          <a:prstGeom prst="rect">
+            <a:avLst/>
+          </a:prstGeom>
+          <a:noFill/>
+          <a:extLst>
+            <a:ext uri="{909E8E84-426E-40DD-AFC4-6F175D3DCCD1}">
+              <a14:hiddenFill xmlns:a14="http://schemas.microsoft.com/office/drawing/2010/main">
+                <a:solidFill>
+                  <a:srgbClr val="FFFFFF"/>
+                </a:solidFill>
+              </a14:hiddenFill>
+            </a:ext>
+          </a:extLst>
+        </p:spPr>
+      </p:pic>
+      <p:pic>
+        <p:nvPicPr>
+          <p:cNvPr id="2061" name="Picture 13" descr="Proxy">
+            <a:hlinkClick r:id="rId24"/>
+          </p:cNvPr>
+          <p:cNvPicPr>
+            <a:picLocks noChangeAspect="1" noChangeArrowheads="1"/>
+          </p:cNvPicPr>
+          <p:nvPr/>
+        </p:nvPicPr>
+        <p:blipFill>
+          <a:blip r:embed="rId25">
+            <a:extLst>
+              <a:ext uri="{28A0092B-C50C-407E-A947-70E740481C1C}">
+                <a14:useLocalDpi xmlns:a14="http://schemas.microsoft.com/office/drawing/2010/main" val="0"/>
+              </a:ext>
+            </a:extLst>
+          </a:blip>
+          <a:srcRect/>
+          <a:stretch>
+            <a:fillRect/>
+          </a:stretch>
+        </p:blipFill>
+        <p:spPr bwMode="auto">
+          <a:xfrm>
+            <a:off x="7637146" y="3328600"/>
+            <a:ext cx="1333500" cy="952500"/>
+          </a:xfrm>
+          <a:prstGeom prst="rect">
+            <a:avLst/>
+          </a:prstGeom>
+          <a:noFill/>
+          <a:extLst>
+            <a:ext uri="{909E8E84-426E-40DD-AFC4-6F175D3DCCD1}">
+              <a14:hiddenFill xmlns:a14="http://schemas.microsoft.com/office/drawing/2010/main">
+                <a:solidFill>
+                  <a:srgbClr val="FFFFFF"/>
+                </a:solidFill>
+              </a14:hiddenFill>
+            </a:ext>
+          </a:extLst>
+        </p:spPr>
+      </p:pic>
+      <p:pic>
+        <p:nvPicPr>
+          <p:cNvPr id="2062" name="Picture 14" descr="Chain of Responsibility">
+            <a:hlinkClick r:id="rId26"/>
+          </p:cNvPr>
+          <p:cNvPicPr>
+            <a:picLocks noChangeAspect="1" noChangeArrowheads="1"/>
+          </p:cNvPicPr>
+          <p:nvPr/>
+        </p:nvPicPr>
+        <p:blipFill>
+          <a:blip r:embed="rId27">
+            <a:extLst>
+              <a:ext uri="{28A0092B-C50C-407E-A947-70E740481C1C}">
+                <a14:useLocalDpi xmlns:a14="http://schemas.microsoft.com/office/drawing/2010/main" val="0"/>
+              </a:ext>
+            </a:extLst>
+          </a:blip>
+          <a:srcRect/>
+          <a:stretch>
+            <a:fillRect/>
+          </a:stretch>
+        </p:blipFill>
+        <p:spPr bwMode="auto">
+          <a:xfrm>
+            <a:off x="3427413" y="4465661"/>
+            <a:ext cx="1333500" cy="952500"/>
+          </a:xfrm>
+          <a:prstGeom prst="rect">
+            <a:avLst/>
+          </a:prstGeom>
+          <a:noFill/>
+          <a:extLst>
+            <a:ext uri="{909E8E84-426E-40DD-AFC4-6F175D3DCCD1}">
+              <a14:hiddenFill xmlns:a14="http://schemas.microsoft.com/office/drawing/2010/main">
+                <a:solidFill>
+                  <a:srgbClr val="FFFFFF"/>
+                </a:solidFill>
+              </a14:hiddenFill>
+            </a:ext>
+          </a:extLst>
+        </p:spPr>
+      </p:pic>
+      <p:pic>
+        <p:nvPicPr>
+          <p:cNvPr id="2063" name="Picture 15" descr="Command">
+            <a:hlinkClick r:id="rId28"/>
+          </p:cNvPr>
+          <p:cNvPicPr>
+            <a:picLocks noChangeAspect="1" noChangeArrowheads="1"/>
+          </p:cNvPicPr>
+          <p:nvPr/>
+        </p:nvPicPr>
+        <p:blipFill>
+          <a:blip r:embed="rId29">
+            <a:extLst>
+              <a:ext uri="{28A0092B-C50C-407E-A947-70E740481C1C}">
+                <a14:useLocalDpi xmlns:a14="http://schemas.microsoft.com/office/drawing/2010/main" val="0"/>
+              </a:ext>
+            </a:extLst>
+          </a:blip>
+          <a:srcRect/>
+          <a:stretch>
+            <a:fillRect/>
+          </a:stretch>
+        </p:blipFill>
+        <p:spPr bwMode="auto">
+          <a:xfrm>
+            <a:off x="1054895" y="4465661"/>
+            <a:ext cx="1333500" cy="952500"/>
+          </a:xfrm>
+          <a:prstGeom prst="rect">
+            <a:avLst/>
+          </a:prstGeom>
+          <a:noFill/>
+          <a:extLst>
+            <a:ext uri="{909E8E84-426E-40DD-AFC4-6F175D3DCCD1}">
+              <a14:hiddenFill xmlns:a14="http://schemas.microsoft.com/office/drawing/2010/main">
+                <a:solidFill>
+                  <a:srgbClr val="FFFFFF"/>
+                </a:solidFill>
+              </a14:hiddenFill>
+            </a:ext>
+          </a:extLst>
+        </p:spPr>
+      </p:pic>
+      <p:pic>
+        <p:nvPicPr>
+          <p:cNvPr id="2064" name="Picture 16" descr="Iterator">
+            <a:hlinkClick r:id="rId30"/>
+          </p:cNvPr>
+          <p:cNvPicPr>
+            <a:picLocks noChangeAspect="1" noChangeArrowheads="1"/>
+          </p:cNvPicPr>
+          <p:nvPr/>
+        </p:nvPicPr>
+        <p:blipFill>
+          <a:blip r:embed="rId31">
+            <a:extLst>
+              <a:ext uri="{28A0092B-C50C-407E-A947-70E740481C1C}">
+                <a14:useLocalDpi xmlns:a14="http://schemas.microsoft.com/office/drawing/2010/main" val="0"/>
+              </a:ext>
+            </a:extLst>
+          </a:blip>
+          <a:srcRect/>
+          <a:stretch>
+            <a:fillRect/>
+          </a:stretch>
+        </p:blipFill>
+        <p:spPr bwMode="auto">
+          <a:xfrm>
+            <a:off x="5716542" y="4465661"/>
+            <a:ext cx="1333500" cy="952500"/>
+          </a:xfrm>
+          <a:prstGeom prst="rect">
+            <a:avLst/>
+          </a:prstGeom>
+          <a:noFill/>
+          <a:extLst>
+            <a:ext uri="{909E8E84-426E-40DD-AFC4-6F175D3DCCD1}">
+              <a14:hiddenFill xmlns:a14="http://schemas.microsoft.com/office/drawing/2010/main">
+                <a:solidFill>
+                  <a:srgbClr val="FFFFFF"/>
+                </a:solidFill>
+              </a14:hiddenFill>
+            </a:ext>
+          </a:extLst>
+        </p:spPr>
+      </p:pic>
+      <p:pic>
+        <p:nvPicPr>
+          <p:cNvPr id="2065" name="Picture 17" descr="Mediator">
+            <a:hlinkClick r:id="rId32"/>
+          </p:cNvPr>
+          <p:cNvPicPr>
+            <a:picLocks noChangeAspect="1" noChangeArrowheads="1"/>
+          </p:cNvPicPr>
+          <p:nvPr/>
+        </p:nvPicPr>
+        <p:blipFill>
+          <a:blip r:embed="rId33">
+            <a:extLst>
+              <a:ext uri="{28A0092B-C50C-407E-A947-70E740481C1C}">
+                <a14:useLocalDpi xmlns:a14="http://schemas.microsoft.com/office/drawing/2010/main" val="0"/>
+              </a:ext>
+            </a:extLst>
+          </a:blip>
+          <a:srcRect/>
+          <a:stretch>
+            <a:fillRect/>
+          </a:stretch>
+        </p:blipFill>
+        <p:spPr bwMode="auto">
+          <a:xfrm>
+            <a:off x="7650163" y="4465661"/>
+            <a:ext cx="1333500" cy="952500"/>
+          </a:xfrm>
+          <a:prstGeom prst="rect">
+            <a:avLst/>
+          </a:prstGeom>
+          <a:noFill/>
+          <a:extLst>
+            <a:ext uri="{909E8E84-426E-40DD-AFC4-6F175D3DCCD1}">
+              <a14:hiddenFill xmlns:a14="http://schemas.microsoft.com/office/drawing/2010/main">
+                <a:solidFill>
+                  <a:srgbClr val="FFFFFF"/>
+                </a:solidFill>
+              </a14:hiddenFill>
+            </a:ext>
+          </a:extLst>
+        </p:spPr>
+      </p:pic>
+      <p:pic>
+        <p:nvPicPr>
+          <p:cNvPr id="2066" name="Picture 18" descr="Memento">
+            <a:hlinkClick r:id="rId34"/>
+          </p:cNvPr>
+          <p:cNvPicPr>
+            <a:picLocks noChangeAspect="1" noChangeArrowheads="1"/>
+          </p:cNvPicPr>
+          <p:nvPr/>
+        </p:nvPicPr>
+        <p:blipFill>
+          <a:blip r:embed="rId35">
+            <a:extLst>
+              <a:ext uri="{28A0092B-C50C-407E-A947-70E740481C1C}">
+                <a14:useLocalDpi xmlns:a14="http://schemas.microsoft.com/office/drawing/2010/main" val="0"/>
+              </a:ext>
+            </a:extLst>
+          </a:blip>
+          <a:srcRect/>
+          <a:stretch>
+            <a:fillRect/>
+          </a:stretch>
+        </p:blipFill>
+        <p:spPr bwMode="auto">
+          <a:xfrm>
+            <a:off x="9728200" y="5598027"/>
+            <a:ext cx="1333500" cy="952500"/>
+          </a:xfrm>
+          <a:prstGeom prst="rect">
+            <a:avLst/>
+          </a:prstGeom>
+          <a:noFill/>
+          <a:extLst>
+            <a:ext uri="{909E8E84-426E-40DD-AFC4-6F175D3DCCD1}">
+              <a14:hiddenFill xmlns:a14="http://schemas.microsoft.com/office/drawing/2010/main">
+                <a:solidFill>
+                  <a:srgbClr val="FFFFFF"/>
+                </a:solidFill>
+              </a14:hiddenFill>
+            </a:ext>
+          </a:extLst>
+        </p:spPr>
+      </p:pic>
+      <p:pic>
+        <p:nvPicPr>
+          <p:cNvPr id="2067" name="Picture 19" descr="Observer">
+            <a:hlinkClick r:id="rId36"/>
+          </p:cNvPr>
+          <p:cNvPicPr>
+            <a:picLocks noChangeAspect="1" noChangeArrowheads="1"/>
+          </p:cNvPicPr>
+          <p:nvPr/>
+        </p:nvPicPr>
+        <p:blipFill>
+          <a:blip r:embed="rId37">
+            <a:extLst>
+              <a:ext uri="{28A0092B-C50C-407E-A947-70E740481C1C}">
+                <a14:useLocalDpi xmlns:a14="http://schemas.microsoft.com/office/drawing/2010/main" val="0"/>
+              </a:ext>
+            </a:extLst>
+          </a:blip>
+          <a:srcRect/>
+          <a:stretch>
+            <a:fillRect/>
+          </a:stretch>
+        </p:blipFill>
+        <p:spPr bwMode="auto">
+          <a:xfrm>
+            <a:off x="9728200" y="4471082"/>
+            <a:ext cx="1333500" cy="952500"/>
+          </a:xfrm>
+          <a:prstGeom prst="rect">
+            <a:avLst/>
+          </a:prstGeom>
+          <a:noFill/>
+          <a:extLst>
+            <a:ext uri="{909E8E84-426E-40DD-AFC4-6F175D3DCCD1}">
+              <a14:hiddenFill xmlns:a14="http://schemas.microsoft.com/office/drawing/2010/main">
+                <a:solidFill>
+                  <a:srgbClr val="FFFFFF"/>
+                </a:solidFill>
+              </a14:hiddenFill>
+            </a:ext>
+          </a:extLst>
+        </p:spPr>
+      </p:pic>
+      <p:pic>
+        <p:nvPicPr>
+          <p:cNvPr id="2068" name="Picture 20" descr="State">
+            <a:hlinkClick r:id="rId38"/>
+          </p:cNvPr>
+          <p:cNvPicPr>
+            <a:picLocks noChangeAspect="1" noChangeArrowheads="1"/>
+          </p:cNvPicPr>
+          <p:nvPr/>
+        </p:nvPicPr>
+        <p:blipFill>
+          <a:blip r:embed="rId39">
+            <a:extLst>
+              <a:ext uri="{28A0092B-C50C-407E-A947-70E740481C1C}">
+                <a14:useLocalDpi xmlns:a14="http://schemas.microsoft.com/office/drawing/2010/main" val="0"/>
+              </a:ext>
+            </a:extLst>
+          </a:blip>
+          <a:srcRect/>
+          <a:stretch>
+            <a:fillRect/>
+          </a:stretch>
+        </p:blipFill>
+        <p:spPr bwMode="auto">
+          <a:xfrm>
+            <a:off x="981620" y="5598027"/>
+            <a:ext cx="1333500" cy="952500"/>
+          </a:xfrm>
+          <a:prstGeom prst="rect">
+            <a:avLst/>
+          </a:prstGeom>
+          <a:noFill/>
+          <a:extLst>
+            <a:ext uri="{909E8E84-426E-40DD-AFC4-6F175D3DCCD1}">
+              <a14:hiddenFill xmlns:a14="http://schemas.microsoft.com/office/drawing/2010/main">
+                <a:solidFill>
+                  <a:srgbClr val="FFFFFF"/>
+                </a:solidFill>
+              </a14:hiddenFill>
+            </a:ext>
+          </a:extLst>
+        </p:spPr>
+      </p:pic>
+      <p:pic>
+        <p:nvPicPr>
+          <p:cNvPr id="2069" name="Picture 21" descr="Strategy">
+            <a:hlinkClick r:id="rId40"/>
+          </p:cNvPr>
+          <p:cNvPicPr>
+            <a:picLocks noChangeAspect="1" noChangeArrowheads="1"/>
+          </p:cNvPicPr>
+          <p:nvPr/>
+        </p:nvPicPr>
+        <p:blipFill>
+          <a:blip r:embed="rId41">
+            <a:extLst>
+              <a:ext uri="{28A0092B-C50C-407E-A947-70E740481C1C}">
+                <a14:useLocalDpi xmlns:a14="http://schemas.microsoft.com/office/drawing/2010/main" val="0"/>
+              </a:ext>
+            </a:extLst>
+          </a:blip>
+          <a:srcRect/>
+          <a:stretch>
+            <a:fillRect/>
+          </a:stretch>
+        </p:blipFill>
+        <p:spPr bwMode="auto">
+          <a:xfrm>
+            <a:off x="3427413" y="5598027"/>
+            <a:ext cx="1333500" cy="952500"/>
+          </a:xfrm>
+          <a:prstGeom prst="rect">
+            <a:avLst/>
+          </a:prstGeom>
+          <a:noFill/>
+          <a:extLst>
+            <a:ext uri="{909E8E84-426E-40DD-AFC4-6F175D3DCCD1}">
+              <a14:hiddenFill xmlns:a14="http://schemas.microsoft.com/office/drawing/2010/main">
+                <a:solidFill>
+                  <a:srgbClr val="FFFFFF"/>
+                </a:solidFill>
+              </a14:hiddenFill>
+            </a:ext>
+          </a:extLst>
+        </p:spPr>
+      </p:pic>
+      <p:pic>
+        <p:nvPicPr>
+          <p:cNvPr id="2070" name="Picture 22" descr="Template Method">
+            <a:hlinkClick r:id="rId42"/>
+          </p:cNvPr>
+          <p:cNvPicPr>
+            <a:picLocks noChangeAspect="1" noChangeArrowheads="1"/>
+          </p:cNvPicPr>
+          <p:nvPr/>
+        </p:nvPicPr>
+        <p:blipFill>
+          <a:blip r:embed="rId43">
+            <a:extLst>
+              <a:ext uri="{28A0092B-C50C-407E-A947-70E740481C1C}">
+                <a14:useLocalDpi xmlns:a14="http://schemas.microsoft.com/office/drawing/2010/main" val="0"/>
+              </a:ext>
+            </a:extLst>
+          </a:blip>
+          <a:srcRect/>
+          <a:stretch>
+            <a:fillRect/>
+          </a:stretch>
+        </p:blipFill>
+        <p:spPr bwMode="auto">
+          <a:xfrm>
+            <a:off x="5546725" y="5598027"/>
+            <a:ext cx="1333500" cy="952500"/>
+          </a:xfrm>
+          <a:prstGeom prst="rect">
+            <a:avLst/>
+          </a:prstGeom>
+          <a:noFill/>
+          <a:extLst>
+            <a:ext uri="{909E8E84-426E-40DD-AFC4-6F175D3DCCD1}">
+              <a14:hiddenFill xmlns:a14="http://schemas.microsoft.com/office/drawing/2010/main">
+                <a:solidFill>
+                  <a:srgbClr val="FFFFFF"/>
+                </a:solidFill>
+              </a14:hiddenFill>
+            </a:ext>
+          </a:extLst>
+        </p:spPr>
+      </p:pic>
+      <p:pic>
+        <p:nvPicPr>
+          <p:cNvPr id="2071" name="Picture 23" descr="Visitor">
+            <a:hlinkClick r:id="rId44"/>
+          </p:cNvPr>
+          <p:cNvPicPr>
+            <a:picLocks noChangeAspect="1" noChangeArrowheads="1"/>
+          </p:cNvPicPr>
+          <p:nvPr/>
+        </p:nvPicPr>
+        <p:blipFill>
+          <a:blip r:embed="rId45">
+            <a:extLst>
+              <a:ext uri="{28A0092B-C50C-407E-A947-70E740481C1C}">
+                <a14:useLocalDpi xmlns:a14="http://schemas.microsoft.com/office/drawing/2010/main" val="0"/>
+              </a:ext>
+            </a:extLst>
+          </a:blip>
+          <a:srcRect/>
+          <a:stretch>
+            <a:fillRect/>
+          </a:stretch>
+        </p:blipFill>
+        <p:spPr bwMode="auto">
+          <a:xfrm>
+            <a:off x="7506245" y="5598027"/>
+            <a:ext cx="1333500" cy="952500"/>
+          </a:xfrm>
+          <a:prstGeom prst="rect">
+            <a:avLst/>
+          </a:prstGeom>
+          <a:noFill/>
+          <a:extLst>
+            <a:ext uri="{909E8E84-426E-40DD-AFC4-6F175D3DCCD1}">
+              <a14:hiddenFill xmlns:a14="http://schemas.microsoft.com/office/drawing/2010/main">
+                <a:solidFill>
+                  <a:srgbClr val="FFFFFF"/>
+                </a:solidFill>
+              </a14:hiddenFill>
+            </a:ext>
+          </a:extLst>
+        </p:spPr>
+      </p:pic>
     </p:spTree>
     <p:extLst>
       <p:ext uri="{BB962C8B-B14F-4D97-AF65-F5344CB8AC3E}">
-        <p14:creationId xmlns:p14="http://schemas.microsoft.com/office/powerpoint/2010/main" val="3519285860"/>
+        <p14:creationId xmlns:p14="http://schemas.microsoft.com/office/powerpoint/2010/main" val="3121362994"/>
       </p:ext>
     </p:extLst>
   </p:cSld>
@@ -4361,7 +8557,7 @@
           <a:p>
             <a:r>
               <a:rPr lang="en-US" b="1" dirty="0"/>
-              <a:t>Behavioral Design Patterns</a:t>
+              <a:t>Creational Design Patterns</a:t>
             </a:r>
             <a:r>
               <a:rPr lang="en-US" b="1" dirty="0" smtClean="0"/>
@@ -4383,133 +8579,135 @@
         </p:nvSpPr>
         <p:spPr>
           <a:xfrm>
-            <a:off x="838200" y="1825625"/>
-            <a:ext cx="10515600" cy="4810306"/>
+            <a:off x="141194" y="1435659"/>
+            <a:ext cx="11909612" cy="5287870"/>
           </a:xfrm>
         </p:spPr>
         <p:txBody>
           <a:bodyPr>
-            <a:normAutofit fontScale="62500" lnSpcReduction="20000"/>
+            <a:noAutofit/>
           </a:bodyPr>
           <a:lstStyle/>
           <a:p>
             <a:r>
-              <a:rPr lang="en-US" b="1" dirty="0" smtClean="0"/>
-              <a:t>Observer </a:t>
-            </a:r>
-            <a:r>
-              <a:rPr lang="en-US" b="1" dirty="0"/>
+              <a:rPr lang="en-US" sz="1800" b="1" dirty="0" smtClean="0"/>
+              <a:t>Singleton </a:t>
+            </a:r>
+            <a:r>
+              <a:rPr lang="en-US" sz="1800" b="1" dirty="0"/>
               <a:t>Pattern</a:t>
             </a:r>
-            <a:endParaRPr lang="en-US" dirty="0"/>
+            <a:endParaRPr lang="en-US" sz="1800" dirty="0"/>
           </a:p>
           <a:p>
             <a:pPr lvl="1"/>
             <a:r>
-              <a:rPr lang="en-US" dirty="0"/>
-              <a:t>Category: Behavioral</a:t>
+              <a:rPr lang="en-US" sz="1400" dirty="0"/>
+              <a:t>Category: Creational</a:t>
             </a:r>
           </a:p>
           <a:p>
             <a:pPr lvl="1"/>
             <a:r>
-              <a:rPr lang="en-US" dirty="0"/>
-              <a:t>Description: Defines a one-to-many dependency between objects, so that when one object changes state, all its dependents are notified and updated automatically.</a:t>
-            </a:r>
-          </a:p>
-          <a:p>
-            <a:r>
-              <a:rPr lang="en-US" b="1" dirty="0"/>
-              <a:t>Strategy Pattern</a:t>
-            </a:r>
-            <a:endParaRPr lang="en-US" dirty="0"/>
+              <a:rPr lang="en-US" sz="1400" dirty="0"/>
+              <a:t>Description: Ensures that a class has only one instance and provides a global point of access to that instance.</a:t>
+            </a:r>
+          </a:p>
+          <a:p>
+            <a:r>
+              <a:rPr lang="en-US" sz="1800" b="1" dirty="0"/>
+              <a:t>Factory Method Pattern</a:t>
+            </a:r>
+            <a:endParaRPr lang="en-US" sz="1800" dirty="0"/>
           </a:p>
           <a:p>
             <a:pPr lvl="1"/>
             <a:r>
-              <a:rPr lang="en-US" dirty="0"/>
-              <a:t>Category: Behavioral</a:t>
+              <a:rPr lang="en-US" sz="1400" dirty="0"/>
+              <a:t>Category: Creational</a:t>
             </a:r>
           </a:p>
           <a:p>
             <a:pPr lvl="1"/>
             <a:r>
-              <a:rPr lang="en-US" dirty="0"/>
-              <a:t>Description: Defines a family of algorithms, encapsulates each one, and makes them interchangeable. It lets the algorithm vary independently from clients that use it.</a:t>
-            </a:r>
-          </a:p>
-          <a:p>
-            <a:r>
-              <a:rPr lang="en-US" b="1" dirty="0"/>
-              <a:t>Command Pattern</a:t>
-            </a:r>
-            <a:endParaRPr lang="en-US" dirty="0"/>
+              <a:rPr lang="en-US" sz="1400" dirty="0"/>
+              <a:t>Description: Defines an interface for creating an object but allows subclasses to alter the type of objects that will be created.</a:t>
+            </a:r>
+          </a:p>
+          <a:p>
+            <a:r>
+              <a:rPr lang="en-US" sz="1800" b="1" dirty="0"/>
+              <a:t>Abstract Factory Pattern</a:t>
+            </a:r>
+            <a:endParaRPr lang="en-US" sz="1800" dirty="0"/>
           </a:p>
           <a:p>
             <a:pPr lvl="1"/>
             <a:r>
-              <a:rPr lang="en-US" dirty="0"/>
-              <a:t>Category: Behavioral</a:t>
+              <a:rPr lang="en-US" sz="1400" dirty="0"/>
+              <a:t>Category: Creational</a:t>
             </a:r>
           </a:p>
           <a:p>
             <a:pPr lvl="1"/>
             <a:r>
-              <a:rPr lang="en-US" dirty="0"/>
-              <a:t>Description: Encapsulates a request as an object, thereby allowing for parameterization of clients with queues, requests, and operations.</a:t>
-            </a:r>
-          </a:p>
-          <a:p>
-            <a:r>
-              <a:rPr lang="en-US" b="1" dirty="0"/>
-              <a:t>State Pattern</a:t>
-            </a:r>
-            <a:endParaRPr lang="en-US" dirty="0"/>
+              <a:rPr lang="en-US" sz="1400" dirty="0"/>
+              <a:t>Description: Provides an interface for creating families of related or dependent objects without specifying their concrete classes</a:t>
+            </a:r>
+            <a:r>
+              <a:rPr lang="en-US" sz="1400" dirty="0" smtClean="0"/>
+              <a:t>.</a:t>
+            </a:r>
+          </a:p>
+          <a:p>
+            <a:r>
+              <a:rPr lang="en-US" sz="1800" b="1" dirty="0" smtClean="0"/>
+              <a:t>Builder Pattern</a:t>
+            </a:r>
+            <a:endParaRPr lang="en-US" sz="1800" dirty="0" smtClean="0"/>
           </a:p>
           <a:p>
             <a:pPr lvl="1"/>
             <a:r>
-              <a:rPr lang="en-US" dirty="0"/>
-              <a:t>Category: Behavioral</a:t>
+              <a:rPr lang="en-US" sz="1400" dirty="0" smtClean="0"/>
+              <a:t>Category: Creational</a:t>
             </a:r>
           </a:p>
           <a:p>
             <a:pPr lvl="1"/>
             <a:r>
-              <a:rPr lang="en-US" dirty="0"/>
-              <a:t>Description: Allows an object to alter its behavior when its internal state changes. The object will appear to change its class.</a:t>
-            </a:r>
-          </a:p>
-          <a:p>
-            <a:r>
-              <a:rPr lang="en-US" b="1" dirty="0"/>
-              <a:t>Memento Pattern</a:t>
-            </a:r>
-            <a:endParaRPr lang="en-US" dirty="0"/>
+              <a:rPr lang="en-US" sz="1400" dirty="0" smtClean="0"/>
+              <a:t>Description: Separates the construction of a complex object from its representation, allowing the same construction process to create various representations.</a:t>
+            </a:r>
+          </a:p>
+          <a:p>
+            <a:r>
+              <a:rPr lang="en-US" sz="1800" b="1" dirty="0" smtClean="0"/>
+              <a:t>Prototype Pattern</a:t>
+            </a:r>
+            <a:endParaRPr lang="en-US" sz="1800" dirty="0" smtClean="0"/>
           </a:p>
           <a:p>
             <a:pPr lvl="1"/>
             <a:r>
-              <a:rPr lang="en-US" dirty="0"/>
-              <a:t>Category: Behavioral</a:t>
+              <a:rPr lang="en-US" sz="1400" dirty="0" smtClean="0"/>
+              <a:t>Category: Creational</a:t>
             </a:r>
           </a:p>
           <a:p>
             <a:pPr lvl="1"/>
             <a:r>
-              <a:rPr lang="en-US" dirty="0"/>
-              <a:t>Description: Captures and externalizes an object's internal state so that the object can be restored to this state later.</a:t>
-            </a:r>
-          </a:p>
-          <a:p>
-            <a:endParaRPr lang="en-US" dirty="0"/>
+              <a:rPr lang="en-US" sz="1400" dirty="0" smtClean="0"/>
+              <a:t>Description: Creates new objects by copying an existing object, known as the prototype.</a:t>
+            </a:r>
+            <a:endParaRPr lang="en-US" sz="1400" dirty="0"/>
           </a:p>
         </p:txBody>
       </p:sp>
     </p:spTree>
     <p:extLst>
       <p:ext uri="{BB962C8B-B14F-4D97-AF65-F5344CB8AC3E}">
-        <p14:creationId xmlns:p14="http://schemas.microsoft.com/office/powerpoint/2010/main" val="3292053835"/>
+        <p14:creationId xmlns:p14="http://schemas.microsoft.com/office/powerpoint/2010/main" val="1386963"/>
       </p:ext>
     </p:extLst>
   </p:cSld>
@@ -4543,80 +8741,147 @@
             <a:spLocks noGrp="1"/>
           </p:cNvSpPr>
           <p:nvPr>
-            <p:ph type="ctrTitle"/>
+            <p:ph type="title"/>
           </p:nvPr>
         </p:nvSpPr>
-        <p:spPr>
-          <a:xfrm>
-            <a:off x="1563189" y="1170576"/>
-            <a:ext cx="9144000" cy="2387600"/>
-          </a:xfrm>
-        </p:spPr>
+        <p:spPr/>
+        <p:txBody>
+          <a:bodyPr/>
+          <a:lstStyle/>
+          <a:p>
+            <a:r>
+              <a:rPr lang="en-US" b="1" dirty="0"/>
+              <a:t>Structural Design Patterns</a:t>
+            </a:r>
+            <a:r>
+              <a:rPr lang="en-US" b="1" dirty="0" smtClean="0"/>
+              <a:t>:</a:t>
+            </a:r>
+            <a:endParaRPr lang="en-US" dirty="0"/>
+          </a:p>
+        </p:txBody>
+      </p:sp>
+      <p:sp>
+        <p:nvSpPr>
+          <p:cNvPr id="3" name="Content Placeholder 2"/>
+          <p:cNvSpPr>
+            <a:spLocks noGrp="1"/>
+          </p:cNvSpPr>
+          <p:nvPr>
+            <p:ph idx="1"/>
+          </p:nvPr>
+        </p:nvSpPr>
+        <p:spPr/>
         <p:txBody>
           <a:bodyPr>
-            <a:normAutofit/>
+            <a:normAutofit fontScale="62500" lnSpcReduction="20000"/>
           </a:bodyPr>
           <a:lstStyle/>
           <a:p>
             <a:r>
+              <a:rPr lang="en-US" b="1" dirty="0" smtClean="0"/>
+              <a:t>Adapter </a:t>
+            </a:r>
+            <a:r>
+              <a:rPr lang="en-US" b="1" dirty="0"/>
+              <a:t>Pattern</a:t>
+            </a:r>
+            <a:endParaRPr lang="en-US" dirty="0"/>
+          </a:p>
+          <a:p>
+            <a:pPr lvl="1"/>
+            <a:r>
               <a:rPr lang="en-US" dirty="0"/>
-              <a:t>Singleton in </a:t>
-            </a:r>
-            <a:r>
-              <a:rPr lang="en-US" dirty="0" smtClean="0"/>
-              <a:t>Python</a:t>
-            </a:r>
-            <a:endParaRPr lang="en-US" dirty="0">
-              <a:latin typeface="Consolas" panose="020B0609020204030204" pitchFamily="49" charset="0"/>
-            </a:endParaRPr>
-          </a:p>
-        </p:txBody>
-      </p:sp>
-      <p:pic>
-        <p:nvPicPr>
-          <p:cNvPr id="4" name="Picture 2" descr="Singleton"/>
-          <p:cNvPicPr>
-            <a:picLocks noChangeAspect="1" noChangeArrowheads="1"/>
-          </p:cNvPicPr>
-          <p:nvPr/>
-        </p:nvPicPr>
-        <p:blipFill>
-          <a:blip r:embed="rId2">
-            <a:extLst>
-              <a:ext uri="{28A0092B-C50C-407E-A947-70E740481C1C}">
-                <a14:useLocalDpi xmlns:a14="http://schemas.microsoft.com/office/drawing/2010/main" val="0"/>
-              </a:ext>
-            </a:extLst>
-          </a:blip>
-          <a:srcRect/>
-          <a:stretch>
-            <a:fillRect/>
-          </a:stretch>
-        </p:blipFill>
-        <p:spPr bwMode="auto">
-          <a:xfrm>
-            <a:off x="209877" y="431073"/>
-            <a:ext cx="2706624" cy="1933303"/>
-          </a:xfrm>
-          <a:prstGeom prst="rect">
-            <a:avLst/>
-          </a:prstGeom>
-          <a:noFill/>
-          <a:extLst>
-            <a:ext uri="{909E8E84-426E-40DD-AFC4-6F175D3DCCD1}">
-              <a14:hiddenFill xmlns:a14="http://schemas.microsoft.com/office/drawing/2010/main">
-                <a:solidFill>
-                  <a:srgbClr val="FFFFFF"/>
-                </a:solidFill>
-              </a14:hiddenFill>
-            </a:ext>
-          </a:extLst>
-        </p:spPr>
-      </p:pic>
+              <a:t>Category: Structural</a:t>
+            </a:r>
+          </a:p>
+          <a:p>
+            <a:pPr lvl="1"/>
+            <a:r>
+              <a:rPr lang="en-US" dirty="0"/>
+              <a:t>Description: Allows the interface of an existing class to be used as another interface, making it compatible with the client's requirements.</a:t>
+            </a:r>
+          </a:p>
+          <a:p>
+            <a:r>
+              <a:rPr lang="en-US" b="1" dirty="0"/>
+              <a:t>Decorator Pattern</a:t>
+            </a:r>
+            <a:endParaRPr lang="en-US" dirty="0"/>
+          </a:p>
+          <a:p>
+            <a:pPr lvl="1"/>
+            <a:r>
+              <a:rPr lang="en-US" dirty="0"/>
+              <a:t>Category: Structural</a:t>
+            </a:r>
+          </a:p>
+          <a:p>
+            <a:pPr lvl="1"/>
+            <a:r>
+              <a:rPr lang="en-US" dirty="0"/>
+              <a:t>Description: Attaches additional responsibilities to an object dynamically, providing a flexible alternative to </a:t>
+            </a:r>
+            <a:r>
+              <a:rPr lang="en-US" dirty="0" err="1"/>
+              <a:t>subclassing</a:t>
+            </a:r>
+            <a:r>
+              <a:rPr lang="en-US" dirty="0"/>
+              <a:t> for extending functionality.</a:t>
+            </a:r>
+          </a:p>
+          <a:p>
+            <a:r>
+              <a:rPr lang="en-US" b="1" dirty="0"/>
+              <a:t>Composite Pattern</a:t>
+            </a:r>
+            <a:endParaRPr lang="en-US" dirty="0"/>
+          </a:p>
+          <a:p>
+            <a:pPr lvl="1"/>
+            <a:r>
+              <a:rPr lang="en-US" dirty="0"/>
+              <a:t>Category: Structural</a:t>
+            </a:r>
+          </a:p>
+          <a:p>
+            <a:pPr lvl="1"/>
+            <a:r>
+              <a:rPr lang="en-US" dirty="0"/>
+              <a:t>Description: Composes objects into tree structures to represent part-whole hierarchies, allowing clients to treat individual objects and compositions of objects uniformly.</a:t>
+            </a:r>
+          </a:p>
+          <a:p>
+            <a:r>
+              <a:rPr lang="en-US" b="1" dirty="0"/>
+              <a:t>Proxy Pattern</a:t>
+            </a:r>
+            <a:endParaRPr lang="en-US" dirty="0"/>
+          </a:p>
+          <a:p>
+            <a:pPr lvl="1"/>
+            <a:r>
+              <a:rPr lang="en-US" dirty="0"/>
+              <a:t>Category: Structural</a:t>
+            </a:r>
+          </a:p>
+          <a:p>
+            <a:pPr lvl="1"/>
+            <a:r>
+              <a:rPr lang="en-US" dirty="0"/>
+              <a:t>Description: Provides a surrogate or placeholder for another object to control access to it.</a:t>
+            </a:r>
+          </a:p>
+          <a:p>
+            <a:endParaRPr lang="en-US" dirty="0"/>
+          </a:p>
+        </p:txBody>
+      </p:sp>
     </p:spTree>
     <p:extLst>
       <p:ext uri="{BB962C8B-B14F-4D97-AF65-F5344CB8AC3E}">
-        <p14:creationId xmlns:p14="http://schemas.microsoft.com/office/powerpoint/2010/main" val="1528680066"/>
+        <p14:creationId xmlns:p14="http://schemas.microsoft.com/office/powerpoint/2010/main" val="3519285860"/>
       </p:ext>
     </p:extLst>
   </p:cSld>
@@ -4643,36 +8908,172 @@
           <a:chExt cx="0" cy="0"/>
         </a:xfrm>
       </p:grpSpPr>
-      <p:pic>
-        <p:nvPicPr>
-          <p:cNvPr id="6" name="Content Placeholder 5"/>
-          <p:cNvPicPr>
-            <a:picLocks noGrp="1" noChangeAspect="1"/>
-          </p:cNvPicPr>
+      <p:sp>
+        <p:nvSpPr>
+          <p:cNvPr id="2" name="Title 1"/>
+          <p:cNvSpPr>
+            <a:spLocks noGrp="1"/>
+          </p:cNvSpPr>
+          <p:nvPr>
+            <p:ph type="title"/>
+          </p:nvPr>
+        </p:nvSpPr>
+        <p:spPr/>
+        <p:txBody>
+          <a:bodyPr/>
+          <a:lstStyle/>
+          <a:p>
+            <a:r>
+              <a:rPr lang="en-US" b="1" dirty="0"/>
+              <a:t>Behavioral Design Patterns</a:t>
+            </a:r>
+            <a:r>
+              <a:rPr lang="en-US" b="1" dirty="0" smtClean="0"/>
+              <a:t>:</a:t>
+            </a:r>
+            <a:endParaRPr lang="en-US" dirty="0"/>
+          </a:p>
+        </p:txBody>
+      </p:sp>
+      <p:sp>
+        <p:nvSpPr>
+          <p:cNvPr id="3" name="Content Placeholder 2"/>
+          <p:cNvSpPr>
+            <a:spLocks noGrp="1"/>
+          </p:cNvSpPr>
           <p:nvPr>
             <p:ph idx="1"/>
           </p:nvPr>
-        </p:nvPicPr>
-        <p:blipFill>
-          <a:blip r:embed="rId2"/>
-          <a:stretch>
-            <a:fillRect/>
-          </a:stretch>
-        </p:blipFill>
+        </p:nvSpPr>
         <p:spPr>
           <a:xfrm>
-            <a:off x="1250753" y="2312124"/>
-            <a:ext cx="9645682" cy="2340635"/>
-          </a:xfrm>
-          <a:prstGeom prst="rect">
-            <a:avLst/>
-          </a:prstGeom>
-        </p:spPr>
-      </p:pic>
+            <a:off x="838200" y="1825625"/>
+            <a:ext cx="10515600" cy="4810306"/>
+          </a:xfrm>
+        </p:spPr>
+        <p:txBody>
+          <a:bodyPr>
+            <a:normAutofit fontScale="62500" lnSpcReduction="20000"/>
+          </a:bodyPr>
+          <a:lstStyle/>
+          <a:p>
+            <a:r>
+              <a:rPr lang="en-US" b="1" dirty="0" smtClean="0"/>
+              <a:t>Observer </a:t>
+            </a:r>
+            <a:r>
+              <a:rPr lang="en-US" b="1" dirty="0"/>
+              <a:t>Pattern</a:t>
+            </a:r>
+            <a:endParaRPr lang="en-US" dirty="0"/>
+          </a:p>
+          <a:p>
+            <a:pPr lvl="1"/>
+            <a:r>
+              <a:rPr lang="en-US" dirty="0"/>
+              <a:t>Category: Behavioral</a:t>
+            </a:r>
+          </a:p>
+          <a:p>
+            <a:pPr lvl="1"/>
+            <a:r>
+              <a:rPr lang="en-US" dirty="0"/>
+              <a:t>Description: Defines a one-to-many dependency between objects, so that when one object changes state, all its dependents are notified and updated automatically.</a:t>
+            </a:r>
+          </a:p>
+          <a:p>
+            <a:r>
+              <a:rPr lang="en-US" b="1" dirty="0"/>
+              <a:t>Strategy Pattern</a:t>
+            </a:r>
+            <a:endParaRPr lang="en-US" dirty="0"/>
+          </a:p>
+          <a:p>
+            <a:pPr lvl="1"/>
+            <a:r>
+              <a:rPr lang="en-US" dirty="0"/>
+              <a:t>Category: Behavioral</a:t>
+            </a:r>
+          </a:p>
+          <a:p>
+            <a:pPr lvl="1"/>
+            <a:r>
+              <a:rPr lang="en-US" dirty="0"/>
+              <a:t>Description: Defines a family of algorithms, encapsulates each one, and makes them interchangeable. It lets the algorithm vary independently from clients that use it.</a:t>
+            </a:r>
+          </a:p>
+          <a:p>
+            <a:r>
+              <a:rPr lang="en-US" b="1" dirty="0"/>
+              <a:t>Command Pattern</a:t>
+            </a:r>
+            <a:endParaRPr lang="en-US" dirty="0"/>
+          </a:p>
+          <a:p>
+            <a:pPr lvl="1"/>
+            <a:r>
+              <a:rPr lang="en-US" dirty="0"/>
+              <a:t>Category: Behavioral</a:t>
+            </a:r>
+          </a:p>
+          <a:p>
+            <a:pPr lvl="1"/>
+            <a:r>
+              <a:rPr lang="en-US" dirty="0"/>
+              <a:t>Description: Encapsulates a request as an object, thereby allowing for parameterization of clients with queues, requests, and operations.</a:t>
+            </a:r>
+          </a:p>
+          <a:p>
+            <a:r>
+              <a:rPr lang="en-US" b="1" dirty="0"/>
+              <a:t>State Pattern</a:t>
+            </a:r>
+            <a:endParaRPr lang="en-US" dirty="0"/>
+          </a:p>
+          <a:p>
+            <a:pPr lvl="1"/>
+            <a:r>
+              <a:rPr lang="en-US" dirty="0"/>
+              <a:t>Category: Behavioral</a:t>
+            </a:r>
+          </a:p>
+          <a:p>
+            <a:pPr lvl="1"/>
+            <a:r>
+              <a:rPr lang="en-US" dirty="0"/>
+              <a:t>Description: Allows an object to alter its behavior when its internal state changes. The object will appear to change its class.</a:t>
+            </a:r>
+          </a:p>
+          <a:p>
+            <a:r>
+              <a:rPr lang="en-US" b="1" dirty="0"/>
+              <a:t>Memento Pattern</a:t>
+            </a:r>
+            <a:endParaRPr lang="en-US" dirty="0"/>
+          </a:p>
+          <a:p>
+            <a:pPr lvl="1"/>
+            <a:r>
+              <a:rPr lang="en-US" dirty="0"/>
+              <a:t>Category: Behavioral</a:t>
+            </a:r>
+          </a:p>
+          <a:p>
+            <a:pPr lvl="1"/>
+            <a:r>
+              <a:rPr lang="en-US" dirty="0"/>
+              <a:t>Description: Captures and externalizes an object's internal state so that the object can be restored to this state later.</a:t>
+            </a:r>
+          </a:p>
+          <a:p>
+            <a:endParaRPr lang="en-US" dirty="0"/>
+          </a:p>
+        </p:txBody>
+      </p:sp>
     </p:spTree>
     <p:extLst>
       <p:ext uri="{BB962C8B-B14F-4D97-AF65-F5344CB8AC3E}">
-        <p14:creationId xmlns:p14="http://schemas.microsoft.com/office/powerpoint/2010/main" val="314260955"/>
+        <p14:creationId xmlns:p14="http://schemas.microsoft.com/office/powerpoint/2010/main" val="3292053835"/>
       </p:ext>
     </p:extLst>
   </p:cSld>
@@ -4706,13 +9107,13 @@
             <a:spLocks noGrp="1"/>
           </p:cNvSpPr>
           <p:nvPr>
-            <p:ph type="title"/>
+            <p:ph type="ctrTitle"/>
           </p:nvPr>
         </p:nvSpPr>
         <p:spPr>
           <a:xfrm>
-            <a:off x="877388" y="809897"/>
-            <a:ext cx="10515600" cy="3631475"/>
+            <a:off x="1563189" y="1170576"/>
+            <a:ext cx="9144000" cy="2387600"/>
           </a:xfrm>
         </p:spPr>
         <p:txBody>
@@ -4722,36 +9123,24 @@
           <a:lstStyle/>
           <a:p>
             <a:r>
-              <a:rPr lang="en-US" sz="2400" dirty="0"/>
-              <a:t>Singleton is a </a:t>
-            </a:r>
-            <a:r>
-              <a:rPr lang="en-US" sz="2400" b="1" dirty="0"/>
-              <a:t>creational</a:t>
-            </a:r>
-            <a:r>
-              <a:rPr lang="en-US" sz="2400" dirty="0"/>
-              <a:t> design pattern that lets you ensure that a class has only one instance, while providing a global access point to this instance.</a:t>
-            </a:r>
-            <a:br>
-              <a:rPr lang="en-US" sz="2400" dirty="0"/>
-            </a:br>
-            <a:r>
-              <a:rPr lang="en-US" sz="2400" dirty="0"/>
-              <a:t/>
-            </a:r>
-            <a:br>
-              <a:rPr lang="en-US" sz="2400" dirty="0"/>
-            </a:br>
-            <a:endParaRPr lang="en-US" sz="2400" dirty="0"/>
+              <a:rPr lang="en-US" dirty="0"/>
+              <a:t>Singleton in </a:t>
+            </a:r>
+            <a:r>
+              <a:rPr lang="en-US" dirty="0" smtClean="0"/>
+              <a:t>Python</a:t>
+            </a:r>
+            <a:endParaRPr lang="en-US" dirty="0">
+              <a:latin typeface="Consolas" panose="020B0609020204030204" pitchFamily="49" charset="0"/>
+            </a:endParaRPr>
           </a:p>
         </p:txBody>
       </p:sp>
       <p:pic>
         <p:nvPicPr>
-          <p:cNvPr id="4" name="Picture 3"/>
+          <p:cNvPr id="4" name="Picture 2" descr="Singleton"/>
           <p:cNvPicPr>
-            <a:picLocks noChangeAspect="1"/>
+            <a:picLocks noChangeAspect="1" noChangeArrowheads="1"/>
           </p:cNvPicPr>
           <p:nvPr/>
         </p:nvPicPr>
@@ -4763,24 +9152,35 @@
               </a:ext>
             </a:extLst>
           </a:blip>
+          <a:srcRect/>
           <a:stretch>
             <a:fillRect/>
           </a:stretch>
         </p:blipFill>
-        <p:spPr>
-          <a:xfrm>
-            <a:off x="2695303" y="2895600"/>
-            <a:ext cx="6096000" cy="3810000"/>
+        <p:spPr bwMode="auto">
+          <a:xfrm>
+            <a:off x="209877" y="431073"/>
+            <a:ext cx="2706624" cy="1933303"/>
           </a:xfrm>
           <a:prstGeom prst="rect">
             <a:avLst/>
           </a:prstGeom>
+          <a:noFill/>
+          <a:extLst>
+            <a:ext uri="{909E8E84-426E-40DD-AFC4-6F175D3DCCD1}">
+              <a14:hiddenFill xmlns:a14="http://schemas.microsoft.com/office/drawing/2010/main">
+                <a:solidFill>
+                  <a:srgbClr val="FFFFFF"/>
+                </a:solidFill>
+              </a14:hiddenFill>
+            </a:ext>
+          </a:extLst>
         </p:spPr>
       </p:pic>
     </p:spTree>
     <p:extLst>
       <p:ext uri="{BB962C8B-B14F-4D97-AF65-F5344CB8AC3E}">
-        <p14:creationId xmlns:p14="http://schemas.microsoft.com/office/powerpoint/2010/main" val="744396473"/>
+        <p14:creationId xmlns:p14="http://schemas.microsoft.com/office/powerpoint/2010/main" val="1528680066"/>
       </p:ext>
     </p:extLst>
   </p:cSld>

--- a/design_patterns/ppt/Design Patterns.pptx
+++ b/design_patterns/ppt/Design Patterns.pptx
@@ -13,32 +13,51 @@
     <p:sldId id="267" r:id="rId7"/>
     <p:sldId id="268" r:id="rId8"/>
     <p:sldId id="269" r:id="rId9"/>
-    <p:sldId id="257" r:id="rId10"/>
-    <p:sldId id="258" r:id="rId11"/>
-    <p:sldId id="259" r:id="rId12"/>
-    <p:sldId id="260" r:id="rId13"/>
-    <p:sldId id="261" r:id="rId14"/>
-    <p:sldId id="263" r:id="rId15"/>
-    <p:sldId id="264" r:id="rId16"/>
-    <p:sldId id="271" r:id="rId17"/>
-    <p:sldId id="272" r:id="rId18"/>
-    <p:sldId id="273" r:id="rId19"/>
+    <p:sldId id="271" r:id="rId10"/>
+    <p:sldId id="272" r:id="rId11"/>
+    <p:sldId id="273" r:id="rId12"/>
+    <p:sldId id="307" r:id="rId13"/>
+    <p:sldId id="308" r:id="rId14"/>
+    <p:sldId id="309" r:id="rId15"/>
+    <p:sldId id="310" r:id="rId16"/>
+    <p:sldId id="311" r:id="rId17"/>
+    <p:sldId id="312" r:id="rId18"/>
+    <p:sldId id="313" r:id="rId19"/>
     <p:sldId id="275" r:id="rId20"/>
     <p:sldId id="276" r:id="rId21"/>
     <p:sldId id="277" r:id="rId22"/>
     <p:sldId id="278" r:id="rId23"/>
     <p:sldId id="279" r:id="rId24"/>
-    <p:sldId id="280" r:id="rId25"/>
-    <p:sldId id="281" r:id="rId26"/>
-    <p:sldId id="282" r:id="rId27"/>
-    <p:sldId id="283" r:id="rId28"/>
-    <p:sldId id="284" r:id="rId29"/>
-    <p:sldId id="285" r:id="rId30"/>
-    <p:sldId id="286" r:id="rId31"/>
-    <p:sldId id="287" r:id="rId32"/>
-    <p:sldId id="288" r:id="rId33"/>
-    <p:sldId id="289" r:id="rId34"/>
-    <p:sldId id="290" r:id="rId35"/>
+    <p:sldId id="282" r:id="rId25"/>
+    <p:sldId id="280" r:id="rId26"/>
+    <p:sldId id="283" r:id="rId27"/>
+    <p:sldId id="298" r:id="rId28"/>
+    <p:sldId id="321" r:id="rId29"/>
+    <p:sldId id="323" r:id="rId30"/>
+    <p:sldId id="324" r:id="rId31"/>
+    <p:sldId id="322" r:id="rId32"/>
+    <p:sldId id="325" r:id="rId33"/>
+    <p:sldId id="326" r:id="rId34"/>
+    <p:sldId id="327" r:id="rId35"/>
+    <p:sldId id="300" r:id="rId36"/>
+    <p:sldId id="301" r:id="rId37"/>
+    <p:sldId id="302" r:id="rId38"/>
+    <p:sldId id="303" r:id="rId39"/>
+    <p:sldId id="304" r:id="rId40"/>
+    <p:sldId id="305" r:id="rId41"/>
+    <p:sldId id="306" r:id="rId42"/>
+    <p:sldId id="328" r:id="rId43"/>
+    <p:sldId id="332" r:id="rId44"/>
+    <p:sldId id="329" r:id="rId45"/>
+    <p:sldId id="330" r:id="rId46"/>
+    <p:sldId id="331" r:id="rId47"/>
+    <p:sldId id="314" r:id="rId48"/>
+    <p:sldId id="315" r:id="rId49"/>
+    <p:sldId id="316" r:id="rId50"/>
+    <p:sldId id="317" r:id="rId51"/>
+    <p:sldId id="318" r:id="rId52"/>
+    <p:sldId id="319" r:id="rId53"/>
+    <p:sldId id="320" r:id="rId54"/>
   </p:sldIdLst>
   <p:sldSz cx="12192000" cy="6858000"/>
   <p:notesSz cx="6858000" cy="9144000"/>
@@ -3059,36 +3078,85 @@
           <a:chExt cx="0" cy="0"/>
         </a:xfrm>
       </p:grpSpPr>
-      <p:pic>
-        <p:nvPicPr>
-          <p:cNvPr id="6" name="Content Placeholder 5"/>
-          <p:cNvPicPr>
-            <a:picLocks noGrp="1" noChangeAspect="1"/>
-          </p:cNvPicPr>
-          <p:nvPr>
-            <p:ph idx="1"/>
-          </p:nvPr>
-        </p:nvPicPr>
-        <p:blipFill>
-          <a:blip r:embed="rId2"/>
-          <a:stretch>
-            <a:fillRect/>
-          </a:stretch>
-        </p:blipFill>
-        <p:spPr>
-          <a:xfrm>
-            <a:off x="1250753" y="2312124"/>
-            <a:ext cx="9645682" cy="2340635"/>
+      <p:sp>
+        <p:nvSpPr>
+          <p:cNvPr id="4" name="Rectangle 1"/>
+          <p:cNvSpPr>
+            <a:spLocks noChangeArrowheads="1"/>
+          </p:cNvSpPr>
+          <p:nvPr/>
+        </p:nvSpPr>
+        <p:spPr bwMode="auto">
+          <a:xfrm>
+            <a:off x="1423853" y="3095639"/>
+            <a:ext cx="9183188" cy="954107"/>
           </a:xfrm>
           <a:prstGeom prst="rect">
             <a:avLst/>
           </a:prstGeom>
-        </p:spPr>
-      </p:pic>
+          <a:ln>
+            <a:prstDash val="sysDash"/>
+          </a:ln>
+        </p:spPr>
+        <p:style>
+          <a:lnRef idx="2">
+            <a:schemeClr val="accent2"/>
+          </a:lnRef>
+          <a:fillRef idx="1">
+            <a:schemeClr val="lt1"/>
+          </a:fillRef>
+          <a:effectRef idx="0">
+            <a:schemeClr val="accent2"/>
+          </a:effectRef>
+          <a:fontRef idx="minor">
+            <a:schemeClr val="dk1"/>
+          </a:fontRef>
+        </p:style>
+        <p:txBody>
+          <a:bodyPr vert="horz" wrap="square" lIns="91440" tIns="45720" rIns="91440" bIns="45720" numCol="1" anchor="ctr" anchorCtr="0" compatLnSpc="1">
+            <a:prstTxWarp prst="textNoShape">
+              <a:avLst/>
+            </a:prstTxWarp>
+            <a:spAutoFit/>
+          </a:bodyPr>
+          <a:lstStyle/>
+          <a:p>
+            <a:pPr marL="0" marR="0" lvl="0" indent="0" algn="l" defTabSz="914400" rtl="0" eaLnBrk="0" fontAlgn="base" latinLnBrk="0" hangingPunct="0">
+              <a:lnSpc>
+                <a:spcPct val="100000"/>
+              </a:lnSpc>
+              <a:spcBef>
+                <a:spcPct val="0"/>
+              </a:spcBef>
+              <a:spcAft>
+                <a:spcPct val="0"/>
+              </a:spcAft>
+              <a:buClrTx/>
+              <a:buSzTx/>
+              <a:buFontTx/>
+              <a:buNone/>
+              <a:tabLst/>
+            </a:pPr>
+            <a:r>
+              <a:rPr kumimoji="0" lang="en-US" altLang="en-US" sz="2800" b="0" i="0" u="none" strike="noStrike" cap="none" normalizeH="0" baseline="0" dirty="0" smtClean="0">
+                <a:ln>
+                  <a:noFill/>
+                </a:ln>
+                <a:solidFill>
+                  <a:schemeClr val="tx1"/>
+                </a:solidFill>
+                <a:effectLst/>
+                <a:latin typeface="+mj-lt"/>
+              </a:rPr>
+              <a:t>If all you have is a hammer, everything looks like a nail.</a:t>
+            </a:r>
+          </a:p>
+        </p:txBody>
+      </p:sp>
     </p:spTree>
     <p:extLst>
       <p:ext uri="{BB962C8B-B14F-4D97-AF65-F5344CB8AC3E}">
-        <p14:creationId xmlns:p14="http://schemas.microsoft.com/office/powerpoint/2010/main" val="314260955"/>
+        <p14:creationId xmlns:p14="http://schemas.microsoft.com/office/powerpoint/2010/main" val="3275733083"/>
       </p:ext>
     </p:extLst>
   </p:cSld>
@@ -3117,6 +3185,44 @@
       </p:grpSpPr>
       <p:sp>
         <p:nvSpPr>
+          <p:cNvPr id="10" name="Rectangle 9"/>
+          <p:cNvSpPr/>
+          <p:nvPr/>
+        </p:nvSpPr>
+        <p:spPr>
+          <a:xfrm>
+            <a:off x="1280160" y="2276294"/>
+            <a:ext cx="9888583" cy="2968443"/>
+          </a:xfrm>
+          <a:prstGeom prst="rect">
+            <a:avLst/>
+          </a:prstGeom>
+        </p:spPr>
+        <p:style>
+          <a:lnRef idx="2">
+            <a:schemeClr val="dk1"/>
+          </a:lnRef>
+          <a:fillRef idx="1">
+            <a:schemeClr val="lt1"/>
+          </a:fillRef>
+          <a:effectRef idx="0">
+            <a:schemeClr val="dk1"/>
+          </a:effectRef>
+          <a:fontRef idx="minor">
+            <a:schemeClr val="dk1"/>
+          </a:fontRef>
+        </p:style>
+        <p:txBody>
+          <a:bodyPr rtlCol="0" anchor="ctr"/>
+          <a:lstStyle/>
+          <a:p>
+            <a:pPr algn="ctr"/>
+            <a:endParaRPr lang="en-US"/>
+          </a:p>
+        </p:txBody>
+      </p:sp>
+      <p:sp>
+        <p:nvSpPr>
           <p:cNvPr id="2" name="Title 1"/>
           <p:cNvSpPr>
             <a:spLocks noGrp="1"/>
@@ -3127,8 +3233,8 @@
         </p:nvSpPr>
         <p:spPr>
           <a:xfrm>
-            <a:off x="877388" y="809897"/>
-            <a:ext cx="10515600" cy="3631475"/>
+            <a:off x="966651" y="524857"/>
+            <a:ext cx="10515600" cy="1325563"/>
           </a:xfrm>
         </p:spPr>
         <p:txBody>
@@ -3137,66 +3243,232 @@
           </a:bodyPr>
           <a:lstStyle/>
           <a:p>
-            <a:r>
-              <a:rPr lang="en-US" sz="2400" dirty="0"/>
-              <a:t>Singleton is a </a:t>
-            </a:r>
-            <a:r>
-              <a:rPr lang="en-US" sz="2400" b="1" dirty="0"/>
-              <a:t>creational</a:t>
-            </a:r>
-            <a:r>
-              <a:rPr lang="en-US" sz="2400" dirty="0"/>
-              <a:t> design pattern that lets you ensure that a class has only one instance, while providing a global access point to this instance.</a:t>
-            </a:r>
-            <a:br>
-              <a:rPr lang="en-US" sz="2400" dirty="0"/>
-            </a:br>
-            <a:r>
-              <a:rPr lang="en-US" sz="2400" dirty="0"/>
-              <a:t/>
-            </a:r>
-            <a:br>
-              <a:rPr lang="en-US" sz="2400" dirty="0"/>
-            </a:br>
-            <a:endParaRPr lang="en-US" sz="2400" dirty="0"/>
-          </a:p>
-        </p:txBody>
-      </p:sp>
-      <p:pic>
-        <p:nvPicPr>
-          <p:cNvPr id="4" name="Picture 3"/>
-          <p:cNvPicPr>
-            <a:picLocks noChangeAspect="1"/>
-          </p:cNvPicPr>
+            <a:pPr algn="ctr"/>
+            <a:r>
+              <a:rPr lang="en-US" b="1" dirty="0"/>
+              <a:t>Classification of </a:t>
+            </a:r>
+            <a:r>
+              <a:rPr lang="en-US" b="1" dirty="0" smtClean="0"/>
+              <a:t>patterns</a:t>
+            </a:r>
+            <a:endParaRPr lang="en-US" dirty="0"/>
+          </a:p>
+        </p:txBody>
+      </p:sp>
+      <p:sp>
+        <p:nvSpPr>
+          <p:cNvPr id="3" name="Content Placeholder 2"/>
+          <p:cNvSpPr>
+            <a:spLocks noGrp="1"/>
+          </p:cNvSpPr>
+          <p:nvPr>
+            <p:ph idx="1"/>
+          </p:nvPr>
+        </p:nvSpPr>
+        <p:spPr>
+          <a:xfrm>
+            <a:off x="3698966" y="2544083"/>
+            <a:ext cx="7469777" cy="2511244"/>
+          </a:xfrm>
+        </p:spPr>
+        <p:txBody>
+          <a:bodyPr>
+            <a:normAutofit/>
+          </a:bodyPr>
+          <a:lstStyle/>
+          <a:p>
+            <a:r>
+              <a:rPr lang="en-US" sz="2000" b="1" dirty="0">
+                <a:solidFill>
+                  <a:srgbClr val="FF0000"/>
+                </a:solidFill>
+                <a:latin typeface="Open Sans" pitchFamily="2" charset="0"/>
+                <a:ea typeface="Open Sans" pitchFamily="2" charset="0"/>
+                <a:cs typeface="Open Sans" pitchFamily="2" charset="0"/>
+              </a:rPr>
+              <a:t>Creational patterns</a:t>
+            </a:r>
+            <a:r>
+              <a:rPr lang="en-US" sz="2000" dirty="0">
+                <a:latin typeface="Open Sans" pitchFamily="2" charset="0"/>
+                <a:ea typeface="Open Sans" pitchFamily="2" charset="0"/>
+                <a:cs typeface="Open Sans" pitchFamily="2" charset="0"/>
+              </a:rPr>
+              <a:t> provide object creation mechanisms that increase flexibility and reuse of existing code.</a:t>
+            </a:r>
+          </a:p>
+          <a:p>
+            <a:r>
+              <a:rPr lang="en-US" sz="2000" b="1" dirty="0">
+                <a:solidFill>
+                  <a:srgbClr val="FF0000"/>
+                </a:solidFill>
+                <a:latin typeface="Open Sans" pitchFamily="2" charset="0"/>
+                <a:ea typeface="Open Sans" pitchFamily="2" charset="0"/>
+                <a:cs typeface="Open Sans" pitchFamily="2" charset="0"/>
+              </a:rPr>
+              <a:t>Structural patterns</a:t>
+            </a:r>
+            <a:r>
+              <a:rPr lang="en-US" sz="2000" dirty="0">
+                <a:latin typeface="Open Sans" pitchFamily="2" charset="0"/>
+                <a:ea typeface="Open Sans" pitchFamily="2" charset="0"/>
+                <a:cs typeface="Open Sans" pitchFamily="2" charset="0"/>
+              </a:rPr>
+              <a:t> explain how to assemble objects and classes into larger structures, while keeping these structures flexible and efficient.</a:t>
+            </a:r>
+          </a:p>
+          <a:p>
+            <a:r>
+              <a:rPr lang="en-US" sz="2000" b="1" dirty="0">
+                <a:solidFill>
+                  <a:srgbClr val="FF0000"/>
+                </a:solidFill>
+                <a:latin typeface="Open Sans" pitchFamily="2" charset="0"/>
+                <a:ea typeface="Open Sans" pitchFamily="2" charset="0"/>
+                <a:cs typeface="Open Sans" pitchFamily="2" charset="0"/>
+              </a:rPr>
+              <a:t>Behavioral patterns</a:t>
+            </a:r>
+            <a:r>
+              <a:rPr lang="en-US" sz="2000" dirty="0">
+                <a:solidFill>
+                  <a:srgbClr val="FF0000"/>
+                </a:solidFill>
+                <a:latin typeface="Open Sans" pitchFamily="2" charset="0"/>
+                <a:ea typeface="Open Sans" pitchFamily="2" charset="0"/>
+                <a:cs typeface="Open Sans" pitchFamily="2" charset="0"/>
+              </a:rPr>
+              <a:t> </a:t>
+            </a:r>
+            <a:r>
+              <a:rPr lang="en-US" sz="2000" dirty="0">
+                <a:latin typeface="Open Sans" pitchFamily="2" charset="0"/>
+                <a:ea typeface="Open Sans" pitchFamily="2" charset="0"/>
+                <a:cs typeface="Open Sans" pitchFamily="2" charset="0"/>
+              </a:rPr>
+              <a:t>take care of effective communication and the assignment of responsibilities between objects</a:t>
+            </a:r>
+            <a:r>
+              <a:rPr lang="en-US" sz="2000" dirty="0" smtClean="0">
+                <a:latin typeface="Open Sans" pitchFamily="2" charset="0"/>
+                <a:ea typeface="Open Sans" pitchFamily="2" charset="0"/>
+                <a:cs typeface="Open Sans" pitchFamily="2" charset="0"/>
+              </a:rPr>
+              <a:t>.</a:t>
+            </a:r>
+            <a:endParaRPr lang="en-US" sz="2000" dirty="0">
+              <a:latin typeface="Open Sans" pitchFamily="2" charset="0"/>
+              <a:ea typeface="Open Sans" pitchFamily="2" charset="0"/>
+              <a:cs typeface="Open Sans" pitchFamily="2" charset="0"/>
+            </a:endParaRPr>
+          </a:p>
+        </p:txBody>
+      </p:sp>
+      <p:sp>
+        <p:nvSpPr>
+          <p:cNvPr id="6" name="Rectangle 5"/>
+          <p:cNvSpPr/>
           <p:nvPr/>
-        </p:nvPicPr>
-        <p:blipFill>
-          <a:blip r:embed="rId2">
-            <a:extLst>
-              <a:ext uri="{28A0092B-C50C-407E-A947-70E740481C1C}">
-                <a14:useLocalDpi xmlns:a14="http://schemas.microsoft.com/office/drawing/2010/main" val="0"/>
-              </a:ext>
-            </a:extLst>
-          </a:blip>
-          <a:stretch>
-            <a:fillRect/>
-          </a:stretch>
-        </p:blipFill>
+        </p:nvSpPr>
         <p:spPr>
           <a:xfrm>
-            <a:off x="2695303" y="2895600"/>
-            <a:ext cx="6096000" cy="3810000"/>
+            <a:off x="2306095" y="2611006"/>
+            <a:ext cx="1242648" cy="400110"/>
           </a:xfrm>
           <a:prstGeom prst="rect">
             <a:avLst/>
           </a:prstGeom>
         </p:spPr>
-      </p:pic>
+        <p:txBody>
+          <a:bodyPr wrap="none">
+            <a:spAutoFit/>
+          </a:bodyPr>
+          <a:lstStyle/>
+          <a:p>
+            <a:pPr algn="r" rtl="1"/>
+            <a:r>
+              <a:rPr lang="fa-IR" sz="2000" dirty="0">
+                <a:latin typeface="Open Sans" pitchFamily="2" charset="0"/>
+                <a:ea typeface="Open Sans" pitchFamily="2" charset="0"/>
+                <a:cs typeface="+mj-cs"/>
+              </a:rPr>
+              <a:t>ایجاد کننده</a:t>
+            </a:r>
+          </a:p>
+        </p:txBody>
+      </p:sp>
+      <p:sp>
+        <p:nvSpPr>
+          <p:cNvPr id="7" name="Rectangle 6"/>
+          <p:cNvSpPr/>
+          <p:nvPr/>
+        </p:nvSpPr>
+        <p:spPr>
+          <a:xfrm>
+            <a:off x="2568988" y="3399595"/>
+            <a:ext cx="979755" cy="400110"/>
+          </a:xfrm>
+          <a:prstGeom prst="rect">
+            <a:avLst/>
+          </a:prstGeom>
+        </p:spPr>
+        <p:txBody>
+          <a:bodyPr wrap="none">
+            <a:spAutoFit/>
+          </a:bodyPr>
+          <a:lstStyle/>
+          <a:p>
+            <a:pPr algn="r" rtl="1"/>
+            <a:r>
+              <a:rPr lang="fa-IR" sz="2000" dirty="0">
+                <a:latin typeface="Open Sans" pitchFamily="2" charset="0"/>
+                <a:ea typeface="Open Sans" pitchFamily="2" charset="0"/>
+                <a:cs typeface="+mj-cs"/>
+              </a:rPr>
+              <a:t>ساختاری</a:t>
+            </a:r>
+          </a:p>
+        </p:txBody>
+      </p:sp>
+      <p:sp>
+        <p:nvSpPr>
+          <p:cNvPr id="9" name="Rectangle 8"/>
+          <p:cNvSpPr/>
+          <p:nvPr/>
+        </p:nvSpPr>
+        <p:spPr>
+          <a:xfrm>
+            <a:off x="2718066" y="4190153"/>
+            <a:ext cx="830677" cy="400110"/>
+          </a:xfrm>
+          <a:prstGeom prst="rect">
+            <a:avLst/>
+          </a:prstGeom>
+        </p:spPr>
+        <p:txBody>
+          <a:bodyPr wrap="none">
+            <a:spAutoFit/>
+          </a:bodyPr>
+          <a:lstStyle/>
+          <a:p>
+            <a:pPr algn="r" rtl="1"/>
+            <a:r>
+              <a:rPr lang="fa-IR" sz="2000" dirty="0">
+                <a:latin typeface="Open Sans" pitchFamily="2" charset="0"/>
+                <a:ea typeface="Open Sans" pitchFamily="2" charset="0"/>
+                <a:cs typeface="+mj-cs"/>
+              </a:rPr>
+              <a:t>رفتاری</a:t>
+            </a:r>
+          </a:p>
+        </p:txBody>
+      </p:sp>
     </p:spTree>
     <p:extLst>
       <p:ext uri="{BB962C8B-B14F-4D97-AF65-F5344CB8AC3E}">
-        <p14:creationId xmlns:p14="http://schemas.microsoft.com/office/powerpoint/2010/main" val="744396473"/>
+        <p14:creationId xmlns:p14="http://schemas.microsoft.com/office/powerpoint/2010/main" val="4243051613"/>
       </p:ext>
     </p:extLst>
   </p:cSld>
@@ -3230,13 +3502,13 @@
             <a:spLocks noGrp="1"/>
           </p:cNvSpPr>
           <p:nvPr>
-            <p:ph type="title"/>
+            <p:ph type="ctrTitle"/>
           </p:nvPr>
         </p:nvSpPr>
         <p:spPr>
           <a:xfrm>
-            <a:off x="851262" y="1045029"/>
-            <a:ext cx="10515600" cy="1059724"/>
+            <a:off x="1563189" y="1170576"/>
+            <a:ext cx="9144000" cy="2387600"/>
           </a:xfrm>
         </p:spPr>
         <p:txBody>
@@ -3245,20 +3517,25 @@
           </a:bodyPr>
           <a:lstStyle/>
           <a:p>
-            <a:pPr algn="ctr"/>
-            <a:r>
-              <a:rPr lang="fa-IR" sz="2400" dirty="0" smtClean="0"/>
-              <a:t>چه نیازی داریم؟</a:t>
-            </a:r>
-            <a:endParaRPr lang="en-US" sz="2400" dirty="0"/>
+            <a:r>
+              <a:rPr lang="en-US" dirty="0"/>
+              <a:t>Singleton in </a:t>
+            </a:r>
+            <a:r>
+              <a:rPr lang="en-US" dirty="0" smtClean="0"/>
+              <a:t>Python</a:t>
+            </a:r>
+            <a:endParaRPr lang="en-US" dirty="0">
+              <a:latin typeface="Consolas" panose="020B0609020204030204" pitchFamily="49" charset="0"/>
+            </a:endParaRPr>
           </a:p>
         </p:txBody>
       </p:sp>
       <p:pic>
         <p:nvPicPr>
-          <p:cNvPr id="5" name="Picture 4"/>
+          <p:cNvPr id="4" name="Picture 2" descr="Singleton"/>
           <p:cNvPicPr>
-            <a:picLocks noChangeAspect="1"/>
+            <a:picLocks noChangeAspect="1" noChangeArrowheads="1"/>
           </p:cNvPicPr>
           <p:nvPr/>
         </p:nvPicPr>
@@ -3270,24 +3547,35 @@
               </a:ext>
             </a:extLst>
           </a:blip>
+          <a:srcRect/>
           <a:stretch>
             <a:fillRect/>
           </a:stretch>
         </p:blipFill>
-        <p:spPr>
-          <a:xfrm>
-            <a:off x="2193471" y="2104753"/>
-            <a:ext cx="7364186" cy="3682093"/>
+        <p:spPr bwMode="auto">
+          <a:xfrm>
+            <a:off x="209877" y="431073"/>
+            <a:ext cx="2706624" cy="1933303"/>
           </a:xfrm>
           <a:prstGeom prst="rect">
             <a:avLst/>
           </a:prstGeom>
+          <a:noFill/>
+          <a:extLst>
+            <a:ext uri="{909E8E84-426E-40DD-AFC4-6F175D3DCCD1}">
+              <a14:hiddenFill xmlns:a14="http://schemas.microsoft.com/office/drawing/2010/main">
+                <a:solidFill>
+                  <a:srgbClr val="FFFFFF"/>
+                </a:solidFill>
+              </a14:hiddenFill>
+            </a:ext>
+          </a:extLst>
         </p:spPr>
       </p:pic>
     </p:spTree>
     <p:extLst>
       <p:ext uri="{BB962C8B-B14F-4D97-AF65-F5344CB8AC3E}">
-        <p14:creationId xmlns:p14="http://schemas.microsoft.com/office/powerpoint/2010/main" val="1249369418"/>
+        <p14:creationId xmlns:p14="http://schemas.microsoft.com/office/powerpoint/2010/main" val="2042654701"/>
       </p:ext>
     </p:extLst>
   </p:cSld>
@@ -3314,68 +3602,26 @@
           <a:chExt cx="0" cy="0"/>
         </a:xfrm>
       </p:grpSpPr>
-      <p:sp>
-        <p:nvSpPr>
-          <p:cNvPr id="2" name="Title 1"/>
-          <p:cNvSpPr>
-            <a:spLocks noGrp="1"/>
-          </p:cNvSpPr>
-          <p:nvPr>
-            <p:ph type="title"/>
-          </p:nvPr>
-        </p:nvSpPr>
-        <p:spPr>
-          <a:xfrm>
-            <a:off x="851262" y="1045029"/>
-            <a:ext cx="10515600" cy="1059724"/>
-          </a:xfrm>
-        </p:spPr>
-        <p:txBody>
-          <a:bodyPr>
-            <a:normAutofit/>
-          </a:bodyPr>
-          <a:lstStyle/>
-          <a:p>
-            <a:pPr algn="ctr"/>
-            <a:r>
-              <a:rPr lang="en-US" sz="2400" dirty="0" smtClean="0"/>
-              <a:t>SHARED RESOURCES</a:t>
-            </a:r>
-            <a:br>
-              <a:rPr lang="en-US" sz="2400" dirty="0" smtClean="0"/>
-            </a:br>
-            <a:r>
-              <a:rPr lang="en-US" sz="2400" dirty="0" smtClean="0"/>
-              <a:t>DATABASE</a:t>
-            </a:r>
-            <a:endParaRPr lang="en-US" sz="2400" dirty="0"/>
-          </a:p>
-        </p:txBody>
-      </p:sp>
       <p:pic>
         <p:nvPicPr>
-          <p:cNvPr id="5" name="Picture 4"/>
+          <p:cNvPr id="6" name="Content Placeholder 5"/>
           <p:cNvPicPr>
-            <a:picLocks noChangeAspect="1"/>
+            <a:picLocks noGrp="1" noChangeAspect="1"/>
           </p:cNvPicPr>
-          <p:nvPr/>
+          <p:nvPr>
+            <p:ph idx="1"/>
+          </p:nvPr>
         </p:nvPicPr>
         <p:blipFill>
-          <a:blip r:embed="rId2">
-            <a:extLst>
-              <a:ext uri="{28A0092B-C50C-407E-A947-70E740481C1C}">
-                <a14:useLocalDpi xmlns:a14="http://schemas.microsoft.com/office/drawing/2010/main" val="0"/>
-              </a:ext>
-            </a:extLst>
-          </a:blip>
+          <a:blip r:embed="rId2"/>
           <a:stretch>
             <a:fillRect/>
           </a:stretch>
         </p:blipFill>
         <p:spPr>
           <a:xfrm>
-            <a:off x="2193471" y="2104753"/>
-            <a:ext cx="7364186" cy="3682093"/>
+            <a:off x="1250753" y="2312124"/>
+            <a:ext cx="9645682" cy="2340635"/>
           </a:xfrm>
           <a:prstGeom prst="rect">
             <a:avLst/>
@@ -3385,7 +3631,7 @@
     </p:spTree>
     <p:extLst>
       <p:ext uri="{BB962C8B-B14F-4D97-AF65-F5344CB8AC3E}">
-        <p14:creationId xmlns:p14="http://schemas.microsoft.com/office/powerpoint/2010/main" val="3349202541"/>
+        <p14:creationId xmlns:p14="http://schemas.microsoft.com/office/powerpoint/2010/main" val="2408470627"/>
       </p:ext>
     </p:extLst>
   </p:cSld>
@@ -3414,172 +3660,86 @@
       </p:grpSpPr>
       <p:sp>
         <p:nvSpPr>
-          <p:cNvPr id="4" name="Rectangle 3"/>
-          <p:cNvSpPr/>
+          <p:cNvPr id="2" name="Title 1"/>
+          <p:cNvSpPr>
+            <a:spLocks noGrp="1"/>
+          </p:cNvSpPr>
+          <p:nvPr>
+            <p:ph type="title"/>
+          </p:nvPr>
+        </p:nvSpPr>
+        <p:spPr>
+          <a:xfrm>
+            <a:off x="877388" y="809897"/>
+            <a:ext cx="10515600" cy="3631475"/>
+          </a:xfrm>
+        </p:spPr>
+        <p:txBody>
+          <a:bodyPr>
+            <a:normAutofit/>
+          </a:bodyPr>
+          <a:lstStyle/>
+          <a:p>
+            <a:r>
+              <a:rPr lang="en-US" sz="2400" dirty="0"/>
+              <a:t>Singleton is a </a:t>
+            </a:r>
+            <a:r>
+              <a:rPr lang="en-US" sz="2400" b="1" dirty="0"/>
+              <a:t>creational</a:t>
+            </a:r>
+            <a:r>
+              <a:rPr lang="en-US" sz="2400" dirty="0"/>
+              <a:t> design pattern that lets you ensure that a class has only one instance, while providing a global access point to this instance.</a:t>
+            </a:r>
+            <a:br>
+              <a:rPr lang="en-US" sz="2400" dirty="0"/>
+            </a:br>
+            <a:r>
+              <a:rPr lang="en-US" sz="2400" dirty="0"/>
+              <a:t/>
+            </a:r>
+            <a:br>
+              <a:rPr lang="en-US" sz="2400" dirty="0"/>
+            </a:br>
+            <a:endParaRPr lang="en-US" sz="2400" dirty="0"/>
+          </a:p>
+        </p:txBody>
+      </p:sp>
+      <p:pic>
+        <p:nvPicPr>
+          <p:cNvPr id="4" name="Picture 3"/>
+          <p:cNvPicPr>
+            <a:picLocks noChangeAspect="1"/>
+          </p:cNvPicPr>
           <p:nvPr/>
-        </p:nvSpPr>
+        </p:nvPicPr>
+        <p:blipFill>
+          <a:blip r:embed="rId2">
+            <a:extLst>
+              <a:ext uri="{28A0092B-C50C-407E-A947-70E740481C1C}">
+                <a14:useLocalDpi xmlns:a14="http://schemas.microsoft.com/office/drawing/2010/main" val="0"/>
+              </a:ext>
+            </a:extLst>
+          </a:blip>
+          <a:stretch>
+            <a:fillRect/>
+          </a:stretch>
+        </p:blipFill>
         <p:spPr>
           <a:xfrm>
-            <a:off x="7682848" y="1791959"/>
-            <a:ext cx="3360215" cy="369332"/>
+            <a:off x="2695303" y="2895600"/>
+            <a:ext cx="6096000" cy="3810000"/>
           </a:xfrm>
           <a:prstGeom prst="rect">
             <a:avLst/>
           </a:prstGeom>
         </p:spPr>
-        <p:txBody>
-          <a:bodyPr wrap="none">
-            <a:spAutoFit/>
-          </a:bodyPr>
-          <a:lstStyle/>
-          <a:p>
-            <a:r>
-              <a:rPr lang="fa-IR" dirty="0" smtClean="0">
-                <a:solidFill>
-                  <a:srgbClr val="FF0000"/>
-                </a:solidFill>
-                <a:latin typeface="+mj-lt"/>
-              </a:rPr>
-              <a:t>یک کلاس فقط یک نمونه خواهد داشت</a:t>
-            </a:r>
-            <a:endParaRPr lang="en-US" dirty="0">
-              <a:solidFill>
-                <a:srgbClr val="FF0000"/>
-              </a:solidFill>
-              <a:latin typeface="+mj-lt"/>
-            </a:endParaRPr>
-          </a:p>
-        </p:txBody>
-      </p:sp>
-      <p:sp>
-        <p:nvSpPr>
-          <p:cNvPr id="5" name="Rectangle 4"/>
-          <p:cNvSpPr/>
-          <p:nvPr/>
-        </p:nvSpPr>
-        <p:spPr>
-          <a:xfrm>
-            <a:off x="7599492" y="3957434"/>
-            <a:ext cx="3443571" cy="369332"/>
-          </a:xfrm>
-          <a:prstGeom prst="rect">
-            <a:avLst/>
-          </a:prstGeom>
-        </p:spPr>
-        <p:txBody>
-          <a:bodyPr wrap="none">
-            <a:spAutoFit/>
-          </a:bodyPr>
-          <a:lstStyle/>
-          <a:p>
-            <a:pPr algn="r" rtl="1"/>
-            <a:r>
-              <a:rPr lang="fa-IR" dirty="0" smtClean="0">
-                <a:solidFill>
-                  <a:srgbClr val="FF0000"/>
-                </a:solidFill>
-                <a:latin typeface="+mj-lt"/>
-              </a:rPr>
-              <a:t>نقطه اتصال </a:t>
-            </a:r>
-            <a:r>
-              <a:rPr lang="en-US" dirty="0" smtClean="0">
-                <a:solidFill>
-                  <a:srgbClr val="FF0000"/>
-                </a:solidFill>
-                <a:latin typeface="+mj-lt"/>
-              </a:rPr>
-              <a:t>global</a:t>
-            </a:r>
-            <a:r>
-              <a:rPr lang="fa-IR" dirty="0" smtClean="0">
-                <a:solidFill>
-                  <a:srgbClr val="FF0000"/>
-                </a:solidFill>
-                <a:latin typeface="+mj-lt"/>
-              </a:rPr>
-              <a:t> ایجاد خواهد شد</a:t>
-            </a:r>
-            <a:endParaRPr lang="en-US" dirty="0">
-              <a:solidFill>
-                <a:srgbClr val="FF0000"/>
-              </a:solidFill>
-              <a:latin typeface="+mj-lt"/>
-            </a:endParaRPr>
-          </a:p>
-        </p:txBody>
-      </p:sp>
-      <p:sp>
-        <p:nvSpPr>
-          <p:cNvPr id="6" name="Rectangle 5"/>
-          <p:cNvSpPr/>
-          <p:nvPr/>
-        </p:nvSpPr>
-        <p:spPr>
-          <a:xfrm>
-            <a:off x="1256410" y="2161291"/>
-            <a:ext cx="9786653" cy="369332"/>
-          </a:xfrm>
-          <a:prstGeom prst="rect">
-            <a:avLst/>
-          </a:prstGeom>
-        </p:spPr>
-        <p:txBody>
-          <a:bodyPr wrap="none">
-            <a:spAutoFit/>
-          </a:bodyPr>
-          <a:lstStyle/>
-          <a:p>
-            <a:r>
-              <a:rPr lang="fa-IR" dirty="0" smtClean="0">
-                <a:latin typeface="+mj-lt"/>
-              </a:rPr>
-              <a:t>فرض کنید که یک شی درست کرده‌اید و میخواهید مجدد همان شی را ایجاد کند، در حالت عادی این کار ممکن نیست.</a:t>
-            </a:r>
-            <a:endParaRPr lang="en-US" dirty="0">
-              <a:latin typeface="+mj-lt"/>
-            </a:endParaRPr>
-          </a:p>
-        </p:txBody>
-      </p:sp>
-      <p:sp>
-        <p:nvSpPr>
-          <p:cNvPr id="8" name="Rectangle 7"/>
-          <p:cNvSpPr/>
-          <p:nvPr/>
-        </p:nvSpPr>
-        <p:spPr>
-          <a:xfrm>
-            <a:off x="1466402" y="4326766"/>
-            <a:ext cx="9576661" cy="369332"/>
-          </a:xfrm>
-          <a:prstGeom prst="rect">
-            <a:avLst/>
-          </a:prstGeom>
-        </p:spPr>
-        <p:txBody>
-          <a:bodyPr wrap="none">
-            <a:spAutoFit/>
-          </a:bodyPr>
-          <a:lstStyle/>
-          <a:p>
-            <a:pPr algn="r" rtl="1"/>
-            <a:r>
-              <a:rPr lang="fa-IR" dirty="0" smtClean="0">
-                <a:latin typeface="+mj-lt"/>
-              </a:rPr>
-              <a:t>همه یک شی خواهند دید و استفاده خواهند کرد و البته از تغییر آن جلوگیری و بطور کلی از نمونه محافظت می‌شود.</a:t>
-            </a:r>
-            <a:endParaRPr lang="en-US" dirty="0">
-              <a:latin typeface="+mj-lt"/>
-            </a:endParaRPr>
-          </a:p>
-        </p:txBody>
-      </p:sp>
+      </p:pic>
     </p:spTree>
     <p:extLst>
       <p:ext uri="{BB962C8B-B14F-4D97-AF65-F5344CB8AC3E}">
-        <p14:creationId xmlns:p14="http://schemas.microsoft.com/office/powerpoint/2010/main" val="4105521730"/>
+        <p14:creationId xmlns:p14="http://schemas.microsoft.com/office/powerpoint/2010/main" val="159654233"/>
       </p:ext>
     </p:extLst>
   </p:cSld>
@@ -3608,122 +3768,69 @@
       </p:grpSpPr>
       <p:sp>
         <p:nvSpPr>
-          <p:cNvPr id="4" name="Rectangle 3"/>
-          <p:cNvSpPr/>
+          <p:cNvPr id="2" name="Title 1"/>
+          <p:cNvSpPr>
+            <a:spLocks noGrp="1"/>
+          </p:cNvSpPr>
+          <p:nvPr>
+            <p:ph type="title"/>
+          </p:nvPr>
+        </p:nvSpPr>
+        <p:spPr>
+          <a:xfrm>
+            <a:off x="851262" y="1045029"/>
+            <a:ext cx="10515600" cy="1059724"/>
+          </a:xfrm>
+        </p:spPr>
+        <p:txBody>
+          <a:bodyPr>
+            <a:normAutofit/>
+          </a:bodyPr>
+          <a:lstStyle/>
+          <a:p>
+            <a:pPr algn="ctr"/>
+            <a:r>
+              <a:rPr lang="fa-IR" sz="2400" dirty="0" smtClean="0"/>
+              <a:t>چه نیازی داریم؟</a:t>
+            </a:r>
+            <a:endParaRPr lang="en-US" sz="2400" dirty="0"/>
+          </a:p>
+        </p:txBody>
+      </p:sp>
+      <p:pic>
+        <p:nvPicPr>
+          <p:cNvPr id="5" name="Picture 4"/>
+          <p:cNvPicPr>
+            <a:picLocks noChangeAspect="1"/>
+          </p:cNvPicPr>
           <p:nvPr/>
-        </p:nvSpPr>
+        </p:nvPicPr>
+        <p:blipFill>
+          <a:blip r:embed="rId2">
+            <a:extLst>
+              <a:ext uri="{28A0092B-C50C-407E-A947-70E740481C1C}">
+                <a14:useLocalDpi xmlns:a14="http://schemas.microsoft.com/office/drawing/2010/main" val="0"/>
+              </a:ext>
+            </a:extLst>
+          </a:blip>
+          <a:stretch>
+            <a:fillRect/>
+          </a:stretch>
+        </p:blipFill>
         <p:spPr>
           <a:xfrm>
-            <a:off x="5090792" y="1154566"/>
-            <a:ext cx="2117887" cy="523220"/>
+            <a:off x="2193471" y="2104753"/>
+            <a:ext cx="7364186" cy="3682093"/>
           </a:xfrm>
           <a:prstGeom prst="rect">
             <a:avLst/>
           </a:prstGeom>
         </p:spPr>
-        <p:txBody>
-          <a:bodyPr wrap="none">
-            <a:spAutoFit/>
-          </a:bodyPr>
-          <a:lstStyle/>
-          <a:p>
-            <a:r>
-              <a:rPr lang="en-US" sz="2800" dirty="0" smtClean="0">
-                <a:latin typeface="+mj-lt"/>
-              </a:rPr>
-              <a:t>singleton</a:t>
-            </a:r>
-            <a:endParaRPr lang="en-US" sz="2800" dirty="0">
-              <a:latin typeface="+mj-lt"/>
-            </a:endParaRPr>
-          </a:p>
-        </p:txBody>
-      </p:sp>
-      <p:sp>
-        <p:nvSpPr>
-          <p:cNvPr id="3" name="Rectangle 2"/>
-          <p:cNvSpPr/>
-          <p:nvPr/>
-        </p:nvSpPr>
-        <p:spPr>
-          <a:xfrm>
-            <a:off x="782117" y="3182022"/>
-            <a:ext cx="10735236" cy="1754326"/>
-          </a:xfrm>
-          <a:prstGeom prst="rect">
-            <a:avLst/>
-          </a:prstGeom>
-        </p:spPr>
-        <p:txBody>
-          <a:bodyPr wrap="square">
-            <a:spAutoFit/>
-          </a:bodyPr>
-          <a:lstStyle/>
-          <a:p>
-            <a:pPr marL="285750" indent="-285750">
-              <a:buFont typeface="Arial" panose="020B0604020202020204" pitchFamily="34" charset="0"/>
-              <a:buChar char="•"/>
-            </a:pPr>
-            <a:r>
-              <a:rPr lang="en-US" dirty="0"/>
-              <a:t>Make the default constructor private, to prevent other objects from using the new operator with the Singleton class.</a:t>
-            </a:r>
-          </a:p>
-          <a:p>
-            <a:pPr marL="285750" indent="-285750">
-              <a:buFont typeface="Arial" panose="020B0604020202020204" pitchFamily="34" charset="0"/>
-              <a:buChar char="•"/>
-            </a:pPr>
-            <a:r>
-              <a:rPr lang="en-US" dirty="0"/>
-              <a:t>Create a static creation method that acts as a constructor. Under the hood, this method calls the private constructor to create an object and saves it in a static field. All following calls to this method return the cached object</a:t>
-            </a:r>
-          </a:p>
-        </p:txBody>
-      </p:sp>
-      <p:sp>
-        <p:nvSpPr>
-          <p:cNvPr id="10" name="Rectangle 9"/>
-          <p:cNvSpPr/>
-          <p:nvPr/>
-        </p:nvSpPr>
-        <p:spPr>
-          <a:xfrm>
-            <a:off x="4767786" y="1677786"/>
-            <a:ext cx="2763898" cy="400110"/>
-          </a:xfrm>
-          <a:prstGeom prst="rect">
-            <a:avLst/>
-          </a:prstGeom>
-        </p:spPr>
-        <p:txBody>
-          <a:bodyPr wrap="none">
-            <a:spAutoFit/>
-          </a:bodyPr>
-          <a:lstStyle/>
-          <a:p>
-            <a:r>
-              <a:rPr lang="fa-IR" sz="2000" dirty="0" smtClean="0">
-                <a:solidFill>
-                  <a:srgbClr val="FF0000"/>
-                </a:solidFill>
-                <a:latin typeface="+mj-lt"/>
-              </a:rPr>
-              <a:t>کاری که عموما انجام می‌شود</a:t>
-            </a:r>
-            <a:endParaRPr lang="en-US" sz="2000" dirty="0">
-              <a:solidFill>
-                <a:srgbClr val="FF0000"/>
-              </a:solidFill>
-              <a:latin typeface="+mj-lt"/>
-            </a:endParaRPr>
-          </a:p>
-        </p:txBody>
-      </p:sp>
+      </p:pic>
     </p:spTree>
     <p:extLst>
       <p:ext uri="{BB962C8B-B14F-4D97-AF65-F5344CB8AC3E}">
-        <p14:creationId xmlns:p14="http://schemas.microsoft.com/office/powerpoint/2010/main" val="687341139"/>
+        <p14:creationId xmlns:p14="http://schemas.microsoft.com/office/powerpoint/2010/main" val="45587804"/>
       </p:ext>
     </p:extLst>
   </p:cSld>
@@ -3752,177 +3859,76 @@
       </p:grpSpPr>
       <p:sp>
         <p:nvSpPr>
-          <p:cNvPr id="5" name="Rectangle 2"/>
+          <p:cNvPr id="2" name="Title 1"/>
           <p:cNvSpPr>
-            <a:spLocks noChangeArrowheads="1"/>
-          </p:cNvSpPr>
+            <a:spLocks noGrp="1"/>
+          </p:cNvSpPr>
+          <p:nvPr>
+            <p:ph type="title"/>
+          </p:nvPr>
+        </p:nvSpPr>
+        <p:spPr>
+          <a:xfrm>
+            <a:off x="851262" y="1045029"/>
+            <a:ext cx="10515600" cy="1059724"/>
+          </a:xfrm>
+        </p:spPr>
+        <p:txBody>
+          <a:bodyPr>
+            <a:normAutofit/>
+          </a:bodyPr>
+          <a:lstStyle/>
+          <a:p>
+            <a:pPr algn="ctr"/>
+            <a:r>
+              <a:rPr lang="en-US" sz="2400" dirty="0" smtClean="0"/>
+              <a:t>SHARED RESOURCES</a:t>
+            </a:r>
+            <a:br>
+              <a:rPr lang="en-US" sz="2400" dirty="0" smtClean="0"/>
+            </a:br>
+            <a:r>
+              <a:rPr lang="en-US" sz="2400" dirty="0" smtClean="0"/>
+              <a:t>DATABASE</a:t>
+            </a:r>
+            <a:endParaRPr lang="en-US" sz="2400" dirty="0"/>
+          </a:p>
+        </p:txBody>
+      </p:sp>
+      <p:pic>
+        <p:nvPicPr>
+          <p:cNvPr id="5" name="Picture 4"/>
+          <p:cNvPicPr>
+            <a:picLocks noChangeAspect="1"/>
+          </p:cNvPicPr>
           <p:nvPr/>
-        </p:nvSpPr>
-        <p:spPr bwMode="auto">
-          <a:xfrm>
-            <a:off x="1645307" y="721413"/>
-            <a:ext cx="8617744" cy="738664"/>
+        </p:nvPicPr>
+        <p:blipFill>
+          <a:blip r:embed="rId2">
+            <a:extLst>
+              <a:ext uri="{28A0092B-C50C-407E-A947-70E740481C1C}">
+                <a14:useLocalDpi xmlns:a14="http://schemas.microsoft.com/office/drawing/2010/main" val="0"/>
+              </a:ext>
+            </a:extLst>
+          </a:blip>
+          <a:stretch>
+            <a:fillRect/>
+          </a:stretch>
+        </p:blipFill>
+        <p:spPr>
+          <a:xfrm>
+            <a:off x="2193471" y="2104753"/>
+            <a:ext cx="7364186" cy="3682093"/>
           </a:xfrm>
           <a:prstGeom prst="rect">
             <a:avLst/>
           </a:prstGeom>
-          <a:noFill/>
-          <a:ln>
-            <a:noFill/>
-          </a:ln>
-          <a:effectLst/>
-          <a:extLst>
-            <a:ext uri="{909E8E84-426E-40DD-AFC4-6F175D3DCCD1}">
-              <a14:hiddenFill xmlns:a14="http://schemas.microsoft.com/office/drawing/2010/main">
-                <a:solidFill>
-                  <a:schemeClr val="accent1"/>
-                </a:solidFill>
-              </a14:hiddenFill>
-            </a:ext>
-            <a:ext uri="{91240B29-F687-4F45-9708-019B960494DF}">
-              <a14:hiddenLine xmlns:a14="http://schemas.microsoft.com/office/drawing/2010/main" w="9525">
-                <a:solidFill>
-                  <a:schemeClr val="tx1"/>
-                </a:solidFill>
-                <a:miter lim="800000"/>
-                <a:headEnd/>
-                <a:tailEnd/>
-              </a14:hiddenLine>
-            </a:ext>
-            <a:ext uri="{AF507438-7753-43E0-B8FC-AC1667EBCBE1}">
-              <a14:hiddenEffects xmlns:a14="http://schemas.microsoft.com/office/drawing/2010/main">
-                <a:effectLst>
-                  <a:outerShdw dist="35921" dir="2700000" algn="ctr" rotWithShape="0">
-                    <a:schemeClr val="bg2"/>
-                  </a:outerShdw>
-                </a:effectLst>
-              </a14:hiddenEffects>
-            </a:ext>
-          </a:extLst>
-        </p:spPr>
-        <p:txBody>
-          <a:bodyPr vert="horz" wrap="none" lIns="0" tIns="0" rIns="0" bIns="0" numCol="1" anchor="ctr" anchorCtr="0" compatLnSpc="1">
-            <a:prstTxWarp prst="textNoShape">
-              <a:avLst/>
-            </a:prstTxWarp>
-            <a:spAutoFit/>
-          </a:bodyPr>
-          <a:lstStyle/>
-          <a:p>
-            <a:r>
-              <a:rPr lang="en-US" sz="4000" dirty="0">
-                <a:latin typeface="Source Code Pro" panose="020B0509030403020204" pitchFamily="49" charset="0"/>
-              </a:rPr>
-              <a:t>Why should I learn patterns</a:t>
-            </a:r>
-            <a:r>
-              <a:rPr lang="en-US" sz="4000" dirty="0" smtClean="0">
-                <a:latin typeface="Source Code Pro" panose="020B0509030403020204" pitchFamily="49" charset="0"/>
-              </a:rPr>
-              <a:t>?</a:t>
-            </a:r>
-            <a:r>
-              <a:rPr lang="en-US" sz="6000" dirty="0">
-                <a:latin typeface="Source Code Pro" panose="020B0509030403020204" pitchFamily="49" charset="0"/>
-              </a:rPr>
-              <a:t/>
-            </a:r>
-            <a:br>
-              <a:rPr lang="en-US" sz="6000" dirty="0">
-                <a:latin typeface="Source Code Pro" panose="020B0509030403020204" pitchFamily="49" charset="0"/>
-              </a:rPr>
-            </a:br>
-            <a:endParaRPr kumimoji="0" lang="en-US" altLang="en-US" sz="800" i="0" u="none" strike="noStrike" cap="none" normalizeH="0" baseline="0" dirty="0" smtClean="0">
-              <a:ln>
-                <a:noFill/>
-              </a:ln>
-              <a:solidFill>
-                <a:schemeClr val="tx1"/>
-              </a:solidFill>
-              <a:effectLst/>
-              <a:latin typeface="Source Code Pro" panose="020B0509030403020204" pitchFamily="49" charset="0"/>
-            </a:endParaRPr>
-          </a:p>
-        </p:txBody>
-      </p:sp>
-      <p:sp>
-        <p:nvSpPr>
-          <p:cNvPr id="4" name="Rectangle 3"/>
-          <p:cNvSpPr/>
-          <p:nvPr/>
-        </p:nvSpPr>
-        <p:spPr>
-          <a:xfrm>
-            <a:off x="1787128" y="2233748"/>
-            <a:ext cx="8334103" cy="3139321"/>
-          </a:xfrm>
-          <a:prstGeom prst="rect">
-            <a:avLst/>
-          </a:prstGeom>
-        </p:spPr>
-        <p:txBody>
-          <a:bodyPr wrap="square">
-            <a:spAutoFit/>
-          </a:bodyPr>
-          <a:lstStyle/>
-          <a:p>
-            <a:pPr>
-              <a:buFont typeface="Arial" panose="020B0604020202020204" pitchFamily="34" charset="0"/>
-              <a:buChar char="•"/>
-            </a:pPr>
-            <a:r>
-              <a:rPr lang="en-US" dirty="0" smtClean="0">
-                <a:solidFill>
-                  <a:srgbClr val="444444"/>
-                </a:solidFill>
-                <a:latin typeface="Open Sans" pitchFamily="2" charset="0"/>
-                <a:ea typeface="Open Sans" pitchFamily="2" charset="0"/>
-                <a:cs typeface="Open Sans" pitchFamily="2" charset="0"/>
-              </a:rPr>
-              <a:t> Design patterns are a toolkit of tried and tested solutions to common problems in software design. Even if you never encounter these problems, knowing patterns is still useful because it teaches you how to solve all sorts of problems using principles of object-oriented design.</a:t>
-            </a:r>
-          </a:p>
-          <a:p>
-            <a:pPr>
-              <a:buFont typeface="Arial" panose="020B0604020202020204" pitchFamily="34" charset="0"/>
-              <a:buChar char="•"/>
-            </a:pPr>
-            <a:endParaRPr lang="en-US" dirty="0" smtClean="0">
-              <a:solidFill>
-                <a:srgbClr val="444444"/>
-              </a:solidFill>
-              <a:latin typeface="Open Sans" pitchFamily="2" charset="0"/>
-              <a:ea typeface="Open Sans" pitchFamily="2" charset="0"/>
-              <a:cs typeface="Open Sans" pitchFamily="2" charset="0"/>
-            </a:endParaRPr>
-          </a:p>
-          <a:p>
-            <a:pPr>
-              <a:buFont typeface="Arial" panose="020B0604020202020204" pitchFamily="34" charset="0"/>
-              <a:buChar char="•"/>
-            </a:pPr>
-            <a:r>
-              <a:rPr lang="en-US" dirty="0" smtClean="0">
-                <a:latin typeface="Open Sans" pitchFamily="2" charset="0"/>
-                <a:ea typeface="Open Sans" pitchFamily="2" charset="0"/>
-                <a:cs typeface="Open Sans" pitchFamily="2" charset="0"/>
-              </a:rPr>
-              <a:t> Design patterns define a common language that you and your teammates can use to communicate more efficiently. You can say, “Oh, just use a Singleton for that,” and everyone will understand the idea behind your suggestion. No need to explain what a singleton is if you know the pattern and its name.</a:t>
-            </a:r>
-          </a:p>
-          <a:p>
-            <a:endParaRPr lang="en-US" dirty="0">
-              <a:latin typeface="Open Sans" pitchFamily="2" charset="0"/>
-              <a:ea typeface="Open Sans" pitchFamily="2" charset="0"/>
-              <a:cs typeface="Open Sans" pitchFamily="2" charset="0"/>
-            </a:endParaRPr>
-          </a:p>
-        </p:txBody>
-      </p:sp>
+        </p:spPr>
+      </p:pic>
     </p:spTree>
     <p:extLst>
       <p:ext uri="{BB962C8B-B14F-4D97-AF65-F5344CB8AC3E}">
-        <p14:creationId xmlns:p14="http://schemas.microsoft.com/office/powerpoint/2010/main" val="2067233184"/>
+        <p14:creationId xmlns:p14="http://schemas.microsoft.com/office/powerpoint/2010/main" val="3219718123"/>
       </p:ext>
     </p:extLst>
   </p:cSld>
@@ -3951,83 +3957,172 @@
       </p:grpSpPr>
       <p:sp>
         <p:nvSpPr>
-          <p:cNvPr id="4" name="Rectangle 1"/>
-          <p:cNvSpPr>
-            <a:spLocks noChangeArrowheads="1"/>
-          </p:cNvSpPr>
+          <p:cNvPr id="4" name="Rectangle 3"/>
+          <p:cNvSpPr/>
           <p:nvPr/>
         </p:nvSpPr>
-        <p:spPr bwMode="auto">
-          <a:xfrm>
-            <a:off x="1423853" y="3095639"/>
-            <a:ext cx="9183188" cy="954107"/>
+        <p:spPr>
+          <a:xfrm>
+            <a:off x="7682848" y="1791959"/>
+            <a:ext cx="3360215" cy="369332"/>
           </a:xfrm>
           <a:prstGeom prst="rect">
             <a:avLst/>
           </a:prstGeom>
-          <a:ln>
-            <a:prstDash val="sysDash"/>
-          </a:ln>
-        </p:spPr>
-        <p:style>
-          <a:lnRef idx="2">
-            <a:schemeClr val="accent2"/>
-          </a:lnRef>
-          <a:fillRef idx="1">
-            <a:schemeClr val="lt1"/>
-          </a:fillRef>
-          <a:effectRef idx="0">
-            <a:schemeClr val="accent2"/>
-          </a:effectRef>
-          <a:fontRef idx="minor">
-            <a:schemeClr val="dk1"/>
-          </a:fontRef>
-        </p:style>
-        <p:txBody>
-          <a:bodyPr vert="horz" wrap="square" lIns="91440" tIns="45720" rIns="91440" bIns="45720" numCol="1" anchor="ctr" anchorCtr="0" compatLnSpc="1">
-            <a:prstTxWarp prst="textNoShape">
-              <a:avLst/>
-            </a:prstTxWarp>
+        </p:spPr>
+        <p:txBody>
+          <a:bodyPr wrap="none">
             <a:spAutoFit/>
           </a:bodyPr>
           <a:lstStyle/>
           <a:p>
-            <a:pPr marL="0" marR="0" lvl="0" indent="0" algn="l" defTabSz="914400" rtl="0" eaLnBrk="0" fontAlgn="base" latinLnBrk="0" hangingPunct="0">
-              <a:lnSpc>
-                <a:spcPct val="100000"/>
-              </a:lnSpc>
-              <a:spcBef>
-                <a:spcPct val="0"/>
-              </a:spcBef>
-              <a:spcAft>
-                <a:spcPct val="0"/>
-              </a:spcAft>
-              <a:buClrTx/>
-              <a:buSzTx/>
-              <a:buFontTx/>
-              <a:buNone/>
-              <a:tabLst/>
-            </a:pPr>
-            <a:r>
-              <a:rPr kumimoji="0" lang="en-US" altLang="en-US" sz="2800" b="0" i="0" u="none" strike="noStrike" cap="none" normalizeH="0" baseline="0" dirty="0" smtClean="0">
-                <a:ln>
-                  <a:noFill/>
-                </a:ln>
-                <a:solidFill>
-                  <a:schemeClr val="tx1"/>
-                </a:solidFill>
-                <a:effectLst/>
+            <a:r>
+              <a:rPr lang="fa-IR" dirty="0" smtClean="0">
+                <a:solidFill>
+                  <a:srgbClr val="FF0000"/>
+                </a:solidFill>
                 <a:latin typeface="+mj-lt"/>
               </a:rPr>
-              <a:t>If all you have is a hammer, everything looks like a nail.</a:t>
-            </a:r>
+              <a:t>یک کلاس فقط یک نمونه خواهد داشت</a:t>
+            </a:r>
+            <a:endParaRPr lang="en-US" dirty="0">
+              <a:solidFill>
+                <a:srgbClr val="FF0000"/>
+              </a:solidFill>
+              <a:latin typeface="+mj-lt"/>
+            </a:endParaRPr>
+          </a:p>
+        </p:txBody>
+      </p:sp>
+      <p:sp>
+        <p:nvSpPr>
+          <p:cNvPr id="5" name="Rectangle 4"/>
+          <p:cNvSpPr/>
+          <p:nvPr/>
+        </p:nvSpPr>
+        <p:spPr>
+          <a:xfrm>
+            <a:off x="7599492" y="3957434"/>
+            <a:ext cx="3443571" cy="369332"/>
+          </a:xfrm>
+          <a:prstGeom prst="rect">
+            <a:avLst/>
+          </a:prstGeom>
+        </p:spPr>
+        <p:txBody>
+          <a:bodyPr wrap="none">
+            <a:spAutoFit/>
+          </a:bodyPr>
+          <a:lstStyle/>
+          <a:p>
+            <a:pPr algn="r" rtl="1"/>
+            <a:r>
+              <a:rPr lang="fa-IR" dirty="0" smtClean="0">
+                <a:solidFill>
+                  <a:srgbClr val="FF0000"/>
+                </a:solidFill>
+                <a:latin typeface="+mj-lt"/>
+              </a:rPr>
+              <a:t>نقطه اتصال </a:t>
+            </a:r>
+            <a:r>
+              <a:rPr lang="en-US" dirty="0" smtClean="0">
+                <a:solidFill>
+                  <a:srgbClr val="FF0000"/>
+                </a:solidFill>
+                <a:latin typeface="+mj-lt"/>
+              </a:rPr>
+              <a:t>global</a:t>
+            </a:r>
+            <a:r>
+              <a:rPr lang="fa-IR" dirty="0" smtClean="0">
+                <a:solidFill>
+                  <a:srgbClr val="FF0000"/>
+                </a:solidFill>
+                <a:latin typeface="+mj-lt"/>
+              </a:rPr>
+              <a:t> ایجاد خواهد شد</a:t>
+            </a:r>
+            <a:endParaRPr lang="en-US" dirty="0">
+              <a:solidFill>
+                <a:srgbClr val="FF0000"/>
+              </a:solidFill>
+              <a:latin typeface="+mj-lt"/>
+            </a:endParaRPr>
+          </a:p>
+        </p:txBody>
+      </p:sp>
+      <p:sp>
+        <p:nvSpPr>
+          <p:cNvPr id="6" name="Rectangle 5"/>
+          <p:cNvSpPr/>
+          <p:nvPr/>
+        </p:nvSpPr>
+        <p:spPr>
+          <a:xfrm>
+            <a:off x="1256410" y="2161291"/>
+            <a:ext cx="9786653" cy="369332"/>
+          </a:xfrm>
+          <a:prstGeom prst="rect">
+            <a:avLst/>
+          </a:prstGeom>
+        </p:spPr>
+        <p:txBody>
+          <a:bodyPr wrap="none">
+            <a:spAutoFit/>
+          </a:bodyPr>
+          <a:lstStyle/>
+          <a:p>
+            <a:r>
+              <a:rPr lang="fa-IR" dirty="0" smtClean="0">
+                <a:latin typeface="+mj-lt"/>
+              </a:rPr>
+              <a:t>فرض کنید که یک شی درست کرده‌اید و میخواهید مجدد همان شی را ایجاد کند، در حالت عادی این کار ممکن نیست.</a:t>
+            </a:r>
+            <a:endParaRPr lang="en-US" dirty="0">
+              <a:latin typeface="+mj-lt"/>
+            </a:endParaRPr>
+          </a:p>
+        </p:txBody>
+      </p:sp>
+      <p:sp>
+        <p:nvSpPr>
+          <p:cNvPr id="8" name="Rectangle 7"/>
+          <p:cNvSpPr/>
+          <p:nvPr/>
+        </p:nvSpPr>
+        <p:spPr>
+          <a:xfrm>
+            <a:off x="1466402" y="4326766"/>
+            <a:ext cx="9576661" cy="369332"/>
+          </a:xfrm>
+          <a:prstGeom prst="rect">
+            <a:avLst/>
+          </a:prstGeom>
+        </p:spPr>
+        <p:txBody>
+          <a:bodyPr wrap="none">
+            <a:spAutoFit/>
+          </a:bodyPr>
+          <a:lstStyle/>
+          <a:p>
+            <a:pPr algn="r" rtl="1"/>
+            <a:r>
+              <a:rPr lang="fa-IR" dirty="0" smtClean="0">
+                <a:latin typeface="+mj-lt"/>
+              </a:rPr>
+              <a:t>همه یک شی خواهند دید و استفاده خواهند کرد و البته از تغییر آن جلوگیری و بطور کلی از نمونه محافظت می‌شود.</a:t>
+            </a:r>
+            <a:endParaRPr lang="en-US" dirty="0">
+              <a:latin typeface="+mj-lt"/>
+            </a:endParaRPr>
           </a:p>
         </p:txBody>
       </p:sp>
     </p:spTree>
     <p:extLst>
       <p:ext uri="{BB962C8B-B14F-4D97-AF65-F5344CB8AC3E}">
-        <p14:creationId xmlns:p14="http://schemas.microsoft.com/office/powerpoint/2010/main" val="3275733083"/>
+        <p14:creationId xmlns:p14="http://schemas.microsoft.com/office/powerpoint/2010/main" val="3303413076"/>
       </p:ext>
     </p:extLst>
   </p:cSld>
@@ -4056,290 +4151,122 @@
       </p:grpSpPr>
       <p:sp>
         <p:nvSpPr>
+          <p:cNvPr id="4" name="Rectangle 3"/>
+          <p:cNvSpPr/>
+          <p:nvPr/>
+        </p:nvSpPr>
+        <p:spPr>
+          <a:xfrm>
+            <a:off x="5090792" y="1154566"/>
+            <a:ext cx="2117887" cy="523220"/>
+          </a:xfrm>
+          <a:prstGeom prst="rect">
+            <a:avLst/>
+          </a:prstGeom>
+        </p:spPr>
+        <p:txBody>
+          <a:bodyPr wrap="none">
+            <a:spAutoFit/>
+          </a:bodyPr>
+          <a:lstStyle/>
+          <a:p>
+            <a:r>
+              <a:rPr lang="en-US" sz="2800" dirty="0" smtClean="0">
+                <a:latin typeface="+mj-lt"/>
+              </a:rPr>
+              <a:t>singleton</a:t>
+            </a:r>
+            <a:endParaRPr lang="en-US" sz="2800" dirty="0">
+              <a:latin typeface="+mj-lt"/>
+            </a:endParaRPr>
+          </a:p>
+        </p:txBody>
+      </p:sp>
+      <p:sp>
+        <p:nvSpPr>
+          <p:cNvPr id="3" name="Rectangle 2"/>
+          <p:cNvSpPr/>
+          <p:nvPr/>
+        </p:nvSpPr>
+        <p:spPr>
+          <a:xfrm>
+            <a:off x="782117" y="3182022"/>
+            <a:ext cx="10735236" cy="1754326"/>
+          </a:xfrm>
+          <a:prstGeom prst="rect">
+            <a:avLst/>
+          </a:prstGeom>
+        </p:spPr>
+        <p:txBody>
+          <a:bodyPr wrap="square">
+            <a:spAutoFit/>
+          </a:bodyPr>
+          <a:lstStyle/>
+          <a:p>
+            <a:pPr marL="285750" indent="-285750">
+              <a:buFont typeface="Arial" panose="020B0604020202020204" pitchFamily="34" charset="0"/>
+              <a:buChar char="•"/>
+            </a:pPr>
+            <a:r>
+              <a:rPr lang="en-US" dirty="0"/>
+              <a:t>Make the default constructor private, to prevent other objects from using the new operator with the Singleton class.</a:t>
+            </a:r>
+          </a:p>
+          <a:p>
+            <a:pPr marL="285750" indent="-285750">
+              <a:buFont typeface="Arial" panose="020B0604020202020204" pitchFamily="34" charset="0"/>
+              <a:buChar char="•"/>
+            </a:pPr>
+            <a:r>
+              <a:rPr lang="en-US" dirty="0"/>
+              <a:t>Create a static creation method that acts as a constructor. Under the hood, this method calls the private constructor to create an object and saves it in a static field. All following calls to this method return the cached object</a:t>
+            </a:r>
+          </a:p>
+        </p:txBody>
+      </p:sp>
+      <p:sp>
+        <p:nvSpPr>
           <p:cNvPr id="10" name="Rectangle 9"/>
           <p:cNvSpPr/>
           <p:nvPr/>
         </p:nvSpPr>
         <p:spPr>
           <a:xfrm>
-            <a:off x="1280160" y="2276294"/>
-            <a:ext cx="9888583" cy="2968443"/>
+            <a:off x="4767786" y="1677786"/>
+            <a:ext cx="2763898" cy="400110"/>
           </a:xfrm>
           <a:prstGeom prst="rect">
             <a:avLst/>
           </a:prstGeom>
         </p:spPr>
-        <p:style>
-          <a:lnRef idx="2">
-            <a:schemeClr val="dk1"/>
-          </a:lnRef>
-          <a:fillRef idx="1">
-            <a:schemeClr val="lt1"/>
-          </a:fillRef>
-          <a:effectRef idx="0">
-            <a:schemeClr val="dk1"/>
-          </a:effectRef>
-          <a:fontRef idx="minor">
-            <a:schemeClr val="dk1"/>
-          </a:fontRef>
-        </p:style>
-        <p:txBody>
-          <a:bodyPr rtlCol="0" anchor="ctr"/>
-          <a:lstStyle/>
-          <a:p>
-            <a:pPr algn="ctr"/>
-            <a:endParaRPr lang="en-US"/>
-          </a:p>
-        </p:txBody>
-      </p:sp>
-      <p:sp>
-        <p:nvSpPr>
-          <p:cNvPr id="2" name="Title 1"/>
-          <p:cNvSpPr>
-            <a:spLocks noGrp="1"/>
-          </p:cNvSpPr>
-          <p:nvPr>
-            <p:ph type="title"/>
-          </p:nvPr>
-        </p:nvSpPr>
-        <p:spPr>
-          <a:xfrm>
-            <a:off x="966651" y="524857"/>
-            <a:ext cx="10515600" cy="1325563"/>
-          </a:xfrm>
-        </p:spPr>
-        <p:txBody>
-          <a:bodyPr>
-            <a:normAutofit/>
-          </a:bodyPr>
-          <a:lstStyle/>
-          <a:p>
-            <a:pPr algn="ctr"/>
-            <a:r>
-              <a:rPr lang="en-US" b="1" dirty="0"/>
-              <a:t>Classification of </a:t>
-            </a:r>
-            <a:r>
-              <a:rPr lang="en-US" b="1" dirty="0" smtClean="0"/>
-              <a:t>patterns</a:t>
-            </a:r>
-            <a:endParaRPr lang="en-US" dirty="0"/>
-          </a:p>
-        </p:txBody>
-      </p:sp>
-      <p:sp>
-        <p:nvSpPr>
-          <p:cNvPr id="3" name="Content Placeholder 2"/>
-          <p:cNvSpPr>
-            <a:spLocks noGrp="1"/>
-          </p:cNvSpPr>
-          <p:nvPr>
-            <p:ph idx="1"/>
-          </p:nvPr>
-        </p:nvSpPr>
-        <p:spPr>
-          <a:xfrm>
-            <a:off x="3698966" y="2544083"/>
-            <a:ext cx="7469777" cy="2511244"/>
-          </a:xfrm>
-        </p:spPr>
-        <p:txBody>
-          <a:bodyPr>
-            <a:normAutofit/>
-          </a:bodyPr>
-          <a:lstStyle/>
-          <a:p>
-            <a:r>
-              <a:rPr lang="en-US" sz="2000" b="1" dirty="0">
-                <a:solidFill>
-                  <a:srgbClr val="FF0000"/>
-                </a:solidFill>
-                <a:latin typeface="Open Sans" pitchFamily="2" charset="0"/>
-                <a:ea typeface="Open Sans" pitchFamily="2" charset="0"/>
-                <a:cs typeface="Open Sans" pitchFamily="2" charset="0"/>
-              </a:rPr>
-              <a:t>Creational patterns</a:t>
-            </a:r>
-            <a:r>
-              <a:rPr lang="en-US" sz="2000" dirty="0">
-                <a:latin typeface="Open Sans" pitchFamily="2" charset="0"/>
-                <a:ea typeface="Open Sans" pitchFamily="2" charset="0"/>
-                <a:cs typeface="Open Sans" pitchFamily="2" charset="0"/>
-              </a:rPr>
-              <a:t> provide object creation mechanisms that increase flexibility and reuse of existing code.</a:t>
-            </a:r>
-          </a:p>
-          <a:p>
-            <a:r>
-              <a:rPr lang="en-US" sz="2000" b="1" dirty="0">
-                <a:solidFill>
-                  <a:srgbClr val="FF0000"/>
-                </a:solidFill>
-                <a:latin typeface="Open Sans" pitchFamily="2" charset="0"/>
-                <a:ea typeface="Open Sans" pitchFamily="2" charset="0"/>
-                <a:cs typeface="Open Sans" pitchFamily="2" charset="0"/>
-              </a:rPr>
-              <a:t>Structural patterns</a:t>
-            </a:r>
-            <a:r>
-              <a:rPr lang="en-US" sz="2000" dirty="0">
-                <a:latin typeface="Open Sans" pitchFamily="2" charset="0"/>
-                <a:ea typeface="Open Sans" pitchFamily="2" charset="0"/>
-                <a:cs typeface="Open Sans" pitchFamily="2" charset="0"/>
-              </a:rPr>
-              <a:t> explain how to assemble objects and classes into larger structures, while keeping these structures flexible and efficient.</a:t>
-            </a:r>
-          </a:p>
-          <a:p>
-            <a:r>
-              <a:rPr lang="en-US" sz="2000" b="1" dirty="0">
-                <a:solidFill>
-                  <a:srgbClr val="FF0000"/>
-                </a:solidFill>
-                <a:latin typeface="Open Sans" pitchFamily="2" charset="0"/>
-                <a:ea typeface="Open Sans" pitchFamily="2" charset="0"/>
-                <a:cs typeface="Open Sans" pitchFamily="2" charset="0"/>
-              </a:rPr>
-              <a:t>Behavioral patterns</a:t>
-            </a:r>
-            <a:r>
-              <a:rPr lang="en-US" sz="2000" dirty="0">
-                <a:solidFill>
-                  <a:srgbClr val="FF0000"/>
-                </a:solidFill>
-                <a:latin typeface="Open Sans" pitchFamily="2" charset="0"/>
-                <a:ea typeface="Open Sans" pitchFamily="2" charset="0"/>
-                <a:cs typeface="Open Sans" pitchFamily="2" charset="0"/>
-              </a:rPr>
-              <a:t> </a:t>
-            </a:r>
-            <a:r>
-              <a:rPr lang="en-US" sz="2000" dirty="0">
-                <a:latin typeface="Open Sans" pitchFamily="2" charset="0"/>
-                <a:ea typeface="Open Sans" pitchFamily="2" charset="0"/>
-                <a:cs typeface="Open Sans" pitchFamily="2" charset="0"/>
-              </a:rPr>
-              <a:t>take care of effective communication and the assignment of responsibilities between objects</a:t>
-            </a:r>
-            <a:r>
-              <a:rPr lang="en-US" sz="2000" dirty="0" smtClean="0">
-                <a:latin typeface="Open Sans" pitchFamily="2" charset="0"/>
-                <a:ea typeface="Open Sans" pitchFamily="2" charset="0"/>
-                <a:cs typeface="Open Sans" pitchFamily="2" charset="0"/>
-              </a:rPr>
-              <a:t>.</a:t>
-            </a:r>
-            <a:endParaRPr lang="en-US" sz="2000" dirty="0">
-              <a:latin typeface="Open Sans" pitchFamily="2" charset="0"/>
-              <a:ea typeface="Open Sans" pitchFamily="2" charset="0"/>
-              <a:cs typeface="Open Sans" pitchFamily="2" charset="0"/>
-            </a:endParaRPr>
-          </a:p>
-        </p:txBody>
-      </p:sp>
-      <p:sp>
-        <p:nvSpPr>
-          <p:cNvPr id="6" name="Rectangle 5"/>
-          <p:cNvSpPr/>
-          <p:nvPr/>
-        </p:nvSpPr>
-        <p:spPr>
-          <a:xfrm>
-            <a:off x="2306095" y="2611006"/>
-            <a:ext cx="1242648" cy="400110"/>
-          </a:xfrm>
-          <a:prstGeom prst="rect">
-            <a:avLst/>
-          </a:prstGeom>
-        </p:spPr>
         <p:txBody>
           <a:bodyPr wrap="none">
             <a:spAutoFit/>
           </a:bodyPr>
           <a:lstStyle/>
           <a:p>
-            <a:pPr algn="r" rtl="1"/>
-            <a:r>
-              <a:rPr lang="fa-IR" sz="2000" dirty="0">
-                <a:latin typeface="Open Sans" pitchFamily="2" charset="0"/>
-                <a:ea typeface="Open Sans" pitchFamily="2" charset="0"/>
-                <a:cs typeface="+mj-cs"/>
+            <a:r>
+              <a:rPr lang="fa-IR" sz="2000" dirty="0" smtClean="0">
+                <a:solidFill>
+                  <a:srgbClr val="FF0000"/>
+                </a:solidFill>
+                <a:latin typeface="+mj-lt"/>
               </a:rPr>
-              <a:t>ایجاد کننده</a:t>
-            </a:r>
-          </a:p>
-        </p:txBody>
-      </p:sp>
-      <p:sp>
-        <p:nvSpPr>
-          <p:cNvPr id="7" name="Rectangle 6"/>
-          <p:cNvSpPr/>
-          <p:nvPr/>
-        </p:nvSpPr>
-        <p:spPr>
-          <a:xfrm>
-            <a:off x="2568988" y="3399595"/>
-            <a:ext cx="979755" cy="400110"/>
-          </a:xfrm>
-          <a:prstGeom prst="rect">
-            <a:avLst/>
-          </a:prstGeom>
-        </p:spPr>
-        <p:txBody>
-          <a:bodyPr wrap="none">
-            <a:spAutoFit/>
-          </a:bodyPr>
-          <a:lstStyle/>
-          <a:p>
-            <a:pPr algn="r" rtl="1"/>
-            <a:r>
-              <a:rPr lang="fa-IR" sz="2000" dirty="0">
-                <a:latin typeface="Open Sans" pitchFamily="2" charset="0"/>
-                <a:ea typeface="Open Sans" pitchFamily="2" charset="0"/>
-                <a:cs typeface="+mj-cs"/>
-              </a:rPr>
-              <a:t>ساختاری</a:t>
-            </a:r>
-          </a:p>
-        </p:txBody>
-      </p:sp>
-      <p:sp>
-        <p:nvSpPr>
-          <p:cNvPr id="9" name="Rectangle 8"/>
-          <p:cNvSpPr/>
-          <p:nvPr/>
-        </p:nvSpPr>
-        <p:spPr>
-          <a:xfrm>
-            <a:off x="2718066" y="4190153"/>
-            <a:ext cx="830677" cy="400110"/>
-          </a:xfrm>
-          <a:prstGeom prst="rect">
-            <a:avLst/>
-          </a:prstGeom>
-        </p:spPr>
-        <p:txBody>
-          <a:bodyPr wrap="none">
-            <a:spAutoFit/>
-          </a:bodyPr>
-          <a:lstStyle/>
-          <a:p>
-            <a:pPr algn="r" rtl="1"/>
-            <a:r>
-              <a:rPr lang="fa-IR" sz="2000" dirty="0">
-                <a:latin typeface="Open Sans" pitchFamily="2" charset="0"/>
-                <a:ea typeface="Open Sans" pitchFamily="2" charset="0"/>
-                <a:cs typeface="+mj-cs"/>
-              </a:rPr>
-              <a:t>رفتاری</a:t>
-            </a:r>
+              <a:t>کاری که عموما انجام می‌شود</a:t>
+            </a:r>
+            <a:endParaRPr lang="en-US" sz="2000" dirty="0">
+              <a:solidFill>
+                <a:srgbClr val="FF0000"/>
+              </a:solidFill>
+              <a:latin typeface="+mj-lt"/>
+            </a:endParaRPr>
           </a:p>
         </p:txBody>
       </p:sp>
     </p:spTree>
     <p:extLst>
       <p:ext uri="{BB962C8B-B14F-4D97-AF65-F5344CB8AC3E}">
-        <p14:creationId xmlns:p14="http://schemas.microsoft.com/office/powerpoint/2010/main" val="4243051613"/>
+        <p14:creationId xmlns:p14="http://schemas.microsoft.com/office/powerpoint/2010/main" val="1773936201"/>
       </p:ext>
     </p:extLst>
   </p:cSld>
@@ -5657,6 +5584,30 @@
           <a:chExt cx="0" cy="0"/>
         </a:xfrm>
       </p:grpSpPr>
+      <p:pic>
+        <p:nvPicPr>
+          <p:cNvPr id="4" name="Picture 3"/>
+          <p:cNvPicPr>
+            <a:picLocks noChangeAspect="1"/>
+          </p:cNvPicPr>
+          <p:nvPr/>
+        </p:nvPicPr>
+        <p:blipFill>
+          <a:blip r:embed="rId2"/>
+          <a:stretch>
+            <a:fillRect/>
+          </a:stretch>
+        </p:blipFill>
+        <p:spPr>
+          <a:xfrm>
+            <a:off x="11043651" y="604283"/>
+            <a:ext cx="781357" cy="883831"/>
+          </a:xfrm>
+          <a:prstGeom prst="rect">
+            <a:avLst/>
+          </a:prstGeom>
+        </p:spPr>
+      </p:pic>
       <p:sp>
         <p:nvSpPr>
           <p:cNvPr id="5" name="Title 1"/>
@@ -5669,7 +5620,7 @@
         </p:nvSpPr>
         <p:spPr>
           <a:xfrm>
-            <a:off x="9418508" y="590166"/>
+            <a:off x="9504411" y="590168"/>
             <a:ext cx="1539240" cy="1212941"/>
           </a:xfrm>
         </p:spPr>
@@ -5688,7 +5639,7 @@
                   </a:schemeClr>
                 </a:solidFill>
               </a:rPr>
-              <a:t>راهکار</a:t>
+              <a:t>مشکل</a:t>
             </a:r>
             <a:endParaRPr lang="en-US" sz="1600" b="1" dirty="0">
               <a:solidFill>
@@ -5710,8 +5661,8 @@
         </p:nvSpPr>
         <p:spPr>
           <a:xfrm>
-            <a:off x="1428751" y="1633552"/>
-            <a:ext cx="9863096" cy="1212941"/>
+            <a:off x="4453256" y="2101402"/>
+            <a:ext cx="6094007" cy="1212941"/>
           </a:xfrm>
           <a:prstGeom prst="rect">
             <a:avLst/>
@@ -5741,181 +5692,18 @@
             </a:lvl1pPr>
           </a:lstStyle>
           <a:p>
-            <a:pPr algn="r" rtl="1"/>
-            <a:r>
-              <a:rPr lang="fa-IR" sz="1800" dirty="0" smtClean="0">
+            <a:pPr algn="r"/>
+            <a:r>
+              <a:rPr lang="fa-IR" sz="2000" dirty="0" smtClean="0">
                 <a:solidFill>
                   <a:schemeClr val="bg2">
                     <a:lumMod val="25000"/>
                   </a:schemeClr>
                 </a:solidFill>
               </a:rPr>
-              <a:t>متد </a:t>
-            </a:r>
-            <a:r>
-              <a:rPr lang="en-US" sz="1800" dirty="0" smtClean="0">
-                <a:solidFill>
-                  <a:schemeClr val="bg2">
-                    <a:lumMod val="25000"/>
-                  </a:schemeClr>
-                </a:solidFill>
-              </a:rPr>
-              <a:t>Factory</a:t>
-            </a:r>
-            <a:r>
-              <a:rPr lang="fa-IR" sz="1800" dirty="0" smtClean="0">
-                <a:solidFill>
-                  <a:schemeClr val="bg2">
-                    <a:lumMod val="25000"/>
-                  </a:schemeClr>
-                </a:solidFill>
-              </a:rPr>
-              <a:t> پیشنهاد می دهد که ساخت اشیا (توسط عمگر</a:t>
-            </a:r>
-            <a:r>
-              <a:rPr lang="en-US" sz="1800" dirty="0" smtClean="0">
-                <a:solidFill>
-                  <a:schemeClr val="bg2">
-                    <a:lumMod val="25000"/>
-                  </a:schemeClr>
-                </a:solidFill>
-              </a:rPr>
-              <a:t> new</a:t>
-            </a:r>
-            <a:r>
-              <a:rPr lang="fa-IR" sz="1800" dirty="0" smtClean="0">
-                <a:solidFill>
-                  <a:schemeClr val="bg2">
-                    <a:lumMod val="25000"/>
-                  </a:schemeClr>
-                </a:solidFill>
-              </a:rPr>
-              <a:t>) را به متد </a:t>
-            </a:r>
-            <a:r>
-              <a:rPr lang="en-US" sz="1800" dirty="0" smtClean="0">
-                <a:solidFill>
-                  <a:schemeClr val="bg2">
-                    <a:lumMod val="25000"/>
-                  </a:schemeClr>
-                </a:solidFill>
-              </a:rPr>
-              <a:t>factory</a:t>
-            </a:r>
-            <a:r>
-              <a:rPr lang="fa-IR" sz="1800" dirty="0" smtClean="0">
-                <a:solidFill>
-                  <a:schemeClr val="bg2">
-                    <a:lumMod val="25000"/>
-                  </a:schemeClr>
-                </a:solidFill>
-              </a:rPr>
-              <a:t> بسپاریم. اشیا کماکان توسط </a:t>
-            </a:r>
-            <a:r>
-              <a:rPr lang="en-US" sz="1800" dirty="0" smtClean="0">
-                <a:solidFill>
-                  <a:schemeClr val="bg2">
-                    <a:lumMod val="25000"/>
-                  </a:schemeClr>
-                </a:solidFill>
-              </a:rPr>
-              <a:t>new</a:t>
-            </a:r>
-            <a:r>
-              <a:rPr lang="fa-IR" sz="1800" dirty="0" smtClean="0">
-                <a:solidFill>
-                  <a:schemeClr val="bg2">
-                    <a:lumMod val="25000"/>
-                  </a:schemeClr>
-                </a:solidFill>
-              </a:rPr>
-              <a:t> ایجاد می شوند ولی این دفعه متد </a:t>
-            </a:r>
-            <a:r>
-              <a:rPr lang="en-US" sz="1800" dirty="0" smtClean="0">
-                <a:solidFill>
-                  <a:schemeClr val="bg2">
-                    <a:lumMod val="25000"/>
-                  </a:schemeClr>
-                </a:solidFill>
-              </a:rPr>
-              <a:t>factory</a:t>
-            </a:r>
-            <a:r>
-              <a:rPr lang="fa-IR" sz="1800" dirty="0" smtClean="0">
-                <a:solidFill>
-                  <a:schemeClr val="bg2">
-                    <a:lumMod val="25000"/>
-                  </a:schemeClr>
-                </a:solidFill>
-              </a:rPr>
-              <a:t> این کار را انجام می دهد.</a:t>
-            </a:r>
-          </a:p>
-          <a:p>
-            <a:pPr algn="r" rtl="1"/>
-            <a:r>
-              <a:rPr lang="fa-IR" sz="1800" dirty="0" smtClean="0">
-                <a:solidFill>
-                  <a:schemeClr val="bg2">
-                    <a:lumMod val="25000"/>
-                  </a:schemeClr>
-                </a:solidFill>
-              </a:rPr>
-              <a:t>اشیا ایجاد شده توسط متد </a:t>
-            </a:r>
-            <a:r>
-              <a:rPr lang="en-US" sz="1800" dirty="0" smtClean="0">
-                <a:solidFill>
-                  <a:schemeClr val="bg2">
-                    <a:lumMod val="25000"/>
-                  </a:schemeClr>
-                </a:solidFill>
-              </a:rPr>
-              <a:t>factory</a:t>
-            </a:r>
-            <a:r>
-              <a:rPr lang="fa-IR" sz="1800" dirty="0">
-                <a:solidFill>
-                  <a:schemeClr val="bg2">
-                    <a:lumMod val="25000"/>
-                  </a:schemeClr>
-                </a:solidFill>
-              </a:rPr>
-              <a:t> </a:t>
-            </a:r>
-            <a:r>
-              <a:rPr lang="fa-IR" sz="1800" dirty="0" smtClean="0">
-                <a:solidFill>
-                  <a:schemeClr val="bg2">
-                    <a:lumMod val="25000"/>
-                  </a:schemeClr>
-                </a:solidFill>
-              </a:rPr>
-              <a:t>را عمومت </a:t>
-            </a:r>
-            <a:r>
-              <a:rPr lang="en-US" sz="1800" dirty="0" smtClean="0">
-                <a:solidFill>
-                  <a:schemeClr val="bg2">
-                    <a:lumMod val="25000"/>
-                  </a:schemeClr>
-                </a:solidFill>
-              </a:rPr>
-              <a:t>products</a:t>
-            </a:r>
-            <a:r>
-              <a:rPr lang="fa-IR" sz="1800" dirty="0" smtClean="0">
-                <a:solidFill>
-                  <a:schemeClr val="bg2">
-                    <a:lumMod val="25000"/>
-                  </a:schemeClr>
-                </a:solidFill>
-              </a:rPr>
-              <a:t> می‌نامند.</a:t>
-            </a:r>
-            <a:endParaRPr lang="en-US" sz="1800" dirty="0">
+              <a:t>اگر دیگر شرکت‌ها بخواهند اضافه بشوند چی؟</a:t>
+            </a:r>
+            <a:endParaRPr lang="en-US" sz="1050" dirty="0">
               <a:solidFill>
                 <a:schemeClr val="bg2">
                   <a:lumMod val="25000"/>
@@ -5927,31 +5715,7 @@
       </p:sp>
       <p:pic>
         <p:nvPicPr>
-          <p:cNvPr id="2" name="Picture 1"/>
-          <p:cNvPicPr>
-            <a:picLocks noChangeAspect="1"/>
-          </p:cNvPicPr>
-          <p:nvPr/>
-        </p:nvPicPr>
-        <p:blipFill>
-          <a:blip r:embed="rId2"/>
-          <a:stretch>
-            <a:fillRect/>
-          </a:stretch>
-        </p:blipFill>
-        <p:spPr>
-          <a:xfrm>
-            <a:off x="11043651" y="759723"/>
-            <a:ext cx="753891" cy="873829"/>
-          </a:xfrm>
-          <a:prstGeom prst="rect">
-            <a:avLst/>
-          </a:prstGeom>
-        </p:spPr>
-      </p:pic>
-      <p:pic>
-        <p:nvPicPr>
-          <p:cNvPr id="5122" name="Picture 2" descr="The structure of creator classes"/>
+          <p:cNvPr id="8194" name="Picture 2" descr="The structure of the products hierarchy"/>
           <p:cNvPicPr>
             <a:picLocks noChangeAspect="1" noChangeArrowheads="1"/>
           </p:cNvPicPr>
@@ -5972,8 +5736,8 @@
         </p:blipFill>
         <p:spPr bwMode="auto">
           <a:xfrm>
-            <a:off x="114300" y="2684429"/>
-            <a:ext cx="7956459" cy="3464911"/>
+            <a:off x="1165245" y="2362200"/>
+            <a:ext cx="6335014" cy="3232150"/>
           </a:xfrm>
           <a:prstGeom prst="rect">
             <a:avLst/>
@@ -5990,49 +5754,10 @@
           </a:extLst>
         </p:spPr>
       </p:pic>
-      <p:sp>
-        <p:nvSpPr>
-          <p:cNvPr id="3" name="Rectangle 2"/>
-          <p:cNvSpPr/>
-          <p:nvPr/>
-        </p:nvSpPr>
-        <p:spPr>
-          <a:xfrm>
-            <a:off x="-904542" y="6276887"/>
-            <a:ext cx="9994142" cy="923330"/>
-          </a:xfrm>
-          <a:prstGeom prst="rect">
-            <a:avLst/>
-          </a:prstGeom>
-        </p:spPr>
-        <p:txBody>
-          <a:bodyPr wrap="square">
-            <a:spAutoFit/>
-          </a:bodyPr>
-          <a:lstStyle/>
-          <a:p>
-            <a:pPr algn="ctr"/>
-            <a:r>
-              <a:rPr lang="en-US" dirty="0"/>
-              <a:t>Subclasses can alter the class of objects being returned by the factory method.</a:t>
-            </a:r>
-          </a:p>
-          <a:p>
-            <a:r>
-              <a:rPr lang="en-US" dirty="0"/>
-              <a:t/>
-            </a:r>
-            <a:br>
-              <a:rPr lang="en-US" dirty="0"/>
-            </a:br>
-            <a:endParaRPr lang="en-US" dirty="0"/>
-          </a:p>
-        </p:txBody>
-      </p:sp>
     </p:spTree>
     <p:extLst>
       <p:ext uri="{BB962C8B-B14F-4D97-AF65-F5344CB8AC3E}">
-        <p14:creationId xmlns:p14="http://schemas.microsoft.com/office/powerpoint/2010/main" val="2467564204"/>
+        <p14:creationId xmlns:p14="http://schemas.microsoft.com/office/powerpoint/2010/main" val="2874252485"/>
       </p:ext>
     </p:extLst>
   </p:cSld>
@@ -6059,30 +5784,6 @@
           <a:chExt cx="0" cy="0"/>
         </a:xfrm>
       </p:grpSpPr>
-      <p:pic>
-        <p:nvPicPr>
-          <p:cNvPr id="4" name="Picture 3"/>
-          <p:cNvPicPr>
-            <a:picLocks noChangeAspect="1"/>
-          </p:cNvPicPr>
-          <p:nvPr/>
-        </p:nvPicPr>
-        <p:blipFill>
-          <a:blip r:embed="rId2"/>
-          <a:stretch>
-            <a:fillRect/>
-          </a:stretch>
-        </p:blipFill>
-        <p:spPr>
-          <a:xfrm>
-            <a:off x="11043651" y="604283"/>
-            <a:ext cx="781357" cy="883831"/>
-          </a:xfrm>
-          <a:prstGeom prst="rect">
-            <a:avLst/>
-          </a:prstGeom>
-        </p:spPr>
-      </p:pic>
       <p:sp>
         <p:nvSpPr>
           <p:cNvPr id="5" name="Title 1"/>
@@ -6095,7 +5796,7 @@
         </p:nvSpPr>
         <p:spPr>
           <a:xfrm>
-            <a:off x="9504411" y="590168"/>
+            <a:off x="9418508" y="590166"/>
             <a:ext cx="1539240" cy="1212941"/>
           </a:xfrm>
         </p:spPr>
@@ -6114,7 +5815,7 @@
                   </a:schemeClr>
                 </a:solidFill>
               </a:rPr>
-              <a:t>مشکل</a:t>
+              <a:t>راهکار</a:t>
             </a:r>
             <a:endParaRPr lang="en-US" sz="1600" b="1" dirty="0">
               <a:solidFill>
@@ -6136,8 +5837,8 @@
         </p:nvSpPr>
         <p:spPr>
           <a:xfrm>
-            <a:off x="4453256" y="2101402"/>
-            <a:ext cx="6094007" cy="1212941"/>
+            <a:off x="1428751" y="1633552"/>
+            <a:ext cx="9863096" cy="1212941"/>
           </a:xfrm>
           <a:prstGeom prst="rect">
             <a:avLst/>
@@ -6167,18 +5868,181 @@
             </a:lvl1pPr>
           </a:lstStyle>
           <a:p>
-            <a:pPr algn="r"/>
-            <a:r>
-              <a:rPr lang="fa-IR" sz="2000" dirty="0" smtClean="0">
+            <a:pPr algn="r" rtl="1"/>
+            <a:r>
+              <a:rPr lang="fa-IR" sz="1800" dirty="0" smtClean="0">
                 <a:solidFill>
                   <a:schemeClr val="bg2">
                     <a:lumMod val="25000"/>
                   </a:schemeClr>
                 </a:solidFill>
               </a:rPr>
-              <a:t>اگر دیگر شرکت‌ها بخواهند اضافه بشوند چی؟</a:t>
-            </a:r>
-            <a:endParaRPr lang="en-US" sz="1050" dirty="0">
+              <a:t>متد </a:t>
+            </a:r>
+            <a:r>
+              <a:rPr lang="en-US" sz="1800" dirty="0" smtClean="0">
+                <a:solidFill>
+                  <a:schemeClr val="bg2">
+                    <a:lumMod val="25000"/>
+                  </a:schemeClr>
+                </a:solidFill>
+              </a:rPr>
+              <a:t>Factory</a:t>
+            </a:r>
+            <a:r>
+              <a:rPr lang="fa-IR" sz="1800" dirty="0" smtClean="0">
+                <a:solidFill>
+                  <a:schemeClr val="bg2">
+                    <a:lumMod val="25000"/>
+                  </a:schemeClr>
+                </a:solidFill>
+              </a:rPr>
+              <a:t> پیشنهاد می دهد که ساخت اشیا (توسط عمگر</a:t>
+            </a:r>
+            <a:r>
+              <a:rPr lang="en-US" sz="1800" dirty="0" smtClean="0">
+                <a:solidFill>
+                  <a:schemeClr val="bg2">
+                    <a:lumMod val="25000"/>
+                  </a:schemeClr>
+                </a:solidFill>
+              </a:rPr>
+              <a:t> new</a:t>
+            </a:r>
+            <a:r>
+              <a:rPr lang="fa-IR" sz="1800" dirty="0" smtClean="0">
+                <a:solidFill>
+                  <a:schemeClr val="bg2">
+                    <a:lumMod val="25000"/>
+                  </a:schemeClr>
+                </a:solidFill>
+              </a:rPr>
+              <a:t>) را به متد </a:t>
+            </a:r>
+            <a:r>
+              <a:rPr lang="en-US" sz="1800" dirty="0" smtClean="0">
+                <a:solidFill>
+                  <a:schemeClr val="bg2">
+                    <a:lumMod val="25000"/>
+                  </a:schemeClr>
+                </a:solidFill>
+              </a:rPr>
+              <a:t>factory</a:t>
+            </a:r>
+            <a:r>
+              <a:rPr lang="fa-IR" sz="1800" dirty="0" smtClean="0">
+                <a:solidFill>
+                  <a:schemeClr val="bg2">
+                    <a:lumMod val="25000"/>
+                  </a:schemeClr>
+                </a:solidFill>
+              </a:rPr>
+              <a:t> بسپاریم. اشیا کماکان توسط </a:t>
+            </a:r>
+            <a:r>
+              <a:rPr lang="en-US" sz="1800" dirty="0" smtClean="0">
+                <a:solidFill>
+                  <a:schemeClr val="bg2">
+                    <a:lumMod val="25000"/>
+                  </a:schemeClr>
+                </a:solidFill>
+              </a:rPr>
+              <a:t>new</a:t>
+            </a:r>
+            <a:r>
+              <a:rPr lang="fa-IR" sz="1800" dirty="0" smtClean="0">
+                <a:solidFill>
+                  <a:schemeClr val="bg2">
+                    <a:lumMod val="25000"/>
+                  </a:schemeClr>
+                </a:solidFill>
+              </a:rPr>
+              <a:t> ایجاد می شوند ولی این دفعه متد </a:t>
+            </a:r>
+            <a:r>
+              <a:rPr lang="en-US" sz="1800" dirty="0" smtClean="0">
+                <a:solidFill>
+                  <a:schemeClr val="bg2">
+                    <a:lumMod val="25000"/>
+                  </a:schemeClr>
+                </a:solidFill>
+              </a:rPr>
+              <a:t>factory</a:t>
+            </a:r>
+            <a:r>
+              <a:rPr lang="fa-IR" sz="1800" dirty="0" smtClean="0">
+                <a:solidFill>
+                  <a:schemeClr val="bg2">
+                    <a:lumMod val="25000"/>
+                  </a:schemeClr>
+                </a:solidFill>
+              </a:rPr>
+              <a:t> این کار را انجام می دهد.</a:t>
+            </a:r>
+          </a:p>
+          <a:p>
+            <a:pPr algn="r" rtl="1"/>
+            <a:r>
+              <a:rPr lang="fa-IR" sz="1800" dirty="0" smtClean="0">
+                <a:solidFill>
+                  <a:schemeClr val="bg2">
+                    <a:lumMod val="25000"/>
+                  </a:schemeClr>
+                </a:solidFill>
+              </a:rPr>
+              <a:t>اشیا ایجاد شده توسط متد </a:t>
+            </a:r>
+            <a:r>
+              <a:rPr lang="en-US" sz="1800" dirty="0" smtClean="0">
+                <a:solidFill>
+                  <a:schemeClr val="bg2">
+                    <a:lumMod val="25000"/>
+                  </a:schemeClr>
+                </a:solidFill>
+              </a:rPr>
+              <a:t>factory</a:t>
+            </a:r>
+            <a:r>
+              <a:rPr lang="fa-IR" sz="1800" dirty="0">
+                <a:solidFill>
+                  <a:schemeClr val="bg2">
+                    <a:lumMod val="25000"/>
+                  </a:schemeClr>
+                </a:solidFill>
+              </a:rPr>
+              <a:t> </a:t>
+            </a:r>
+            <a:r>
+              <a:rPr lang="fa-IR" sz="1800" dirty="0" smtClean="0">
+                <a:solidFill>
+                  <a:schemeClr val="bg2">
+                    <a:lumMod val="25000"/>
+                  </a:schemeClr>
+                </a:solidFill>
+              </a:rPr>
+              <a:t>را عمومت </a:t>
+            </a:r>
+            <a:r>
+              <a:rPr lang="en-US" sz="1800" dirty="0" smtClean="0">
+                <a:solidFill>
+                  <a:schemeClr val="bg2">
+                    <a:lumMod val="25000"/>
+                  </a:schemeClr>
+                </a:solidFill>
+              </a:rPr>
+              <a:t>products</a:t>
+            </a:r>
+            <a:r>
+              <a:rPr lang="fa-IR" sz="1800" dirty="0" smtClean="0">
+                <a:solidFill>
+                  <a:schemeClr val="bg2">
+                    <a:lumMod val="25000"/>
+                  </a:schemeClr>
+                </a:solidFill>
+              </a:rPr>
+              <a:t> می‌نامند.</a:t>
+            </a:r>
+            <a:endParaRPr lang="en-US" sz="1800" dirty="0">
               <a:solidFill>
                 <a:schemeClr val="bg2">
                   <a:lumMod val="25000"/>
@@ -6188,39 +6052,9 @@
           </a:p>
         </p:txBody>
       </p:sp>
-    </p:spTree>
-    <p:extLst>
-      <p:ext uri="{BB962C8B-B14F-4D97-AF65-F5344CB8AC3E}">
-        <p14:creationId xmlns:p14="http://schemas.microsoft.com/office/powerpoint/2010/main" val="3919618985"/>
-      </p:ext>
-    </p:extLst>
-  </p:cSld>
-  <p:clrMapOvr>
-    <a:masterClrMapping/>
-  </p:clrMapOvr>
-</p:sld>
-</file>
-
-<file path=ppt/slides/slide26.xml><?xml version="1.0" encoding="utf-8"?>
-<p:sld xmlns:a="http://schemas.openxmlformats.org/drawingml/2006/main" xmlns:r="http://schemas.openxmlformats.org/officeDocument/2006/relationships" xmlns:p="http://schemas.openxmlformats.org/presentationml/2006/main">
-  <p:cSld>
-    <p:spTree>
-      <p:nvGrpSpPr>
-        <p:cNvPr id="1" name=""/>
-        <p:cNvGrpSpPr/>
-        <p:nvPr/>
-      </p:nvGrpSpPr>
-      <p:grpSpPr>
-        <a:xfrm>
-          <a:off x="0" y="0"/>
-          <a:ext cx="0" cy="0"/>
-          <a:chOff x="0" y="0"/>
-          <a:chExt cx="0" cy="0"/>
-        </a:xfrm>
-      </p:grpSpPr>
       <p:pic>
         <p:nvPicPr>
-          <p:cNvPr id="4" name="Picture 3"/>
+          <p:cNvPr id="2" name="Picture 1"/>
           <p:cNvPicPr>
             <a:picLocks noChangeAspect="1"/>
           </p:cNvPicPr>
@@ -6234,122 +6068,17 @@
         </p:blipFill>
         <p:spPr>
           <a:xfrm>
-            <a:off x="11043651" y="604283"/>
-            <a:ext cx="781357" cy="883831"/>
+            <a:off x="11043651" y="759723"/>
+            <a:ext cx="753891" cy="873829"/>
           </a:xfrm>
           <a:prstGeom prst="rect">
             <a:avLst/>
           </a:prstGeom>
         </p:spPr>
       </p:pic>
-      <p:sp>
-        <p:nvSpPr>
-          <p:cNvPr id="5" name="Title 1"/>
-          <p:cNvSpPr>
-            <a:spLocks noGrp="1"/>
-          </p:cNvSpPr>
-          <p:nvPr>
-            <p:ph type="title"/>
-          </p:nvPr>
-        </p:nvSpPr>
-        <p:spPr>
-          <a:xfrm>
-            <a:off x="9504411" y="590168"/>
-            <a:ext cx="1539240" cy="1212941"/>
-          </a:xfrm>
-        </p:spPr>
-        <p:txBody>
-          <a:bodyPr>
-            <a:normAutofit/>
-          </a:bodyPr>
-          <a:lstStyle/>
-          <a:p>
-            <a:pPr algn="r"/>
-            <a:r>
-              <a:rPr lang="fa-IR" sz="3600" b="1" dirty="0" smtClean="0">
-                <a:solidFill>
-                  <a:schemeClr val="bg2">
-                    <a:lumMod val="25000"/>
-                  </a:schemeClr>
-                </a:solidFill>
-              </a:rPr>
-              <a:t>مشکل</a:t>
-            </a:r>
-            <a:endParaRPr lang="en-US" sz="1600" b="1" dirty="0">
-              <a:solidFill>
-                <a:schemeClr val="bg2">
-                  <a:lumMod val="25000"/>
-                </a:schemeClr>
-              </a:solidFill>
-            </a:endParaRPr>
-          </a:p>
-        </p:txBody>
-      </p:sp>
-      <p:sp>
-        <p:nvSpPr>
-          <p:cNvPr id="8" name="Title 1"/>
-          <p:cNvSpPr txBox="1">
-            <a:spLocks/>
-          </p:cNvSpPr>
-          <p:nvPr/>
-        </p:nvSpPr>
-        <p:spPr>
-          <a:xfrm>
-            <a:off x="4453256" y="2101402"/>
-            <a:ext cx="6094007" cy="1212941"/>
-          </a:xfrm>
-          <a:prstGeom prst="rect">
-            <a:avLst/>
-          </a:prstGeom>
-        </p:spPr>
-        <p:txBody>
-          <a:bodyPr vert="horz" lIns="91440" tIns="45720" rIns="91440" bIns="45720" rtlCol="0" anchor="ctr">
-            <a:normAutofit/>
-          </a:bodyPr>
-          <a:lstStyle>
-            <a:lvl1pPr algn="l" defTabSz="914400" rtl="0" eaLnBrk="1" latinLnBrk="0" hangingPunct="1">
-              <a:lnSpc>
-                <a:spcPct val="90000"/>
-              </a:lnSpc>
-              <a:spcBef>
-                <a:spcPct val="0"/>
-              </a:spcBef>
-              <a:buNone/>
-              <a:defRPr sz="4400" kern="1200">
-                <a:solidFill>
-                  <a:schemeClr val="tx1"/>
-                </a:solidFill>
-                <a:latin typeface="+mj-lt"/>
-                <a:ea typeface="+mj-ea"/>
-                <a:cs typeface="+mj-cs"/>
-              </a:defRPr>
-            </a:lvl1pPr>
-          </a:lstStyle>
-          <a:p>
-            <a:pPr algn="r"/>
-            <a:r>
-              <a:rPr lang="fa-IR" sz="2000" dirty="0" smtClean="0">
-                <a:solidFill>
-                  <a:schemeClr val="bg2">
-                    <a:lumMod val="25000"/>
-                  </a:schemeClr>
-                </a:solidFill>
-              </a:rPr>
-              <a:t>اگر دیگر شرکت‌ها بخواهند اضافه بشوند چی؟</a:t>
-            </a:r>
-            <a:endParaRPr lang="en-US" sz="1050" dirty="0">
-              <a:solidFill>
-                <a:schemeClr val="bg2">
-                  <a:lumMod val="25000"/>
-                </a:schemeClr>
-              </a:solidFill>
-            </a:endParaRPr>
-          </a:p>
-        </p:txBody>
-      </p:sp>
       <p:pic>
         <p:nvPicPr>
-          <p:cNvPr id="8194" name="Picture 2" descr="The structure of the products hierarchy"/>
+          <p:cNvPr id="5122" name="Picture 2" descr="The structure of creator classes"/>
           <p:cNvPicPr>
             <a:picLocks noChangeAspect="1" noChangeArrowheads="1"/>
           </p:cNvPicPr>
@@ -6370,8 +6099,8 @@
         </p:blipFill>
         <p:spPr bwMode="auto">
           <a:xfrm>
-            <a:off x="1165245" y="2362200"/>
-            <a:ext cx="6335014" cy="3232150"/>
+            <a:off x="114300" y="2684429"/>
+            <a:ext cx="7956459" cy="3464911"/>
           </a:xfrm>
           <a:prstGeom prst="rect">
             <a:avLst/>
@@ -6388,10 +6117,49 @@
           </a:extLst>
         </p:spPr>
       </p:pic>
+      <p:sp>
+        <p:nvSpPr>
+          <p:cNvPr id="3" name="Rectangle 2"/>
+          <p:cNvSpPr/>
+          <p:nvPr/>
+        </p:nvSpPr>
+        <p:spPr>
+          <a:xfrm>
+            <a:off x="-904542" y="6276887"/>
+            <a:ext cx="9994142" cy="923330"/>
+          </a:xfrm>
+          <a:prstGeom prst="rect">
+            <a:avLst/>
+          </a:prstGeom>
+        </p:spPr>
+        <p:txBody>
+          <a:bodyPr wrap="square">
+            <a:spAutoFit/>
+          </a:bodyPr>
+          <a:lstStyle/>
+          <a:p>
+            <a:pPr algn="ctr"/>
+            <a:r>
+              <a:rPr lang="en-US" dirty="0"/>
+              <a:t>Subclasses can alter the class of objects being returned by the factory method.</a:t>
+            </a:r>
+          </a:p>
+          <a:p>
+            <a:r>
+              <a:rPr lang="en-US" dirty="0"/>
+              <a:t/>
+            </a:r>
+            <a:br>
+              <a:rPr lang="en-US" dirty="0"/>
+            </a:br>
+            <a:endParaRPr lang="en-US" dirty="0"/>
+          </a:p>
+        </p:txBody>
+      </p:sp>
     </p:spTree>
     <p:extLst>
       <p:ext uri="{BB962C8B-B14F-4D97-AF65-F5344CB8AC3E}">
-        <p14:creationId xmlns:p14="http://schemas.microsoft.com/office/powerpoint/2010/main" val="2874252485"/>
+        <p14:creationId xmlns:p14="http://schemas.microsoft.com/office/powerpoint/2010/main" val="2467564204"/>
       </p:ext>
     </p:extLst>
   </p:cSld>
@@ -6401,7 +6169,7 @@
 </p:sld>
 </file>
 
-<file path=ppt/slides/slide27.xml><?xml version="1.0" encoding="utf-8"?>
+<file path=ppt/slides/slide26.xml><?xml version="1.0" encoding="utf-8"?>
 <p:sld xmlns:a="http://schemas.openxmlformats.org/drawingml/2006/main" xmlns:r="http://schemas.openxmlformats.org/officeDocument/2006/relationships" xmlns:p="http://schemas.openxmlformats.org/presentationml/2006/main">
   <p:cSld>
     <p:spTree>
@@ -6472,7 +6240,2065 @@
 </p:sld>
 </file>
 
+<file path=ppt/slides/slide27.xml><?xml version="1.0" encoding="utf-8"?>
+<p:sld xmlns:a="http://schemas.openxmlformats.org/drawingml/2006/main" xmlns:r="http://schemas.openxmlformats.org/officeDocument/2006/relationships" xmlns:p="http://schemas.openxmlformats.org/presentationml/2006/main">
+  <p:cSld>
+    <p:spTree>
+      <p:nvGrpSpPr>
+        <p:cNvPr id="1" name=""/>
+        <p:cNvGrpSpPr/>
+        <p:nvPr/>
+      </p:nvGrpSpPr>
+      <p:grpSpPr>
+        <a:xfrm>
+          <a:off x="0" y="0"/>
+          <a:ext cx="0" cy="0"/>
+          <a:chOff x="0" y="0"/>
+          <a:chExt cx="0" cy="0"/>
+        </a:xfrm>
+      </p:grpSpPr>
+      <p:sp>
+        <p:nvSpPr>
+          <p:cNvPr id="2" name="Title 1"/>
+          <p:cNvSpPr>
+            <a:spLocks noGrp="1"/>
+          </p:cNvSpPr>
+          <p:nvPr>
+            <p:ph type="title"/>
+          </p:nvPr>
+        </p:nvSpPr>
+        <p:spPr>
+          <a:xfrm>
+            <a:off x="2328157" y="2850197"/>
+            <a:ext cx="10515600" cy="1325563"/>
+          </a:xfrm>
+        </p:spPr>
+        <p:txBody>
+          <a:bodyPr/>
+          <a:lstStyle/>
+          <a:p>
+            <a:pPr algn="ctr"/>
+            <a:r>
+              <a:rPr lang="en-US" dirty="0" smtClean="0"/>
+              <a:t>Observer</a:t>
+            </a:r>
+            <a:endParaRPr lang="en-US" dirty="0"/>
+          </a:p>
+        </p:txBody>
+      </p:sp>
+      <p:pic>
+        <p:nvPicPr>
+          <p:cNvPr id="1026" name="Picture 2" descr="Observer Design Pattern"/>
+          <p:cNvPicPr>
+            <a:picLocks noChangeAspect="1" noChangeArrowheads="1"/>
+          </p:cNvPicPr>
+          <p:nvPr/>
+        </p:nvPicPr>
+        <p:blipFill>
+          <a:blip r:embed="rId2">
+            <a:extLst>
+              <a:ext uri="{28A0092B-C50C-407E-A947-70E740481C1C}">
+                <a14:useLocalDpi xmlns:a14="http://schemas.microsoft.com/office/drawing/2010/main" val="0"/>
+              </a:ext>
+            </a:extLst>
+          </a:blip>
+          <a:srcRect/>
+          <a:stretch>
+            <a:fillRect/>
+          </a:stretch>
+        </p:blipFill>
+        <p:spPr bwMode="auto">
+          <a:xfrm>
+            <a:off x="155575" y="365760"/>
+            <a:ext cx="6096000" cy="3810000"/>
+          </a:xfrm>
+          <a:prstGeom prst="rect">
+            <a:avLst/>
+          </a:prstGeom>
+          <a:noFill/>
+          <a:extLst>
+            <a:ext uri="{909E8E84-426E-40DD-AFC4-6F175D3DCCD1}">
+              <a14:hiddenFill xmlns:a14="http://schemas.microsoft.com/office/drawing/2010/main">
+                <a:solidFill>
+                  <a:srgbClr val="FFFFFF"/>
+                </a:solidFill>
+              </a14:hiddenFill>
+            </a:ext>
+          </a:extLst>
+        </p:spPr>
+      </p:pic>
+    </p:spTree>
+    <p:extLst>
+      <p:ext uri="{BB962C8B-B14F-4D97-AF65-F5344CB8AC3E}">
+        <p14:creationId xmlns:p14="http://schemas.microsoft.com/office/powerpoint/2010/main" val="38183880"/>
+      </p:ext>
+    </p:extLst>
+  </p:cSld>
+  <p:clrMapOvr>
+    <a:masterClrMapping/>
+  </p:clrMapOvr>
+</p:sld>
+</file>
+
 <file path=ppt/slides/slide28.xml><?xml version="1.0" encoding="utf-8"?>
+<p:sld xmlns:a="http://schemas.openxmlformats.org/drawingml/2006/main" xmlns:r="http://schemas.openxmlformats.org/officeDocument/2006/relationships" xmlns:p="http://schemas.openxmlformats.org/presentationml/2006/main">
+  <p:cSld>
+    <p:spTree>
+      <p:nvGrpSpPr>
+        <p:cNvPr id="1" name=""/>
+        <p:cNvGrpSpPr/>
+        <p:nvPr/>
+      </p:nvGrpSpPr>
+      <p:grpSpPr>
+        <a:xfrm>
+          <a:off x="0" y="0"/>
+          <a:ext cx="0" cy="0"/>
+          <a:chOff x="0" y="0"/>
+          <a:chExt cx="0" cy="0"/>
+        </a:xfrm>
+      </p:grpSpPr>
+      <p:sp>
+        <p:nvSpPr>
+          <p:cNvPr id="7" name="Title 1"/>
+          <p:cNvSpPr>
+            <a:spLocks noGrp="1"/>
+          </p:cNvSpPr>
+          <p:nvPr>
+            <p:ph type="title"/>
+          </p:nvPr>
+        </p:nvSpPr>
+        <p:spPr>
+          <a:xfrm>
+            <a:off x="551609" y="1765979"/>
+            <a:ext cx="10515600" cy="1325563"/>
+          </a:xfrm>
+        </p:spPr>
+        <p:txBody>
+          <a:bodyPr/>
+          <a:lstStyle/>
+          <a:p>
+            <a:pPr algn="ctr" rtl="1"/>
+            <a:r>
+              <a:rPr lang="fa-IR" dirty="0" smtClean="0"/>
+              <a:t>فرض کنید یک مغازه + مشتری </a:t>
+            </a:r>
+            <a:r>
+              <a:rPr lang="fa-IR" dirty="0"/>
+              <a:t>داریم</a:t>
+            </a:r>
+            <a:endParaRPr lang="en-US" dirty="0"/>
+          </a:p>
+        </p:txBody>
+      </p:sp>
+    </p:spTree>
+    <p:extLst>
+      <p:ext uri="{BB962C8B-B14F-4D97-AF65-F5344CB8AC3E}">
+        <p14:creationId xmlns:p14="http://schemas.microsoft.com/office/powerpoint/2010/main" val="2432894483"/>
+      </p:ext>
+    </p:extLst>
+  </p:cSld>
+  <p:clrMapOvr>
+    <a:masterClrMapping/>
+  </p:clrMapOvr>
+</p:sld>
+</file>
+
+<file path=ppt/slides/slide29.xml><?xml version="1.0" encoding="utf-8"?>
+<p:sld xmlns:a="http://schemas.openxmlformats.org/drawingml/2006/main" xmlns:r="http://schemas.openxmlformats.org/officeDocument/2006/relationships" xmlns:p="http://schemas.openxmlformats.org/presentationml/2006/main">
+  <p:cSld>
+    <p:spTree>
+      <p:nvGrpSpPr>
+        <p:cNvPr id="1" name=""/>
+        <p:cNvGrpSpPr/>
+        <p:nvPr/>
+      </p:nvGrpSpPr>
+      <p:grpSpPr>
+        <a:xfrm>
+          <a:off x="0" y="0"/>
+          <a:ext cx="0" cy="0"/>
+          <a:chOff x="0" y="0"/>
+          <a:chExt cx="0" cy="0"/>
+        </a:xfrm>
+      </p:grpSpPr>
+      <p:sp>
+        <p:nvSpPr>
+          <p:cNvPr id="7" name="Title 1"/>
+          <p:cNvSpPr>
+            <a:spLocks noGrp="1"/>
+          </p:cNvSpPr>
+          <p:nvPr>
+            <p:ph type="title"/>
+          </p:nvPr>
+        </p:nvSpPr>
+        <p:spPr>
+          <a:xfrm>
+            <a:off x="969620" y="2314620"/>
+            <a:ext cx="10515600" cy="1325563"/>
+          </a:xfrm>
+        </p:spPr>
+        <p:txBody>
+          <a:bodyPr/>
+          <a:lstStyle/>
+          <a:p>
+            <a:pPr algn="ctr" rtl="1"/>
+            <a:r>
+              <a:rPr lang="fa-IR" dirty="0" smtClean="0"/>
+              <a:t>مشتری قصد خرید آیفون جدید را دارد</a:t>
+            </a:r>
+            <a:endParaRPr lang="en-US" dirty="0"/>
+          </a:p>
+        </p:txBody>
+      </p:sp>
+    </p:spTree>
+    <p:extLst>
+      <p:ext uri="{BB962C8B-B14F-4D97-AF65-F5344CB8AC3E}">
+        <p14:creationId xmlns:p14="http://schemas.microsoft.com/office/powerpoint/2010/main" val="2014295290"/>
+      </p:ext>
+    </p:extLst>
+  </p:cSld>
+  <p:clrMapOvr>
+    <a:masterClrMapping/>
+  </p:clrMapOvr>
+</p:sld>
+</file>
+
+<file path=ppt/slides/slide3.xml><?xml version="1.0" encoding="utf-8"?>
+<p:sld xmlns:a="http://schemas.openxmlformats.org/drawingml/2006/main" xmlns:r="http://schemas.openxmlformats.org/officeDocument/2006/relationships" xmlns:p="http://schemas.openxmlformats.org/presentationml/2006/main">
+  <p:cSld>
+    <p:spTree>
+      <p:nvGrpSpPr>
+        <p:cNvPr id="1" name=""/>
+        <p:cNvGrpSpPr/>
+        <p:nvPr/>
+      </p:nvGrpSpPr>
+      <p:grpSpPr>
+        <a:xfrm>
+          <a:off x="0" y="0"/>
+          <a:ext cx="0" cy="0"/>
+          <a:chOff x="0" y="0"/>
+          <a:chExt cx="0" cy="0"/>
+        </a:xfrm>
+      </p:grpSpPr>
+      <p:sp>
+        <p:nvSpPr>
+          <p:cNvPr id="2" name="Title 1"/>
+          <p:cNvSpPr>
+            <a:spLocks noGrp="1"/>
+          </p:cNvSpPr>
+          <p:nvPr>
+            <p:ph type="title"/>
+          </p:nvPr>
+        </p:nvSpPr>
+        <p:spPr>
+          <a:xfrm>
+            <a:off x="1290917" y="1035424"/>
+            <a:ext cx="4805083" cy="1325563"/>
+          </a:xfrm>
+        </p:spPr>
+        <p:style>
+          <a:lnRef idx="2">
+            <a:schemeClr val="dk1"/>
+          </a:lnRef>
+          <a:fillRef idx="1">
+            <a:schemeClr val="lt1"/>
+          </a:fillRef>
+          <a:effectRef idx="0">
+            <a:schemeClr val="dk1"/>
+          </a:effectRef>
+          <a:fontRef idx="minor">
+            <a:schemeClr val="dk1"/>
+          </a:fontRef>
+        </p:style>
+        <p:txBody>
+          <a:bodyPr/>
+          <a:lstStyle/>
+          <a:p>
+            <a:pPr algn="ctr"/>
+            <a:r>
+              <a:rPr lang="en-US" dirty="0" smtClean="0"/>
+              <a:t>Gang of Four</a:t>
+            </a:r>
+            <a:endParaRPr lang="en-US" dirty="0"/>
+          </a:p>
+        </p:txBody>
+      </p:sp>
+      <p:pic>
+        <p:nvPicPr>
+          <p:cNvPr id="4" name="Picture 3"/>
+          <p:cNvPicPr>
+            <a:picLocks noChangeAspect="1"/>
+          </p:cNvPicPr>
+          <p:nvPr/>
+        </p:nvPicPr>
+        <p:blipFill>
+          <a:blip r:embed="rId2"/>
+          <a:stretch>
+            <a:fillRect/>
+          </a:stretch>
+        </p:blipFill>
+        <p:spPr>
+          <a:xfrm>
+            <a:off x="9103659" y="-1"/>
+            <a:ext cx="3088341" cy="3836487"/>
+          </a:xfrm>
+          <a:prstGeom prst="rect">
+            <a:avLst/>
+          </a:prstGeom>
+        </p:spPr>
+      </p:pic>
+      <p:pic>
+        <p:nvPicPr>
+          <p:cNvPr id="6" name="Picture 5"/>
+          <p:cNvPicPr>
+            <a:picLocks noChangeAspect="1"/>
+          </p:cNvPicPr>
+          <p:nvPr/>
+        </p:nvPicPr>
+        <p:blipFill>
+          <a:blip r:embed="rId3"/>
+          <a:stretch>
+            <a:fillRect/>
+          </a:stretch>
+        </p:blipFill>
+        <p:spPr>
+          <a:xfrm>
+            <a:off x="5390201" y="3838154"/>
+            <a:ext cx="6801799" cy="3019846"/>
+          </a:xfrm>
+          <a:prstGeom prst="rect">
+            <a:avLst/>
+          </a:prstGeom>
+        </p:spPr>
+      </p:pic>
+    </p:spTree>
+    <p:extLst>
+      <p:ext uri="{BB962C8B-B14F-4D97-AF65-F5344CB8AC3E}">
+        <p14:creationId xmlns:p14="http://schemas.microsoft.com/office/powerpoint/2010/main" val="4043031706"/>
+      </p:ext>
+    </p:extLst>
+  </p:cSld>
+  <p:clrMapOvr>
+    <a:masterClrMapping/>
+  </p:clrMapOvr>
+</p:sld>
+</file>
+
+<file path=ppt/slides/slide30.xml><?xml version="1.0" encoding="utf-8"?>
+<p:sld xmlns:a="http://schemas.openxmlformats.org/drawingml/2006/main" xmlns:r="http://schemas.openxmlformats.org/officeDocument/2006/relationships" xmlns:p="http://schemas.openxmlformats.org/presentationml/2006/main">
+  <p:cSld>
+    <p:spTree>
+      <p:nvGrpSpPr>
+        <p:cNvPr id="1" name=""/>
+        <p:cNvGrpSpPr/>
+        <p:nvPr/>
+      </p:nvGrpSpPr>
+      <p:grpSpPr>
+        <a:xfrm>
+          <a:off x="0" y="0"/>
+          <a:ext cx="0" cy="0"/>
+          <a:chOff x="0" y="0"/>
+          <a:chExt cx="0" cy="0"/>
+        </a:xfrm>
+      </p:grpSpPr>
+      <p:sp>
+        <p:nvSpPr>
+          <p:cNvPr id="7" name="Title 1"/>
+          <p:cNvSpPr>
+            <a:spLocks noGrp="1"/>
+          </p:cNvSpPr>
+          <p:nvPr>
+            <p:ph type="title"/>
+          </p:nvPr>
+        </p:nvSpPr>
+        <p:spPr>
+          <a:xfrm>
+            <a:off x="708363" y="2484437"/>
+            <a:ext cx="10515600" cy="1325563"/>
+          </a:xfrm>
+        </p:spPr>
+        <p:txBody>
+          <a:bodyPr/>
+          <a:lstStyle/>
+          <a:p>
+            <a:pPr algn="ctr" rtl="1"/>
+            <a:r>
+              <a:rPr lang="fa-IR" dirty="0" smtClean="0"/>
+              <a:t>مغازه هنوز ندارد!</a:t>
+            </a:r>
+            <a:endParaRPr lang="en-US" dirty="0"/>
+          </a:p>
+        </p:txBody>
+      </p:sp>
+    </p:spTree>
+    <p:extLst>
+      <p:ext uri="{BB962C8B-B14F-4D97-AF65-F5344CB8AC3E}">
+        <p14:creationId xmlns:p14="http://schemas.microsoft.com/office/powerpoint/2010/main" val="3705858684"/>
+      </p:ext>
+    </p:extLst>
+  </p:cSld>
+  <p:clrMapOvr>
+    <a:masterClrMapping/>
+  </p:clrMapOvr>
+</p:sld>
+</file>
+
+<file path=ppt/slides/slide31.xml><?xml version="1.0" encoding="utf-8"?>
+<p:sld xmlns:a="http://schemas.openxmlformats.org/drawingml/2006/main" xmlns:r="http://schemas.openxmlformats.org/officeDocument/2006/relationships" xmlns:p="http://schemas.openxmlformats.org/presentationml/2006/main">
+  <p:cSld>
+    <p:spTree>
+      <p:nvGrpSpPr>
+        <p:cNvPr id="1" name=""/>
+        <p:cNvGrpSpPr/>
+        <p:nvPr/>
+      </p:nvGrpSpPr>
+      <p:grpSpPr>
+        <a:xfrm>
+          <a:off x="0" y="0"/>
+          <a:ext cx="0" cy="0"/>
+          <a:chOff x="0" y="0"/>
+          <a:chExt cx="0" cy="0"/>
+        </a:xfrm>
+      </p:grpSpPr>
+      <p:pic>
+        <p:nvPicPr>
+          <p:cNvPr id="9218" name="Picture 2" descr="Visiting store vs. sending spam"/>
+          <p:cNvPicPr>
+            <a:picLocks noChangeAspect="1" noChangeArrowheads="1"/>
+          </p:cNvPicPr>
+          <p:nvPr/>
+        </p:nvPicPr>
+        <p:blipFill>
+          <a:blip r:embed="rId2">
+            <a:extLst>
+              <a:ext uri="{28A0092B-C50C-407E-A947-70E740481C1C}">
+                <a14:useLocalDpi xmlns:a14="http://schemas.microsoft.com/office/drawing/2010/main" val="0"/>
+              </a:ext>
+            </a:extLst>
+          </a:blip>
+          <a:srcRect/>
+          <a:stretch>
+            <a:fillRect/>
+          </a:stretch>
+        </p:blipFill>
+        <p:spPr bwMode="auto">
+          <a:xfrm>
+            <a:off x="1644740" y="2429691"/>
+            <a:ext cx="8438606" cy="4219303"/>
+          </a:xfrm>
+          <a:prstGeom prst="rect">
+            <a:avLst/>
+          </a:prstGeom>
+          <a:noFill/>
+          <a:extLst>
+            <a:ext uri="{909E8E84-426E-40DD-AFC4-6F175D3DCCD1}">
+              <a14:hiddenFill xmlns:a14="http://schemas.microsoft.com/office/drawing/2010/main">
+                <a:solidFill>
+                  <a:srgbClr val="FFFFFF"/>
+                </a:solidFill>
+              </a14:hiddenFill>
+            </a:ext>
+          </a:extLst>
+        </p:spPr>
+      </p:pic>
+      <p:sp>
+        <p:nvSpPr>
+          <p:cNvPr id="3" name="Title 1"/>
+          <p:cNvSpPr>
+            <a:spLocks noGrp="1"/>
+          </p:cNvSpPr>
+          <p:nvPr>
+            <p:ph type="title"/>
+          </p:nvPr>
+        </p:nvSpPr>
+        <p:spPr>
+          <a:xfrm>
+            <a:off x="606243" y="760140"/>
+            <a:ext cx="10515600" cy="1325563"/>
+          </a:xfrm>
+        </p:spPr>
+        <p:txBody>
+          <a:bodyPr>
+            <a:normAutofit/>
+          </a:bodyPr>
+          <a:lstStyle/>
+          <a:p>
+            <a:pPr algn="r" rtl="1"/>
+            <a:r>
+              <a:rPr lang="fa-IR" sz="2800" dirty="0" smtClean="0"/>
+              <a:t>- مشتری هر مدت یک‌بار باید به سمت مغازه برود و چک کند</a:t>
+            </a:r>
+            <a:br>
+              <a:rPr lang="fa-IR" sz="2800" dirty="0" smtClean="0"/>
+            </a:br>
+            <a:r>
+              <a:rPr lang="fa-IR" sz="2800" dirty="0" smtClean="0"/>
+              <a:t>- یا مغازه به مشتریان اطلاع دهد</a:t>
+            </a:r>
+            <a:endParaRPr lang="en-US" sz="2800" dirty="0"/>
+          </a:p>
+        </p:txBody>
+      </p:sp>
+    </p:spTree>
+    <p:extLst>
+      <p:ext uri="{BB962C8B-B14F-4D97-AF65-F5344CB8AC3E}">
+        <p14:creationId xmlns:p14="http://schemas.microsoft.com/office/powerpoint/2010/main" val="2858914806"/>
+      </p:ext>
+    </p:extLst>
+  </p:cSld>
+  <p:clrMapOvr>
+    <a:masterClrMapping/>
+  </p:clrMapOvr>
+</p:sld>
+</file>
+
+<file path=ppt/slides/slide32.xml><?xml version="1.0" encoding="utf-8"?>
+<p:sld xmlns:a="http://schemas.openxmlformats.org/drawingml/2006/main" xmlns:r="http://schemas.openxmlformats.org/officeDocument/2006/relationships" xmlns:p="http://schemas.openxmlformats.org/presentationml/2006/main">
+  <p:cSld>
+    <p:spTree>
+      <p:nvGrpSpPr>
+        <p:cNvPr id="1" name=""/>
+        <p:cNvGrpSpPr/>
+        <p:nvPr/>
+      </p:nvGrpSpPr>
+      <p:grpSpPr>
+        <a:xfrm>
+          <a:off x="0" y="0"/>
+          <a:ext cx="0" cy="0"/>
+          <a:chOff x="0" y="0"/>
+          <a:chExt cx="0" cy="0"/>
+        </a:xfrm>
+      </p:grpSpPr>
+      <p:pic>
+        <p:nvPicPr>
+          <p:cNvPr id="10242" name="Picture 2" descr="Subscription mechanism"/>
+          <p:cNvPicPr>
+            <a:picLocks noChangeAspect="1" noChangeArrowheads="1"/>
+          </p:cNvPicPr>
+          <p:nvPr/>
+        </p:nvPicPr>
+        <p:blipFill>
+          <a:blip r:embed="rId2">
+            <a:extLst>
+              <a:ext uri="{28A0092B-C50C-407E-A947-70E740481C1C}">
+                <a14:useLocalDpi xmlns:a14="http://schemas.microsoft.com/office/drawing/2010/main" val="0"/>
+              </a:ext>
+            </a:extLst>
+          </a:blip>
+          <a:srcRect/>
+          <a:stretch>
+            <a:fillRect/>
+          </a:stretch>
+        </p:blipFill>
+        <p:spPr bwMode="auto">
+          <a:xfrm>
+            <a:off x="2436961" y="2195195"/>
+            <a:ext cx="6854164" cy="2624999"/>
+          </a:xfrm>
+          <a:prstGeom prst="rect">
+            <a:avLst/>
+          </a:prstGeom>
+          <a:noFill/>
+          <a:extLst>
+            <a:ext uri="{909E8E84-426E-40DD-AFC4-6F175D3DCCD1}">
+              <a14:hiddenFill xmlns:a14="http://schemas.microsoft.com/office/drawing/2010/main">
+                <a:solidFill>
+                  <a:srgbClr val="FFFFFF"/>
+                </a:solidFill>
+              </a14:hiddenFill>
+            </a:ext>
+          </a:extLst>
+        </p:spPr>
+      </p:pic>
+      <p:sp>
+        <p:nvSpPr>
+          <p:cNvPr id="5" name="Title 1"/>
+          <p:cNvSpPr>
+            <a:spLocks noGrp="1"/>
+          </p:cNvSpPr>
+          <p:nvPr>
+            <p:ph type="title"/>
+          </p:nvPr>
+        </p:nvSpPr>
+        <p:spPr>
+          <a:xfrm>
+            <a:off x="606243" y="760140"/>
+            <a:ext cx="10515600" cy="1325563"/>
+          </a:xfrm>
+        </p:spPr>
+        <p:txBody>
+          <a:bodyPr>
+            <a:normAutofit/>
+          </a:bodyPr>
+          <a:lstStyle/>
+          <a:p>
+            <a:pPr algn="r" rtl="1"/>
+            <a:r>
+              <a:rPr lang="fa-IR" sz="2800" dirty="0" smtClean="0"/>
+              <a:t>راه حل:</a:t>
+            </a:r>
+            <a:endParaRPr lang="en-US" sz="2800" dirty="0"/>
+          </a:p>
+        </p:txBody>
+      </p:sp>
+    </p:spTree>
+    <p:extLst>
+      <p:ext uri="{BB962C8B-B14F-4D97-AF65-F5344CB8AC3E}">
+        <p14:creationId xmlns:p14="http://schemas.microsoft.com/office/powerpoint/2010/main" val="3195142780"/>
+      </p:ext>
+    </p:extLst>
+  </p:cSld>
+  <p:clrMapOvr>
+    <a:masterClrMapping/>
+  </p:clrMapOvr>
+</p:sld>
+</file>
+
+<file path=ppt/slides/slide33.xml><?xml version="1.0" encoding="utf-8"?>
+<p:sld xmlns:a="http://schemas.openxmlformats.org/drawingml/2006/main" xmlns:r="http://schemas.openxmlformats.org/officeDocument/2006/relationships" xmlns:p="http://schemas.openxmlformats.org/presentationml/2006/main">
+  <p:cSld>
+    <p:spTree>
+      <p:nvGrpSpPr>
+        <p:cNvPr id="1" name=""/>
+        <p:cNvGrpSpPr/>
+        <p:nvPr/>
+      </p:nvGrpSpPr>
+      <p:grpSpPr>
+        <a:xfrm>
+          <a:off x="0" y="0"/>
+          <a:ext cx="0" cy="0"/>
+          <a:chOff x="0" y="0"/>
+          <a:chExt cx="0" cy="0"/>
+        </a:xfrm>
+      </p:grpSpPr>
+      <p:pic>
+        <p:nvPicPr>
+          <p:cNvPr id="15362" name="Picture 2" descr="Notification methods"/>
+          <p:cNvPicPr>
+            <a:picLocks noChangeAspect="1" noChangeArrowheads="1"/>
+          </p:cNvPicPr>
+          <p:nvPr/>
+        </p:nvPicPr>
+        <p:blipFill>
+          <a:blip r:embed="rId2">
+            <a:extLst>
+              <a:ext uri="{28A0092B-C50C-407E-A947-70E740481C1C}">
+                <a14:useLocalDpi xmlns:a14="http://schemas.microsoft.com/office/drawing/2010/main" val="0"/>
+              </a:ext>
+            </a:extLst>
+          </a:blip>
+          <a:srcRect/>
+          <a:stretch>
+            <a:fillRect/>
+          </a:stretch>
+        </p:blipFill>
+        <p:spPr bwMode="auto">
+          <a:xfrm>
+            <a:off x="2951025" y="934947"/>
+            <a:ext cx="5931717" cy="4771165"/>
+          </a:xfrm>
+          <a:prstGeom prst="rect">
+            <a:avLst/>
+          </a:prstGeom>
+          <a:noFill/>
+          <a:extLst>
+            <a:ext uri="{909E8E84-426E-40DD-AFC4-6F175D3DCCD1}">
+              <a14:hiddenFill xmlns:a14="http://schemas.microsoft.com/office/drawing/2010/main">
+                <a:solidFill>
+                  <a:srgbClr val="FFFFFF"/>
+                </a:solidFill>
+              </a14:hiddenFill>
+            </a:ext>
+          </a:extLst>
+        </p:spPr>
+      </p:pic>
+    </p:spTree>
+    <p:extLst>
+      <p:ext uri="{BB962C8B-B14F-4D97-AF65-F5344CB8AC3E}">
+        <p14:creationId xmlns:p14="http://schemas.microsoft.com/office/powerpoint/2010/main" val="628925788"/>
+      </p:ext>
+    </p:extLst>
+  </p:cSld>
+  <p:clrMapOvr>
+    <a:masterClrMapping/>
+  </p:clrMapOvr>
+</p:sld>
+</file>
+
+<file path=ppt/slides/slide34.xml><?xml version="1.0" encoding="utf-8"?>
+<p:sld xmlns:a="http://schemas.openxmlformats.org/drawingml/2006/main" xmlns:r="http://schemas.openxmlformats.org/officeDocument/2006/relationships" xmlns:p="http://schemas.openxmlformats.org/presentationml/2006/main">
+  <p:cSld>
+    <p:spTree>
+      <p:nvGrpSpPr>
+        <p:cNvPr id="1" name=""/>
+        <p:cNvGrpSpPr/>
+        <p:nvPr/>
+      </p:nvGrpSpPr>
+      <p:grpSpPr>
+        <a:xfrm>
+          <a:off x="0" y="0"/>
+          <a:ext cx="0" cy="0"/>
+          <a:chOff x="0" y="0"/>
+          <a:chExt cx="0" cy="0"/>
+        </a:xfrm>
+      </p:grpSpPr>
+      <p:pic>
+        <p:nvPicPr>
+          <p:cNvPr id="16388" name="Picture 4" descr="Magazine and newspaper subscriptions"/>
+          <p:cNvPicPr>
+            <a:picLocks noChangeAspect="1" noChangeArrowheads="1"/>
+          </p:cNvPicPr>
+          <p:nvPr/>
+        </p:nvPicPr>
+        <p:blipFill>
+          <a:blip r:embed="rId2">
+            <a:extLst>
+              <a:ext uri="{28A0092B-C50C-407E-A947-70E740481C1C}">
+                <a14:useLocalDpi xmlns:a14="http://schemas.microsoft.com/office/drawing/2010/main" val="0"/>
+              </a:ext>
+            </a:extLst>
+          </a:blip>
+          <a:srcRect/>
+          <a:stretch>
+            <a:fillRect/>
+          </a:stretch>
+        </p:blipFill>
+        <p:spPr bwMode="auto">
+          <a:xfrm>
+            <a:off x="1605552" y="1737360"/>
+            <a:ext cx="8361408" cy="4180704"/>
+          </a:xfrm>
+          <a:prstGeom prst="rect">
+            <a:avLst/>
+          </a:prstGeom>
+          <a:noFill/>
+          <a:extLst>
+            <a:ext uri="{909E8E84-426E-40DD-AFC4-6F175D3DCCD1}">
+              <a14:hiddenFill xmlns:a14="http://schemas.microsoft.com/office/drawing/2010/main">
+                <a:solidFill>
+                  <a:srgbClr val="FFFFFF"/>
+                </a:solidFill>
+              </a14:hiddenFill>
+            </a:ext>
+          </a:extLst>
+        </p:spPr>
+      </p:pic>
+      <p:sp>
+        <p:nvSpPr>
+          <p:cNvPr id="6" name="Title 1"/>
+          <p:cNvSpPr>
+            <a:spLocks noGrp="1"/>
+          </p:cNvSpPr>
+          <p:nvPr>
+            <p:ph type="title"/>
+          </p:nvPr>
+        </p:nvSpPr>
+        <p:spPr>
+          <a:xfrm>
+            <a:off x="606243" y="760140"/>
+            <a:ext cx="10515600" cy="1325563"/>
+          </a:xfrm>
+        </p:spPr>
+        <p:txBody>
+          <a:bodyPr>
+            <a:normAutofit/>
+          </a:bodyPr>
+          <a:lstStyle/>
+          <a:p>
+            <a:pPr algn="r" rtl="1"/>
+            <a:r>
+              <a:rPr lang="fa-IR" sz="2800" dirty="0" smtClean="0"/>
+              <a:t>زندگی واقعی:</a:t>
+            </a:r>
+            <a:endParaRPr lang="en-US" sz="2800" dirty="0"/>
+          </a:p>
+        </p:txBody>
+      </p:sp>
+    </p:spTree>
+    <p:extLst>
+      <p:ext uri="{BB962C8B-B14F-4D97-AF65-F5344CB8AC3E}">
+        <p14:creationId xmlns:p14="http://schemas.microsoft.com/office/powerpoint/2010/main" val="279592355"/>
+      </p:ext>
+    </p:extLst>
+  </p:cSld>
+  <p:clrMapOvr>
+    <a:masterClrMapping/>
+  </p:clrMapOvr>
+</p:sld>
+</file>
+
+<file path=ppt/slides/slide35.xml><?xml version="1.0" encoding="utf-8"?>
+<p:sld xmlns:a="http://schemas.openxmlformats.org/drawingml/2006/main" xmlns:r="http://schemas.openxmlformats.org/officeDocument/2006/relationships" xmlns:p="http://schemas.openxmlformats.org/presentationml/2006/main">
+  <p:cSld>
+    <p:spTree>
+      <p:nvGrpSpPr>
+        <p:cNvPr id="1" name=""/>
+        <p:cNvGrpSpPr/>
+        <p:nvPr/>
+      </p:nvGrpSpPr>
+      <p:grpSpPr>
+        <a:xfrm>
+          <a:off x="0" y="0"/>
+          <a:ext cx="0" cy="0"/>
+          <a:chOff x="0" y="0"/>
+          <a:chExt cx="0" cy="0"/>
+        </a:xfrm>
+      </p:grpSpPr>
+      <p:sp>
+        <p:nvSpPr>
+          <p:cNvPr id="2" name="Title 1"/>
+          <p:cNvSpPr>
+            <a:spLocks noGrp="1"/>
+          </p:cNvSpPr>
+          <p:nvPr>
+            <p:ph type="title"/>
+          </p:nvPr>
+        </p:nvSpPr>
+        <p:spPr>
+          <a:xfrm>
+            <a:off x="893618" y="517525"/>
+            <a:ext cx="10515600" cy="1325563"/>
+          </a:xfrm>
+        </p:spPr>
+        <p:txBody>
+          <a:bodyPr/>
+          <a:lstStyle/>
+          <a:p>
+            <a:pPr algn="ctr"/>
+            <a:r>
+              <a:rPr lang="en-US" dirty="0" smtClean="0"/>
+              <a:t>strategy </a:t>
+            </a:r>
+            <a:endParaRPr lang="en-US" dirty="0"/>
+          </a:p>
+        </p:txBody>
+      </p:sp>
+      <p:pic>
+        <p:nvPicPr>
+          <p:cNvPr id="1026" name="Picture 2" descr="Strategy design pattern"/>
+          <p:cNvPicPr>
+            <a:picLocks noChangeAspect="1" noChangeArrowheads="1"/>
+          </p:cNvPicPr>
+          <p:nvPr/>
+        </p:nvPicPr>
+        <p:blipFill>
+          <a:blip r:embed="rId2">
+            <a:extLst>
+              <a:ext uri="{28A0092B-C50C-407E-A947-70E740481C1C}">
+                <a14:useLocalDpi xmlns:a14="http://schemas.microsoft.com/office/drawing/2010/main" val="0"/>
+              </a:ext>
+            </a:extLst>
+          </a:blip>
+          <a:srcRect/>
+          <a:stretch>
+            <a:fillRect/>
+          </a:stretch>
+        </p:blipFill>
+        <p:spPr bwMode="auto">
+          <a:xfrm>
+            <a:off x="3300555" y="2678834"/>
+            <a:ext cx="6096000" cy="3810000"/>
+          </a:xfrm>
+          <a:prstGeom prst="rect">
+            <a:avLst/>
+          </a:prstGeom>
+          <a:noFill/>
+          <a:extLst>
+            <a:ext uri="{909E8E84-426E-40DD-AFC4-6F175D3DCCD1}">
+              <a14:hiddenFill xmlns:a14="http://schemas.microsoft.com/office/drawing/2010/main">
+                <a:solidFill>
+                  <a:srgbClr val="FFFFFF"/>
+                </a:solidFill>
+              </a14:hiddenFill>
+            </a:ext>
+          </a:extLst>
+        </p:spPr>
+      </p:pic>
+      <p:sp>
+        <p:nvSpPr>
+          <p:cNvPr id="4" name="Rectangle 3"/>
+          <p:cNvSpPr/>
+          <p:nvPr/>
+        </p:nvSpPr>
+        <p:spPr>
+          <a:xfrm>
+            <a:off x="893618" y="1746068"/>
+            <a:ext cx="9947564" cy="646331"/>
+          </a:xfrm>
+          <a:prstGeom prst="rect">
+            <a:avLst/>
+          </a:prstGeom>
+        </p:spPr>
+        <p:txBody>
+          <a:bodyPr wrap="square">
+            <a:spAutoFit/>
+          </a:bodyPr>
+          <a:lstStyle/>
+          <a:p>
+            <a:pPr algn="r" rtl="1"/>
+            <a:r>
+              <a:rPr lang="fa-IR" dirty="0" smtClean="0">
+                <a:solidFill>
+                  <a:srgbClr val="444444"/>
+                </a:solidFill>
+                <a:latin typeface="PT Sans"/>
+                <a:cs typeface="B Yekan" panose="00000400000000000000" pitchFamily="2" charset="-78"/>
+              </a:rPr>
+              <a:t>استراتژی یک الگوی رفتاری است، به شما اجازه می‌دهد که خانواده‌ای از الگوریتم‌ها را درون کلاس‌های جدا تعریف کنید و نمونه‌های آن کلاس را استفاده کنید.</a:t>
+            </a:r>
+            <a:endParaRPr lang="en-US" dirty="0">
+              <a:cs typeface="B Yekan" panose="00000400000000000000" pitchFamily="2" charset="-78"/>
+            </a:endParaRPr>
+          </a:p>
+        </p:txBody>
+      </p:sp>
+    </p:spTree>
+    <p:extLst>
+      <p:ext uri="{BB962C8B-B14F-4D97-AF65-F5344CB8AC3E}">
+        <p14:creationId xmlns:p14="http://schemas.microsoft.com/office/powerpoint/2010/main" val="4069887107"/>
+      </p:ext>
+    </p:extLst>
+  </p:cSld>
+  <p:clrMapOvr>
+    <a:masterClrMapping/>
+  </p:clrMapOvr>
+</p:sld>
+</file>
+
+<file path=ppt/slides/slide36.xml><?xml version="1.0" encoding="utf-8"?>
+<p:sld xmlns:a="http://schemas.openxmlformats.org/drawingml/2006/main" xmlns:r="http://schemas.openxmlformats.org/officeDocument/2006/relationships" xmlns:p="http://schemas.openxmlformats.org/presentationml/2006/main">
+  <p:cSld>
+    <p:spTree>
+      <p:nvGrpSpPr>
+        <p:cNvPr id="1" name=""/>
+        <p:cNvGrpSpPr/>
+        <p:nvPr/>
+      </p:nvGrpSpPr>
+      <p:grpSpPr>
+        <a:xfrm>
+          <a:off x="0" y="0"/>
+          <a:ext cx="0" cy="0"/>
+          <a:chOff x="0" y="0"/>
+          <a:chExt cx="0" cy="0"/>
+        </a:xfrm>
+      </p:grpSpPr>
+      <p:sp>
+        <p:nvSpPr>
+          <p:cNvPr id="2" name="Title 1"/>
+          <p:cNvSpPr>
+            <a:spLocks noGrp="1"/>
+          </p:cNvSpPr>
+          <p:nvPr>
+            <p:ph type="title"/>
+          </p:nvPr>
+        </p:nvSpPr>
+        <p:spPr>
+          <a:xfrm>
+            <a:off x="893618" y="517525"/>
+            <a:ext cx="10515600" cy="1325563"/>
+          </a:xfrm>
+        </p:spPr>
+        <p:txBody>
+          <a:bodyPr/>
+          <a:lstStyle/>
+          <a:p>
+            <a:pPr algn="ctr"/>
+            <a:r>
+              <a:rPr lang="en-US" dirty="0" smtClean="0"/>
+              <a:t>strategy </a:t>
+            </a:r>
+            <a:endParaRPr lang="en-US" dirty="0"/>
+          </a:p>
+        </p:txBody>
+      </p:sp>
+      <p:sp>
+        <p:nvSpPr>
+          <p:cNvPr id="5" name="Title 1"/>
+          <p:cNvSpPr txBox="1">
+            <a:spLocks/>
+          </p:cNvSpPr>
+          <p:nvPr/>
+        </p:nvSpPr>
+        <p:spPr>
+          <a:xfrm>
+            <a:off x="893618" y="2471016"/>
+            <a:ext cx="10515600" cy="1325563"/>
+          </a:xfrm>
+          <a:prstGeom prst="rect">
+            <a:avLst/>
+          </a:prstGeom>
+        </p:spPr>
+        <p:txBody>
+          <a:bodyPr vert="horz" lIns="91440" tIns="45720" rIns="91440" bIns="45720" rtlCol="0" anchor="ctr">
+            <a:normAutofit/>
+          </a:bodyPr>
+          <a:lstStyle>
+            <a:lvl1pPr algn="l" defTabSz="914400" rtl="0" eaLnBrk="1" latinLnBrk="0" hangingPunct="1">
+              <a:lnSpc>
+                <a:spcPct val="90000"/>
+              </a:lnSpc>
+              <a:spcBef>
+                <a:spcPct val="0"/>
+              </a:spcBef>
+              <a:buNone/>
+              <a:defRPr sz="4400" kern="1200">
+                <a:solidFill>
+                  <a:schemeClr val="tx1"/>
+                </a:solidFill>
+                <a:latin typeface="+mj-lt"/>
+                <a:ea typeface="+mj-ea"/>
+                <a:cs typeface="+mj-cs"/>
+              </a:defRPr>
+            </a:lvl1pPr>
+          </a:lstStyle>
+          <a:p>
+            <a:pPr algn="ctr"/>
+            <a:r>
+              <a:rPr lang="fa-IR" sz="3600" dirty="0" smtClean="0">
+                <a:cs typeface="B Yekan" panose="00000400000000000000" pitchFamily="2" charset="-78"/>
+              </a:rPr>
+              <a:t>فرض کنید یک اپلیکیشن نقشه ایجاد کرده‌اید</a:t>
+            </a:r>
+            <a:endParaRPr lang="en-US" sz="3600" dirty="0">
+              <a:cs typeface="B Yekan" panose="00000400000000000000" pitchFamily="2" charset="-78"/>
+            </a:endParaRPr>
+          </a:p>
+        </p:txBody>
+      </p:sp>
+    </p:spTree>
+    <p:extLst>
+      <p:ext uri="{BB962C8B-B14F-4D97-AF65-F5344CB8AC3E}">
+        <p14:creationId xmlns:p14="http://schemas.microsoft.com/office/powerpoint/2010/main" val="1465341126"/>
+      </p:ext>
+    </p:extLst>
+  </p:cSld>
+  <p:clrMapOvr>
+    <a:masterClrMapping/>
+  </p:clrMapOvr>
+</p:sld>
+</file>
+
+<file path=ppt/slides/slide37.xml><?xml version="1.0" encoding="utf-8"?>
+<p:sld xmlns:a="http://schemas.openxmlformats.org/drawingml/2006/main" xmlns:r="http://schemas.openxmlformats.org/officeDocument/2006/relationships" xmlns:p="http://schemas.openxmlformats.org/presentationml/2006/main">
+  <p:cSld>
+    <p:spTree>
+      <p:nvGrpSpPr>
+        <p:cNvPr id="1" name=""/>
+        <p:cNvGrpSpPr/>
+        <p:nvPr/>
+      </p:nvGrpSpPr>
+      <p:grpSpPr>
+        <a:xfrm>
+          <a:off x="0" y="0"/>
+          <a:ext cx="0" cy="0"/>
+          <a:chOff x="0" y="0"/>
+          <a:chExt cx="0" cy="0"/>
+        </a:xfrm>
+      </p:grpSpPr>
+      <p:sp>
+        <p:nvSpPr>
+          <p:cNvPr id="2" name="Title 1"/>
+          <p:cNvSpPr>
+            <a:spLocks noGrp="1"/>
+          </p:cNvSpPr>
+          <p:nvPr>
+            <p:ph type="title"/>
+          </p:nvPr>
+        </p:nvSpPr>
+        <p:spPr>
+          <a:xfrm>
+            <a:off x="893618" y="517525"/>
+            <a:ext cx="10515600" cy="1325563"/>
+          </a:xfrm>
+        </p:spPr>
+        <p:txBody>
+          <a:bodyPr/>
+          <a:lstStyle/>
+          <a:p>
+            <a:pPr algn="ctr"/>
+            <a:r>
+              <a:rPr lang="en-US" dirty="0" smtClean="0"/>
+              <a:t>strategy </a:t>
+            </a:r>
+            <a:endParaRPr lang="en-US" dirty="0"/>
+          </a:p>
+        </p:txBody>
+      </p:sp>
+      <p:sp>
+        <p:nvSpPr>
+          <p:cNvPr id="5" name="Title 1"/>
+          <p:cNvSpPr txBox="1">
+            <a:spLocks/>
+          </p:cNvSpPr>
+          <p:nvPr/>
+        </p:nvSpPr>
+        <p:spPr>
+          <a:xfrm>
+            <a:off x="893618" y="2471016"/>
+            <a:ext cx="10515600" cy="1325563"/>
+          </a:xfrm>
+          <a:prstGeom prst="rect">
+            <a:avLst/>
+          </a:prstGeom>
+        </p:spPr>
+        <p:txBody>
+          <a:bodyPr vert="horz" lIns="91440" tIns="45720" rIns="91440" bIns="45720" rtlCol="0" anchor="ctr">
+            <a:normAutofit/>
+          </a:bodyPr>
+          <a:lstStyle>
+            <a:lvl1pPr algn="l" defTabSz="914400" rtl="0" eaLnBrk="1" latinLnBrk="0" hangingPunct="1">
+              <a:lnSpc>
+                <a:spcPct val="90000"/>
+              </a:lnSpc>
+              <a:spcBef>
+                <a:spcPct val="0"/>
+              </a:spcBef>
+              <a:buNone/>
+              <a:defRPr sz="4400" kern="1200">
+                <a:solidFill>
+                  <a:schemeClr val="tx1"/>
+                </a:solidFill>
+                <a:latin typeface="+mj-lt"/>
+                <a:ea typeface="+mj-ea"/>
+                <a:cs typeface="+mj-cs"/>
+              </a:defRPr>
+            </a:lvl1pPr>
+          </a:lstStyle>
+          <a:p>
+            <a:pPr algn="ctr"/>
+            <a:r>
+              <a:rPr lang="fa-IR" sz="3600" dirty="0" smtClean="0">
+                <a:cs typeface="B Yekan" panose="00000400000000000000" pitchFamily="2" charset="-78"/>
+              </a:rPr>
+              <a:t>بهترین مسیر را می‌توانید به کاربر نشان دهید (خودرو)</a:t>
+            </a:r>
+            <a:endParaRPr lang="en-US" sz="3600" dirty="0">
+              <a:cs typeface="B Yekan" panose="00000400000000000000" pitchFamily="2" charset="-78"/>
+            </a:endParaRPr>
+          </a:p>
+        </p:txBody>
+      </p:sp>
+    </p:spTree>
+    <p:extLst>
+      <p:ext uri="{BB962C8B-B14F-4D97-AF65-F5344CB8AC3E}">
+        <p14:creationId xmlns:p14="http://schemas.microsoft.com/office/powerpoint/2010/main" val="2445277413"/>
+      </p:ext>
+    </p:extLst>
+  </p:cSld>
+  <p:clrMapOvr>
+    <a:masterClrMapping/>
+  </p:clrMapOvr>
+</p:sld>
+</file>
+
+<file path=ppt/slides/slide38.xml><?xml version="1.0" encoding="utf-8"?>
+<p:sld xmlns:a="http://schemas.openxmlformats.org/drawingml/2006/main" xmlns:r="http://schemas.openxmlformats.org/officeDocument/2006/relationships" xmlns:p="http://schemas.openxmlformats.org/presentationml/2006/main">
+  <p:cSld>
+    <p:spTree>
+      <p:nvGrpSpPr>
+        <p:cNvPr id="1" name=""/>
+        <p:cNvGrpSpPr/>
+        <p:nvPr/>
+      </p:nvGrpSpPr>
+      <p:grpSpPr>
+        <a:xfrm>
+          <a:off x="0" y="0"/>
+          <a:ext cx="0" cy="0"/>
+          <a:chOff x="0" y="0"/>
+          <a:chExt cx="0" cy="0"/>
+        </a:xfrm>
+      </p:grpSpPr>
+      <p:sp>
+        <p:nvSpPr>
+          <p:cNvPr id="2" name="Title 1"/>
+          <p:cNvSpPr>
+            <a:spLocks noGrp="1"/>
+          </p:cNvSpPr>
+          <p:nvPr>
+            <p:ph type="title"/>
+          </p:nvPr>
+        </p:nvSpPr>
+        <p:spPr>
+          <a:xfrm>
+            <a:off x="893618" y="517525"/>
+            <a:ext cx="10515600" cy="1325563"/>
+          </a:xfrm>
+        </p:spPr>
+        <p:txBody>
+          <a:bodyPr/>
+          <a:lstStyle/>
+          <a:p>
+            <a:pPr algn="ctr"/>
+            <a:r>
+              <a:rPr lang="en-US" dirty="0" smtClean="0"/>
+              <a:t>strategy </a:t>
+            </a:r>
+            <a:endParaRPr lang="en-US" dirty="0"/>
+          </a:p>
+        </p:txBody>
+      </p:sp>
+      <p:sp>
+        <p:nvSpPr>
+          <p:cNvPr id="5" name="Title 1"/>
+          <p:cNvSpPr txBox="1">
+            <a:spLocks/>
+          </p:cNvSpPr>
+          <p:nvPr/>
+        </p:nvSpPr>
+        <p:spPr>
+          <a:xfrm>
+            <a:off x="893618" y="2471016"/>
+            <a:ext cx="10515600" cy="1325563"/>
+          </a:xfrm>
+          <a:prstGeom prst="rect">
+            <a:avLst/>
+          </a:prstGeom>
+        </p:spPr>
+        <p:txBody>
+          <a:bodyPr vert="horz" lIns="91440" tIns="45720" rIns="91440" bIns="45720" rtlCol="0" anchor="ctr">
+            <a:normAutofit/>
+          </a:bodyPr>
+          <a:lstStyle>
+            <a:lvl1pPr algn="l" defTabSz="914400" rtl="0" eaLnBrk="1" latinLnBrk="0" hangingPunct="1">
+              <a:lnSpc>
+                <a:spcPct val="90000"/>
+              </a:lnSpc>
+              <a:spcBef>
+                <a:spcPct val="0"/>
+              </a:spcBef>
+              <a:buNone/>
+              <a:defRPr sz="4400" kern="1200">
+                <a:solidFill>
+                  <a:schemeClr val="tx1"/>
+                </a:solidFill>
+                <a:latin typeface="+mj-lt"/>
+                <a:ea typeface="+mj-ea"/>
+                <a:cs typeface="+mj-cs"/>
+              </a:defRPr>
+            </a:lvl1pPr>
+          </a:lstStyle>
+          <a:p>
+            <a:pPr algn="ctr"/>
+            <a:r>
+              <a:rPr lang="fa-IR" sz="3600" dirty="0" smtClean="0">
+                <a:cs typeface="B Yekan" panose="00000400000000000000" pitchFamily="2" charset="-78"/>
+              </a:rPr>
+              <a:t>+ مسیر پیاده روی</a:t>
+            </a:r>
+            <a:endParaRPr lang="en-US" sz="3600" dirty="0">
+              <a:cs typeface="B Yekan" panose="00000400000000000000" pitchFamily="2" charset="-78"/>
+            </a:endParaRPr>
+          </a:p>
+        </p:txBody>
+      </p:sp>
+    </p:spTree>
+    <p:extLst>
+      <p:ext uri="{BB962C8B-B14F-4D97-AF65-F5344CB8AC3E}">
+        <p14:creationId xmlns:p14="http://schemas.microsoft.com/office/powerpoint/2010/main" val="3132126925"/>
+      </p:ext>
+    </p:extLst>
+  </p:cSld>
+  <p:clrMapOvr>
+    <a:masterClrMapping/>
+  </p:clrMapOvr>
+</p:sld>
+</file>
+
+<file path=ppt/slides/slide39.xml><?xml version="1.0" encoding="utf-8"?>
+<p:sld xmlns:a="http://schemas.openxmlformats.org/drawingml/2006/main" xmlns:r="http://schemas.openxmlformats.org/officeDocument/2006/relationships" xmlns:p="http://schemas.openxmlformats.org/presentationml/2006/main">
+  <p:cSld>
+    <p:spTree>
+      <p:nvGrpSpPr>
+        <p:cNvPr id="1" name=""/>
+        <p:cNvGrpSpPr/>
+        <p:nvPr/>
+      </p:nvGrpSpPr>
+      <p:grpSpPr>
+        <a:xfrm>
+          <a:off x="0" y="0"/>
+          <a:ext cx="0" cy="0"/>
+          <a:chOff x="0" y="0"/>
+          <a:chExt cx="0" cy="0"/>
+        </a:xfrm>
+      </p:grpSpPr>
+      <p:sp>
+        <p:nvSpPr>
+          <p:cNvPr id="2" name="Title 1"/>
+          <p:cNvSpPr>
+            <a:spLocks noGrp="1"/>
+          </p:cNvSpPr>
+          <p:nvPr>
+            <p:ph type="title"/>
+          </p:nvPr>
+        </p:nvSpPr>
+        <p:spPr>
+          <a:xfrm>
+            <a:off x="893618" y="517525"/>
+            <a:ext cx="10515600" cy="1325563"/>
+          </a:xfrm>
+        </p:spPr>
+        <p:txBody>
+          <a:bodyPr/>
+          <a:lstStyle/>
+          <a:p>
+            <a:pPr algn="ctr"/>
+            <a:r>
+              <a:rPr lang="en-US" dirty="0" smtClean="0"/>
+              <a:t>strategy </a:t>
+            </a:r>
+            <a:endParaRPr lang="en-US" dirty="0"/>
+          </a:p>
+        </p:txBody>
+      </p:sp>
+      <p:sp>
+        <p:nvSpPr>
+          <p:cNvPr id="5" name="Title 1"/>
+          <p:cNvSpPr txBox="1">
+            <a:spLocks/>
+          </p:cNvSpPr>
+          <p:nvPr/>
+        </p:nvSpPr>
+        <p:spPr>
+          <a:xfrm>
+            <a:off x="893618" y="2471016"/>
+            <a:ext cx="10515600" cy="1325563"/>
+          </a:xfrm>
+          <a:prstGeom prst="rect">
+            <a:avLst/>
+          </a:prstGeom>
+        </p:spPr>
+        <p:txBody>
+          <a:bodyPr vert="horz" lIns="91440" tIns="45720" rIns="91440" bIns="45720" rtlCol="0" anchor="ctr">
+            <a:normAutofit/>
+          </a:bodyPr>
+          <a:lstStyle>
+            <a:lvl1pPr algn="l" defTabSz="914400" rtl="0" eaLnBrk="1" latinLnBrk="0" hangingPunct="1">
+              <a:lnSpc>
+                <a:spcPct val="90000"/>
+              </a:lnSpc>
+              <a:spcBef>
+                <a:spcPct val="0"/>
+              </a:spcBef>
+              <a:buNone/>
+              <a:defRPr sz="4400" kern="1200">
+                <a:solidFill>
+                  <a:schemeClr val="tx1"/>
+                </a:solidFill>
+                <a:latin typeface="+mj-lt"/>
+                <a:ea typeface="+mj-ea"/>
+                <a:cs typeface="+mj-cs"/>
+              </a:defRPr>
+            </a:lvl1pPr>
+          </a:lstStyle>
+          <a:p>
+            <a:pPr algn="ctr"/>
+            <a:r>
+              <a:rPr lang="fa-IR" sz="3600" dirty="0" smtClean="0">
+                <a:cs typeface="B Yekan" panose="00000400000000000000" pitchFamily="2" charset="-78"/>
+              </a:rPr>
+              <a:t>+ مسیر دوچرخه‌سواری</a:t>
+            </a:r>
+            <a:endParaRPr lang="en-US" sz="3600" dirty="0">
+              <a:cs typeface="B Yekan" panose="00000400000000000000" pitchFamily="2" charset="-78"/>
+            </a:endParaRPr>
+          </a:p>
+        </p:txBody>
+      </p:sp>
+    </p:spTree>
+    <p:extLst>
+      <p:ext uri="{BB962C8B-B14F-4D97-AF65-F5344CB8AC3E}">
+        <p14:creationId xmlns:p14="http://schemas.microsoft.com/office/powerpoint/2010/main" val="1126553731"/>
+      </p:ext>
+    </p:extLst>
+  </p:cSld>
+  <p:clrMapOvr>
+    <a:masterClrMapping/>
+  </p:clrMapOvr>
+</p:sld>
+</file>
+
+<file path=ppt/slides/slide4.xml><?xml version="1.0" encoding="utf-8"?>
+<p:sld xmlns:a="http://schemas.openxmlformats.org/drawingml/2006/main" xmlns:r="http://schemas.openxmlformats.org/officeDocument/2006/relationships" xmlns:p="http://schemas.openxmlformats.org/presentationml/2006/main">
+  <p:cSld>
+    <p:spTree>
+      <p:nvGrpSpPr>
+        <p:cNvPr id="1" name=""/>
+        <p:cNvGrpSpPr/>
+        <p:nvPr/>
+      </p:nvGrpSpPr>
+      <p:grpSpPr>
+        <a:xfrm>
+          <a:off x="0" y="0"/>
+          <a:ext cx="0" cy="0"/>
+          <a:chOff x="0" y="0"/>
+          <a:chExt cx="0" cy="0"/>
+        </a:xfrm>
+      </p:grpSpPr>
+      <p:sp>
+        <p:nvSpPr>
+          <p:cNvPr id="2" name="Title 1"/>
+          <p:cNvSpPr>
+            <a:spLocks noGrp="1"/>
+          </p:cNvSpPr>
+          <p:nvPr>
+            <p:ph type="ctrTitle"/>
+          </p:nvPr>
+        </p:nvSpPr>
+        <p:spPr>
+          <a:xfrm>
+            <a:off x="542362" y="1761565"/>
+            <a:ext cx="4177556" cy="3214128"/>
+          </a:xfrm>
+        </p:spPr>
+        <p:txBody>
+          <a:bodyPr>
+            <a:noAutofit/>
+          </a:bodyPr>
+          <a:lstStyle/>
+          <a:p>
+            <a:r>
+              <a:rPr lang="en-US" sz="3200" dirty="0" smtClean="0"/>
+              <a:t>Creational</a:t>
+            </a:r>
+            <a:br>
+              <a:rPr lang="en-US" sz="3200" dirty="0" smtClean="0"/>
+            </a:br>
+            <a:r>
+              <a:rPr lang="en-US" sz="3200" dirty="0"/>
+              <a:t/>
+            </a:r>
+            <a:br>
+              <a:rPr lang="en-US" sz="3200" dirty="0"/>
+            </a:br>
+            <a:r>
+              <a:rPr lang="en-US" sz="3200" dirty="0" smtClean="0"/>
+              <a:t>Structural</a:t>
+            </a:r>
+            <a:br>
+              <a:rPr lang="en-US" sz="3200" dirty="0" smtClean="0"/>
+            </a:br>
+            <a:r>
+              <a:rPr lang="en-US" sz="3200" dirty="0"/>
+              <a:t/>
+            </a:r>
+            <a:br>
+              <a:rPr lang="en-US" sz="3200" dirty="0"/>
+            </a:br>
+            <a:r>
+              <a:rPr lang="en-US" sz="3200" dirty="0" smtClean="0"/>
+              <a:t>Behavioral</a:t>
+            </a:r>
+            <a:r>
+              <a:rPr lang="en-US" sz="3200" dirty="0"/>
+              <a:t/>
+            </a:r>
+            <a:br>
+              <a:rPr lang="en-US" sz="3200" dirty="0"/>
+            </a:br>
+            <a:endParaRPr lang="en-US" sz="3200" dirty="0">
+              <a:latin typeface="Consolas" panose="020B0609020204030204" pitchFamily="49" charset="0"/>
+            </a:endParaRPr>
+          </a:p>
+        </p:txBody>
+      </p:sp>
+      <p:sp>
+        <p:nvSpPr>
+          <p:cNvPr id="3" name="Title 1"/>
+          <p:cNvSpPr txBox="1">
+            <a:spLocks/>
+          </p:cNvSpPr>
+          <p:nvPr/>
+        </p:nvSpPr>
+        <p:spPr>
+          <a:xfrm>
+            <a:off x="6835586" y="1761565"/>
+            <a:ext cx="4177556" cy="3214128"/>
+          </a:xfrm>
+          <a:prstGeom prst="rect">
+            <a:avLst/>
+          </a:prstGeom>
+        </p:spPr>
+        <p:txBody>
+          <a:bodyPr vert="horz" lIns="91440" tIns="45720" rIns="91440" bIns="45720" rtlCol="0" anchor="b">
+            <a:noAutofit/>
+          </a:bodyPr>
+          <a:lstStyle>
+            <a:lvl1pPr algn="ctr" defTabSz="914400" rtl="0" eaLnBrk="1" latinLnBrk="0" hangingPunct="1">
+              <a:lnSpc>
+                <a:spcPct val="90000"/>
+              </a:lnSpc>
+              <a:spcBef>
+                <a:spcPct val="0"/>
+              </a:spcBef>
+              <a:buNone/>
+              <a:defRPr sz="6000" kern="1200">
+                <a:solidFill>
+                  <a:schemeClr val="tx1"/>
+                </a:solidFill>
+                <a:latin typeface="+mj-lt"/>
+                <a:ea typeface="+mj-ea"/>
+                <a:cs typeface="+mj-cs"/>
+              </a:defRPr>
+            </a:lvl1pPr>
+          </a:lstStyle>
+          <a:p>
+            <a:r>
+              <a:rPr lang="fa-IR" sz="3200" dirty="0" smtClean="0"/>
+              <a:t>ایجاد کننده</a:t>
+            </a:r>
+            <a:r>
+              <a:rPr lang="en-US" sz="3200" dirty="0" smtClean="0"/>
+              <a:t/>
+            </a:r>
+            <a:br>
+              <a:rPr lang="en-US" sz="3200" dirty="0" smtClean="0"/>
+            </a:br>
+            <a:r>
+              <a:rPr lang="en-US" sz="3200" dirty="0" smtClean="0"/>
+              <a:t/>
+            </a:r>
+            <a:br>
+              <a:rPr lang="en-US" sz="3200" dirty="0" smtClean="0"/>
+            </a:br>
+            <a:r>
+              <a:rPr lang="fa-IR" sz="3200" dirty="0" smtClean="0"/>
+              <a:t>ساختاری</a:t>
+            </a:r>
+            <a:r>
+              <a:rPr lang="en-US" sz="3200" dirty="0" smtClean="0"/>
+              <a:t/>
+            </a:r>
+            <a:br>
+              <a:rPr lang="en-US" sz="3200" dirty="0" smtClean="0"/>
+            </a:br>
+            <a:r>
+              <a:rPr lang="en-US" sz="3200" dirty="0" smtClean="0"/>
+              <a:t/>
+            </a:r>
+            <a:br>
+              <a:rPr lang="en-US" sz="3200" dirty="0" smtClean="0"/>
+            </a:br>
+            <a:r>
+              <a:rPr lang="fa-IR" sz="3200" dirty="0" smtClean="0"/>
+              <a:t>رفتاری</a:t>
+            </a:r>
+            <a:r>
+              <a:rPr lang="en-US" sz="3200" dirty="0" smtClean="0"/>
+              <a:t/>
+            </a:r>
+            <a:br>
+              <a:rPr lang="en-US" sz="3200" dirty="0" smtClean="0"/>
+            </a:br>
+            <a:endParaRPr lang="en-US" sz="3200" dirty="0">
+              <a:latin typeface="Consolas" panose="020B0609020204030204" pitchFamily="49" charset="0"/>
+            </a:endParaRPr>
+          </a:p>
+        </p:txBody>
+      </p:sp>
+    </p:spTree>
+    <p:extLst>
+      <p:ext uri="{BB962C8B-B14F-4D97-AF65-F5344CB8AC3E}">
+        <p14:creationId xmlns:p14="http://schemas.microsoft.com/office/powerpoint/2010/main" val="292308427"/>
+      </p:ext>
+    </p:extLst>
+  </p:cSld>
+  <p:clrMapOvr>
+    <a:masterClrMapping/>
+  </p:clrMapOvr>
+</p:sld>
+</file>
+
+<file path=ppt/slides/slide40.xml><?xml version="1.0" encoding="utf-8"?>
+<p:sld xmlns:a="http://schemas.openxmlformats.org/drawingml/2006/main" xmlns:r="http://schemas.openxmlformats.org/officeDocument/2006/relationships" xmlns:p="http://schemas.openxmlformats.org/presentationml/2006/main">
+  <p:cSld>
+    <p:spTree>
+      <p:nvGrpSpPr>
+        <p:cNvPr id="1" name=""/>
+        <p:cNvGrpSpPr/>
+        <p:nvPr/>
+      </p:nvGrpSpPr>
+      <p:grpSpPr>
+        <a:xfrm>
+          <a:off x="0" y="0"/>
+          <a:ext cx="0" cy="0"/>
+          <a:chOff x="0" y="0"/>
+          <a:chExt cx="0" cy="0"/>
+        </a:xfrm>
+      </p:grpSpPr>
+      <p:sp>
+        <p:nvSpPr>
+          <p:cNvPr id="2" name="Title 1"/>
+          <p:cNvSpPr>
+            <a:spLocks noGrp="1"/>
+          </p:cNvSpPr>
+          <p:nvPr>
+            <p:ph type="title"/>
+          </p:nvPr>
+        </p:nvSpPr>
+        <p:spPr>
+          <a:xfrm>
+            <a:off x="893618" y="517525"/>
+            <a:ext cx="10515600" cy="1325563"/>
+          </a:xfrm>
+        </p:spPr>
+        <p:txBody>
+          <a:bodyPr/>
+          <a:lstStyle/>
+          <a:p>
+            <a:pPr algn="ctr"/>
+            <a:r>
+              <a:rPr lang="en-US" dirty="0" smtClean="0"/>
+              <a:t>strategy </a:t>
+            </a:r>
+            <a:endParaRPr lang="en-US" dirty="0"/>
+          </a:p>
+        </p:txBody>
+      </p:sp>
+      <p:sp>
+        <p:nvSpPr>
+          <p:cNvPr id="5" name="Title 1"/>
+          <p:cNvSpPr txBox="1">
+            <a:spLocks/>
+          </p:cNvSpPr>
+          <p:nvPr/>
+        </p:nvSpPr>
+        <p:spPr>
+          <a:xfrm>
+            <a:off x="893618" y="2471016"/>
+            <a:ext cx="10515600" cy="1325563"/>
+          </a:xfrm>
+          <a:prstGeom prst="rect">
+            <a:avLst/>
+          </a:prstGeom>
+        </p:spPr>
+        <p:txBody>
+          <a:bodyPr vert="horz" lIns="91440" tIns="45720" rIns="91440" bIns="45720" rtlCol="0" anchor="ctr">
+            <a:normAutofit/>
+          </a:bodyPr>
+          <a:lstStyle>
+            <a:lvl1pPr algn="l" defTabSz="914400" rtl="0" eaLnBrk="1" latinLnBrk="0" hangingPunct="1">
+              <a:lnSpc>
+                <a:spcPct val="90000"/>
+              </a:lnSpc>
+              <a:spcBef>
+                <a:spcPct val="0"/>
+              </a:spcBef>
+              <a:buNone/>
+              <a:defRPr sz="4400" kern="1200">
+                <a:solidFill>
+                  <a:schemeClr val="tx1"/>
+                </a:solidFill>
+                <a:latin typeface="+mj-lt"/>
+                <a:ea typeface="+mj-ea"/>
+                <a:cs typeface="+mj-cs"/>
+              </a:defRPr>
+            </a:lvl1pPr>
+          </a:lstStyle>
+          <a:p>
+            <a:pPr algn="ctr"/>
+            <a:r>
+              <a:rPr lang="fa-IR" sz="3600" dirty="0" smtClean="0">
+                <a:cs typeface="B Yekan" panose="00000400000000000000" pitchFamily="2" charset="-78"/>
+              </a:rPr>
+              <a:t>+ مسیر توریستی</a:t>
+            </a:r>
+            <a:endParaRPr lang="en-US" sz="3600" dirty="0">
+              <a:cs typeface="B Yekan" panose="00000400000000000000" pitchFamily="2" charset="-78"/>
+            </a:endParaRPr>
+          </a:p>
+        </p:txBody>
+      </p:sp>
+    </p:spTree>
+    <p:extLst>
+      <p:ext uri="{BB962C8B-B14F-4D97-AF65-F5344CB8AC3E}">
+        <p14:creationId xmlns:p14="http://schemas.microsoft.com/office/powerpoint/2010/main" val="1537799172"/>
+      </p:ext>
+    </p:extLst>
+  </p:cSld>
+  <p:clrMapOvr>
+    <a:masterClrMapping/>
+  </p:clrMapOvr>
+</p:sld>
+</file>
+
+<file path=ppt/slides/slide41.xml><?xml version="1.0" encoding="utf-8"?>
+<p:sld xmlns:a="http://schemas.openxmlformats.org/drawingml/2006/main" xmlns:r="http://schemas.openxmlformats.org/officeDocument/2006/relationships" xmlns:p="http://schemas.openxmlformats.org/presentationml/2006/main">
+  <p:cSld>
+    <p:spTree>
+      <p:nvGrpSpPr>
+        <p:cNvPr id="1" name=""/>
+        <p:cNvGrpSpPr/>
+        <p:nvPr/>
+      </p:nvGrpSpPr>
+      <p:grpSpPr>
+        <a:xfrm>
+          <a:off x="0" y="0"/>
+          <a:ext cx="0" cy="0"/>
+          <a:chOff x="0" y="0"/>
+          <a:chExt cx="0" cy="0"/>
+        </a:xfrm>
+      </p:grpSpPr>
+      <p:pic>
+        <p:nvPicPr>
+          <p:cNvPr id="2050" name="Picture 2" descr="The code of the navigator became very bloated"/>
+          <p:cNvPicPr>
+            <a:picLocks noChangeAspect="1" noChangeArrowheads="1"/>
+          </p:cNvPicPr>
+          <p:nvPr/>
+        </p:nvPicPr>
+        <p:blipFill>
+          <a:blip r:embed="rId2">
+            <a:extLst>
+              <a:ext uri="{28A0092B-C50C-407E-A947-70E740481C1C}">
+                <a14:useLocalDpi xmlns:a14="http://schemas.microsoft.com/office/drawing/2010/main" val="0"/>
+              </a:ext>
+            </a:extLst>
+          </a:blip>
+          <a:srcRect/>
+          <a:stretch>
+            <a:fillRect/>
+          </a:stretch>
+        </p:blipFill>
+        <p:spPr bwMode="auto">
+          <a:xfrm>
+            <a:off x="2675718" y="1620982"/>
+            <a:ext cx="6358889" cy="2890404"/>
+          </a:xfrm>
+          <a:prstGeom prst="rect">
+            <a:avLst/>
+          </a:prstGeom>
+          <a:noFill/>
+          <a:extLst>
+            <a:ext uri="{909E8E84-426E-40DD-AFC4-6F175D3DCCD1}">
+              <a14:hiddenFill xmlns:a14="http://schemas.microsoft.com/office/drawing/2010/main">
+                <a:solidFill>
+                  <a:srgbClr val="FFFFFF"/>
+                </a:solidFill>
+              </a14:hiddenFill>
+            </a:ext>
+          </a:extLst>
+        </p:spPr>
+      </p:pic>
+    </p:spTree>
+    <p:extLst>
+      <p:ext uri="{BB962C8B-B14F-4D97-AF65-F5344CB8AC3E}">
+        <p14:creationId xmlns:p14="http://schemas.microsoft.com/office/powerpoint/2010/main" val="1847890968"/>
+      </p:ext>
+    </p:extLst>
+  </p:cSld>
+  <p:clrMapOvr>
+    <a:masterClrMapping/>
+  </p:clrMapOvr>
+</p:sld>
+</file>
+
+<file path=ppt/slides/slide42.xml><?xml version="1.0" encoding="utf-8"?>
+<p:sld xmlns:a="http://schemas.openxmlformats.org/drawingml/2006/main" xmlns:r="http://schemas.openxmlformats.org/officeDocument/2006/relationships" xmlns:p="http://schemas.openxmlformats.org/presentationml/2006/main">
+  <p:cSld>
+    <p:spTree>
+      <p:nvGrpSpPr>
+        <p:cNvPr id="1" name=""/>
+        <p:cNvGrpSpPr/>
+        <p:nvPr/>
+      </p:nvGrpSpPr>
+      <p:grpSpPr>
+        <a:xfrm>
+          <a:off x="0" y="0"/>
+          <a:ext cx="0" cy="0"/>
+          <a:chOff x="0" y="0"/>
+          <a:chExt cx="0" cy="0"/>
+        </a:xfrm>
+      </p:grpSpPr>
+      <p:sp>
+        <p:nvSpPr>
+          <p:cNvPr id="2" name="Title 1"/>
+          <p:cNvSpPr>
+            <a:spLocks noGrp="1"/>
+          </p:cNvSpPr>
+          <p:nvPr>
+            <p:ph type="title"/>
+          </p:nvPr>
+        </p:nvSpPr>
+        <p:spPr>
+          <a:xfrm>
+            <a:off x="852054" y="2401743"/>
+            <a:ext cx="10515600" cy="1325563"/>
+          </a:xfrm>
+        </p:spPr>
+        <p:txBody>
+          <a:bodyPr/>
+          <a:lstStyle/>
+          <a:p>
+            <a:pPr algn="ctr"/>
+            <a:r>
+              <a:rPr lang="en-US" dirty="0" err="1" smtClean="0"/>
+              <a:t>Pygame</a:t>
+            </a:r>
+            <a:r>
+              <a:rPr lang="en-US" dirty="0" smtClean="0"/>
+              <a:t> designs examples</a:t>
+            </a:r>
+            <a:endParaRPr lang="en-US" dirty="0"/>
+          </a:p>
+        </p:txBody>
+      </p:sp>
+    </p:spTree>
+    <p:extLst>
+      <p:ext uri="{BB962C8B-B14F-4D97-AF65-F5344CB8AC3E}">
+        <p14:creationId xmlns:p14="http://schemas.microsoft.com/office/powerpoint/2010/main" val="619357436"/>
+      </p:ext>
+    </p:extLst>
+  </p:cSld>
+  <p:clrMapOvr>
+    <a:masterClrMapping/>
+  </p:clrMapOvr>
+</p:sld>
+</file>
+
+<file path=ppt/slides/slide43.xml><?xml version="1.0" encoding="utf-8"?>
+<p:sld xmlns:a="http://schemas.openxmlformats.org/drawingml/2006/main" xmlns:r="http://schemas.openxmlformats.org/officeDocument/2006/relationships" xmlns:p="http://schemas.openxmlformats.org/presentationml/2006/main">
+  <p:cSld>
+    <p:spTree>
+      <p:nvGrpSpPr>
+        <p:cNvPr id="1" name=""/>
+        <p:cNvGrpSpPr/>
+        <p:nvPr/>
+      </p:nvGrpSpPr>
+      <p:grpSpPr>
+        <a:xfrm>
+          <a:off x="0" y="0"/>
+          <a:ext cx="0" cy="0"/>
+          <a:chOff x="0" y="0"/>
+          <a:chExt cx="0" cy="0"/>
+        </a:xfrm>
+      </p:grpSpPr>
+      <p:sp>
+        <p:nvSpPr>
+          <p:cNvPr id="2" name="Title 1"/>
+          <p:cNvSpPr>
+            <a:spLocks noGrp="1"/>
+          </p:cNvSpPr>
+          <p:nvPr>
+            <p:ph type="title"/>
+          </p:nvPr>
+        </p:nvSpPr>
+        <p:spPr>
+          <a:xfrm>
+            <a:off x="852054" y="2401743"/>
+            <a:ext cx="10515600" cy="1325563"/>
+          </a:xfrm>
+        </p:spPr>
+        <p:txBody>
+          <a:bodyPr/>
+          <a:lstStyle/>
+          <a:p>
+            <a:pPr algn="ctr"/>
+            <a:r>
+              <a:rPr lang="en-US" dirty="0" err="1" smtClean="0"/>
+              <a:t>PyQt</a:t>
+            </a:r>
+            <a:r>
+              <a:rPr lang="en-US" dirty="0" smtClean="0"/>
+              <a:t> signal-slot</a:t>
+            </a:r>
+            <a:endParaRPr lang="en-US" dirty="0"/>
+          </a:p>
+        </p:txBody>
+      </p:sp>
+    </p:spTree>
+    <p:extLst>
+      <p:ext uri="{BB962C8B-B14F-4D97-AF65-F5344CB8AC3E}">
+        <p14:creationId xmlns:p14="http://schemas.microsoft.com/office/powerpoint/2010/main" val="1148696642"/>
+      </p:ext>
+    </p:extLst>
+  </p:cSld>
+  <p:clrMapOvr>
+    <a:masterClrMapping/>
+  </p:clrMapOvr>
+</p:sld>
+</file>
+
+<file path=ppt/slides/slide44.xml><?xml version="1.0" encoding="utf-8"?>
+<p:sld xmlns:a="http://schemas.openxmlformats.org/drawingml/2006/main" xmlns:r="http://schemas.openxmlformats.org/officeDocument/2006/relationships" xmlns:p="http://schemas.openxmlformats.org/presentationml/2006/main">
+  <p:cSld>
+    <p:spTree>
+      <p:nvGrpSpPr>
+        <p:cNvPr id="1" name=""/>
+        <p:cNvGrpSpPr/>
+        <p:nvPr/>
+      </p:nvGrpSpPr>
+      <p:grpSpPr>
+        <a:xfrm>
+          <a:off x="0" y="0"/>
+          <a:ext cx="0" cy="0"/>
+          <a:chOff x="0" y="0"/>
+          <a:chExt cx="0" cy="0"/>
+        </a:xfrm>
+      </p:grpSpPr>
+      <p:sp>
+        <p:nvSpPr>
+          <p:cNvPr id="2" name="Title 1"/>
+          <p:cNvSpPr>
+            <a:spLocks noGrp="1"/>
+          </p:cNvSpPr>
+          <p:nvPr>
+            <p:ph type="title"/>
+          </p:nvPr>
+        </p:nvSpPr>
+        <p:spPr>
+          <a:xfrm>
+            <a:off x="852054" y="2401743"/>
+            <a:ext cx="10515600" cy="1325563"/>
+          </a:xfrm>
+        </p:spPr>
+        <p:txBody>
+          <a:bodyPr/>
+          <a:lstStyle/>
+          <a:p>
+            <a:pPr algn="ctr"/>
+            <a:r>
+              <a:rPr lang="en-US" dirty="0" smtClean="0"/>
+              <a:t>Plugin Design?</a:t>
+            </a:r>
+            <a:endParaRPr lang="en-US" dirty="0"/>
+          </a:p>
+        </p:txBody>
+      </p:sp>
+    </p:spTree>
+    <p:extLst>
+      <p:ext uri="{BB962C8B-B14F-4D97-AF65-F5344CB8AC3E}">
+        <p14:creationId xmlns:p14="http://schemas.microsoft.com/office/powerpoint/2010/main" val="3239957430"/>
+      </p:ext>
+    </p:extLst>
+  </p:cSld>
+  <p:clrMapOvr>
+    <a:masterClrMapping/>
+  </p:clrMapOvr>
+</p:sld>
+</file>
+
+<file path=ppt/slides/slide45.xml><?xml version="1.0" encoding="utf-8"?>
+<p:sld xmlns:a="http://schemas.openxmlformats.org/drawingml/2006/main" xmlns:r="http://schemas.openxmlformats.org/officeDocument/2006/relationships" xmlns:p="http://schemas.openxmlformats.org/presentationml/2006/main">
+  <p:cSld>
+    <p:spTree>
+      <p:nvGrpSpPr>
+        <p:cNvPr id="1" name=""/>
+        <p:cNvGrpSpPr/>
+        <p:nvPr/>
+      </p:nvGrpSpPr>
+      <p:grpSpPr>
+        <a:xfrm>
+          <a:off x="0" y="0"/>
+          <a:ext cx="0" cy="0"/>
+          <a:chOff x="0" y="0"/>
+          <a:chExt cx="0" cy="0"/>
+        </a:xfrm>
+      </p:grpSpPr>
+      <p:sp>
+        <p:nvSpPr>
+          <p:cNvPr id="2" name="Title 1"/>
+          <p:cNvSpPr>
+            <a:spLocks noGrp="1"/>
+          </p:cNvSpPr>
+          <p:nvPr>
+            <p:ph type="title"/>
+          </p:nvPr>
+        </p:nvSpPr>
+        <p:spPr>
+          <a:xfrm>
+            <a:off x="852054" y="2401743"/>
+            <a:ext cx="10515600" cy="1325563"/>
+          </a:xfrm>
+        </p:spPr>
+        <p:txBody>
+          <a:bodyPr/>
+          <a:lstStyle/>
+          <a:p>
+            <a:pPr algn="ctr"/>
+            <a:r>
+              <a:rPr lang="en-US" dirty="0" err="1" smtClean="0"/>
+              <a:t>PyQt</a:t>
+            </a:r>
+            <a:r>
+              <a:rPr lang="en-US" dirty="0" smtClean="0"/>
+              <a:t> MVC</a:t>
+            </a:r>
+            <a:endParaRPr lang="en-US" dirty="0"/>
+          </a:p>
+        </p:txBody>
+      </p:sp>
+    </p:spTree>
+    <p:extLst>
+      <p:ext uri="{BB962C8B-B14F-4D97-AF65-F5344CB8AC3E}">
+        <p14:creationId xmlns:p14="http://schemas.microsoft.com/office/powerpoint/2010/main" val="4072719199"/>
+      </p:ext>
+    </p:extLst>
+  </p:cSld>
+  <p:clrMapOvr>
+    <a:masterClrMapping/>
+  </p:clrMapOvr>
+</p:sld>
+</file>
+
+<file path=ppt/slides/slide46.xml><?xml version="1.0" encoding="utf-8"?>
+<p:sld xmlns:a="http://schemas.openxmlformats.org/drawingml/2006/main" xmlns:r="http://schemas.openxmlformats.org/officeDocument/2006/relationships" xmlns:p="http://schemas.openxmlformats.org/presentationml/2006/main">
+  <p:cSld>
+    <p:spTree>
+      <p:nvGrpSpPr>
+        <p:cNvPr id="1" name=""/>
+        <p:cNvGrpSpPr/>
+        <p:nvPr/>
+      </p:nvGrpSpPr>
+      <p:grpSpPr>
+        <a:xfrm>
+          <a:off x="0" y="0"/>
+          <a:ext cx="0" cy="0"/>
+          <a:chOff x="0" y="0"/>
+          <a:chExt cx="0" cy="0"/>
+        </a:xfrm>
+      </p:grpSpPr>
+      <p:sp>
+        <p:nvSpPr>
+          <p:cNvPr id="2" name="Title 1"/>
+          <p:cNvSpPr>
+            <a:spLocks noGrp="1"/>
+          </p:cNvSpPr>
+          <p:nvPr>
+            <p:ph type="title"/>
+          </p:nvPr>
+        </p:nvSpPr>
+        <p:spPr>
+          <a:xfrm>
+            <a:off x="852054" y="2401743"/>
+            <a:ext cx="10515600" cy="1325563"/>
+          </a:xfrm>
+        </p:spPr>
+        <p:txBody>
+          <a:bodyPr/>
+          <a:lstStyle/>
+          <a:p>
+            <a:pPr algn="ctr"/>
+            <a:r>
+              <a:rPr lang="en-US" dirty="0" smtClean="0"/>
+              <a:t>other slides</a:t>
+            </a:r>
+            <a:endParaRPr lang="en-US" dirty="0"/>
+          </a:p>
+        </p:txBody>
+      </p:sp>
+    </p:spTree>
+    <p:extLst>
+      <p:ext uri="{BB962C8B-B14F-4D97-AF65-F5344CB8AC3E}">
+        <p14:creationId xmlns:p14="http://schemas.microsoft.com/office/powerpoint/2010/main" val="4173627995"/>
+      </p:ext>
+    </p:extLst>
+  </p:cSld>
+  <p:clrMapOvr>
+    <a:masterClrMapping/>
+  </p:clrMapOvr>
+</p:sld>
+</file>
+
+<file path=ppt/slides/slide47.xml><?xml version="1.0" encoding="utf-8"?>
 <p:sld xmlns:a="http://schemas.openxmlformats.org/drawingml/2006/main" xmlns:r="http://schemas.openxmlformats.org/officeDocument/2006/relationships" xmlns:p="http://schemas.openxmlformats.org/presentationml/2006/main">
   <p:cSld>
     <p:spTree>
@@ -6533,7 +8359,7 @@
     </p:spTree>
     <p:extLst>
       <p:ext uri="{BB962C8B-B14F-4D97-AF65-F5344CB8AC3E}">
-        <p14:creationId xmlns:p14="http://schemas.microsoft.com/office/powerpoint/2010/main" val="2943477456"/>
+        <p14:creationId xmlns:p14="http://schemas.microsoft.com/office/powerpoint/2010/main" val="3165422899"/>
       </p:ext>
     </p:extLst>
   </p:cSld>
@@ -6543,7 +8369,7 @@
 </p:sld>
 </file>
 
-<file path=ppt/slides/slide29.xml><?xml version="1.0" encoding="utf-8"?>
+<file path=ppt/slides/slide48.xml><?xml version="1.0" encoding="utf-8"?>
 <p:sld xmlns:a="http://schemas.openxmlformats.org/drawingml/2006/main" xmlns:r="http://schemas.openxmlformats.org/officeDocument/2006/relationships" xmlns:p="http://schemas.openxmlformats.org/presentationml/2006/main">
   <p:cSld>
     <p:spTree>
@@ -6604,7 +8430,7 @@
     </p:spTree>
     <p:extLst>
       <p:ext uri="{BB962C8B-B14F-4D97-AF65-F5344CB8AC3E}">
-        <p14:creationId xmlns:p14="http://schemas.microsoft.com/office/powerpoint/2010/main" val="1212195110"/>
+        <p14:creationId xmlns:p14="http://schemas.microsoft.com/office/powerpoint/2010/main" val="1299691765"/>
       </p:ext>
     </p:extLst>
   </p:cSld>
@@ -6614,128 +8440,7 @@
 </p:sld>
 </file>
 
-<file path=ppt/slides/slide3.xml><?xml version="1.0" encoding="utf-8"?>
-<p:sld xmlns:a="http://schemas.openxmlformats.org/drawingml/2006/main" xmlns:r="http://schemas.openxmlformats.org/officeDocument/2006/relationships" xmlns:p="http://schemas.openxmlformats.org/presentationml/2006/main">
-  <p:cSld>
-    <p:spTree>
-      <p:nvGrpSpPr>
-        <p:cNvPr id="1" name=""/>
-        <p:cNvGrpSpPr/>
-        <p:nvPr/>
-      </p:nvGrpSpPr>
-      <p:grpSpPr>
-        <a:xfrm>
-          <a:off x="0" y="0"/>
-          <a:ext cx="0" cy="0"/>
-          <a:chOff x="0" y="0"/>
-          <a:chExt cx="0" cy="0"/>
-        </a:xfrm>
-      </p:grpSpPr>
-      <p:sp>
-        <p:nvSpPr>
-          <p:cNvPr id="2" name="Title 1"/>
-          <p:cNvSpPr>
-            <a:spLocks noGrp="1"/>
-          </p:cNvSpPr>
-          <p:nvPr>
-            <p:ph type="title"/>
-          </p:nvPr>
-        </p:nvSpPr>
-        <p:spPr>
-          <a:xfrm>
-            <a:off x="1290917" y="1035424"/>
-            <a:ext cx="4805083" cy="1325563"/>
-          </a:xfrm>
-        </p:spPr>
-        <p:style>
-          <a:lnRef idx="2">
-            <a:schemeClr val="dk1"/>
-          </a:lnRef>
-          <a:fillRef idx="1">
-            <a:schemeClr val="lt1"/>
-          </a:fillRef>
-          <a:effectRef idx="0">
-            <a:schemeClr val="dk1"/>
-          </a:effectRef>
-          <a:fontRef idx="minor">
-            <a:schemeClr val="dk1"/>
-          </a:fontRef>
-        </p:style>
-        <p:txBody>
-          <a:bodyPr/>
-          <a:lstStyle/>
-          <a:p>
-            <a:pPr algn="ctr"/>
-            <a:r>
-              <a:rPr lang="en-US" dirty="0" smtClean="0"/>
-              <a:t>Gang of Four</a:t>
-            </a:r>
-            <a:endParaRPr lang="en-US" dirty="0"/>
-          </a:p>
-        </p:txBody>
-      </p:sp>
-      <p:pic>
-        <p:nvPicPr>
-          <p:cNvPr id="4" name="Picture 3"/>
-          <p:cNvPicPr>
-            <a:picLocks noChangeAspect="1"/>
-          </p:cNvPicPr>
-          <p:nvPr/>
-        </p:nvPicPr>
-        <p:blipFill>
-          <a:blip r:embed="rId2"/>
-          <a:stretch>
-            <a:fillRect/>
-          </a:stretch>
-        </p:blipFill>
-        <p:spPr>
-          <a:xfrm>
-            <a:off x="9103659" y="-1"/>
-            <a:ext cx="3088341" cy="3836487"/>
-          </a:xfrm>
-          <a:prstGeom prst="rect">
-            <a:avLst/>
-          </a:prstGeom>
-        </p:spPr>
-      </p:pic>
-      <p:pic>
-        <p:nvPicPr>
-          <p:cNvPr id="6" name="Picture 5"/>
-          <p:cNvPicPr>
-            <a:picLocks noChangeAspect="1"/>
-          </p:cNvPicPr>
-          <p:nvPr/>
-        </p:nvPicPr>
-        <p:blipFill>
-          <a:blip r:embed="rId3"/>
-          <a:stretch>
-            <a:fillRect/>
-          </a:stretch>
-        </p:blipFill>
-        <p:spPr>
-          <a:xfrm>
-            <a:off x="5390201" y="3838154"/>
-            <a:ext cx="6801799" cy="3019846"/>
-          </a:xfrm>
-          <a:prstGeom prst="rect">
-            <a:avLst/>
-          </a:prstGeom>
-        </p:spPr>
-      </p:pic>
-    </p:spTree>
-    <p:extLst>
-      <p:ext uri="{BB962C8B-B14F-4D97-AF65-F5344CB8AC3E}">
-        <p14:creationId xmlns:p14="http://schemas.microsoft.com/office/powerpoint/2010/main" val="4043031706"/>
-      </p:ext>
-    </p:extLst>
-  </p:cSld>
-  <p:clrMapOvr>
-    <a:masterClrMapping/>
-  </p:clrMapOvr>
-</p:sld>
-</file>
-
-<file path=ppt/slides/slide30.xml><?xml version="1.0" encoding="utf-8"?>
+<file path=ppt/slides/slide49.xml><?xml version="1.0" encoding="utf-8"?>
 <p:sld xmlns:a="http://schemas.openxmlformats.org/drawingml/2006/main" xmlns:r="http://schemas.openxmlformats.org/officeDocument/2006/relationships" xmlns:p="http://schemas.openxmlformats.org/presentationml/2006/main">
   <p:cSld>
     <p:spTree>
@@ -6911,7 +8616,7 @@
     </p:spTree>
     <p:extLst>
       <p:ext uri="{BB962C8B-B14F-4D97-AF65-F5344CB8AC3E}">
-        <p14:creationId xmlns:p14="http://schemas.microsoft.com/office/powerpoint/2010/main" val="1703619897"/>
+        <p14:creationId xmlns:p14="http://schemas.microsoft.com/office/powerpoint/2010/main" val="1323928230"/>
       </p:ext>
     </p:extLst>
   </p:cSld>
@@ -6921,7 +8626,1018 @@
 </p:sld>
 </file>
 
-<file path=ppt/slides/slide31.xml><?xml version="1.0" encoding="utf-8"?>
+<file path=ppt/slides/slide5.xml><?xml version="1.0" encoding="utf-8"?>
+<p:sld xmlns:a="http://schemas.openxmlformats.org/drawingml/2006/main" xmlns:r="http://schemas.openxmlformats.org/officeDocument/2006/relationships" xmlns:p="http://schemas.openxmlformats.org/presentationml/2006/main">
+  <p:cSld>
+    <p:spTree>
+      <p:nvGrpSpPr>
+        <p:cNvPr id="1" name=""/>
+        <p:cNvGrpSpPr/>
+        <p:nvPr/>
+      </p:nvGrpSpPr>
+      <p:grpSpPr>
+        <a:xfrm>
+          <a:off x="0" y="0"/>
+          <a:ext cx="0" cy="0"/>
+          <a:chOff x="0" y="0"/>
+          <a:chExt cx="0" cy="0"/>
+        </a:xfrm>
+      </p:grpSpPr>
+      <p:sp>
+        <p:nvSpPr>
+          <p:cNvPr id="2" name="Title 1"/>
+          <p:cNvSpPr>
+            <a:spLocks noGrp="1"/>
+          </p:cNvSpPr>
+          <p:nvPr>
+            <p:ph type="title"/>
+          </p:nvPr>
+        </p:nvSpPr>
+        <p:spPr>
+          <a:xfrm>
+            <a:off x="955675" y="-104465"/>
+            <a:ext cx="10515600" cy="1325563"/>
+          </a:xfrm>
+        </p:spPr>
+        <p:txBody>
+          <a:bodyPr>
+            <a:normAutofit/>
+          </a:bodyPr>
+          <a:lstStyle/>
+          <a:p>
+            <a:pPr algn="ctr"/>
+            <a:r>
+              <a:rPr lang="en-US" b="1" dirty="0"/>
+              <a:t>The Catalog of Design </a:t>
+            </a:r>
+            <a:r>
+              <a:rPr lang="en-US" b="1" dirty="0" smtClean="0"/>
+              <a:t>Patterns</a:t>
+            </a:r>
+            <a:endParaRPr lang="en-US" dirty="0"/>
+          </a:p>
+        </p:txBody>
+      </p:sp>
+      <p:pic>
+        <p:nvPicPr>
+          <p:cNvPr id="2050" name="Picture 2" descr="Factory Method">
+            <a:hlinkClick r:id="rId2"/>
+          </p:cNvPr>
+          <p:cNvPicPr>
+            <a:picLocks noChangeAspect="1" noChangeArrowheads="1"/>
+          </p:cNvPicPr>
+          <p:nvPr/>
+        </p:nvPicPr>
+        <p:blipFill>
+          <a:blip r:embed="rId3">
+            <a:extLst>
+              <a:ext uri="{28A0092B-C50C-407E-A947-70E740481C1C}">
+                <a14:useLocalDpi xmlns:a14="http://schemas.microsoft.com/office/drawing/2010/main" val="0"/>
+              </a:ext>
+            </a:extLst>
+          </a:blip>
+          <a:srcRect/>
+          <a:stretch>
+            <a:fillRect/>
+          </a:stretch>
+        </p:blipFill>
+        <p:spPr bwMode="auto">
+          <a:xfrm>
+            <a:off x="2421733" y="1028699"/>
+            <a:ext cx="1333500" cy="952500"/>
+          </a:xfrm>
+          <a:prstGeom prst="rect">
+            <a:avLst/>
+          </a:prstGeom>
+          <a:noFill/>
+          <a:extLst>
+            <a:ext uri="{909E8E84-426E-40DD-AFC4-6F175D3DCCD1}">
+              <a14:hiddenFill xmlns:a14="http://schemas.microsoft.com/office/drawing/2010/main">
+                <a:solidFill>
+                  <a:srgbClr val="FFFFFF"/>
+                </a:solidFill>
+              </a14:hiddenFill>
+            </a:ext>
+          </a:extLst>
+        </p:spPr>
+      </p:pic>
+      <p:pic>
+        <p:nvPicPr>
+          <p:cNvPr id="2051" name="Picture 3" descr="Abstract Factory">
+            <a:hlinkClick r:id="rId4"/>
+          </p:cNvPr>
+          <p:cNvPicPr>
+            <a:picLocks noChangeAspect="1" noChangeArrowheads="1"/>
+          </p:cNvPicPr>
+          <p:nvPr/>
+        </p:nvPicPr>
+        <p:blipFill>
+          <a:blip r:embed="rId5">
+            <a:extLst>
+              <a:ext uri="{28A0092B-C50C-407E-A947-70E740481C1C}">
+                <a14:useLocalDpi xmlns:a14="http://schemas.microsoft.com/office/drawing/2010/main" val="0"/>
+              </a:ext>
+            </a:extLst>
+          </a:blip>
+          <a:srcRect/>
+          <a:stretch>
+            <a:fillRect/>
+          </a:stretch>
+        </p:blipFill>
+        <p:spPr bwMode="auto">
+          <a:xfrm>
+            <a:off x="3507386" y="2132244"/>
+            <a:ext cx="1333500" cy="952500"/>
+          </a:xfrm>
+          <a:prstGeom prst="rect">
+            <a:avLst/>
+          </a:prstGeom>
+          <a:noFill/>
+          <a:extLst>
+            <a:ext uri="{909E8E84-426E-40DD-AFC4-6F175D3DCCD1}">
+              <a14:hiddenFill xmlns:a14="http://schemas.microsoft.com/office/drawing/2010/main">
+                <a:solidFill>
+                  <a:srgbClr val="FFFFFF"/>
+                </a:solidFill>
+              </a14:hiddenFill>
+            </a:ext>
+          </a:extLst>
+        </p:spPr>
+      </p:pic>
+      <p:pic>
+        <p:nvPicPr>
+          <p:cNvPr id="2052" name="Picture 4" descr="Builder">
+            <a:hlinkClick r:id="rId6"/>
+          </p:cNvPr>
+          <p:cNvPicPr>
+            <a:picLocks noChangeAspect="1" noChangeArrowheads="1"/>
+          </p:cNvPicPr>
+          <p:nvPr/>
+        </p:nvPicPr>
+        <p:blipFill>
+          <a:blip r:embed="rId7">
+            <a:extLst>
+              <a:ext uri="{28A0092B-C50C-407E-A947-70E740481C1C}">
+                <a14:useLocalDpi xmlns:a14="http://schemas.microsoft.com/office/drawing/2010/main" val="0"/>
+              </a:ext>
+            </a:extLst>
+          </a:blip>
+          <a:srcRect/>
+          <a:stretch>
+            <a:fillRect/>
+          </a:stretch>
+        </p:blipFill>
+        <p:spPr bwMode="auto">
+          <a:xfrm>
+            <a:off x="5774121" y="2110814"/>
+            <a:ext cx="1333500" cy="952500"/>
+          </a:xfrm>
+          <a:prstGeom prst="rect">
+            <a:avLst/>
+          </a:prstGeom>
+          <a:noFill/>
+          <a:extLst>
+            <a:ext uri="{909E8E84-426E-40DD-AFC4-6F175D3DCCD1}">
+              <a14:hiddenFill xmlns:a14="http://schemas.microsoft.com/office/drawing/2010/main">
+                <a:solidFill>
+                  <a:srgbClr val="FFFFFF"/>
+                </a:solidFill>
+              </a14:hiddenFill>
+            </a:ext>
+          </a:extLst>
+        </p:spPr>
+      </p:pic>
+      <p:pic>
+        <p:nvPicPr>
+          <p:cNvPr id="2053" name="Picture 5" descr="Prototype">
+            <a:hlinkClick r:id="rId8"/>
+          </p:cNvPr>
+          <p:cNvPicPr>
+            <a:picLocks noChangeAspect="1" noChangeArrowheads="1"/>
+          </p:cNvPicPr>
+          <p:nvPr/>
+        </p:nvPicPr>
+        <p:blipFill>
+          <a:blip r:embed="rId9">
+            <a:extLst>
+              <a:ext uri="{28A0092B-C50C-407E-A947-70E740481C1C}">
+                <a14:useLocalDpi xmlns:a14="http://schemas.microsoft.com/office/drawing/2010/main" val="0"/>
+              </a:ext>
+            </a:extLst>
+          </a:blip>
+          <a:srcRect/>
+          <a:stretch>
+            <a:fillRect/>
+          </a:stretch>
+        </p:blipFill>
+        <p:spPr bwMode="auto">
+          <a:xfrm>
+            <a:off x="7683500" y="2216429"/>
+            <a:ext cx="1333500" cy="952500"/>
+          </a:xfrm>
+          <a:prstGeom prst="rect">
+            <a:avLst/>
+          </a:prstGeom>
+          <a:noFill/>
+          <a:extLst>
+            <a:ext uri="{909E8E84-426E-40DD-AFC4-6F175D3DCCD1}">
+              <a14:hiddenFill xmlns:a14="http://schemas.microsoft.com/office/drawing/2010/main">
+                <a:solidFill>
+                  <a:srgbClr val="FFFFFF"/>
+                </a:solidFill>
+              </a14:hiddenFill>
+            </a:ext>
+          </a:extLst>
+        </p:spPr>
+      </p:pic>
+      <p:pic>
+        <p:nvPicPr>
+          <p:cNvPr id="2054" name="Picture 6" descr="Singleton">
+            <a:hlinkClick r:id="rId10"/>
+          </p:cNvPr>
+          <p:cNvPicPr>
+            <a:picLocks noChangeAspect="1" noChangeArrowheads="1"/>
+          </p:cNvPicPr>
+          <p:nvPr/>
+        </p:nvPicPr>
+        <p:blipFill>
+          <a:blip r:embed="rId11">
+            <a:extLst>
+              <a:ext uri="{28A0092B-C50C-407E-A947-70E740481C1C}">
+                <a14:useLocalDpi xmlns:a14="http://schemas.microsoft.com/office/drawing/2010/main" val="0"/>
+              </a:ext>
+            </a:extLst>
+          </a:blip>
+          <a:srcRect/>
+          <a:stretch>
+            <a:fillRect/>
+          </a:stretch>
+        </p:blipFill>
+        <p:spPr bwMode="auto">
+          <a:xfrm>
+            <a:off x="9728200" y="2085361"/>
+            <a:ext cx="1333500" cy="952500"/>
+          </a:xfrm>
+          <a:prstGeom prst="rect">
+            <a:avLst/>
+          </a:prstGeom>
+          <a:noFill/>
+          <a:extLst>
+            <a:ext uri="{909E8E84-426E-40DD-AFC4-6F175D3DCCD1}">
+              <a14:hiddenFill xmlns:a14="http://schemas.microsoft.com/office/drawing/2010/main">
+                <a:solidFill>
+                  <a:srgbClr val="FFFFFF"/>
+                </a:solidFill>
+              </a14:hiddenFill>
+            </a:ext>
+          </a:extLst>
+        </p:spPr>
+      </p:pic>
+      <p:pic>
+        <p:nvPicPr>
+          <p:cNvPr id="2055" name="Picture 7" descr="Adapter">
+            <a:hlinkClick r:id="rId12"/>
+          </p:cNvPr>
+          <p:cNvPicPr>
+            <a:picLocks noChangeAspect="1" noChangeArrowheads="1"/>
+          </p:cNvPicPr>
+          <p:nvPr/>
+        </p:nvPicPr>
+        <p:blipFill>
+          <a:blip r:embed="rId13">
+            <a:extLst>
+              <a:ext uri="{28A0092B-C50C-407E-A947-70E740481C1C}">
+                <a14:useLocalDpi xmlns:a14="http://schemas.microsoft.com/office/drawing/2010/main" val="0"/>
+              </a:ext>
+            </a:extLst>
+          </a:blip>
+          <a:srcRect/>
+          <a:stretch>
+            <a:fillRect/>
+          </a:stretch>
+        </p:blipFill>
+        <p:spPr bwMode="auto">
+          <a:xfrm>
+            <a:off x="1101583" y="2200929"/>
+            <a:ext cx="1333500" cy="952500"/>
+          </a:xfrm>
+          <a:prstGeom prst="rect">
+            <a:avLst/>
+          </a:prstGeom>
+          <a:noFill/>
+          <a:extLst>
+            <a:ext uri="{909E8E84-426E-40DD-AFC4-6F175D3DCCD1}">
+              <a14:hiddenFill xmlns:a14="http://schemas.microsoft.com/office/drawing/2010/main">
+                <a:solidFill>
+                  <a:srgbClr val="FFFFFF"/>
+                </a:solidFill>
+              </a14:hiddenFill>
+            </a:ext>
+          </a:extLst>
+        </p:spPr>
+      </p:pic>
+      <p:pic>
+        <p:nvPicPr>
+          <p:cNvPr id="2056" name="Picture 8" descr="Bridge">
+            <a:hlinkClick r:id="rId14"/>
+          </p:cNvPr>
+          <p:cNvPicPr>
+            <a:picLocks noChangeAspect="1" noChangeArrowheads="1"/>
+          </p:cNvPicPr>
+          <p:nvPr/>
+        </p:nvPicPr>
+        <p:blipFill>
+          <a:blip r:embed="rId15">
+            <a:extLst>
+              <a:ext uri="{28A0092B-C50C-407E-A947-70E740481C1C}">
+                <a14:useLocalDpi xmlns:a14="http://schemas.microsoft.com/office/drawing/2010/main" val="0"/>
+              </a:ext>
+            </a:extLst>
+          </a:blip>
+          <a:srcRect/>
+          <a:stretch>
+            <a:fillRect/>
+          </a:stretch>
+        </p:blipFill>
+        <p:spPr bwMode="auto">
+          <a:xfrm>
+            <a:off x="1088233" y="3333295"/>
+            <a:ext cx="1333500" cy="952500"/>
+          </a:xfrm>
+          <a:prstGeom prst="rect">
+            <a:avLst/>
+          </a:prstGeom>
+          <a:noFill/>
+          <a:extLst>
+            <a:ext uri="{909E8E84-426E-40DD-AFC4-6F175D3DCCD1}">
+              <a14:hiddenFill xmlns:a14="http://schemas.microsoft.com/office/drawing/2010/main">
+                <a:solidFill>
+                  <a:srgbClr val="FFFFFF"/>
+                </a:solidFill>
+              </a14:hiddenFill>
+            </a:ext>
+          </a:extLst>
+        </p:spPr>
+      </p:pic>
+      <p:pic>
+        <p:nvPicPr>
+          <p:cNvPr id="2057" name="Picture 9" descr="Composite">
+            <a:hlinkClick r:id="rId16"/>
+          </p:cNvPr>
+          <p:cNvPicPr>
+            <a:picLocks noChangeAspect="1" noChangeArrowheads="1"/>
+          </p:cNvPicPr>
+          <p:nvPr/>
+        </p:nvPicPr>
+        <p:blipFill>
+          <a:blip r:embed="rId17">
+            <a:extLst>
+              <a:ext uri="{28A0092B-C50C-407E-A947-70E740481C1C}">
+                <a14:useLocalDpi xmlns:a14="http://schemas.microsoft.com/office/drawing/2010/main" val="0"/>
+              </a:ext>
+            </a:extLst>
+          </a:blip>
+          <a:srcRect/>
+          <a:stretch>
+            <a:fillRect/>
+          </a:stretch>
+        </p:blipFill>
+        <p:spPr bwMode="auto">
+          <a:xfrm>
+            <a:off x="3427413" y="3211389"/>
+            <a:ext cx="1333500" cy="952500"/>
+          </a:xfrm>
+          <a:prstGeom prst="rect">
+            <a:avLst/>
+          </a:prstGeom>
+          <a:noFill/>
+          <a:extLst>
+            <a:ext uri="{909E8E84-426E-40DD-AFC4-6F175D3DCCD1}">
+              <a14:hiddenFill xmlns:a14="http://schemas.microsoft.com/office/drawing/2010/main">
+                <a:solidFill>
+                  <a:srgbClr val="FFFFFF"/>
+                </a:solidFill>
+              </a14:hiddenFill>
+            </a:ext>
+          </a:extLst>
+        </p:spPr>
+      </p:pic>
+      <p:pic>
+        <p:nvPicPr>
+          <p:cNvPr id="2058" name="Picture 10" descr="Decorator">
+            <a:hlinkClick r:id="rId18"/>
+          </p:cNvPr>
+          <p:cNvPicPr>
+            <a:picLocks noChangeAspect="1" noChangeArrowheads="1"/>
+          </p:cNvPicPr>
+          <p:nvPr/>
+        </p:nvPicPr>
+        <p:blipFill>
+          <a:blip r:embed="rId19">
+            <a:extLst>
+              <a:ext uri="{28A0092B-C50C-407E-A947-70E740481C1C}">
+                <a14:useLocalDpi xmlns:a14="http://schemas.microsoft.com/office/drawing/2010/main" val="0"/>
+              </a:ext>
+            </a:extLst>
+          </a:blip>
+          <a:srcRect/>
+          <a:stretch>
+            <a:fillRect/>
+          </a:stretch>
+        </p:blipFill>
+        <p:spPr bwMode="auto">
+          <a:xfrm>
+            <a:off x="5716542" y="3328600"/>
+            <a:ext cx="1333500" cy="952500"/>
+          </a:xfrm>
+          <a:prstGeom prst="rect">
+            <a:avLst/>
+          </a:prstGeom>
+          <a:noFill/>
+          <a:extLst>
+            <a:ext uri="{909E8E84-426E-40DD-AFC4-6F175D3DCCD1}">
+              <a14:hiddenFill xmlns:a14="http://schemas.microsoft.com/office/drawing/2010/main">
+                <a:solidFill>
+                  <a:srgbClr val="FFFFFF"/>
+                </a:solidFill>
+              </a14:hiddenFill>
+            </a:ext>
+          </a:extLst>
+        </p:spPr>
+      </p:pic>
+      <p:pic>
+        <p:nvPicPr>
+          <p:cNvPr id="2059" name="Picture 11" descr="Facade">
+            <a:hlinkClick r:id="rId20"/>
+          </p:cNvPr>
+          <p:cNvPicPr>
+            <a:picLocks noChangeAspect="1" noChangeArrowheads="1"/>
+          </p:cNvPicPr>
+          <p:nvPr/>
+        </p:nvPicPr>
+        <p:blipFill>
+          <a:blip r:embed="rId21">
+            <a:extLst>
+              <a:ext uri="{28A0092B-C50C-407E-A947-70E740481C1C}">
+                <a14:useLocalDpi xmlns:a14="http://schemas.microsoft.com/office/drawing/2010/main" val="0"/>
+              </a:ext>
+            </a:extLst>
+          </a:blip>
+          <a:srcRect/>
+          <a:stretch>
+            <a:fillRect/>
+          </a:stretch>
+        </p:blipFill>
+        <p:spPr bwMode="auto">
+          <a:xfrm>
+            <a:off x="9678101" y="3328600"/>
+            <a:ext cx="1333500" cy="952500"/>
+          </a:xfrm>
+          <a:prstGeom prst="rect">
+            <a:avLst/>
+          </a:prstGeom>
+          <a:noFill/>
+          <a:extLst>
+            <a:ext uri="{909E8E84-426E-40DD-AFC4-6F175D3DCCD1}">
+              <a14:hiddenFill xmlns:a14="http://schemas.microsoft.com/office/drawing/2010/main">
+                <a:solidFill>
+                  <a:srgbClr val="FFFFFF"/>
+                </a:solidFill>
+              </a14:hiddenFill>
+            </a:ext>
+          </a:extLst>
+        </p:spPr>
+      </p:pic>
+      <p:pic>
+        <p:nvPicPr>
+          <p:cNvPr id="2060" name="Picture 12" descr="Flyweight">
+            <a:hlinkClick r:id="rId22"/>
+          </p:cNvPr>
+          <p:cNvPicPr>
+            <a:picLocks noChangeAspect="1" noChangeArrowheads="1"/>
+          </p:cNvPicPr>
+          <p:nvPr/>
+        </p:nvPicPr>
+        <p:blipFill>
+          <a:blip r:embed="rId23">
+            <a:extLst>
+              <a:ext uri="{28A0092B-C50C-407E-A947-70E740481C1C}">
+                <a14:useLocalDpi xmlns:a14="http://schemas.microsoft.com/office/drawing/2010/main" val="0"/>
+              </a:ext>
+            </a:extLst>
+          </a:blip>
+          <a:srcRect/>
+          <a:stretch>
+            <a:fillRect/>
+          </a:stretch>
+        </p:blipFill>
+        <p:spPr bwMode="auto">
+          <a:xfrm>
+            <a:off x="6849990" y="1137519"/>
+            <a:ext cx="1333500" cy="952500"/>
+          </a:xfrm>
+          <a:prstGeom prst="rect">
+            <a:avLst/>
+          </a:prstGeom>
+          <a:noFill/>
+          <a:extLst>
+            <a:ext uri="{909E8E84-426E-40DD-AFC4-6F175D3DCCD1}">
+              <a14:hiddenFill xmlns:a14="http://schemas.microsoft.com/office/drawing/2010/main">
+                <a:solidFill>
+                  <a:srgbClr val="FFFFFF"/>
+                </a:solidFill>
+              </a14:hiddenFill>
+            </a:ext>
+          </a:extLst>
+        </p:spPr>
+      </p:pic>
+      <p:pic>
+        <p:nvPicPr>
+          <p:cNvPr id="2061" name="Picture 13" descr="Proxy">
+            <a:hlinkClick r:id="rId24"/>
+          </p:cNvPr>
+          <p:cNvPicPr>
+            <a:picLocks noChangeAspect="1" noChangeArrowheads="1"/>
+          </p:cNvPicPr>
+          <p:nvPr/>
+        </p:nvPicPr>
+        <p:blipFill>
+          <a:blip r:embed="rId25">
+            <a:extLst>
+              <a:ext uri="{28A0092B-C50C-407E-A947-70E740481C1C}">
+                <a14:useLocalDpi xmlns:a14="http://schemas.microsoft.com/office/drawing/2010/main" val="0"/>
+              </a:ext>
+            </a:extLst>
+          </a:blip>
+          <a:srcRect/>
+          <a:stretch>
+            <a:fillRect/>
+          </a:stretch>
+        </p:blipFill>
+        <p:spPr bwMode="auto">
+          <a:xfrm>
+            <a:off x="7637146" y="3328600"/>
+            <a:ext cx="1333500" cy="952500"/>
+          </a:xfrm>
+          <a:prstGeom prst="rect">
+            <a:avLst/>
+          </a:prstGeom>
+          <a:noFill/>
+          <a:extLst>
+            <a:ext uri="{909E8E84-426E-40DD-AFC4-6F175D3DCCD1}">
+              <a14:hiddenFill xmlns:a14="http://schemas.microsoft.com/office/drawing/2010/main">
+                <a:solidFill>
+                  <a:srgbClr val="FFFFFF"/>
+                </a:solidFill>
+              </a14:hiddenFill>
+            </a:ext>
+          </a:extLst>
+        </p:spPr>
+      </p:pic>
+      <p:pic>
+        <p:nvPicPr>
+          <p:cNvPr id="2062" name="Picture 14" descr="Chain of Responsibility">
+            <a:hlinkClick r:id="rId26"/>
+          </p:cNvPr>
+          <p:cNvPicPr>
+            <a:picLocks noChangeAspect="1" noChangeArrowheads="1"/>
+          </p:cNvPicPr>
+          <p:nvPr/>
+        </p:nvPicPr>
+        <p:blipFill>
+          <a:blip r:embed="rId27">
+            <a:extLst>
+              <a:ext uri="{28A0092B-C50C-407E-A947-70E740481C1C}">
+                <a14:useLocalDpi xmlns:a14="http://schemas.microsoft.com/office/drawing/2010/main" val="0"/>
+              </a:ext>
+            </a:extLst>
+          </a:blip>
+          <a:srcRect/>
+          <a:stretch>
+            <a:fillRect/>
+          </a:stretch>
+        </p:blipFill>
+        <p:spPr bwMode="auto">
+          <a:xfrm>
+            <a:off x="3427413" y="4465661"/>
+            <a:ext cx="1333500" cy="952500"/>
+          </a:xfrm>
+          <a:prstGeom prst="rect">
+            <a:avLst/>
+          </a:prstGeom>
+          <a:noFill/>
+          <a:extLst>
+            <a:ext uri="{909E8E84-426E-40DD-AFC4-6F175D3DCCD1}">
+              <a14:hiddenFill xmlns:a14="http://schemas.microsoft.com/office/drawing/2010/main">
+                <a:solidFill>
+                  <a:srgbClr val="FFFFFF"/>
+                </a:solidFill>
+              </a14:hiddenFill>
+            </a:ext>
+          </a:extLst>
+        </p:spPr>
+      </p:pic>
+      <p:pic>
+        <p:nvPicPr>
+          <p:cNvPr id="2063" name="Picture 15" descr="Command">
+            <a:hlinkClick r:id="rId28"/>
+          </p:cNvPr>
+          <p:cNvPicPr>
+            <a:picLocks noChangeAspect="1" noChangeArrowheads="1"/>
+          </p:cNvPicPr>
+          <p:nvPr/>
+        </p:nvPicPr>
+        <p:blipFill>
+          <a:blip r:embed="rId29">
+            <a:extLst>
+              <a:ext uri="{28A0092B-C50C-407E-A947-70E740481C1C}">
+                <a14:useLocalDpi xmlns:a14="http://schemas.microsoft.com/office/drawing/2010/main" val="0"/>
+              </a:ext>
+            </a:extLst>
+          </a:blip>
+          <a:srcRect/>
+          <a:stretch>
+            <a:fillRect/>
+          </a:stretch>
+        </p:blipFill>
+        <p:spPr bwMode="auto">
+          <a:xfrm>
+            <a:off x="1054895" y="4465661"/>
+            <a:ext cx="1333500" cy="952500"/>
+          </a:xfrm>
+          <a:prstGeom prst="rect">
+            <a:avLst/>
+          </a:prstGeom>
+          <a:noFill/>
+          <a:extLst>
+            <a:ext uri="{909E8E84-426E-40DD-AFC4-6F175D3DCCD1}">
+              <a14:hiddenFill xmlns:a14="http://schemas.microsoft.com/office/drawing/2010/main">
+                <a:solidFill>
+                  <a:srgbClr val="FFFFFF"/>
+                </a:solidFill>
+              </a14:hiddenFill>
+            </a:ext>
+          </a:extLst>
+        </p:spPr>
+      </p:pic>
+      <p:pic>
+        <p:nvPicPr>
+          <p:cNvPr id="2064" name="Picture 16" descr="Iterator">
+            <a:hlinkClick r:id="rId30"/>
+          </p:cNvPr>
+          <p:cNvPicPr>
+            <a:picLocks noChangeAspect="1" noChangeArrowheads="1"/>
+          </p:cNvPicPr>
+          <p:nvPr/>
+        </p:nvPicPr>
+        <p:blipFill>
+          <a:blip r:embed="rId31">
+            <a:extLst>
+              <a:ext uri="{28A0092B-C50C-407E-A947-70E740481C1C}">
+                <a14:useLocalDpi xmlns:a14="http://schemas.microsoft.com/office/drawing/2010/main" val="0"/>
+              </a:ext>
+            </a:extLst>
+          </a:blip>
+          <a:srcRect/>
+          <a:stretch>
+            <a:fillRect/>
+          </a:stretch>
+        </p:blipFill>
+        <p:spPr bwMode="auto">
+          <a:xfrm>
+            <a:off x="5716542" y="4465661"/>
+            <a:ext cx="1333500" cy="952500"/>
+          </a:xfrm>
+          <a:prstGeom prst="rect">
+            <a:avLst/>
+          </a:prstGeom>
+          <a:noFill/>
+          <a:extLst>
+            <a:ext uri="{909E8E84-426E-40DD-AFC4-6F175D3DCCD1}">
+              <a14:hiddenFill xmlns:a14="http://schemas.microsoft.com/office/drawing/2010/main">
+                <a:solidFill>
+                  <a:srgbClr val="FFFFFF"/>
+                </a:solidFill>
+              </a14:hiddenFill>
+            </a:ext>
+          </a:extLst>
+        </p:spPr>
+      </p:pic>
+      <p:pic>
+        <p:nvPicPr>
+          <p:cNvPr id="2065" name="Picture 17" descr="Mediator">
+            <a:hlinkClick r:id="rId32"/>
+          </p:cNvPr>
+          <p:cNvPicPr>
+            <a:picLocks noChangeAspect="1" noChangeArrowheads="1"/>
+          </p:cNvPicPr>
+          <p:nvPr/>
+        </p:nvPicPr>
+        <p:blipFill>
+          <a:blip r:embed="rId33">
+            <a:extLst>
+              <a:ext uri="{28A0092B-C50C-407E-A947-70E740481C1C}">
+                <a14:useLocalDpi xmlns:a14="http://schemas.microsoft.com/office/drawing/2010/main" val="0"/>
+              </a:ext>
+            </a:extLst>
+          </a:blip>
+          <a:srcRect/>
+          <a:stretch>
+            <a:fillRect/>
+          </a:stretch>
+        </p:blipFill>
+        <p:spPr bwMode="auto">
+          <a:xfrm>
+            <a:off x="7650163" y="4465661"/>
+            <a:ext cx="1333500" cy="952500"/>
+          </a:xfrm>
+          <a:prstGeom prst="rect">
+            <a:avLst/>
+          </a:prstGeom>
+          <a:noFill/>
+          <a:extLst>
+            <a:ext uri="{909E8E84-426E-40DD-AFC4-6F175D3DCCD1}">
+              <a14:hiddenFill xmlns:a14="http://schemas.microsoft.com/office/drawing/2010/main">
+                <a:solidFill>
+                  <a:srgbClr val="FFFFFF"/>
+                </a:solidFill>
+              </a14:hiddenFill>
+            </a:ext>
+          </a:extLst>
+        </p:spPr>
+      </p:pic>
+      <p:pic>
+        <p:nvPicPr>
+          <p:cNvPr id="2066" name="Picture 18" descr="Memento">
+            <a:hlinkClick r:id="rId34"/>
+          </p:cNvPr>
+          <p:cNvPicPr>
+            <a:picLocks noChangeAspect="1" noChangeArrowheads="1"/>
+          </p:cNvPicPr>
+          <p:nvPr/>
+        </p:nvPicPr>
+        <p:blipFill>
+          <a:blip r:embed="rId35">
+            <a:extLst>
+              <a:ext uri="{28A0092B-C50C-407E-A947-70E740481C1C}">
+                <a14:useLocalDpi xmlns:a14="http://schemas.microsoft.com/office/drawing/2010/main" val="0"/>
+              </a:ext>
+            </a:extLst>
+          </a:blip>
+          <a:srcRect/>
+          <a:stretch>
+            <a:fillRect/>
+          </a:stretch>
+        </p:blipFill>
+        <p:spPr bwMode="auto">
+          <a:xfrm>
+            <a:off x="9728200" y="5598027"/>
+            <a:ext cx="1333500" cy="952500"/>
+          </a:xfrm>
+          <a:prstGeom prst="rect">
+            <a:avLst/>
+          </a:prstGeom>
+          <a:noFill/>
+          <a:extLst>
+            <a:ext uri="{909E8E84-426E-40DD-AFC4-6F175D3DCCD1}">
+              <a14:hiddenFill xmlns:a14="http://schemas.microsoft.com/office/drawing/2010/main">
+                <a:solidFill>
+                  <a:srgbClr val="FFFFFF"/>
+                </a:solidFill>
+              </a14:hiddenFill>
+            </a:ext>
+          </a:extLst>
+        </p:spPr>
+      </p:pic>
+      <p:pic>
+        <p:nvPicPr>
+          <p:cNvPr id="2067" name="Picture 19" descr="Observer">
+            <a:hlinkClick r:id="rId36"/>
+          </p:cNvPr>
+          <p:cNvPicPr>
+            <a:picLocks noChangeAspect="1" noChangeArrowheads="1"/>
+          </p:cNvPicPr>
+          <p:nvPr/>
+        </p:nvPicPr>
+        <p:blipFill>
+          <a:blip r:embed="rId37">
+            <a:extLst>
+              <a:ext uri="{28A0092B-C50C-407E-A947-70E740481C1C}">
+                <a14:useLocalDpi xmlns:a14="http://schemas.microsoft.com/office/drawing/2010/main" val="0"/>
+              </a:ext>
+            </a:extLst>
+          </a:blip>
+          <a:srcRect/>
+          <a:stretch>
+            <a:fillRect/>
+          </a:stretch>
+        </p:blipFill>
+        <p:spPr bwMode="auto">
+          <a:xfrm>
+            <a:off x="9728200" y="4471082"/>
+            <a:ext cx="1333500" cy="952500"/>
+          </a:xfrm>
+          <a:prstGeom prst="rect">
+            <a:avLst/>
+          </a:prstGeom>
+          <a:noFill/>
+          <a:extLst>
+            <a:ext uri="{909E8E84-426E-40DD-AFC4-6F175D3DCCD1}">
+              <a14:hiddenFill xmlns:a14="http://schemas.microsoft.com/office/drawing/2010/main">
+                <a:solidFill>
+                  <a:srgbClr val="FFFFFF"/>
+                </a:solidFill>
+              </a14:hiddenFill>
+            </a:ext>
+          </a:extLst>
+        </p:spPr>
+      </p:pic>
+      <p:pic>
+        <p:nvPicPr>
+          <p:cNvPr id="2068" name="Picture 20" descr="State">
+            <a:hlinkClick r:id="rId38"/>
+          </p:cNvPr>
+          <p:cNvPicPr>
+            <a:picLocks noChangeAspect="1" noChangeArrowheads="1"/>
+          </p:cNvPicPr>
+          <p:nvPr/>
+        </p:nvPicPr>
+        <p:blipFill>
+          <a:blip r:embed="rId39">
+            <a:extLst>
+              <a:ext uri="{28A0092B-C50C-407E-A947-70E740481C1C}">
+                <a14:useLocalDpi xmlns:a14="http://schemas.microsoft.com/office/drawing/2010/main" val="0"/>
+              </a:ext>
+            </a:extLst>
+          </a:blip>
+          <a:srcRect/>
+          <a:stretch>
+            <a:fillRect/>
+          </a:stretch>
+        </p:blipFill>
+        <p:spPr bwMode="auto">
+          <a:xfrm>
+            <a:off x="981620" y="5598027"/>
+            <a:ext cx="1333500" cy="952500"/>
+          </a:xfrm>
+          <a:prstGeom prst="rect">
+            <a:avLst/>
+          </a:prstGeom>
+          <a:noFill/>
+          <a:extLst>
+            <a:ext uri="{909E8E84-426E-40DD-AFC4-6F175D3DCCD1}">
+              <a14:hiddenFill xmlns:a14="http://schemas.microsoft.com/office/drawing/2010/main">
+                <a:solidFill>
+                  <a:srgbClr val="FFFFFF"/>
+                </a:solidFill>
+              </a14:hiddenFill>
+            </a:ext>
+          </a:extLst>
+        </p:spPr>
+      </p:pic>
+      <p:pic>
+        <p:nvPicPr>
+          <p:cNvPr id="2069" name="Picture 21" descr="Strategy">
+            <a:hlinkClick r:id="rId40"/>
+          </p:cNvPr>
+          <p:cNvPicPr>
+            <a:picLocks noChangeAspect="1" noChangeArrowheads="1"/>
+          </p:cNvPicPr>
+          <p:nvPr/>
+        </p:nvPicPr>
+        <p:blipFill>
+          <a:blip r:embed="rId41">
+            <a:extLst>
+              <a:ext uri="{28A0092B-C50C-407E-A947-70E740481C1C}">
+                <a14:useLocalDpi xmlns:a14="http://schemas.microsoft.com/office/drawing/2010/main" val="0"/>
+              </a:ext>
+            </a:extLst>
+          </a:blip>
+          <a:srcRect/>
+          <a:stretch>
+            <a:fillRect/>
+          </a:stretch>
+        </p:blipFill>
+        <p:spPr bwMode="auto">
+          <a:xfrm>
+            <a:off x="3427413" y="5598027"/>
+            <a:ext cx="1333500" cy="952500"/>
+          </a:xfrm>
+          <a:prstGeom prst="rect">
+            <a:avLst/>
+          </a:prstGeom>
+          <a:noFill/>
+          <a:extLst>
+            <a:ext uri="{909E8E84-426E-40DD-AFC4-6F175D3DCCD1}">
+              <a14:hiddenFill xmlns:a14="http://schemas.microsoft.com/office/drawing/2010/main">
+                <a:solidFill>
+                  <a:srgbClr val="FFFFFF"/>
+                </a:solidFill>
+              </a14:hiddenFill>
+            </a:ext>
+          </a:extLst>
+        </p:spPr>
+      </p:pic>
+      <p:pic>
+        <p:nvPicPr>
+          <p:cNvPr id="2070" name="Picture 22" descr="Template Method">
+            <a:hlinkClick r:id="rId42"/>
+          </p:cNvPr>
+          <p:cNvPicPr>
+            <a:picLocks noChangeAspect="1" noChangeArrowheads="1"/>
+          </p:cNvPicPr>
+          <p:nvPr/>
+        </p:nvPicPr>
+        <p:blipFill>
+          <a:blip r:embed="rId43">
+            <a:extLst>
+              <a:ext uri="{28A0092B-C50C-407E-A947-70E740481C1C}">
+                <a14:useLocalDpi xmlns:a14="http://schemas.microsoft.com/office/drawing/2010/main" val="0"/>
+              </a:ext>
+            </a:extLst>
+          </a:blip>
+          <a:srcRect/>
+          <a:stretch>
+            <a:fillRect/>
+          </a:stretch>
+        </p:blipFill>
+        <p:spPr bwMode="auto">
+          <a:xfrm>
+            <a:off x="5546725" y="5598027"/>
+            <a:ext cx="1333500" cy="952500"/>
+          </a:xfrm>
+          <a:prstGeom prst="rect">
+            <a:avLst/>
+          </a:prstGeom>
+          <a:noFill/>
+          <a:extLst>
+            <a:ext uri="{909E8E84-426E-40DD-AFC4-6F175D3DCCD1}">
+              <a14:hiddenFill xmlns:a14="http://schemas.microsoft.com/office/drawing/2010/main">
+                <a:solidFill>
+                  <a:srgbClr val="FFFFFF"/>
+                </a:solidFill>
+              </a14:hiddenFill>
+            </a:ext>
+          </a:extLst>
+        </p:spPr>
+      </p:pic>
+      <p:pic>
+        <p:nvPicPr>
+          <p:cNvPr id="2071" name="Picture 23" descr="Visitor">
+            <a:hlinkClick r:id="rId44"/>
+          </p:cNvPr>
+          <p:cNvPicPr>
+            <a:picLocks noChangeAspect="1" noChangeArrowheads="1"/>
+          </p:cNvPicPr>
+          <p:nvPr/>
+        </p:nvPicPr>
+        <p:blipFill>
+          <a:blip r:embed="rId45">
+            <a:extLst>
+              <a:ext uri="{28A0092B-C50C-407E-A947-70E740481C1C}">
+                <a14:useLocalDpi xmlns:a14="http://schemas.microsoft.com/office/drawing/2010/main" val="0"/>
+              </a:ext>
+            </a:extLst>
+          </a:blip>
+          <a:srcRect/>
+          <a:stretch>
+            <a:fillRect/>
+          </a:stretch>
+        </p:blipFill>
+        <p:spPr bwMode="auto">
+          <a:xfrm>
+            <a:off x="7506245" y="5598027"/>
+            <a:ext cx="1333500" cy="952500"/>
+          </a:xfrm>
+          <a:prstGeom prst="rect">
+            <a:avLst/>
+          </a:prstGeom>
+          <a:noFill/>
+          <a:extLst>
+            <a:ext uri="{909E8E84-426E-40DD-AFC4-6F175D3DCCD1}">
+              <a14:hiddenFill xmlns:a14="http://schemas.microsoft.com/office/drawing/2010/main">
+                <a:solidFill>
+                  <a:srgbClr val="FFFFFF"/>
+                </a:solidFill>
+              </a14:hiddenFill>
+            </a:ext>
+          </a:extLst>
+        </p:spPr>
+      </p:pic>
+    </p:spTree>
+    <p:extLst>
+      <p:ext uri="{BB962C8B-B14F-4D97-AF65-F5344CB8AC3E}">
+        <p14:creationId xmlns:p14="http://schemas.microsoft.com/office/powerpoint/2010/main" val="3121362994"/>
+      </p:ext>
+    </p:extLst>
+  </p:cSld>
+  <p:clrMapOvr>
+    <a:masterClrMapping/>
+  </p:clrMapOvr>
+</p:sld>
+</file>
+
+<file path=ppt/slides/slide50.xml><?xml version="1.0" encoding="utf-8"?>
 <p:sld xmlns:a="http://schemas.openxmlformats.org/drawingml/2006/main" xmlns:r="http://schemas.openxmlformats.org/officeDocument/2006/relationships" xmlns:p="http://schemas.openxmlformats.org/presentationml/2006/main">
   <p:cSld>
     <p:spTree>
@@ -7037,7 +9753,7 @@
     </p:spTree>
     <p:extLst>
       <p:ext uri="{BB962C8B-B14F-4D97-AF65-F5344CB8AC3E}">
-        <p14:creationId xmlns:p14="http://schemas.microsoft.com/office/powerpoint/2010/main" val="2718742515"/>
+        <p14:creationId xmlns:p14="http://schemas.microsoft.com/office/powerpoint/2010/main" val="664924777"/>
       </p:ext>
     </p:extLst>
   </p:cSld>
@@ -7047,7 +9763,7 @@
 </p:sld>
 </file>
 
-<file path=ppt/slides/slide32.xml><?xml version="1.0" encoding="utf-8"?>
+<file path=ppt/slides/slide51.xml><?xml version="1.0" encoding="utf-8"?>
 <p:sld xmlns:a="http://schemas.openxmlformats.org/drawingml/2006/main" xmlns:r="http://schemas.openxmlformats.org/officeDocument/2006/relationships" xmlns:p="http://schemas.openxmlformats.org/presentationml/2006/main">
   <p:cSld>
     <p:spTree>
@@ -7169,7 +9885,7 @@
     </p:spTree>
     <p:extLst>
       <p:ext uri="{BB962C8B-B14F-4D97-AF65-F5344CB8AC3E}">
-        <p14:creationId xmlns:p14="http://schemas.microsoft.com/office/powerpoint/2010/main" val="2370912933"/>
+        <p14:creationId xmlns:p14="http://schemas.microsoft.com/office/powerpoint/2010/main" val="1930826551"/>
       </p:ext>
     </p:extLst>
   </p:cSld>
@@ -7179,7 +9895,7 @@
 </p:sld>
 </file>
 
-<file path=ppt/slides/slide33.xml><?xml version="1.0" encoding="utf-8"?>
+<file path=ppt/slides/slide52.xml><?xml version="1.0" encoding="utf-8"?>
 <p:sld xmlns:a="http://schemas.openxmlformats.org/drawingml/2006/main" xmlns:r="http://schemas.openxmlformats.org/officeDocument/2006/relationships" xmlns:p="http://schemas.openxmlformats.org/presentationml/2006/main">
   <p:cSld>
     <p:spTree>
@@ -7240,7 +9956,7 @@
     </p:spTree>
     <p:extLst>
       <p:ext uri="{BB962C8B-B14F-4D97-AF65-F5344CB8AC3E}">
-        <p14:creationId xmlns:p14="http://schemas.microsoft.com/office/powerpoint/2010/main" val="4196776536"/>
+        <p14:creationId xmlns:p14="http://schemas.microsoft.com/office/powerpoint/2010/main" val="2459697411"/>
       </p:ext>
     </p:extLst>
   </p:cSld>
@@ -7250,7 +9966,7 @@
 </p:sld>
 </file>
 
-<file path=ppt/slides/slide34.xml><?xml version="1.0" encoding="utf-8"?>
+<file path=ppt/slides/slide53.xml><?xml version="1.0" encoding="utf-8"?>
 <p:sld xmlns:a="http://schemas.openxmlformats.org/drawingml/2006/main" xmlns:r="http://schemas.openxmlformats.org/officeDocument/2006/relationships" xmlns:p="http://schemas.openxmlformats.org/presentationml/2006/main">
   <p:cSld>
     <p:spTree>
@@ -7311,1209 +10027,7 @@
     </p:spTree>
     <p:extLst>
       <p:ext uri="{BB962C8B-B14F-4D97-AF65-F5344CB8AC3E}">
-        <p14:creationId xmlns:p14="http://schemas.microsoft.com/office/powerpoint/2010/main" val="1759367429"/>
-      </p:ext>
-    </p:extLst>
-  </p:cSld>
-  <p:clrMapOvr>
-    <a:masterClrMapping/>
-  </p:clrMapOvr>
-</p:sld>
-</file>
-
-<file path=ppt/slides/slide4.xml><?xml version="1.0" encoding="utf-8"?>
-<p:sld xmlns:a="http://schemas.openxmlformats.org/drawingml/2006/main" xmlns:r="http://schemas.openxmlformats.org/officeDocument/2006/relationships" xmlns:p="http://schemas.openxmlformats.org/presentationml/2006/main">
-  <p:cSld>
-    <p:spTree>
-      <p:nvGrpSpPr>
-        <p:cNvPr id="1" name=""/>
-        <p:cNvGrpSpPr/>
-        <p:nvPr/>
-      </p:nvGrpSpPr>
-      <p:grpSpPr>
-        <a:xfrm>
-          <a:off x="0" y="0"/>
-          <a:ext cx="0" cy="0"/>
-          <a:chOff x="0" y="0"/>
-          <a:chExt cx="0" cy="0"/>
-        </a:xfrm>
-      </p:grpSpPr>
-      <p:sp>
-        <p:nvSpPr>
-          <p:cNvPr id="2" name="Title 1"/>
-          <p:cNvSpPr>
-            <a:spLocks noGrp="1"/>
-          </p:cNvSpPr>
-          <p:nvPr>
-            <p:ph type="ctrTitle"/>
-          </p:nvPr>
-        </p:nvSpPr>
-        <p:spPr>
-          <a:xfrm>
-            <a:off x="542362" y="1761565"/>
-            <a:ext cx="4177556" cy="3214128"/>
-          </a:xfrm>
-        </p:spPr>
-        <p:txBody>
-          <a:bodyPr>
-            <a:noAutofit/>
-          </a:bodyPr>
-          <a:lstStyle/>
-          <a:p>
-            <a:r>
-              <a:rPr lang="en-US" sz="3200" dirty="0" smtClean="0"/>
-              <a:t>Creational</a:t>
-            </a:r>
-            <a:br>
-              <a:rPr lang="en-US" sz="3200" dirty="0" smtClean="0"/>
-            </a:br>
-            <a:r>
-              <a:rPr lang="en-US" sz="3200" dirty="0"/>
-              <a:t/>
-            </a:r>
-            <a:br>
-              <a:rPr lang="en-US" sz="3200" dirty="0"/>
-            </a:br>
-            <a:r>
-              <a:rPr lang="en-US" sz="3200" dirty="0" smtClean="0"/>
-              <a:t>Structural</a:t>
-            </a:r>
-            <a:br>
-              <a:rPr lang="en-US" sz="3200" dirty="0" smtClean="0"/>
-            </a:br>
-            <a:r>
-              <a:rPr lang="en-US" sz="3200" dirty="0"/>
-              <a:t/>
-            </a:r>
-            <a:br>
-              <a:rPr lang="en-US" sz="3200" dirty="0"/>
-            </a:br>
-            <a:r>
-              <a:rPr lang="en-US" sz="3200" dirty="0" smtClean="0"/>
-              <a:t>Behavioral</a:t>
-            </a:r>
-            <a:r>
-              <a:rPr lang="en-US" sz="3200" dirty="0"/>
-              <a:t/>
-            </a:r>
-            <a:br>
-              <a:rPr lang="en-US" sz="3200" dirty="0"/>
-            </a:br>
-            <a:endParaRPr lang="en-US" sz="3200" dirty="0">
-              <a:latin typeface="Consolas" panose="020B0609020204030204" pitchFamily="49" charset="0"/>
-            </a:endParaRPr>
-          </a:p>
-        </p:txBody>
-      </p:sp>
-      <p:sp>
-        <p:nvSpPr>
-          <p:cNvPr id="3" name="Title 1"/>
-          <p:cNvSpPr txBox="1">
-            <a:spLocks/>
-          </p:cNvSpPr>
-          <p:nvPr/>
-        </p:nvSpPr>
-        <p:spPr>
-          <a:xfrm>
-            <a:off x="6835586" y="1761565"/>
-            <a:ext cx="4177556" cy="3214128"/>
-          </a:xfrm>
-          <a:prstGeom prst="rect">
-            <a:avLst/>
-          </a:prstGeom>
-        </p:spPr>
-        <p:txBody>
-          <a:bodyPr vert="horz" lIns="91440" tIns="45720" rIns="91440" bIns="45720" rtlCol="0" anchor="b">
-            <a:noAutofit/>
-          </a:bodyPr>
-          <a:lstStyle>
-            <a:lvl1pPr algn="ctr" defTabSz="914400" rtl="0" eaLnBrk="1" latinLnBrk="0" hangingPunct="1">
-              <a:lnSpc>
-                <a:spcPct val="90000"/>
-              </a:lnSpc>
-              <a:spcBef>
-                <a:spcPct val="0"/>
-              </a:spcBef>
-              <a:buNone/>
-              <a:defRPr sz="6000" kern="1200">
-                <a:solidFill>
-                  <a:schemeClr val="tx1"/>
-                </a:solidFill>
-                <a:latin typeface="+mj-lt"/>
-                <a:ea typeface="+mj-ea"/>
-                <a:cs typeface="+mj-cs"/>
-              </a:defRPr>
-            </a:lvl1pPr>
-          </a:lstStyle>
-          <a:p>
-            <a:r>
-              <a:rPr lang="fa-IR" sz="3200" dirty="0" smtClean="0"/>
-              <a:t>ایجاد کننده</a:t>
-            </a:r>
-            <a:r>
-              <a:rPr lang="en-US" sz="3200" dirty="0" smtClean="0"/>
-              <a:t/>
-            </a:r>
-            <a:br>
-              <a:rPr lang="en-US" sz="3200" dirty="0" smtClean="0"/>
-            </a:br>
-            <a:r>
-              <a:rPr lang="en-US" sz="3200" dirty="0" smtClean="0"/>
-              <a:t/>
-            </a:r>
-            <a:br>
-              <a:rPr lang="en-US" sz="3200" dirty="0" smtClean="0"/>
-            </a:br>
-            <a:r>
-              <a:rPr lang="fa-IR" sz="3200" dirty="0" smtClean="0"/>
-              <a:t>ساختاری</a:t>
-            </a:r>
-            <a:r>
-              <a:rPr lang="en-US" sz="3200" dirty="0" smtClean="0"/>
-              <a:t/>
-            </a:r>
-            <a:br>
-              <a:rPr lang="en-US" sz="3200" dirty="0" smtClean="0"/>
-            </a:br>
-            <a:r>
-              <a:rPr lang="en-US" sz="3200" dirty="0" smtClean="0"/>
-              <a:t/>
-            </a:r>
-            <a:br>
-              <a:rPr lang="en-US" sz="3200" dirty="0" smtClean="0"/>
-            </a:br>
-            <a:r>
-              <a:rPr lang="fa-IR" sz="3200" dirty="0" smtClean="0"/>
-              <a:t>رفتاری</a:t>
-            </a:r>
-            <a:r>
-              <a:rPr lang="en-US" sz="3200" dirty="0" smtClean="0"/>
-              <a:t/>
-            </a:r>
-            <a:br>
-              <a:rPr lang="en-US" sz="3200" dirty="0" smtClean="0"/>
-            </a:br>
-            <a:endParaRPr lang="en-US" sz="3200" dirty="0">
-              <a:latin typeface="Consolas" panose="020B0609020204030204" pitchFamily="49" charset="0"/>
-            </a:endParaRPr>
-          </a:p>
-        </p:txBody>
-      </p:sp>
-    </p:spTree>
-    <p:extLst>
-      <p:ext uri="{BB962C8B-B14F-4D97-AF65-F5344CB8AC3E}">
-        <p14:creationId xmlns:p14="http://schemas.microsoft.com/office/powerpoint/2010/main" val="292308427"/>
-      </p:ext>
-    </p:extLst>
-  </p:cSld>
-  <p:clrMapOvr>
-    <a:masterClrMapping/>
-  </p:clrMapOvr>
-</p:sld>
-</file>
-
-<file path=ppt/slides/slide5.xml><?xml version="1.0" encoding="utf-8"?>
-<p:sld xmlns:a="http://schemas.openxmlformats.org/drawingml/2006/main" xmlns:r="http://schemas.openxmlformats.org/officeDocument/2006/relationships" xmlns:p="http://schemas.openxmlformats.org/presentationml/2006/main">
-  <p:cSld>
-    <p:spTree>
-      <p:nvGrpSpPr>
-        <p:cNvPr id="1" name=""/>
-        <p:cNvGrpSpPr/>
-        <p:nvPr/>
-      </p:nvGrpSpPr>
-      <p:grpSpPr>
-        <a:xfrm>
-          <a:off x="0" y="0"/>
-          <a:ext cx="0" cy="0"/>
-          <a:chOff x="0" y="0"/>
-          <a:chExt cx="0" cy="0"/>
-        </a:xfrm>
-      </p:grpSpPr>
-      <p:sp>
-        <p:nvSpPr>
-          <p:cNvPr id="2" name="Title 1"/>
-          <p:cNvSpPr>
-            <a:spLocks noGrp="1"/>
-          </p:cNvSpPr>
-          <p:nvPr>
-            <p:ph type="title"/>
-          </p:nvPr>
-        </p:nvSpPr>
-        <p:spPr>
-          <a:xfrm>
-            <a:off x="955675" y="-104465"/>
-            <a:ext cx="10515600" cy="1325563"/>
-          </a:xfrm>
-        </p:spPr>
-        <p:txBody>
-          <a:bodyPr>
-            <a:normAutofit/>
-          </a:bodyPr>
-          <a:lstStyle/>
-          <a:p>
-            <a:pPr algn="ctr"/>
-            <a:r>
-              <a:rPr lang="en-US" b="1" dirty="0"/>
-              <a:t>The Catalog of Design </a:t>
-            </a:r>
-            <a:r>
-              <a:rPr lang="en-US" b="1" dirty="0" smtClean="0"/>
-              <a:t>Patterns</a:t>
-            </a:r>
-            <a:endParaRPr lang="en-US" dirty="0"/>
-          </a:p>
-        </p:txBody>
-      </p:sp>
-      <p:pic>
-        <p:nvPicPr>
-          <p:cNvPr id="2050" name="Picture 2" descr="Factory Method">
-            <a:hlinkClick r:id="rId2"/>
-          </p:cNvPr>
-          <p:cNvPicPr>
-            <a:picLocks noChangeAspect="1" noChangeArrowheads="1"/>
-          </p:cNvPicPr>
-          <p:nvPr/>
-        </p:nvPicPr>
-        <p:blipFill>
-          <a:blip r:embed="rId3">
-            <a:extLst>
-              <a:ext uri="{28A0092B-C50C-407E-A947-70E740481C1C}">
-                <a14:useLocalDpi xmlns:a14="http://schemas.microsoft.com/office/drawing/2010/main" val="0"/>
-              </a:ext>
-            </a:extLst>
-          </a:blip>
-          <a:srcRect/>
-          <a:stretch>
-            <a:fillRect/>
-          </a:stretch>
-        </p:blipFill>
-        <p:spPr bwMode="auto">
-          <a:xfrm>
-            <a:off x="2421733" y="1028699"/>
-            <a:ext cx="1333500" cy="952500"/>
-          </a:xfrm>
-          <a:prstGeom prst="rect">
-            <a:avLst/>
-          </a:prstGeom>
-          <a:noFill/>
-          <a:extLst>
-            <a:ext uri="{909E8E84-426E-40DD-AFC4-6F175D3DCCD1}">
-              <a14:hiddenFill xmlns:a14="http://schemas.microsoft.com/office/drawing/2010/main">
-                <a:solidFill>
-                  <a:srgbClr val="FFFFFF"/>
-                </a:solidFill>
-              </a14:hiddenFill>
-            </a:ext>
-          </a:extLst>
-        </p:spPr>
-      </p:pic>
-      <p:pic>
-        <p:nvPicPr>
-          <p:cNvPr id="2051" name="Picture 3" descr="Abstract Factory">
-            <a:hlinkClick r:id="rId4"/>
-          </p:cNvPr>
-          <p:cNvPicPr>
-            <a:picLocks noChangeAspect="1" noChangeArrowheads="1"/>
-          </p:cNvPicPr>
-          <p:nvPr/>
-        </p:nvPicPr>
-        <p:blipFill>
-          <a:blip r:embed="rId5">
-            <a:extLst>
-              <a:ext uri="{28A0092B-C50C-407E-A947-70E740481C1C}">
-                <a14:useLocalDpi xmlns:a14="http://schemas.microsoft.com/office/drawing/2010/main" val="0"/>
-              </a:ext>
-            </a:extLst>
-          </a:blip>
-          <a:srcRect/>
-          <a:stretch>
-            <a:fillRect/>
-          </a:stretch>
-        </p:blipFill>
-        <p:spPr bwMode="auto">
-          <a:xfrm>
-            <a:off x="3507386" y="2132244"/>
-            <a:ext cx="1333500" cy="952500"/>
-          </a:xfrm>
-          <a:prstGeom prst="rect">
-            <a:avLst/>
-          </a:prstGeom>
-          <a:noFill/>
-          <a:extLst>
-            <a:ext uri="{909E8E84-426E-40DD-AFC4-6F175D3DCCD1}">
-              <a14:hiddenFill xmlns:a14="http://schemas.microsoft.com/office/drawing/2010/main">
-                <a:solidFill>
-                  <a:srgbClr val="FFFFFF"/>
-                </a:solidFill>
-              </a14:hiddenFill>
-            </a:ext>
-          </a:extLst>
-        </p:spPr>
-      </p:pic>
-      <p:pic>
-        <p:nvPicPr>
-          <p:cNvPr id="2052" name="Picture 4" descr="Builder">
-            <a:hlinkClick r:id="rId6"/>
-          </p:cNvPr>
-          <p:cNvPicPr>
-            <a:picLocks noChangeAspect="1" noChangeArrowheads="1"/>
-          </p:cNvPicPr>
-          <p:nvPr/>
-        </p:nvPicPr>
-        <p:blipFill>
-          <a:blip r:embed="rId7">
-            <a:extLst>
-              <a:ext uri="{28A0092B-C50C-407E-A947-70E740481C1C}">
-                <a14:useLocalDpi xmlns:a14="http://schemas.microsoft.com/office/drawing/2010/main" val="0"/>
-              </a:ext>
-            </a:extLst>
-          </a:blip>
-          <a:srcRect/>
-          <a:stretch>
-            <a:fillRect/>
-          </a:stretch>
-        </p:blipFill>
-        <p:spPr bwMode="auto">
-          <a:xfrm>
-            <a:off x="5774121" y="2110814"/>
-            <a:ext cx="1333500" cy="952500"/>
-          </a:xfrm>
-          <a:prstGeom prst="rect">
-            <a:avLst/>
-          </a:prstGeom>
-          <a:noFill/>
-          <a:extLst>
-            <a:ext uri="{909E8E84-426E-40DD-AFC4-6F175D3DCCD1}">
-              <a14:hiddenFill xmlns:a14="http://schemas.microsoft.com/office/drawing/2010/main">
-                <a:solidFill>
-                  <a:srgbClr val="FFFFFF"/>
-                </a:solidFill>
-              </a14:hiddenFill>
-            </a:ext>
-          </a:extLst>
-        </p:spPr>
-      </p:pic>
-      <p:pic>
-        <p:nvPicPr>
-          <p:cNvPr id="2053" name="Picture 5" descr="Prototype">
-            <a:hlinkClick r:id="rId8"/>
-          </p:cNvPr>
-          <p:cNvPicPr>
-            <a:picLocks noChangeAspect="1" noChangeArrowheads="1"/>
-          </p:cNvPicPr>
-          <p:nvPr/>
-        </p:nvPicPr>
-        <p:blipFill>
-          <a:blip r:embed="rId9">
-            <a:extLst>
-              <a:ext uri="{28A0092B-C50C-407E-A947-70E740481C1C}">
-                <a14:useLocalDpi xmlns:a14="http://schemas.microsoft.com/office/drawing/2010/main" val="0"/>
-              </a:ext>
-            </a:extLst>
-          </a:blip>
-          <a:srcRect/>
-          <a:stretch>
-            <a:fillRect/>
-          </a:stretch>
-        </p:blipFill>
-        <p:spPr bwMode="auto">
-          <a:xfrm>
-            <a:off x="7683500" y="2216429"/>
-            <a:ext cx="1333500" cy="952500"/>
-          </a:xfrm>
-          <a:prstGeom prst="rect">
-            <a:avLst/>
-          </a:prstGeom>
-          <a:noFill/>
-          <a:extLst>
-            <a:ext uri="{909E8E84-426E-40DD-AFC4-6F175D3DCCD1}">
-              <a14:hiddenFill xmlns:a14="http://schemas.microsoft.com/office/drawing/2010/main">
-                <a:solidFill>
-                  <a:srgbClr val="FFFFFF"/>
-                </a:solidFill>
-              </a14:hiddenFill>
-            </a:ext>
-          </a:extLst>
-        </p:spPr>
-      </p:pic>
-      <p:pic>
-        <p:nvPicPr>
-          <p:cNvPr id="2054" name="Picture 6" descr="Singleton">
-            <a:hlinkClick r:id="rId10"/>
-          </p:cNvPr>
-          <p:cNvPicPr>
-            <a:picLocks noChangeAspect="1" noChangeArrowheads="1"/>
-          </p:cNvPicPr>
-          <p:nvPr/>
-        </p:nvPicPr>
-        <p:blipFill>
-          <a:blip r:embed="rId11">
-            <a:extLst>
-              <a:ext uri="{28A0092B-C50C-407E-A947-70E740481C1C}">
-                <a14:useLocalDpi xmlns:a14="http://schemas.microsoft.com/office/drawing/2010/main" val="0"/>
-              </a:ext>
-            </a:extLst>
-          </a:blip>
-          <a:srcRect/>
-          <a:stretch>
-            <a:fillRect/>
-          </a:stretch>
-        </p:blipFill>
-        <p:spPr bwMode="auto">
-          <a:xfrm>
-            <a:off x="9728200" y="2085361"/>
-            <a:ext cx="1333500" cy="952500"/>
-          </a:xfrm>
-          <a:prstGeom prst="rect">
-            <a:avLst/>
-          </a:prstGeom>
-          <a:noFill/>
-          <a:extLst>
-            <a:ext uri="{909E8E84-426E-40DD-AFC4-6F175D3DCCD1}">
-              <a14:hiddenFill xmlns:a14="http://schemas.microsoft.com/office/drawing/2010/main">
-                <a:solidFill>
-                  <a:srgbClr val="FFFFFF"/>
-                </a:solidFill>
-              </a14:hiddenFill>
-            </a:ext>
-          </a:extLst>
-        </p:spPr>
-      </p:pic>
-      <p:pic>
-        <p:nvPicPr>
-          <p:cNvPr id="2055" name="Picture 7" descr="Adapter">
-            <a:hlinkClick r:id="rId12"/>
-          </p:cNvPr>
-          <p:cNvPicPr>
-            <a:picLocks noChangeAspect="1" noChangeArrowheads="1"/>
-          </p:cNvPicPr>
-          <p:nvPr/>
-        </p:nvPicPr>
-        <p:blipFill>
-          <a:blip r:embed="rId13">
-            <a:extLst>
-              <a:ext uri="{28A0092B-C50C-407E-A947-70E740481C1C}">
-                <a14:useLocalDpi xmlns:a14="http://schemas.microsoft.com/office/drawing/2010/main" val="0"/>
-              </a:ext>
-            </a:extLst>
-          </a:blip>
-          <a:srcRect/>
-          <a:stretch>
-            <a:fillRect/>
-          </a:stretch>
-        </p:blipFill>
-        <p:spPr bwMode="auto">
-          <a:xfrm>
-            <a:off x="1101583" y="2200929"/>
-            <a:ext cx="1333500" cy="952500"/>
-          </a:xfrm>
-          <a:prstGeom prst="rect">
-            <a:avLst/>
-          </a:prstGeom>
-          <a:noFill/>
-          <a:extLst>
-            <a:ext uri="{909E8E84-426E-40DD-AFC4-6F175D3DCCD1}">
-              <a14:hiddenFill xmlns:a14="http://schemas.microsoft.com/office/drawing/2010/main">
-                <a:solidFill>
-                  <a:srgbClr val="FFFFFF"/>
-                </a:solidFill>
-              </a14:hiddenFill>
-            </a:ext>
-          </a:extLst>
-        </p:spPr>
-      </p:pic>
-      <p:pic>
-        <p:nvPicPr>
-          <p:cNvPr id="2056" name="Picture 8" descr="Bridge">
-            <a:hlinkClick r:id="rId14"/>
-          </p:cNvPr>
-          <p:cNvPicPr>
-            <a:picLocks noChangeAspect="1" noChangeArrowheads="1"/>
-          </p:cNvPicPr>
-          <p:nvPr/>
-        </p:nvPicPr>
-        <p:blipFill>
-          <a:blip r:embed="rId15">
-            <a:extLst>
-              <a:ext uri="{28A0092B-C50C-407E-A947-70E740481C1C}">
-                <a14:useLocalDpi xmlns:a14="http://schemas.microsoft.com/office/drawing/2010/main" val="0"/>
-              </a:ext>
-            </a:extLst>
-          </a:blip>
-          <a:srcRect/>
-          <a:stretch>
-            <a:fillRect/>
-          </a:stretch>
-        </p:blipFill>
-        <p:spPr bwMode="auto">
-          <a:xfrm>
-            <a:off x="1088233" y="3333295"/>
-            <a:ext cx="1333500" cy="952500"/>
-          </a:xfrm>
-          <a:prstGeom prst="rect">
-            <a:avLst/>
-          </a:prstGeom>
-          <a:noFill/>
-          <a:extLst>
-            <a:ext uri="{909E8E84-426E-40DD-AFC4-6F175D3DCCD1}">
-              <a14:hiddenFill xmlns:a14="http://schemas.microsoft.com/office/drawing/2010/main">
-                <a:solidFill>
-                  <a:srgbClr val="FFFFFF"/>
-                </a:solidFill>
-              </a14:hiddenFill>
-            </a:ext>
-          </a:extLst>
-        </p:spPr>
-      </p:pic>
-      <p:pic>
-        <p:nvPicPr>
-          <p:cNvPr id="2057" name="Picture 9" descr="Composite">
-            <a:hlinkClick r:id="rId16"/>
-          </p:cNvPr>
-          <p:cNvPicPr>
-            <a:picLocks noChangeAspect="1" noChangeArrowheads="1"/>
-          </p:cNvPicPr>
-          <p:nvPr/>
-        </p:nvPicPr>
-        <p:blipFill>
-          <a:blip r:embed="rId17">
-            <a:extLst>
-              <a:ext uri="{28A0092B-C50C-407E-A947-70E740481C1C}">
-                <a14:useLocalDpi xmlns:a14="http://schemas.microsoft.com/office/drawing/2010/main" val="0"/>
-              </a:ext>
-            </a:extLst>
-          </a:blip>
-          <a:srcRect/>
-          <a:stretch>
-            <a:fillRect/>
-          </a:stretch>
-        </p:blipFill>
-        <p:spPr bwMode="auto">
-          <a:xfrm>
-            <a:off x="3427413" y="3211389"/>
-            <a:ext cx="1333500" cy="952500"/>
-          </a:xfrm>
-          <a:prstGeom prst="rect">
-            <a:avLst/>
-          </a:prstGeom>
-          <a:noFill/>
-          <a:extLst>
-            <a:ext uri="{909E8E84-426E-40DD-AFC4-6F175D3DCCD1}">
-              <a14:hiddenFill xmlns:a14="http://schemas.microsoft.com/office/drawing/2010/main">
-                <a:solidFill>
-                  <a:srgbClr val="FFFFFF"/>
-                </a:solidFill>
-              </a14:hiddenFill>
-            </a:ext>
-          </a:extLst>
-        </p:spPr>
-      </p:pic>
-      <p:pic>
-        <p:nvPicPr>
-          <p:cNvPr id="2058" name="Picture 10" descr="Decorator">
-            <a:hlinkClick r:id="rId18"/>
-          </p:cNvPr>
-          <p:cNvPicPr>
-            <a:picLocks noChangeAspect="1" noChangeArrowheads="1"/>
-          </p:cNvPicPr>
-          <p:nvPr/>
-        </p:nvPicPr>
-        <p:blipFill>
-          <a:blip r:embed="rId19">
-            <a:extLst>
-              <a:ext uri="{28A0092B-C50C-407E-A947-70E740481C1C}">
-                <a14:useLocalDpi xmlns:a14="http://schemas.microsoft.com/office/drawing/2010/main" val="0"/>
-              </a:ext>
-            </a:extLst>
-          </a:blip>
-          <a:srcRect/>
-          <a:stretch>
-            <a:fillRect/>
-          </a:stretch>
-        </p:blipFill>
-        <p:spPr bwMode="auto">
-          <a:xfrm>
-            <a:off x="5716542" y="3328600"/>
-            <a:ext cx="1333500" cy="952500"/>
-          </a:xfrm>
-          <a:prstGeom prst="rect">
-            <a:avLst/>
-          </a:prstGeom>
-          <a:noFill/>
-          <a:extLst>
-            <a:ext uri="{909E8E84-426E-40DD-AFC4-6F175D3DCCD1}">
-              <a14:hiddenFill xmlns:a14="http://schemas.microsoft.com/office/drawing/2010/main">
-                <a:solidFill>
-                  <a:srgbClr val="FFFFFF"/>
-                </a:solidFill>
-              </a14:hiddenFill>
-            </a:ext>
-          </a:extLst>
-        </p:spPr>
-      </p:pic>
-      <p:pic>
-        <p:nvPicPr>
-          <p:cNvPr id="2059" name="Picture 11" descr="Facade">
-            <a:hlinkClick r:id="rId20"/>
-          </p:cNvPr>
-          <p:cNvPicPr>
-            <a:picLocks noChangeAspect="1" noChangeArrowheads="1"/>
-          </p:cNvPicPr>
-          <p:nvPr/>
-        </p:nvPicPr>
-        <p:blipFill>
-          <a:blip r:embed="rId21">
-            <a:extLst>
-              <a:ext uri="{28A0092B-C50C-407E-A947-70E740481C1C}">
-                <a14:useLocalDpi xmlns:a14="http://schemas.microsoft.com/office/drawing/2010/main" val="0"/>
-              </a:ext>
-            </a:extLst>
-          </a:blip>
-          <a:srcRect/>
-          <a:stretch>
-            <a:fillRect/>
-          </a:stretch>
-        </p:blipFill>
-        <p:spPr bwMode="auto">
-          <a:xfrm>
-            <a:off x="9678101" y="3328600"/>
-            <a:ext cx="1333500" cy="952500"/>
-          </a:xfrm>
-          <a:prstGeom prst="rect">
-            <a:avLst/>
-          </a:prstGeom>
-          <a:noFill/>
-          <a:extLst>
-            <a:ext uri="{909E8E84-426E-40DD-AFC4-6F175D3DCCD1}">
-              <a14:hiddenFill xmlns:a14="http://schemas.microsoft.com/office/drawing/2010/main">
-                <a:solidFill>
-                  <a:srgbClr val="FFFFFF"/>
-                </a:solidFill>
-              </a14:hiddenFill>
-            </a:ext>
-          </a:extLst>
-        </p:spPr>
-      </p:pic>
-      <p:pic>
-        <p:nvPicPr>
-          <p:cNvPr id="2060" name="Picture 12" descr="Flyweight">
-            <a:hlinkClick r:id="rId22"/>
-          </p:cNvPr>
-          <p:cNvPicPr>
-            <a:picLocks noChangeAspect="1" noChangeArrowheads="1"/>
-          </p:cNvPicPr>
-          <p:nvPr/>
-        </p:nvPicPr>
-        <p:blipFill>
-          <a:blip r:embed="rId23">
-            <a:extLst>
-              <a:ext uri="{28A0092B-C50C-407E-A947-70E740481C1C}">
-                <a14:useLocalDpi xmlns:a14="http://schemas.microsoft.com/office/drawing/2010/main" val="0"/>
-              </a:ext>
-            </a:extLst>
-          </a:blip>
-          <a:srcRect/>
-          <a:stretch>
-            <a:fillRect/>
-          </a:stretch>
-        </p:blipFill>
-        <p:spPr bwMode="auto">
-          <a:xfrm>
-            <a:off x="6849990" y="1137519"/>
-            <a:ext cx="1333500" cy="952500"/>
-          </a:xfrm>
-          <a:prstGeom prst="rect">
-            <a:avLst/>
-          </a:prstGeom>
-          <a:noFill/>
-          <a:extLst>
-            <a:ext uri="{909E8E84-426E-40DD-AFC4-6F175D3DCCD1}">
-              <a14:hiddenFill xmlns:a14="http://schemas.microsoft.com/office/drawing/2010/main">
-                <a:solidFill>
-                  <a:srgbClr val="FFFFFF"/>
-                </a:solidFill>
-              </a14:hiddenFill>
-            </a:ext>
-          </a:extLst>
-        </p:spPr>
-      </p:pic>
-      <p:pic>
-        <p:nvPicPr>
-          <p:cNvPr id="2061" name="Picture 13" descr="Proxy">
-            <a:hlinkClick r:id="rId24"/>
-          </p:cNvPr>
-          <p:cNvPicPr>
-            <a:picLocks noChangeAspect="1" noChangeArrowheads="1"/>
-          </p:cNvPicPr>
-          <p:nvPr/>
-        </p:nvPicPr>
-        <p:blipFill>
-          <a:blip r:embed="rId25">
-            <a:extLst>
-              <a:ext uri="{28A0092B-C50C-407E-A947-70E740481C1C}">
-                <a14:useLocalDpi xmlns:a14="http://schemas.microsoft.com/office/drawing/2010/main" val="0"/>
-              </a:ext>
-            </a:extLst>
-          </a:blip>
-          <a:srcRect/>
-          <a:stretch>
-            <a:fillRect/>
-          </a:stretch>
-        </p:blipFill>
-        <p:spPr bwMode="auto">
-          <a:xfrm>
-            <a:off x="7637146" y="3328600"/>
-            <a:ext cx="1333500" cy="952500"/>
-          </a:xfrm>
-          <a:prstGeom prst="rect">
-            <a:avLst/>
-          </a:prstGeom>
-          <a:noFill/>
-          <a:extLst>
-            <a:ext uri="{909E8E84-426E-40DD-AFC4-6F175D3DCCD1}">
-              <a14:hiddenFill xmlns:a14="http://schemas.microsoft.com/office/drawing/2010/main">
-                <a:solidFill>
-                  <a:srgbClr val="FFFFFF"/>
-                </a:solidFill>
-              </a14:hiddenFill>
-            </a:ext>
-          </a:extLst>
-        </p:spPr>
-      </p:pic>
-      <p:pic>
-        <p:nvPicPr>
-          <p:cNvPr id="2062" name="Picture 14" descr="Chain of Responsibility">
-            <a:hlinkClick r:id="rId26"/>
-          </p:cNvPr>
-          <p:cNvPicPr>
-            <a:picLocks noChangeAspect="1" noChangeArrowheads="1"/>
-          </p:cNvPicPr>
-          <p:nvPr/>
-        </p:nvPicPr>
-        <p:blipFill>
-          <a:blip r:embed="rId27">
-            <a:extLst>
-              <a:ext uri="{28A0092B-C50C-407E-A947-70E740481C1C}">
-                <a14:useLocalDpi xmlns:a14="http://schemas.microsoft.com/office/drawing/2010/main" val="0"/>
-              </a:ext>
-            </a:extLst>
-          </a:blip>
-          <a:srcRect/>
-          <a:stretch>
-            <a:fillRect/>
-          </a:stretch>
-        </p:blipFill>
-        <p:spPr bwMode="auto">
-          <a:xfrm>
-            <a:off x="3427413" y="4465661"/>
-            <a:ext cx="1333500" cy="952500"/>
-          </a:xfrm>
-          <a:prstGeom prst="rect">
-            <a:avLst/>
-          </a:prstGeom>
-          <a:noFill/>
-          <a:extLst>
-            <a:ext uri="{909E8E84-426E-40DD-AFC4-6F175D3DCCD1}">
-              <a14:hiddenFill xmlns:a14="http://schemas.microsoft.com/office/drawing/2010/main">
-                <a:solidFill>
-                  <a:srgbClr val="FFFFFF"/>
-                </a:solidFill>
-              </a14:hiddenFill>
-            </a:ext>
-          </a:extLst>
-        </p:spPr>
-      </p:pic>
-      <p:pic>
-        <p:nvPicPr>
-          <p:cNvPr id="2063" name="Picture 15" descr="Command">
-            <a:hlinkClick r:id="rId28"/>
-          </p:cNvPr>
-          <p:cNvPicPr>
-            <a:picLocks noChangeAspect="1" noChangeArrowheads="1"/>
-          </p:cNvPicPr>
-          <p:nvPr/>
-        </p:nvPicPr>
-        <p:blipFill>
-          <a:blip r:embed="rId29">
-            <a:extLst>
-              <a:ext uri="{28A0092B-C50C-407E-A947-70E740481C1C}">
-                <a14:useLocalDpi xmlns:a14="http://schemas.microsoft.com/office/drawing/2010/main" val="0"/>
-              </a:ext>
-            </a:extLst>
-          </a:blip>
-          <a:srcRect/>
-          <a:stretch>
-            <a:fillRect/>
-          </a:stretch>
-        </p:blipFill>
-        <p:spPr bwMode="auto">
-          <a:xfrm>
-            <a:off x="1054895" y="4465661"/>
-            <a:ext cx="1333500" cy="952500"/>
-          </a:xfrm>
-          <a:prstGeom prst="rect">
-            <a:avLst/>
-          </a:prstGeom>
-          <a:noFill/>
-          <a:extLst>
-            <a:ext uri="{909E8E84-426E-40DD-AFC4-6F175D3DCCD1}">
-              <a14:hiddenFill xmlns:a14="http://schemas.microsoft.com/office/drawing/2010/main">
-                <a:solidFill>
-                  <a:srgbClr val="FFFFFF"/>
-                </a:solidFill>
-              </a14:hiddenFill>
-            </a:ext>
-          </a:extLst>
-        </p:spPr>
-      </p:pic>
-      <p:pic>
-        <p:nvPicPr>
-          <p:cNvPr id="2064" name="Picture 16" descr="Iterator">
-            <a:hlinkClick r:id="rId30"/>
-          </p:cNvPr>
-          <p:cNvPicPr>
-            <a:picLocks noChangeAspect="1" noChangeArrowheads="1"/>
-          </p:cNvPicPr>
-          <p:nvPr/>
-        </p:nvPicPr>
-        <p:blipFill>
-          <a:blip r:embed="rId31">
-            <a:extLst>
-              <a:ext uri="{28A0092B-C50C-407E-A947-70E740481C1C}">
-                <a14:useLocalDpi xmlns:a14="http://schemas.microsoft.com/office/drawing/2010/main" val="0"/>
-              </a:ext>
-            </a:extLst>
-          </a:blip>
-          <a:srcRect/>
-          <a:stretch>
-            <a:fillRect/>
-          </a:stretch>
-        </p:blipFill>
-        <p:spPr bwMode="auto">
-          <a:xfrm>
-            <a:off x="5716542" y="4465661"/>
-            <a:ext cx="1333500" cy="952500"/>
-          </a:xfrm>
-          <a:prstGeom prst="rect">
-            <a:avLst/>
-          </a:prstGeom>
-          <a:noFill/>
-          <a:extLst>
-            <a:ext uri="{909E8E84-426E-40DD-AFC4-6F175D3DCCD1}">
-              <a14:hiddenFill xmlns:a14="http://schemas.microsoft.com/office/drawing/2010/main">
-                <a:solidFill>
-                  <a:srgbClr val="FFFFFF"/>
-                </a:solidFill>
-              </a14:hiddenFill>
-            </a:ext>
-          </a:extLst>
-        </p:spPr>
-      </p:pic>
-      <p:pic>
-        <p:nvPicPr>
-          <p:cNvPr id="2065" name="Picture 17" descr="Mediator">
-            <a:hlinkClick r:id="rId32"/>
-          </p:cNvPr>
-          <p:cNvPicPr>
-            <a:picLocks noChangeAspect="1" noChangeArrowheads="1"/>
-          </p:cNvPicPr>
-          <p:nvPr/>
-        </p:nvPicPr>
-        <p:blipFill>
-          <a:blip r:embed="rId33">
-            <a:extLst>
-              <a:ext uri="{28A0092B-C50C-407E-A947-70E740481C1C}">
-                <a14:useLocalDpi xmlns:a14="http://schemas.microsoft.com/office/drawing/2010/main" val="0"/>
-              </a:ext>
-            </a:extLst>
-          </a:blip>
-          <a:srcRect/>
-          <a:stretch>
-            <a:fillRect/>
-          </a:stretch>
-        </p:blipFill>
-        <p:spPr bwMode="auto">
-          <a:xfrm>
-            <a:off x="7650163" y="4465661"/>
-            <a:ext cx="1333500" cy="952500"/>
-          </a:xfrm>
-          <a:prstGeom prst="rect">
-            <a:avLst/>
-          </a:prstGeom>
-          <a:noFill/>
-          <a:extLst>
-            <a:ext uri="{909E8E84-426E-40DD-AFC4-6F175D3DCCD1}">
-              <a14:hiddenFill xmlns:a14="http://schemas.microsoft.com/office/drawing/2010/main">
-                <a:solidFill>
-                  <a:srgbClr val="FFFFFF"/>
-                </a:solidFill>
-              </a14:hiddenFill>
-            </a:ext>
-          </a:extLst>
-        </p:spPr>
-      </p:pic>
-      <p:pic>
-        <p:nvPicPr>
-          <p:cNvPr id="2066" name="Picture 18" descr="Memento">
-            <a:hlinkClick r:id="rId34"/>
-          </p:cNvPr>
-          <p:cNvPicPr>
-            <a:picLocks noChangeAspect="1" noChangeArrowheads="1"/>
-          </p:cNvPicPr>
-          <p:nvPr/>
-        </p:nvPicPr>
-        <p:blipFill>
-          <a:blip r:embed="rId35">
-            <a:extLst>
-              <a:ext uri="{28A0092B-C50C-407E-A947-70E740481C1C}">
-                <a14:useLocalDpi xmlns:a14="http://schemas.microsoft.com/office/drawing/2010/main" val="0"/>
-              </a:ext>
-            </a:extLst>
-          </a:blip>
-          <a:srcRect/>
-          <a:stretch>
-            <a:fillRect/>
-          </a:stretch>
-        </p:blipFill>
-        <p:spPr bwMode="auto">
-          <a:xfrm>
-            <a:off x="9728200" y="5598027"/>
-            <a:ext cx="1333500" cy="952500"/>
-          </a:xfrm>
-          <a:prstGeom prst="rect">
-            <a:avLst/>
-          </a:prstGeom>
-          <a:noFill/>
-          <a:extLst>
-            <a:ext uri="{909E8E84-426E-40DD-AFC4-6F175D3DCCD1}">
-              <a14:hiddenFill xmlns:a14="http://schemas.microsoft.com/office/drawing/2010/main">
-                <a:solidFill>
-                  <a:srgbClr val="FFFFFF"/>
-                </a:solidFill>
-              </a14:hiddenFill>
-            </a:ext>
-          </a:extLst>
-        </p:spPr>
-      </p:pic>
-      <p:pic>
-        <p:nvPicPr>
-          <p:cNvPr id="2067" name="Picture 19" descr="Observer">
-            <a:hlinkClick r:id="rId36"/>
-          </p:cNvPr>
-          <p:cNvPicPr>
-            <a:picLocks noChangeAspect="1" noChangeArrowheads="1"/>
-          </p:cNvPicPr>
-          <p:nvPr/>
-        </p:nvPicPr>
-        <p:blipFill>
-          <a:blip r:embed="rId37">
-            <a:extLst>
-              <a:ext uri="{28A0092B-C50C-407E-A947-70E740481C1C}">
-                <a14:useLocalDpi xmlns:a14="http://schemas.microsoft.com/office/drawing/2010/main" val="0"/>
-              </a:ext>
-            </a:extLst>
-          </a:blip>
-          <a:srcRect/>
-          <a:stretch>
-            <a:fillRect/>
-          </a:stretch>
-        </p:blipFill>
-        <p:spPr bwMode="auto">
-          <a:xfrm>
-            <a:off x="9728200" y="4471082"/>
-            <a:ext cx="1333500" cy="952500"/>
-          </a:xfrm>
-          <a:prstGeom prst="rect">
-            <a:avLst/>
-          </a:prstGeom>
-          <a:noFill/>
-          <a:extLst>
-            <a:ext uri="{909E8E84-426E-40DD-AFC4-6F175D3DCCD1}">
-              <a14:hiddenFill xmlns:a14="http://schemas.microsoft.com/office/drawing/2010/main">
-                <a:solidFill>
-                  <a:srgbClr val="FFFFFF"/>
-                </a:solidFill>
-              </a14:hiddenFill>
-            </a:ext>
-          </a:extLst>
-        </p:spPr>
-      </p:pic>
-      <p:pic>
-        <p:nvPicPr>
-          <p:cNvPr id="2068" name="Picture 20" descr="State">
-            <a:hlinkClick r:id="rId38"/>
-          </p:cNvPr>
-          <p:cNvPicPr>
-            <a:picLocks noChangeAspect="1" noChangeArrowheads="1"/>
-          </p:cNvPicPr>
-          <p:nvPr/>
-        </p:nvPicPr>
-        <p:blipFill>
-          <a:blip r:embed="rId39">
-            <a:extLst>
-              <a:ext uri="{28A0092B-C50C-407E-A947-70E740481C1C}">
-                <a14:useLocalDpi xmlns:a14="http://schemas.microsoft.com/office/drawing/2010/main" val="0"/>
-              </a:ext>
-            </a:extLst>
-          </a:blip>
-          <a:srcRect/>
-          <a:stretch>
-            <a:fillRect/>
-          </a:stretch>
-        </p:blipFill>
-        <p:spPr bwMode="auto">
-          <a:xfrm>
-            <a:off x="981620" y="5598027"/>
-            <a:ext cx="1333500" cy="952500"/>
-          </a:xfrm>
-          <a:prstGeom prst="rect">
-            <a:avLst/>
-          </a:prstGeom>
-          <a:noFill/>
-          <a:extLst>
-            <a:ext uri="{909E8E84-426E-40DD-AFC4-6F175D3DCCD1}">
-              <a14:hiddenFill xmlns:a14="http://schemas.microsoft.com/office/drawing/2010/main">
-                <a:solidFill>
-                  <a:srgbClr val="FFFFFF"/>
-                </a:solidFill>
-              </a14:hiddenFill>
-            </a:ext>
-          </a:extLst>
-        </p:spPr>
-      </p:pic>
-      <p:pic>
-        <p:nvPicPr>
-          <p:cNvPr id="2069" name="Picture 21" descr="Strategy">
-            <a:hlinkClick r:id="rId40"/>
-          </p:cNvPr>
-          <p:cNvPicPr>
-            <a:picLocks noChangeAspect="1" noChangeArrowheads="1"/>
-          </p:cNvPicPr>
-          <p:nvPr/>
-        </p:nvPicPr>
-        <p:blipFill>
-          <a:blip r:embed="rId41">
-            <a:extLst>
-              <a:ext uri="{28A0092B-C50C-407E-A947-70E740481C1C}">
-                <a14:useLocalDpi xmlns:a14="http://schemas.microsoft.com/office/drawing/2010/main" val="0"/>
-              </a:ext>
-            </a:extLst>
-          </a:blip>
-          <a:srcRect/>
-          <a:stretch>
-            <a:fillRect/>
-          </a:stretch>
-        </p:blipFill>
-        <p:spPr bwMode="auto">
-          <a:xfrm>
-            <a:off x="3427413" y="5598027"/>
-            <a:ext cx="1333500" cy="952500"/>
-          </a:xfrm>
-          <a:prstGeom prst="rect">
-            <a:avLst/>
-          </a:prstGeom>
-          <a:noFill/>
-          <a:extLst>
-            <a:ext uri="{909E8E84-426E-40DD-AFC4-6F175D3DCCD1}">
-              <a14:hiddenFill xmlns:a14="http://schemas.microsoft.com/office/drawing/2010/main">
-                <a:solidFill>
-                  <a:srgbClr val="FFFFFF"/>
-                </a:solidFill>
-              </a14:hiddenFill>
-            </a:ext>
-          </a:extLst>
-        </p:spPr>
-      </p:pic>
-      <p:pic>
-        <p:nvPicPr>
-          <p:cNvPr id="2070" name="Picture 22" descr="Template Method">
-            <a:hlinkClick r:id="rId42"/>
-          </p:cNvPr>
-          <p:cNvPicPr>
-            <a:picLocks noChangeAspect="1" noChangeArrowheads="1"/>
-          </p:cNvPicPr>
-          <p:nvPr/>
-        </p:nvPicPr>
-        <p:blipFill>
-          <a:blip r:embed="rId43">
-            <a:extLst>
-              <a:ext uri="{28A0092B-C50C-407E-A947-70E740481C1C}">
-                <a14:useLocalDpi xmlns:a14="http://schemas.microsoft.com/office/drawing/2010/main" val="0"/>
-              </a:ext>
-            </a:extLst>
-          </a:blip>
-          <a:srcRect/>
-          <a:stretch>
-            <a:fillRect/>
-          </a:stretch>
-        </p:blipFill>
-        <p:spPr bwMode="auto">
-          <a:xfrm>
-            <a:off x="5546725" y="5598027"/>
-            <a:ext cx="1333500" cy="952500"/>
-          </a:xfrm>
-          <a:prstGeom prst="rect">
-            <a:avLst/>
-          </a:prstGeom>
-          <a:noFill/>
-          <a:extLst>
-            <a:ext uri="{909E8E84-426E-40DD-AFC4-6F175D3DCCD1}">
-              <a14:hiddenFill xmlns:a14="http://schemas.microsoft.com/office/drawing/2010/main">
-                <a:solidFill>
-                  <a:srgbClr val="FFFFFF"/>
-                </a:solidFill>
-              </a14:hiddenFill>
-            </a:ext>
-          </a:extLst>
-        </p:spPr>
-      </p:pic>
-      <p:pic>
-        <p:nvPicPr>
-          <p:cNvPr id="2071" name="Picture 23" descr="Visitor">
-            <a:hlinkClick r:id="rId44"/>
-          </p:cNvPr>
-          <p:cNvPicPr>
-            <a:picLocks noChangeAspect="1" noChangeArrowheads="1"/>
-          </p:cNvPicPr>
-          <p:nvPr/>
-        </p:nvPicPr>
-        <p:blipFill>
-          <a:blip r:embed="rId45">
-            <a:extLst>
-              <a:ext uri="{28A0092B-C50C-407E-A947-70E740481C1C}">
-                <a14:useLocalDpi xmlns:a14="http://schemas.microsoft.com/office/drawing/2010/main" val="0"/>
-              </a:ext>
-            </a:extLst>
-          </a:blip>
-          <a:srcRect/>
-          <a:stretch>
-            <a:fillRect/>
-          </a:stretch>
-        </p:blipFill>
-        <p:spPr bwMode="auto">
-          <a:xfrm>
-            <a:off x="7506245" y="5598027"/>
-            <a:ext cx="1333500" cy="952500"/>
-          </a:xfrm>
-          <a:prstGeom prst="rect">
-            <a:avLst/>
-          </a:prstGeom>
-          <a:noFill/>
-          <a:extLst>
-            <a:ext uri="{909E8E84-426E-40DD-AFC4-6F175D3DCCD1}">
-              <a14:hiddenFill xmlns:a14="http://schemas.microsoft.com/office/drawing/2010/main">
-                <a:solidFill>
-                  <a:srgbClr val="FFFFFF"/>
-                </a:solidFill>
-              </a14:hiddenFill>
-            </a:ext>
-          </a:extLst>
-        </p:spPr>
-      </p:pic>
-    </p:spTree>
-    <p:extLst>
-      <p:ext uri="{BB962C8B-B14F-4D97-AF65-F5344CB8AC3E}">
-        <p14:creationId xmlns:p14="http://schemas.microsoft.com/office/powerpoint/2010/main" val="3121362994"/>
+        <p14:creationId xmlns:p14="http://schemas.microsoft.com/office/powerpoint/2010/main" val="1112481994"/>
       </p:ext>
     </p:extLst>
   </p:cSld>
@@ -9102,85 +10616,177 @@
       </p:grpSpPr>
       <p:sp>
         <p:nvSpPr>
-          <p:cNvPr id="2" name="Title 1"/>
+          <p:cNvPr id="5" name="Rectangle 2"/>
           <p:cNvSpPr>
-            <a:spLocks noGrp="1"/>
-          </p:cNvSpPr>
-          <p:nvPr>
-            <p:ph type="ctrTitle"/>
-          </p:nvPr>
-        </p:nvSpPr>
-        <p:spPr>
-          <a:xfrm>
-            <a:off x="1563189" y="1170576"/>
-            <a:ext cx="9144000" cy="2387600"/>
-          </a:xfrm>
-        </p:spPr>
-        <p:txBody>
-          <a:bodyPr>
-            <a:normAutofit/>
-          </a:bodyPr>
-          <a:lstStyle/>
-          <a:p>
-            <a:r>
-              <a:rPr lang="en-US" dirty="0"/>
-              <a:t>Singleton in </a:t>
-            </a:r>
-            <a:r>
-              <a:rPr lang="en-US" dirty="0" smtClean="0"/>
-              <a:t>Python</a:t>
-            </a:r>
-            <a:endParaRPr lang="en-US" dirty="0">
-              <a:latin typeface="Consolas" panose="020B0609020204030204" pitchFamily="49" charset="0"/>
-            </a:endParaRPr>
-          </a:p>
-        </p:txBody>
-      </p:sp>
-      <p:pic>
-        <p:nvPicPr>
-          <p:cNvPr id="4" name="Picture 2" descr="Singleton"/>
-          <p:cNvPicPr>
-            <a:picLocks noChangeAspect="1" noChangeArrowheads="1"/>
-          </p:cNvPicPr>
+            <a:spLocks noChangeArrowheads="1"/>
+          </p:cNvSpPr>
           <p:nvPr/>
-        </p:nvPicPr>
-        <p:blipFill>
-          <a:blip r:embed="rId2">
-            <a:extLst>
-              <a:ext uri="{28A0092B-C50C-407E-A947-70E740481C1C}">
-                <a14:useLocalDpi xmlns:a14="http://schemas.microsoft.com/office/drawing/2010/main" val="0"/>
-              </a:ext>
-            </a:extLst>
-          </a:blip>
-          <a:srcRect/>
-          <a:stretch>
-            <a:fillRect/>
-          </a:stretch>
-        </p:blipFill>
+        </p:nvSpPr>
         <p:spPr bwMode="auto">
           <a:xfrm>
-            <a:off x="209877" y="431073"/>
-            <a:ext cx="2706624" cy="1933303"/>
+            <a:off x="1645307" y="721413"/>
+            <a:ext cx="8617744" cy="738664"/>
           </a:xfrm>
           <a:prstGeom prst="rect">
             <a:avLst/>
           </a:prstGeom>
           <a:noFill/>
+          <a:ln>
+            <a:noFill/>
+          </a:ln>
+          <a:effectLst/>
           <a:extLst>
             <a:ext uri="{909E8E84-426E-40DD-AFC4-6F175D3DCCD1}">
               <a14:hiddenFill xmlns:a14="http://schemas.microsoft.com/office/drawing/2010/main">
                 <a:solidFill>
-                  <a:srgbClr val="FFFFFF"/>
+                  <a:schemeClr val="accent1"/>
                 </a:solidFill>
               </a14:hiddenFill>
             </a:ext>
+            <a:ext uri="{91240B29-F687-4F45-9708-019B960494DF}">
+              <a14:hiddenLine xmlns:a14="http://schemas.microsoft.com/office/drawing/2010/main" w="9525">
+                <a:solidFill>
+                  <a:schemeClr val="tx1"/>
+                </a:solidFill>
+                <a:miter lim="800000"/>
+                <a:headEnd/>
+                <a:tailEnd/>
+              </a14:hiddenLine>
+            </a:ext>
+            <a:ext uri="{AF507438-7753-43E0-B8FC-AC1667EBCBE1}">
+              <a14:hiddenEffects xmlns:a14="http://schemas.microsoft.com/office/drawing/2010/main">
+                <a:effectLst>
+                  <a:outerShdw dist="35921" dir="2700000" algn="ctr" rotWithShape="0">
+                    <a:schemeClr val="bg2"/>
+                  </a:outerShdw>
+                </a:effectLst>
+              </a14:hiddenEffects>
+            </a:ext>
           </a:extLst>
         </p:spPr>
-      </p:pic>
+        <p:txBody>
+          <a:bodyPr vert="horz" wrap="none" lIns="0" tIns="0" rIns="0" bIns="0" numCol="1" anchor="ctr" anchorCtr="0" compatLnSpc="1">
+            <a:prstTxWarp prst="textNoShape">
+              <a:avLst/>
+            </a:prstTxWarp>
+            <a:spAutoFit/>
+          </a:bodyPr>
+          <a:lstStyle/>
+          <a:p>
+            <a:r>
+              <a:rPr lang="en-US" sz="4000" dirty="0">
+                <a:latin typeface="Source Code Pro" panose="020B0509030403020204" pitchFamily="49" charset="0"/>
+              </a:rPr>
+              <a:t>Why should I learn patterns</a:t>
+            </a:r>
+            <a:r>
+              <a:rPr lang="en-US" sz="4000" dirty="0" smtClean="0">
+                <a:latin typeface="Source Code Pro" panose="020B0509030403020204" pitchFamily="49" charset="0"/>
+              </a:rPr>
+              <a:t>?</a:t>
+            </a:r>
+            <a:r>
+              <a:rPr lang="en-US" sz="6000" dirty="0">
+                <a:latin typeface="Source Code Pro" panose="020B0509030403020204" pitchFamily="49" charset="0"/>
+              </a:rPr>
+              <a:t/>
+            </a:r>
+            <a:br>
+              <a:rPr lang="en-US" sz="6000" dirty="0">
+                <a:latin typeface="Source Code Pro" panose="020B0509030403020204" pitchFamily="49" charset="0"/>
+              </a:rPr>
+            </a:br>
+            <a:endParaRPr kumimoji="0" lang="en-US" altLang="en-US" sz="800" i="0" u="none" strike="noStrike" cap="none" normalizeH="0" baseline="0" dirty="0" smtClean="0">
+              <a:ln>
+                <a:noFill/>
+              </a:ln>
+              <a:solidFill>
+                <a:schemeClr val="tx1"/>
+              </a:solidFill>
+              <a:effectLst/>
+              <a:latin typeface="Source Code Pro" panose="020B0509030403020204" pitchFamily="49" charset="0"/>
+            </a:endParaRPr>
+          </a:p>
+        </p:txBody>
+      </p:sp>
+      <p:sp>
+        <p:nvSpPr>
+          <p:cNvPr id="4" name="Rectangle 3"/>
+          <p:cNvSpPr/>
+          <p:nvPr/>
+        </p:nvSpPr>
+        <p:spPr>
+          <a:xfrm>
+            <a:off x="1787128" y="2233748"/>
+            <a:ext cx="8334103" cy="3139321"/>
+          </a:xfrm>
+          <a:prstGeom prst="rect">
+            <a:avLst/>
+          </a:prstGeom>
+        </p:spPr>
+        <p:txBody>
+          <a:bodyPr wrap="square">
+            <a:spAutoFit/>
+          </a:bodyPr>
+          <a:lstStyle/>
+          <a:p>
+            <a:pPr>
+              <a:buFont typeface="Arial" panose="020B0604020202020204" pitchFamily="34" charset="0"/>
+              <a:buChar char="•"/>
+            </a:pPr>
+            <a:r>
+              <a:rPr lang="en-US" dirty="0" smtClean="0">
+                <a:solidFill>
+                  <a:srgbClr val="444444"/>
+                </a:solidFill>
+                <a:latin typeface="Open Sans" pitchFamily="2" charset="0"/>
+                <a:ea typeface="Open Sans" pitchFamily="2" charset="0"/>
+                <a:cs typeface="Open Sans" pitchFamily="2" charset="0"/>
+              </a:rPr>
+              <a:t> Design patterns are a toolkit of tried and tested solutions to common problems in software design. Even if you never encounter these problems, knowing patterns is still useful because it teaches you how to solve all sorts of problems using principles of object-oriented design.</a:t>
+            </a:r>
+          </a:p>
+          <a:p>
+            <a:pPr>
+              <a:buFont typeface="Arial" panose="020B0604020202020204" pitchFamily="34" charset="0"/>
+              <a:buChar char="•"/>
+            </a:pPr>
+            <a:endParaRPr lang="en-US" dirty="0" smtClean="0">
+              <a:solidFill>
+                <a:srgbClr val="444444"/>
+              </a:solidFill>
+              <a:latin typeface="Open Sans" pitchFamily="2" charset="0"/>
+              <a:ea typeface="Open Sans" pitchFamily="2" charset="0"/>
+              <a:cs typeface="Open Sans" pitchFamily="2" charset="0"/>
+            </a:endParaRPr>
+          </a:p>
+          <a:p>
+            <a:pPr>
+              <a:buFont typeface="Arial" panose="020B0604020202020204" pitchFamily="34" charset="0"/>
+              <a:buChar char="•"/>
+            </a:pPr>
+            <a:r>
+              <a:rPr lang="en-US" dirty="0" smtClean="0">
+                <a:latin typeface="Open Sans" pitchFamily="2" charset="0"/>
+                <a:ea typeface="Open Sans" pitchFamily="2" charset="0"/>
+                <a:cs typeface="Open Sans" pitchFamily="2" charset="0"/>
+              </a:rPr>
+              <a:t> Design patterns define a common language that you and your teammates can use to communicate more efficiently. You can say, “Oh, just use a Singleton for that,” and everyone will understand the idea behind your suggestion. No need to explain what a singleton is if you know the pattern and its name.</a:t>
+            </a:r>
+          </a:p>
+          <a:p>
+            <a:endParaRPr lang="en-US" dirty="0">
+              <a:latin typeface="Open Sans" pitchFamily="2" charset="0"/>
+              <a:ea typeface="Open Sans" pitchFamily="2" charset="0"/>
+              <a:cs typeface="Open Sans" pitchFamily="2" charset="0"/>
+            </a:endParaRPr>
+          </a:p>
+        </p:txBody>
+      </p:sp>
     </p:spTree>
     <p:extLst>
       <p:ext uri="{BB962C8B-B14F-4D97-AF65-F5344CB8AC3E}">
-        <p14:creationId xmlns:p14="http://schemas.microsoft.com/office/powerpoint/2010/main" val="1528680066"/>
+        <p14:creationId xmlns:p14="http://schemas.microsoft.com/office/powerpoint/2010/main" val="2067233184"/>
       </p:ext>
     </p:extLst>
   </p:cSld>
